--- a/asset/ppt/ch01a.pptx
+++ b/asset/ppt/ch01a.pptx
@@ -26922,7 +26922,7 @@
           <a:p>
             <a:fld id="{B8322ED2-AA20-DC4A-9CA1-814CBB0E7E0D}" type="datetimeFigureOut">
               <a:rPr kumimoji="1" lang="zh-TW" altLang="en-US" smtClean="0"/>
-              <a:t>2025/12/18</a:t>
+              <a:t>2025/12/19</a:t>
             </a:fld>
             <a:endParaRPr kumimoji="1" lang="zh-TW" altLang="en-US"/>
           </a:p>
@@ -27120,7 +27120,7 @@
           <a:p>
             <a:fld id="{B8322ED2-AA20-DC4A-9CA1-814CBB0E7E0D}" type="datetimeFigureOut">
               <a:rPr kumimoji="1" lang="zh-TW" altLang="en-US" smtClean="0"/>
-              <a:t>2025/12/18</a:t>
+              <a:t>2025/12/19</a:t>
             </a:fld>
             <a:endParaRPr kumimoji="1" lang="zh-TW" altLang="en-US"/>
           </a:p>
@@ -27328,7 +27328,7 @@
           <a:p>
             <a:fld id="{B8322ED2-AA20-DC4A-9CA1-814CBB0E7E0D}" type="datetimeFigureOut">
               <a:rPr kumimoji="1" lang="zh-TW" altLang="en-US" smtClean="0"/>
-              <a:t>2025/12/18</a:t>
+              <a:t>2025/12/19</a:t>
             </a:fld>
             <a:endParaRPr kumimoji="1" lang="zh-TW" altLang="en-US"/>
           </a:p>
@@ -27526,7 +27526,7 @@
           <a:p>
             <a:fld id="{B8322ED2-AA20-DC4A-9CA1-814CBB0E7E0D}" type="datetimeFigureOut">
               <a:rPr kumimoji="1" lang="zh-TW" altLang="en-US" smtClean="0"/>
-              <a:t>2025/12/18</a:t>
+              <a:t>2025/12/19</a:t>
             </a:fld>
             <a:endParaRPr kumimoji="1" lang="zh-TW" altLang="en-US"/>
           </a:p>
@@ -27801,7 +27801,7 @@
           <a:p>
             <a:fld id="{B8322ED2-AA20-DC4A-9CA1-814CBB0E7E0D}" type="datetimeFigureOut">
               <a:rPr kumimoji="1" lang="zh-TW" altLang="en-US" smtClean="0"/>
-              <a:t>2025/12/18</a:t>
+              <a:t>2025/12/19</a:t>
             </a:fld>
             <a:endParaRPr kumimoji="1" lang="zh-TW" altLang="en-US"/>
           </a:p>
@@ -28066,7 +28066,7 @@
           <a:p>
             <a:fld id="{B8322ED2-AA20-DC4A-9CA1-814CBB0E7E0D}" type="datetimeFigureOut">
               <a:rPr kumimoji="1" lang="zh-TW" altLang="en-US" smtClean="0"/>
-              <a:t>2025/12/18</a:t>
+              <a:t>2025/12/19</a:t>
             </a:fld>
             <a:endParaRPr kumimoji="1" lang="zh-TW" altLang="en-US"/>
           </a:p>
@@ -28478,7 +28478,7 @@
           <a:p>
             <a:fld id="{B8322ED2-AA20-DC4A-9CA1-814CBB0E7E0D}" type="datetimeFigureOut">
               <a:rPr kumimoji="1" lang="zh-TW" altLang="en-US" smtClean="0"/>
-              <a:t>2025/12/18</a:t>
+              <a:t>2025/12/19</a:t>
             </a:fld>
             <a:endParaRPr kumimoji="1" lang="zh-TW" altLang="en-US"/>
           </a:p>
@@ -28619,7 +28619,7 @@
           <a:p>
             <a:fld id="{B8322ED2-AA20-DC4A-9CA1-814CBB0E7E0D}" type="datetimeFigureOut">
               <a:rPr kumimoji="1" lang="zh-TW" altLang="en-US" smtClean="0"/>
-              <a:t>2025/12/18</a:t>
+              <a:t>2025/12/19</a:t>
             </a:fld>
             <a:endParaRPr kumimoji="1" lang="zh-TW" altLang="en-US"/>
           </a:p>
@@ -28732,7 +28732,7 @@
           <a:p>
             <a:fld id="{B8322ED2-AA20-DC4A-9CA1-814CBB0E7E0D}" type="datetimeFigureOut">
               <a:rPr kumimoji="1" lang="zh-TW" altLang="en-US" smtClean="0"/>
-              <a:t>2025/12/18</a:t>
+              <a:t>2025/12/19</a:t>
             </a:fld>
             <a:endParaRPr kumimoji="1" lang="zh-TW" altLang="en-US"/>
           </a:p>
@@ -29043,7 +29043,7 @@
           <a:p>
             <a:fld id="{B8322ED2-AA20-DC4A-9CA1-814CBB0E7E0D}" type="datetimeFigureOut">
               <a:rPr kumimoji="1" lang="zh-TW" altLang="en-US" smtClean="0"/>
-              <a:t>2025/12/18</a:t>
+              <a:t>2025/12/19</a:t>
             </a:fld>
             <a:endParaRPr kumimoji="1" lang="zh-TW" altLang="en-US"/>
           </a:p>
@@ -29331,7 +29331,7 @@
           <a:p>
             <a:fld id="{B8322ED2-AA20-DC4A-9CA1-814CBB0E7E0D}" type="datetimeFigureOut">
               <a:rPr kumimoji="1" lang="zh-TW" altLang="en-US" smtClean="0"/>
-              <a:t>2025/12/18</a:t>
+              <a:t>2025/12/19</a:t>
             </a:fld>
             <a:endParaRPr kumimoji="1" lang="zh-TW" altLang="en-US"/>
           </a:p>
@@ -29572,7 +29572,7 @@
           <a:p>
             <a:fld id="{B8322ED2-AA20-DC4A-9CA1-814CBB0E7E0D}" type="datetimeFigureOut">
               <a:rPr kumimoji="1" lang="zh-TW" altLang="en-US" smtClean="0"/>
-              <a:t>2025/12/18</a:t>
+              <a:t>2025/12/19</a:t>
             </a:fld>
             <a:endParaRPr kumimoji="1" lang="zh-TW" altLang="en-US"/>
           </a:p>
@@ -30511,7 +30511,7 @@
           <p:nvPr>
             <p:extLst>
               <p:ext uri="{D42A27DB-BD31-4B8C-83A1-F6EECF244321}">
-                <p14:modId xmlns:p14="http://schemas.microsoft.com/office/powerpoint/2010/main" val="3250426370"/>
+                <p14:modId xmlns:p14="http://schemas.microsoft.com/office/powerpoint/2010/main" val="2968574650"/>
               </p:ext>
             </p:extLst>
           </p:nvPr>
@@ -30611,7 +30611,7 @@
             <p:ph idx="1"/>
             <p:extLst>
               <p:ext uri="{D42A27DB-BD31-4B8C-83A1-F6EECF244321}">
-                <p14:modId xmlns:p14="http://schemas.microsoft.com/office/powerpoint/2010/main" val="3889176999"/>
+                <p14:modId xmlns:p14="http://schemas.microsoft.com/office/powerpoint/2010/main" val="3237902514"/>
               </p:ext>
             </p:extLst>
           </p:nvPr>

--- a/asset/ppt/ch01a.pptx
+++ b/asset/ppt/ch01a.pptx
@@ -6,9 +6,10 @@
   </p:sldMasterIdLst>
   <p:sldIdLst>
     <p:sldId id="257" r:id="rId2"/>
-    <p:sldId id="258" r:id="rId3"/>
-    <p:sldId id="259" r:id="rId4"/>
-    <p:sldId id="260" r:id="rId5"/>
+    <p:sldId id="261" r:id="rId3"/>
+    <p:sldId id="258" r:id="rId4"/>
+    <p:sldId id="259" r:id="rId5"/>
+    <p:sldId id="260" r:id="rId6"/>
   </p:sldIdLst>
   <p:sldSz cx="12192000" cy="6858000"/>
   <p:notesSz cx="6858000" cy="9144000"/>
@@ -2356,6 +2357,753 @@
 </dgm:colorsDef>
 </file>
 
+<file path=ppt/diagrams/colors4.xml><?xml version="1.0" encoding="utf-8"?>
+<dgm:colorsDef xmlns:dgm="http://schemas.openxmlformats.org/drawingml/2006/diagram" xmlns:a="http://schemas.openxmlformats.org/drawingml/2006/main" uniqueId="urn:microsoft.com/office/officeart/2005/8/colors/accent1_2">
+  <dgm:title val=""/>
+  <dgm:desc val=""/>
+  <dgm:catLst>
+    <dgm:cat type="accent1" pri="11200"/>
+  </dgm:catLst>
+  <dgm:styleLbl name="node0">
+    <dgm:fillClrLst meth="repeat">
+      <a:schemeClr val="accent1"/>
+    </dgm:fillClrLst>
+    <dgm:linClrLst meth="repeat">
+      <a:schemeClr val="lt1"/>
+    </dgm:linClrLst>
+    <dgm:effectClrLst/>
+    <dgm:txLinClrLst/>
+    <dgm:txFillClrLst/>
+    <dgm:txEffectClrLst/>
+  </dgm:styleLbl>
+  <dgm:styleLbl name="alignNode1">
+    <dgm:fillClrLst meth="repeat">
+      <a:schemeClr val="accent1"/>
+    </dgm:fillClrLst>
+    <dgm:linClrLst meth="repeat">
+      <a:schemeClr val="accent1"/>
+    </dgm:linClrLst>
+    <dgm:effectClrLst/>
+    <dgm:txLinClrLst/>
+    <dgm:txFillClrLst/>
+    <dgm:txEffectClrLst/>
+  </dgm:styleLbl>
+  <dgm:styleLbl name="node1">
+    <dgm:fillClrLst meth="repeat">
+      <a:schemeClr val="accent1"/>
+    </dgm:fillClrLst>
+    <dgm:linClrLst meth="repeat">
+      <a:schemeClr val="lt1"/>
+    </dgm:linClrLst>
+    <dgm:effectClrLst/>
+    <dgm:txLinClrLst/>
+    <dgm:txFillClrLst/>
+    <dgm:txEffectClrLst/>
+  </dgm:styleLbl>
+  <dgm:styleLbl name="lnNode1">
+    <dgm:fillClrLst meth="repeat">
+      <a:schemeClr val="accent1"/>
+    </dgm:fillClrLst>
+    <dgm:linClrLst meth="repeat">
+      <a:schemeClr val="lt1"/>
+    </dgm:linClrLst>
+    <dgm:effectClrLst/>
+    <dgm:txLinClrLst/>
+    <dgm:txFillClrLst/>
+    <dgm:txEffectClrLst/>
+  </dgm:styleLbl>
+  <dgm:styleLbl name="vennNode1">
+    <dgm:fillClrLst meth="repeat">
+      <a:schemeClr val="accent1">
+        <a:alpha val="50000"/>
+      </a:schemeClr>
+    </dgm:fillClrLst>
+    <dgm:linClrLst meth="repeat">
+      <a:schemeClr val="lt1"/>
+    </dgm:linClrLst>
+    <dgm:effectClrLst/>
+    <dgm:txLinClrLst/>
+    <dgm:txFillClrLst/>
+    <dgm:txEffectClrLst/>
+  </dgm:styleLbl>
+  <dgm:styleLbl name="node2">
+    <dgm:fillClrLst meth="repeat">
+      <a:schemeClr val="accent1"/>
+    </dgm:fillClrLst>
+    <dgm:linClrLst meth="repeat">
+      <a:schemeClr val="lt1"/>
+    </dgm:linClrLst>
+    <dgm:effectClrLst/>
+    <dgm:txLinClrLst/>
+    <dgm:txFillClrLst/>
+    <dgm:txEffectClrLst/>
+  </dgm:styleLbl>
+  <dgm:styleLbl name="node3">
+    <dgm:fillClrLst meth="repeat">
+      <a:schemeClr val="accent1"/>
+    </dgm:fillClrLst>
+    <dgm:linClrLst meth="repeat">
+      <a:schemeClr val="lt1"/>
+    </dgm:linClrLst>
+    <dgm:effectClrLst/>
+    <dgm:txLinClrLst/>
+    <dgm:txFillClrLst/>
+    <dgm:txEffectClrLst/>
+  </dgm:styleLbl>
+  <dgm:styleLbl name="node4">
+    <dgm:fillClrLst meth="repeat">
+      <a:schemeClr val="accent1"/>
+    </dgm:fillClrLst>
+    <dgm:linClrLst meth="repeat">
+      <a:schemeClr val="lt1"/>
+    </dgm:linClrLst>
+    <dgm:effectClrLst/>
+    <dgm:txLinClrLst/>
+    <dgm:txFillClrLst/>
+    <dgm:txEffectClrLst/>
+  </dgm:styleLbl>
+  <dgm:styleLbl name="fgImgPlace1">
+    <dgm:fillClrLst meth="repeat">
+      <a:schemeClr val="accent1">
+        <a:tint val="50000"/>
+      </a:schemeClr>
+    </dgm:fillClrLst>
+    <dgm:linClrLst meth="repeat">
+      <a:schemeClr val="lt1"/>
+    </dgm:linClrLst>
+    <dgm:effectClrLst/>
+    <dgm:txLinClrLst/>
+    <dgm:txFillClrLst meth="repeat">
+      <a:schemeClr val="lt1"/>
+    </dgm:txFillClrLst>
+    <dgm:txEffectClrLst/>
+  </dgm:styleLbl>
+  <dgm:styleLbl name="alignImgPlace1">
+    <dgm:fillClrLst meth="repeat">
+      <a:schemeClr val="accent1">
+        <a:tint val="50000"/>
+      </a:schemeClr>
+    </dgm:fillClrLst>
+    <dgm:linClrLst meth="repeat">
+      <a:schemeClr val="lt1"/>
+    </dgm:linClrLst>
+    <dgm:effectClrLst/>
+    <dgm:txLinClrLst/>
+    <dgm:txFillClrLst meth="repeat">
+      <a:schemeClr val="lt1"/>
+    </dgm:txFillClrLst>
+    <dgm:txEffectClrLst/>
+  </dgm:styleLbl>
+  <dgm:styleLbl name="bgImgPlace1">
+    <dgm:fillClrLst meth="repeat">
+      <a:schemeClr val="accent1">
+        <a:tint val="50000"/>
+      </a:schemeClr>
+    </dgm:fillClrLst>
+    <dgm:linClrLst meth="repeat">
+      <a:schemeClr val="lt1"/>
+    </dgm:linClrLst>
+    <dgm:effectClrLst/>
+    <dgm:txLinClrLst/>
+    <dgm:txFillClrLst meth="repeat">
+      <a:schemeClr val="lt1"/>
+    </dgm:txFillClrLst>
+    <dgm:txEffectClrLst/>
+  </dgm:styleLbl>
+  <dgm:styleLbl name="sibTrans2D1">
+    <dgm:fillClrLst meth="repeat">
+      <a:schemeClr val="accent1">
+        <a:tint val="60000"/>
+      </a:schemeClr>
+    </dgm:fillClrLst>
+    <dgm:linClrLst meth="repeat">
+      <a:schemeClr val="accent1">
+        <a:tint val="60000"/>
+      </a:schemeClr>
+    </dgm:linClrLst>
+    <dgm:effectClrLst/>
+    <dgm:txLinClrLst/>
+    <dgm:txFillClrLst/>
+    <dgm:txEffectClrLst/>
+  </dgm:styleLbl>
+  <dgm:styleLbl name="fgSibTrans2D1">
+    <dgm:fillClrLst meth="repeat">
+      <a:schemeClr val="accent1">
+        <a:tint val="60000"/>
+      </a:schemeClr>
+    </dgm:fillClrLst>
+    <dgm:linClrLst meth="repeat">
+      <a:schemeClr val="accent1">
+        <a:tint val="60000"/>
+      </a:schemeClr>
+    </dgm:linClrLst>
+    <dgm:effectClrLst/>
+    <dgm:txLinClrLst/>
+    <dgm:txFillClrLst/>
+    <dgm:txEffectClrLst/>
+  </dgm:styleLbl>
+  <dgm:styleLbl name="bgSibTrans2D1">
+    <dgm:fillClrLst meth="repeat">
+      <a:schemeClr val="accent1">
+        <a:tint val="60000"/>
+      </a:schemeClr>
+    </dgm:fillClrLst>
+    <dgm:linClrLst meth="repeat">
+      <a:schemeClr val="accent1">
+        <a:tint val="60000"/>
+      </a:schemeClr>
+    </dgm:linClrLst>
+    <dgm:effectClrLst/>
+    <dgm:txLinClrLst/>
+    <dgm:txFillClrLst/>
+    <dgm:txEffectClrLst/>
+  </dgm:styleLbl>
+  <dgm:styleLbl name="sibTrans1D1">
+    <dgm:fillClrLst meth="repeat">
+      <a:schemeClr val="accent1"/>
+    </dgm:fillClrLst>
+    <dgm:linClrLst meth="repeat">
+      <a:schemeClr val="accent1"/>
+    </dgm:linClrLst>
+    <dgm:effectClrLst/>
+    <dgm:txLinClrLst/>
+    <dgm:txFillClrLst meth="repeat">
+      <a:schemeClr val="tx1"/>
+    </dgm:txFillClrLst>
+    <dgm:txEffectClrLst/>
+  </dgm:styleLbl>
+  <dgm:styleLbl name="callout">
+    <dgm:fillClrLst meth="repeat">
+      <a:schemeClr val="accent1"/>
+    </dgm:fillClrLst>
+    <dgm:linClrLst meth="repeat">
+      <a:schemeClr val="accent1">
+        <a:tint val="50000"/>
+      </a:schemeClr>
+    </dgm:linClrLst>
+    <dgm:effectClrLst/>
+    <dgm:txLinClrLst/>
+    <dgm:txFillClrLst meth="repeat">
+      <a:schemeClr val="tx1"/>
+    </dgm:txFillClrLst>
+    <dgm:txEffectClrLst/>
+  </dgm:styleLbl>
+  <dgm:styleLbl name="asst0">
+    <dgm:fillClrLst meth="repeat">
+      <a:schemeClr val="accent1"/>
+    </dgm:fillClrLst>
+    <dgm:linClrLst meth="repeat">
+      <a:schemeClr val="lt1"/>
+    </dgm:linClrLst>
+    <dgm:effectClrLst/>
+    <dgm:txLinClrLst/>
+    <dgm:txFillClrLst/>
+    <dgm:txEffectClrLst/>
+  </dgm:styleLbl>
+  <dgm:styleLbl name="asst1">
+    <dgm:fillClrLst meth="repeat">
+      <a:schemeClr val="accent1"/>
+    </dgm:fillClrLst>
+    <dgm:linClrLst meth="repeat">
+      <a:schemeClr val="lt1"/>
+    </dgm:linClrLst>
+    <dgm:effectClrLst/>
+    <dgm:txLinClrLst/>
+    <dgm:txFillClrLst/>
+    <dgm:txEffectClrLst/>
+  </dgm:styleLbl>
+  <dgm:styleLbl name="asst2">
+    <dgm:fillClrLst meth="repeat">
+      <a:schemeClr val="accent1"/>
+    </dgm:fillClrLst>
+    <dgm:linClrLst meth="repeat">
+      <a:schemeClr val="lt1"/>
+    </dgm:linClrLst>
+    <dgm:effectClrLst/>
+    <dgm:txLinClrLst/>
+    <dgm:txFillClrLst/>
+    <dgm:txEffectClrLst/>
+  </dgm:styleLbl>
+  <dgm:styleLbl name="asst3">
+    <dgm:fillClrLst meth="repeat">
+      <a:schemeClr val="accent1"/>
+    </dgm:fillClrLst>
+    <dgm:linClrLst meth="repeat">
+      <a:schemeClr val="lt1"/>
+    </dgm:linClrLst>
+    <dgm:effectClrLst/>
+    <dgm:txLinClrLst/>
+    <dgm:txFillClrLst/>
+    <dgm:txEffectClrLst/>
+  </dgm:styleLbl>
+  <dgm:styleLbl name="asst4">
+    <dgm:fillClrLst meth="repeat">
+      <a:schemeClr val="accent1"/>
+    </dgm:fillClrLst>
+    <dgm:linClrLst meth="repeat">
+      <a:schemeClr val="lt1"/>
+    </dgm:linClrLst>
+    <dgm:effectClrLst/>
+    <dgm:txLinClrLst/>
+    <dgm:txFillClrLst/>
+    <dgm:txEffectClrLst/>
+  </dgm:styleLbl>
+  <dgm:styleLbl name="parChTrans2D1">
+    <dgm:fillClrLst meth="repeat">
+      <a:schemeClr val="accent1">
+        <a:tint val="60000"/>
+      </a:schemeClr>
+    </dgm:fillClrLst>
+    <dgm:linClrLst meth="repeat">
+      <a:schemeClr val="accent1">
+        <a:tint val="60000"/>
+      </a:schemeClr>
+    </dgm:linClrLst>
+    <dgm:effectClrLst/>
+    <dgm:txLinClrLst/>
+    <dgm:txFillClrLst meth="repeat">
+      <a:schemeClr val="lt1"/>
+    </dgm:txFillClrLst>
+    <dgm:txEffectClrLst/>
+  </dgm:styleLbl>
+  <dgm:styleLbl name="parChTrans2D2">
+    <dgm:fillClrLst meth="repeat">
+      <a:schemeClr val="accent1"/>
+    </dgm:fillClrLst>
+    <dgm:linClrLst meth="repeat">
+      <a:schemeClr val="accent1"/>
+    </dgm:linClrLst>
+    <dgm:effectClrLst/>
+    <dgm:txLinClrLst/>
+    <dgm:txFillClrLst meth="repeat">
+      <a:schemeClr val="lt1"/>
+    </dgm:txFillClrLst>
+    <dgm:txEffectClrLst/>
+  </dgm:styleLbl>
+  <dgm:styleLbl name="parChTrans2D3">
+    <dgm:fillClrLst meth="repeat">
+      <a:schemeClr val="accent1"/>
+    </dgm:fillClrLst>
+    <dgm:linClrLst meth="repeat">
+      <a:schemeClr val="accent1"/>
+    </dgm:linClrLst>
+    <dgm:effectClrLst/>
+    <dgm:txLinClrLst/>
+    <dgm:txFillClrLst meth="repeat">
+      <a:schemeClr val="lt1"/>
+    </dgm:txFillClrLst>
+    <dgm:txEffectClrLst/>
+  </dgm:styleLbl>
+  <dgm:styleLbl name="parChTrans2D4">
+    <dgm:fillClrLst meth="repeat">
+      <a:schemeClr val="accent1"/>
+    </dgm:fillClrLst>
+    <dgm:linClrLst meth="repeat">
+      <a:schemeClr val="accent1"/>
+    </dgm:linClrLst>
+    <dgm:effectClrLst/>
+    <dgm:txLinClrLst/>
+    <dgm:txFillClrLst meth="repeat">
+      <a:schemeClr val="lt1"/>
+    </dgm:txFillClrLst>
+    <dgm:txEffectClrLst/>
+  </dgm:styleLbl>
+  <dgm:styleLbl name="parChTrans1D1">
+    <dgm:fillClrLst meth="repeat">
+      <a:schemeClr val="accent1"/>
+    </dgm:fillClrLst>
+    <dgm:linClrLst meth="repeat">
+      <a:schemeClr val="accent1">
+        <a:shade val="60000"/>
+      </a:schemeClr>
+    </dgm:linClrLst>
+    <dgm:effectClrLst/>
+    <dgm:txLinClrLst/>
+    <dgm:txFillClrLst meth="repeat">
+      <a:schemeClr val="tx1"/>
+    </dgm:txFillClrLst>
+    <dgm:txEffectClrLst/>
+  </dgm:styleLbl>
+  <dgm:styleLbl name="parChTrans1D2">
+    <dgm:fillClrLst meth="repeat">
+      <a:schemeClr val="accent1"/>
+    </dgm:fillClrLst>
+    <dgm:linClrLst meth="repeat">
+      <a:schemeClr val="accent1">
+        <a:shade val="60000"/>
+      </a:schemeClr>
+    </dgm:linClrLst>
+    <dgm:effectClrLst/>
+    <dgm:txLinClrLst/>
+    <dgm:txFillClrLst meth="repeat">
+      <a:schemeClr val="tx1"/>
+    </dgm:txFillClrLst>
+    <dgm:txEffectClrLst/>
+  </dgm:styleLbl>
+  <dgm:styleLbl name="parChTrans1D3">
+    <dgm:fillClrLst meth="repeat">
+      <a:schemeClr val="accent1"/>
+    </dgm:fillClrLst>
+    <dgm:linClrLst meth="repeat">
+      <a:schemeClr val="accent1">
+        <a:shade val="80000"/>
+      </a:schemeClr>
+    </dgm:linClrLst>
+    <dgm:effectClrLst/>
+    <dgm:txLinClrLst/>
+    <dgm:txFillClrLst meth="repeat">
+      <a:schemeClr val="tx1"/>
+    </dgm:txFillClrLst>
+    <dgm:txEffectClrLst/>
+  </dgm:styleLbl>
+  <dgm:styleLbl name="parChTrans1D4">
+    <dgm:fillClrLst meth="repeat">
+      <a:schemeClr val="accent1"/>
+    </dgm:fillClrLst>
+    <dgm:linClrLst meth="repeat">
+      <a:schemeClr val="accent1">
+        <a:shade val="80000"/>
+      </a:schemeClr>
+    </dgm:linClrLst>
+    <dgm:effectClrLst/>
+    <dgm:txLinClrLst/>
+    <dgm:txFillClrLst meth="repeat">
+      <a:schemeClr val="tx1"/>
+    </dgm:txFillClrLst>
+    <dgm:txEffectClrLst/>
+  </dgm:styleLbl>
+  <dgm:styleLbl name="fgAcc1">
+    <dgm:fillClrLst meth="repeat">
+      <a:schemeClr val="lt1">
+        <a:alpha val="90000"/>
+      </a:schemeClr>
+    </dgm:fillClrLst>
+    <dgm:linClrLst meth="repeat">
+      <a:schemeClr val="accent1"/>
+    </dgm:linClrLst>
+    <dgm:effectClrLst/>
+    <dgm:txLinClrLst/>
+    <dgm:txFillClrLst meth="repeat">
+      <a:schemeClr val="dk1"/>
+    </dgm:txFillClrLst>
+    <dgm:txEffectClrLst/>
+  </dgm:styleLbl>
+  <dgm:styleLbl name="conFgAcc1">
+    <dgm:fillClrLst meth="repeat">
+      <a:schemeClr val="lt1">
+        <a:alpha val="90000"/>
+      </a:schemeClr>
+    </dgm:fillClrLst>
+    <dgm:linClrLst meth="repeat">
+      <a:schemeClr val="accent1"/>
+    </dgm:linClrLst>
+    <dgm:effectClrLst/>
+    <dgm:txLinClrLst/>
+    <dgm:txFillClrLst meth="repeat">
+      <a:schemeClr val="dk1"/>
+    </dgm:txFillClrLst>
+    <dgm:txEffectClrLst/>
+  </dgm:styleLbl>
+  <dgm:styleLbl name="alignAcc1">
+    <dgm:fillClrLst meth="repeat">
+      <a:schemeClr val="lt1">
+        <a:alpha val="90000"/>
+      </a:schemeClr>
+    </dgm:fillClrLst>
+    <dgm:linClrLst meth="repeat">
+      <a:schemeClr val="accent1"/>
+    </dgm:linClrLst>
+    <dgm:effectClrLst/>
+    <dgm:txLinClrLst/>
+    <dgm:txFillClrLst meth="repeat">
+      <a:schemeClr val="dk1"/>
+    </dgm:txFillClrLst>
+    <dgm:txEffectClrLst/>
+  </dgm:styleLbl>
+  <dgm:styleLbl name="trAlignAcc1">
+    <dgm:fillClrLst meth="repeat">
+      <a:schemeClr val="lt1">
+        <a:alpha val="40000"/>
+      </a:schemeClr>
+    </dgm:fillClrLst>
+    <dgm:linClrLst meth="repeat">
+      <a:schemeClr val="accent1"/>
+    </dgm:linClrLst>
+    <dgm:effectClrLst/>
+    <dgm:txLinClrLst/>
+    <dgm:txFillClrLst meth="repeat">
+      <a:schemeClr val="dk1"/>
+    </dgm:txFillClrLst>
+    <dgm:txEffectClrLst/>
+  </dgm:styleLbl>
+  <dgm:styleLbl name="bgAcc1">
+    <dgm:fillClrLst meth="repeat">
+      <a:schemeClr val="lt1">
+        <a:alpha val="90000"/>
+      </a:schemeClr>
+    </dgm:fillClrLst>
+    <dgm:linClrLst meth="repeat">
+      <a:schemeClr val="accent1"/>
+    </dgm:linClrLst>
+    <dgm:effectClrLst/>
+    <dgm:txLinClrLst/>
+    <dgm:txFillClrLst meth="repeat">
+      <a:schemeClr val="dk1"/>
+    </dgm:txFillClrLst>
+    <dgm:txEffectClrLst/>
+  </dgm:styleLbl>
+  <dgm:styleLbl name="solidFgAcc1">
+    <dgm:fillClrLst meth="repeat">
+      <a:schemeClr val="lt1"/>
+    </dgm:fillClrLst>
+    <dgm:linClrLst meth="repeat">
+      <a:schemeClr val="accent1"/>
+    </dgm:linClrLst>
+    <dgm:effectClrLst/>
+    <dgm:txLinClrLst/>
+    <dgm:txFillClrLst meth="repeat">
+      <a:schemeClr val="dk1"/>
+    </dgm:txFillClrLst>
+    <dgm:txEffectClrLst/>
+  </dgm:styleLbl>
+  <dgm:styleLbl name="solidAlignAcc1">
+    <dgm:fillClrLst meth="repeat">
+      <a:schemeClr val="lt1"/>
+    </dgm:fillClrLst>
+    <dgm:linClrLst meth="repeat">
+      <a:schemeClr val="accent1"/>
+    </dgm:linClrLst>
+    <dgm:effectClrLst/>
+    <dgm:txLinClrLst/>
+    <dgm:txFillClrLst meth="repeat">
+      <a:schemeClr val="dk1"/>
+    </dgm:txFillClrLst>
+    <dgm:txEffectClrLst/>
+  </dgm:styleLbl>
+  <dgm:styleLbl name="solidBgAcc1">
+    <dgm:fillClrLst meth="repeat">
+      <a:schemeClr val="lt1"/>
+    </dgm:fillClrLst>
+    <dgm:linClrLst meth="repeat">
+      <a:schemeClr val="accent1"/>
+    </dgm:linClrLst>
+    <dgm:effectClrLst/>
+    <dgm:txLinClrLst/>
+    <dgm:txFillClrLst meth="repeat">
+      <a:schemeClr val="dk1"/>
+    </dgm:txFillClrLst>
+    <dgm:txEffectClrLst/>
+  </dgm:styleLbl>
+  <dgm:styleLbl name="fgAccFollowNode1">
+    <dgm:fillClrLst meth="repeat">
+      <a:schemeClr val="accent1">
+        <a:alpha val="90000"/>
+        <a:tint val="40000"/>
+      </a:schemeClr>
+    </dgm:fillClrLst>
+    <dgm:linClrLst meth="repeat">
+      <a:schemeClr val="accent1">
+        <a:alpha val="90000"/>
+        <a:tint val="40000"/>
+      </a:schemeClr>
+    </dgm:linClrLst>
+    <dgm:effectClrLst/>
+    <dgm:txLinClrLst/>
+    <dgm:txFillClrLst meth="repeat">
+      <a:schemeClr val="dk1"/>
+    </dgm:txFillClrLst>
+    <dgm:txEffectClrLst/>
+  </dgm:styleLbl>
+  <dgm:styleLbl name="alignAccFollowNode1">
+    <dgm:fillClrLst meth="repeat">
+      <a:schemeClr val="accent1">
+        <a:alpha val="90000"/>
+        <a:tint val="40000"/>
+      </a:schemeClr>
+    </dgm:fillClrLst>
+    <dgm:linClrLst meth="repeat">
+      <a:schemeClr val="accent1">
+        <a:alpha val="90000"/>
+        <a:tint val="40000"/>
+      </a:schemeClr>
+    </dgm:linClrLst>
+    <dgm:effectClrLst/>
+    <dgm:txLinClrLst/>
+    <dgm:txFillClrLst meth="repeat">
+      <a:schemeClr val="dk1"/>
+    </dgm:txFillClrLst>
+    <dgm:txEffectClrLst/>
+  </dgm:styleLbl>
+  <dgm:styleLbl name="bgAccFollowNode1">
+    <dgm:fillClrLst meth="repeat">
+      <a:schemeClr val="accent1">
+        <a:alpha val="90000"/>
+        <a:tint val="40000"/>
+      </a:schemeClr>
+    </dgm:fillClrLst>
+    <dgm:linClrLst meth="repeat">
+      <a:schemeClr val="accent1">
+        <a:alpha val="90000"/>
+        <a:tint val="40000"/>
+      </a:schemeClr>
+    </dgm:linClrLst>
+    <dgm:effectClrLst/>
+    <dgm:txLinClrLst/>
+    <dgm:txFillClrLst meth="repeat">
+      <a:schemeClr val="dk1"/>
+    </dgm:txFillClrLst>
+    <dgm:txEffectClrLst/>
+  </dgm:styleLbl>
+  <dgm:styleLbl name="fgAcc0">
+    <dgm:fillClrLst meth="repeat">
+      <a:schemeClr val="lt1">
+        <a:alpha val="90000"/>
+      </a:schemeClr>
+    </dgm:fillClrLst>
+    <dgm:linClrLst meth="repeat">
+      <a:schemeClr val="accent1"/>
+    </dgm:linClrLst>
+    <dgm:effectClrLst/>
+    <dgm:txLinClrLst/>
+    <dgm:txFillClrLst meth="repeat">
+      <a:schemeClr val="dk1"/>
+    </dgm:txFillClrLst>
+    <dgm:txEffectClrLst/>
+  </dgm:styleLbl>
+  <dgm:styleLbl name="fgAcc2">
+    <dgm:fillClrLst meth="repeat">
+      <a:schemeClr val="lt1">
+        <a:alpha val="90000"/>
+      </a:schemeClr>
+    </dgm:fillClrLst>
+    <dgm:linClrLst meth="repeat">
+      <a:schemeClr val="accent1"/>
+    </dgm:linClrLst>
+    <dgm:effectClrLst/>
+    <dgm:txLinClrLst/>
+    <dgm:txFillClrLst meth="repeat">
+      <a:schemeClr val="dk1"/>
+    </dgm:txFillClrLst>
+    <dgm:txEffectClrLst/>
+  </dgm:styleLbl>
+  <dgm:styleLbl name="fgAcc3">
+    <dgm:fillClrLst meth="repeat">
+      <a:schemeClr val="lt1">
+        <a:alpha val="90000"/>
+      </a:schemeClr>
+    </dgm:fillClrLst>
+    <dgm:linClrLst meth="repeat">
+      <a:schemeClr val="accent1"/>
+    </dgm:linClrLst>
+    <dgm:effectClrLst/>
+    <dgm:txLinClrLst/>
+    <dgm:txFillClrLst meth="repeat">
+      <a:schemeClr val="dk1"/>
+    </dgm:txFillClrLst>
+    <dgm:txEffectClrLst/>
+  </dgm:styleLbl>
+  <dgm:styleLbl name="fgAcc4">
+    <dgm:fillClrLst meth="repeat">
+      <a:schemeClr val="lt1">
+        <a:alpha val="90000"/>
+      </a:schemeClr>
+    </dgm:fillClrLst>
+    <dgm:linClrLst meth="repeat">
+      <a:schemeClr val="accent1"/>
+    </dgm:linClrLst>
+    <dgm:effectClrLst/>
+    <dgm:txLinClrLst/>
+    <dgm:txFillClrLst meth="repeat">
+      <a:schemeClr val="dk1"/>
+    </dgm:txFillClrLst>
+    <dgm:txEffectClrLst/>
+  </dgm:styleLbl>
+  <dgm:styleLbl name="bgShp">
+    <dgm:fillClrLst meth="repeat">
+      <a:schemeClr val="accent1">
+        <a:tint val="40000"/>
+      </a:schemeClr>
+    </dgm:fillClrLst>
+    <dgm:linClrLst meth="repeat">
+      <a:schemeClr val="accent1"/>
+    </dgm:linClrLst>
+    <dgm:effectClrLst/>
+    <dgm:txLinClrLst/>
+    <dgm:txFillClrLst meth="repeat">
+      <a:schemeClr val="dk1"/>
+    </dgm:txFillClrLst>
+    <dgm:txEffectClrLst/>
+  </dgm:styleLbl>
+  <dgm:styleLbl name="dkBgShp">
+    <dgm:fillClrLst meth="repeat">
+      <a:schemeClr val="accent1">
+        <a:shade val="80000"/>
+      </a:schemeClr>
+    </dgm:fillClrLst>
+    <dgm:linClrLst meth="repeat">
+      <a:schemeClr val="accent1"/>
+    </dgm:linClrLst>
+    <dgm:effectClrLst/>
+    <dgm:txLinClrLst/>
+    <dgm:txFillClrLst meth="repeat">
+      <a:schemeClr val="lt1"/>
+    </dgm:txFillClrLst>
+    <dgm:txEffectClrLst/>
+  </dgm:styleLbl>
+  <dgm:styleLbl name="trBgShp">
+    <dgm:fillClrLst meth="repeat">
+      <a:schemeClr val="accent1">
+        <a:tint val="50000"/>
+        <a:alpha val="40000"/>
+      </a:schemeClr>
+    </dgm:fillClrLst>
+    <dgm:linClrLst meth="repeat">
+      <a:schemeClr val="accent1"/>
+    </dgm:linClrLst>
+    <dgm:effectClrLst/>
+    <dgm:txLinClrLst/>
+    <dgm:txFillClrLst meth="repeat">
+      <a:schemeClr val="lt1"/>
+    </dgm:txFillClrLst>
+    <dgm:txEffectClrLst/>
+  </dgm:styleLbl>
+  <dgm:styleLbl name="fgShp">
+    <dgm:fillClrLst meth="repeat">
+      <a:schemeClr val="accent1">
+        <a:tint val="60000"/>
+      </a:schemeClr>
+    </dgm:fillClrLst>
+    <dgm:linClrLst meth="repeat">
+      <a:schemeClr val="lt1"/>
+    </dgm:linClrLst>
+    <dgm:effectClrLst/>
+    <dgm:txLinClrLst/>
+    <dgm:txFillClrLst meth="repeat">
+      <a:schemeClr val="dk1"/>
+    </dgm:txFillClrLst>
+    <dgm:txEffectClrLst/>
+  </dgm:styleLbl>
+  <dgm:styleLbl name="revTx">
+    <dgm:fillClrLst meth="repeat">
+      <a:schemeClr val="lt1">
+        <a:alpha val="0"/>
+      </a:schemeClr>
+    </dgm:fillClrLst>
+    <dgm:linClrLst meth="repeat">
+      <a:schemeClr val="dk1">
+        <a:alpha val="0"/>
+      </a:schemeClr>
+    </dgm:linClrLst>
+    <dgm:effectClrLst/>
+    <dgm:txLinClrLst/>
+    <dgm:txFillClrLst meth="repeat">
+      <a:schemeClr val="tx1"/>
+    </dgm:txFillClrLst>
+    <dgm:txEffectClrLst/>
+  </dgm:styleLbl>
+</dgm:colorsDef>
+</file>
+
 <file path=ppt/diagrams/data1.xml><?xml version="1.0" encoding="utf-8"?>
 <dgm:dataModel xmlns:dgm="http://schemas.openxmlformats.org/drawingml/2006/diagram" xmlns:a="http://schemas.openxmlformats.org/drawingml/2006/main">
   <dgm:ptLst>
@@ -2382,12 +3130,8 @@
               <a:latin typeface="Arial" panose="020B0604020202020204" pitchFamily="34" charset="0"/>
               <a:cs typeface="Arial" panose="020B0604020202020204" pitchFamily="34" charset="0"/>
             </a:rPr>
-            <a:t>Data Structures</a:t>
+            <a:t>Logical Data Structures</a:t>
           </a:r>
-          <a:endParaRPr lang="zh-TW" altLang="en-US" sz="1100" dirty="0">
-            <a:latin typeface="Arial" panose="020B0604020202020204" pitchFamily="34" charset="0"/>
-            <a:cs typeface="Arial" panose="020B0604020202020204" pitchFamily="34" charset="0"/>
-          </a:endParaRPr>
         </a:p>
       </dgm:t>
     </dgm:pt>
@@ -2856,7 +3600,554 @@
         </a:p>
       </dgm:t>
     </dgm:pt>
-    <dgm:pt modelId="{C099A65F-3DC4-4245-9E66-6345D73DF29F}">
+    <dgm:pt modelId="{615322EC-29D0-BE4B-9E81-485EC64B34AD}">
+      <dgm:prSet phldrT="[文字]" custT="1"/>
+      <dgm:spPr/>
+      <dgm:t>
+        <a:bodyPr/>
+        <a:lstStyle/>
+        <a:p>
+          <a:r>
+            <a:rPr lang="en-US" altLang="zh-TW" sz="1100" dirty="0">
+              <a:latin typeface="Arial" panose="020B0604020202020204" pitchFamily="34" charset="0"/>
+              <a:cs typeface="Arial" panose="020B0604020202020204" pitchFamily="34" charset="0"/>
+            </a:rPr>
+            <a:t>Python </a:t>
+          </a:r>
+        </a:p>
+        <a:p>
+          <a:r>
+            <a:rPr lang="en-US" altLang="zh-TW" sz="1100" dirty="0">
+              <a:latin typeface="Arial" panose="020B0604020202020204" pitchFamily="34" charset="0"/>
+              <a:cs typeface="Arial" panose="020B0604020202020204" pitchFamily="34" charset="0"/>
+            </a:rPr>
+            <a:t>Built-in</a:t>
+          </a:r>
+          <a:r>
+            <a:rPr lang="zh-TW" altLang="en-US" sz="1100" dirty="0">
+              <a:latin typeface="Arial" panose="020B0604020202020204" pitchFamily="34" charset="0"/>
+              <a:cs typeface="Arial" panose="020B0604020202020204" pitchFamily="34" charset="0"/>
+            </a:rPr>
+            <a:t> </a:t>
+          </a:r>
+          <a:endParaRPr lang="en-US" altLang="zh-TW" sz="1100" dirty="0">
+            <a:latin typeface="Arial" panose="020B0604020202020204" pitchFamily="34" charset="0"/>
+            <a:cs typeface="Arial" panose="020B0604020202020204" pitchFamily="34" charset="0"/>
+          </a:endParaRPr>
+        </a:p>
+      </dgm:t>
+    </dgm:pt>
+    <dgm:pt modelId="{D7F6F72D-83F3-1542-AB0B-A0F79919C62A}" type="parTrans" cxnId="{DC52FA45-1309-ED45-8506-4E8B7115E34A}">
+      <dgm:prSet/>
+      <dgm:spPr/>
+      <dgm:t>
+        <a:bodyPr/>
+        <a:lstStyle/>
+        <a:p>
+          <a:endParaRPr lang="zh-TW" altLang="en-US" sz="1100">
+            <a:latin typeface="Arial" panose="020B0604020202020204" pitchFamily="34" charset="0"/>
+            <a:cs typeface="Arial" panose="020B0604020202020204" pitchFamily="34" charset="0"/>
+          </a:endParaRPr>
+        </a:p>
+      </dgm:t>
+    </dgm:pt>
+    <dgm:pt modelId="{5ABC3EFF-EC14-124E-B87C-2C9303E4E0D9}" type="sibTrans" cxnId="{DC52FA45-1309-ED45-8506-4E8B7115E34A}">
+      <dgm:prSet/>
+      <dgm:spPr/>
+      <dgm:t>
+        <a:bodyPr/>
+        <a:lstStyle/>
+        <a:p>
+          <a:endParaRPr lang="zh-TW" altLang="en-US" sz="1100">
+            <a:latin typeface="Arial" panose="020B0604020202020204" pitchFamily="34" charset="0"/>
+            <a:cs typeface="Arial" panose="020B0604020202020204" pitchFamily="34" charset="0"/>
+          </a:endParaRPr>
+        </a:p>
+      </dgm:t>
+    </dgm:pt>
+    <dgm:pt modelId="{737B4950-C266-6E45-9829-4E496D4C5CEA}">
+      <dgm:prSet phldrT="[文字]" custT="1"/>
+      <dgm:spPr/>
+      <dgm:t>
+        <a:bodyPr/>
+        <a:lstStyle/>
+        <a:p>
+          <a:r>
+            <a:rPr lang="en-US" altLang="zh-TW" sz="1100" dirty="0">
+              <a:latin typeface="Arial" panose="020B0604020202020204" pitchFamily="34" charset="0"/>
+              <a:cs typeface="Arial" panose="020B0604020202020204" pitchFamily="34" charset="0"/>
+            </a:rPr>
+            <a:t>Primitive</a:t>
+          </a:r>
+          <a:endParaRPr lang="zh-TW" altLang="en-US" sz="1100" dirty="0">
+            <a:latin typeface="Arial" panose="020B0604020202020204" pitchFamily="34" charset="0"/>
+            <a:cs typeface="Arial" panose="020B0604020202020204" pitchFamily="34" charset="0"/>
+          </a:endParaRPr>
+        </a:p>
+      </dgm:t>
+    </dgm:pt>
+    <dgm:pt modelId="{B575CBB5-8761-9946-BD17-CD458C435D86}" type="parTrans" cxnId="{CB70906B-19AC-8E4D-A4D4-303597F95074}">
+      <dgm:prSet/>
+      <dgm:spPr/>
+      <dgm:t>
+        <a:bodyPr/>
+        <a:lstStyle/>
+        <a:p>
+          <a:endParaRPr lang="zh-TW" altLang="en-US" sz="1100">
+            <a:latin typeface="Arial" panose="020B0604020202020204" pitchFamily="34" charset="0"/>
+            <a:cs typeface="Arial" panose="020B0604020202020204" pitchFamily="34" charset="0"/>
+          </a:endParaRPr>
+        </a:p>
+      </dgm:t>
+    </dgm:pt>
+    <dgm:pt modelId="{A5E90349-F5FA-5B4C-B383-C2E2DCF9A2F2}" type="sibTrans" cxnId="{CB70906B-19AC-8E4D-A4D4-303597F95074}">
+      <dgm:prSet/>
+      <dgm:spPr/>
+      <dgm:t>
+        <a:bodyPr/>
+        <a:lstStyle/>
+        <a:p>
+          <a:endParaRPr lang="zh-TW" altLang="en-US" sz="1100">
+            <a:latin typeface="Arial" panose="020B0604020202020204" pitchFamily="34" charset="0"/>
+            <a:cs typeface="Arial" panose="020B0604020202020204" pitchFamily="34" charset="0"/>
+          </a:endParaRPr>
+        </a:p>
+      </dgm:t>
+    </dgm:pt>
+    <dgm:pt modelId="{E92D26F4-C26A-8F49-B599-FC53A8FECE1E}">
+      <dgm:prSet phldrT="[文字]" custT="1"/>
+      <dgm:spPr/>
+      <dgm:t>
+        <a:bodyPr/>
+        <a:lstStyle/>
+        <a:p>
+          <a:r>
+            <a:rPr lang="en-US" altLang="zh-TW" sz="1100" dirty="0">
+              <a:latin typeface="Arial" panose="020B0604020202020204" pitchFamily="34" charset="0"/>
+              <a:cs typeface="Arial" panose="020B0604020202020204" pitchFamily="34" charset="0"/>
+            </a:rPr>
+            <a:t>int</a:t>
+          </a:r>
+          <a:endParaRPr lang="zh-TW" altLang="en-US" sz="1100" dirty="0">
+            <a:latin typeface="Arial" panose="020B0604020202020204" pitchFamily="34" charset="0"/>
+            <a:cs typeface="Arial" panose="020B0604020202020204" pitchFamily="34" charset="0"/>
+          </a:endParaRPr>
+        </a:p>
+      </dgm:t>
+    </dgm:pt>
+    <dgm:pt modelId="{18EDA692-C994-5B49-8DEB-1056CBA2E144}" type="parTrans" cxnId="{71C1AC14-A37B-E544-8547-40572747146A}">
+      <dgm:prSet/>
+      <dgm:spPr/>
+      <dgm:t>
+        <a:bodyPr/>
+        <a:lstStyle/>
+        <a:p>
+          <a:endParaRPr lang="zh-TW" altLang="en-US" sz="1100">
+            <a:latin typeface="Arial" panose="020B0604020202020204" pitchFamily="34" charset="0"/>
+            <a:cs typeface="Arial" panose="020B0604020202020204" pitchFamily="34" charset="0"/>
+          </a:endParaRPr>
+        </a:p>
+      </dgm:t>
+    </dgm:pt>
+    <dgm:pt modelId="{D7D6B94F-3D74-BA43-B551-06041B288AAB}" type="sibTrans" cxnId="{71C1AC14-A37B-E544-8547-40572747146A}">
+      <dgm:prSet/>
+      <dgm:spPr/>
+      <dgm:t>
+        <a:bodyPr/>
+        <a:lstStyle/>
+        <a:p>
+          <a:endParaRPr lang="zh-TW" altLang="en-US" sz="1100">
+            <a:latin typeface="Arial" panose="020B0604020202020204" pitchFamily="34" charset="0"/>
+            <a:cs typeface="Arial" panose="020B0604020202020204" pitchFamily="34" charset="0"/>
+          </a:endParaRPr>
+        </a:p>
+      </dgm:t>
+    </dgm:pt>
+    <dgm:pt modelId="{B5D0D3E8-B795-3743-B29F-1695A75A0A32}">
+      <dgm:prSet phldrT="[文字]" custT="1"/>
+      <dgm:spPr/>
+      <dgm:t>
+        <a:bodyPr/>
+        <a:lstStyle/>
+        <a:p>
+          <a:r>
+            <a:rPr lang="en-US" altLang="zh-TW" sz="1100" dirty="0">
+              <a:latin typeface="Arial" panose="020B0604020202020204" pitchFamily="34" charset="0"/>
+              <a:cs typeface="Arial" panose="020B0604020202020204" pitchFamily="34" charset="0"/>
+            </a:rPr>
+            <a:t>float</a:t>
+          </a:r>
+          <a:endParaRPr lang="zh-TW" altLang="en-US" sz="1100" dirty="0">
+            <a:latin typeface="Arial" panose="020B0604020202020204" pitchFamily="34" charset="0"/>
+            <a:cs typeface="Arial" panose="020B0604020202020204" pitchFamily="34" charset="0"/>
+          </a:endParaRPr>
+        </a:p>
+      </dgm:t>
+    </dgm:pt>
+    <dgm:pt modelId="{D90A70E4-5C7F-3541-B7C1-6804E23C2992}" type="parTrans" cxnId="{F2E81DE6-72C7-F144-9236-03D5ADA56DE6}">
+      <dgm:prSet/>
+      <dgm:spPr/>
+      <dgm:t>
+        <a:bodyPr/>
+        <a:lstStyle/>
+        <a:p>
+          <a:endParaRPr lang="zh-TW" altLang="en-US" sz="1100">
+            <a:latin typeface="Arial" panose="020B0604020202020204" pitchFamily="34" charset="0"/>
+            <a:cs typeface="Arial" panose="020B0604020202020204" pitchFamily="34" charset="0"/>
+          </a:endParaRPr>
+        </a:p>
+      </dgm:t>
+    </dgm:pt>
+    <dgm:pt modelId="{4BA37DCA-CC58-7149-ADDB-812CB755F4F3}" type="sibTrans" cxnId="{F2E81DE6-72C7-F144-9236-03D5ADA56DE6}">
+      <dgm:prSet/>
+      <dgm:spPr/>
+      <dgm:t>
+        <a:bodyPr/>
+        <a:lstStyle/>
+        <a:p>
+          <a:endParaRPr lang="zh-TW" altLang="en-US" sz="1100">
+            <a:latin typeface="Arial" panose="020B0604020202020204" pitchFamily="34" charset="0"/>
+            <a:cs typeface="Arial" panose="020B0604020202020204" pitchFamily="34" charset="0"/>
+          </a:endParaRPr>
+        </a:p>
+      </dgm:t>
+    </dgm:pt>
+    <dgm:pt modelId="{0CAF5A64-733E-4C46-894F-093DE65FD13B}">
+      <dgm:prSet phldrT="[文字]" custT="1"/>
+      <dgm:spPr/>
+      <dgm:t>
+        <a:bodyPr/>
+        <a:lstStyle/>
+        <a:p>
+          <a:r>
+            <a:rPr lang="en-US" altLang="zh-TW" sz="1100" dirty="0">
+              <a:latin typeface="Arial" panose="020B0604020202020204" pitchFamily="34" charset="0"/>
+              <a:cs typeface="Arial" panose="020B0604020202020204" pitchFamily="34" charset="0"/>
+            </a:rPr>
+            <a:t>str</a:t>
+          </a:r>
+          <a:endParaRPr lang="zh-TW" altLang="en-US" sz="1100" dirty="0">
+            <a:latin typeface="Arial" panose="020B0604020202020204" pitchFamily="34" charset="0"/>
+            <a:cs typeface="Arial" panose="020B0604020202020204" pitchFamily="34" charset="0"/>
+          </a:endParaRPr>
+        </a:p>
+      </dgm:t>
+    </dgm:pt>
+    <dgm:pt modelId="{1A4838F4-FB66-6C4B-AE01-392492209EFA}" type="parTrans" cxnId="{174564FE-D1C9-B74D-A0A9-BA84BA3F5962}">
+      <dgm:prSet/>
+      <dgm:spPr/>
+      <dgm:t>
+        <a:bodyPr/>
+        <a:lstStyle/>
+        <a:p>
+          <a:endParaRPr lang="zh-TW" altLang="en-US" sz="1100">
+            <a:latin typeface="Arial" panose="020B0604020202020204" pitchFamily="34" charset="0"/>
+            <a:cs typeface="Arial" panose="020B0604020202020204" pitchFamily="34" charset="0"/>
+          </a:endParaRPr>
+        </a:p>
+      </dgm:t>
+    </dgm:pt>
+    <dgm:pt modelId="{55A6749E-7812-E748-B45A-A7AB70960EA6}" type="sibTrans" cxnId="{174564FE-D1C9-B74D-A0A9-BA84BA3F5962}">
+      <dgm:prSet/>
+      <dgm:spPr/>
+      <dgm:t>
+        <a:bodyPr/>
+        <a:lstStyle/>
+        <a:p>
+          <a:endParaRPr lang="zh-TW" altLang="en-US" sz="1100">
+            <a:latin typeface="Arial" panose="020B0604020202020204" pitchFamily="34" charset="0"/>
+            <a:cs typeface="Arial" panose="020B0604020202020204" pitchFamily="34" charset="0"/>
+          </a:endParaRPr>
+        </a:p>
+      </dgm:t>
+    </dgm:pt>
+    <dgm:pt modelId="{512C207A-296D-E54D-B9B5-55B369CB4082}">
+      <dgm:prSet phldrT="[文字]" custT="1"/>
+      <dgm:spPr/>
+      <dgm:t>
+        <a:bodyPr/>
+        <a:lstStyle/>
+        <a:p>
+          <a:r>
+            <a:rPr lang="en-US" altLang="zh-TW" sz="1100" dirty="0">
+              <a:latin typeface="Arial" panose="020B0604020202020204" pitchFamily="34" charset="0"/>
+              <a:cs typeface="Arial" panose="020B0604020202020204" pitchFamily="34" charset="0"/>
+            </a:rPr>
+            <a:t>bool</a:t>
+          </a:r>
+          <a:endParaRPr lang="zh-TW" altLang="en-US" sz="1100" dirty="0">
+            <a:latin typeface="Arial" panose="020B0604020202020204" pitchFamily="34" charset="0"/>
+            <a:cs typeface="Arial" panose="020B0604020202020204" pitchFamily="34" charset="0"/>
+          </a:endParaRPr>
+        </a:p>
+      </dgm:t>
+    </dgm:pt>
+    <dgm:pt modelId="{E0D71316-3A16-F346-87E8-67F63CC167EC}" type="parTrans" cxnId="{7092824A-6420-CD45-B3C3-D192BC46C980}">
+      <dgm:prSet/>
+      <dgm:spPr/>
+      <dgm:t>
+        <a:bodyPr/>
+        <a:lstStyle/>
+        <a:p>
+          <a:endParaRPr lang="zh-TW" altLang="en-US" sz="1100">
+            <a:latin typeface="Arial" panose="020B0604020202020204" pitchFamily="34" charset="0"/>
+            <a:cs typeface="Arial" panose="020B0604020202020204" pitchFamily="34" charset="0"/>
+          </a:endParaRPr>
+        </a:p>
+      </dgm:t>
+    </dgm:pt>
+    <dgm:pt modelId="{B20FDA1C-258F-2046-B22A-DBEF02659831}" type="sibTrans" cxnId="{7092824A-6420-CD45-B3C3-D192BC46C980}">
+      <dgm:prSet/>
+      <dgm:spPr/>
+      <dgm:t>
+        <a:bodyPr/>
+        <a:lstStyle/>
+        <a:p>
+          <a:endParaRPr lang="zh-TW" altLang="en-US" sz="1100">
+            <a:latin typeface="Arial" panose="020B0604020202020204" pitchFamily="34" charset="0"/>
+            <a:cs typeface="Arial" panose="020B0604020202020204" pitchFamily="34" charset="0"/>
+          </a:endParaRPr>
+        </a:p>
+      </dgm:t>
+    </dgm:pt>
+    <dgm:pt modelId="{38CCC40C-91F2-DF4D-9924-16145272738B}">
+      <dgm:prSet phldrT="[文字]" custT="1"/>
+      <dgm:spPr/>
+      <dgm:t>
+        <a:bodyPr/>
+        <a:lstStyle/>
+        <a:p>
+          <a:r>
+            <a:rPr lang="en-US" altLang="zh-TW" sz="1100" dirty="0">
+              <a:latin typeface="Arial" panose="020B0604020202020204" pitchFamily="34" charset="0"/>
+              <a:cs typeface="Arial" panose="020B0604020202020204" pitchFamily="34" charset="0"/>
+            </a:rPr>
+            <a:t>Container</a:t>
+          </a:r>
+          <a:endParaRPr lang="zh-TW" altLang="en-US" sz="1100" dirty="0">
+            <a:latin typeface="Arial" panose="020B0604020202020204" pitchFamily="34" charset="0"/>
+            <a:cs typeface="Arial" panose="020B0604020202020204" pitchFamily="34" charset="0"/>
+          </a:endParaRPr>
+        </a:p>
+      </dgm:t>
+    </dgm:pt>
+    <dgm:pt modelId="{53AB89B8-2CEB-8B4F-A4A5-9E144AC05308}" type="parTrans" cxnId="{C5A9A3EE-BD6B-0D46-A851-A92501CC2EBF}">
+      <dgm:prSet/>
+      <dgm:spPr/>
+      <dgm:t>
+        <a:bodyPr/>
+        <a:lstStyle/>
+        <a:p>
+          <a:endParaRPr lang="zh-TW" altLang="en-US" sz="1100">
+            <a:latin typeface="Arial" panose="020B0604020202020204" pitchFamily="34" charset="0"/>
+            <a:cs typeface="Arial" panose="020B0604020202020204" pitchFamily="34" charset="0"/>
+          </a:endParaRPr>
+        </a:p>
+      </dgm:t>
+    </dgm:pt>
+    <dgm:pt modelId="{FF01F140-A864-1F4A-9E26-148EF208C883}" type="sibTrans" cxnId="{C5A9A3EE-BD6B-0D46-A851-A92501CC2EBF}">
+      <dgm:prSet/>
+      <dgm:spPr/>
+      <dgm:t>
+        <a:bodyPr/>
+        <a:lstStyle/>
+        <a:p>
+          <a:endParaRPr lang="zh-TW" altLang="en-US" sz="1100">
+            <a:latin typeface="Arial" panose="020B0604020202020204" pitchFamily="34" charset="0"/>
+            <a:cs typeface="Arial" panose="020B0604020202020204" pitchFamily="34" charset="0"/>
+          </a:endParaRPr>
+        </a:p>
+      </dgm:t>
+    </dgm:pt>
+    <dgm:pt modelId="{27078715-07FC-724F-85C1-3F6DC18DE89F}">
+      <dgm:prSet phldrT="[文字]" custT="1"/>
+      <dgm:spPr/>
+      <dgm:t>
+        <a:bodyPr/>
+        <a:lstStyle/>
+        <a:p>
+          <a:r>
+            <a:rPr lang="en-US" altLang="zh-TW" sz="1100" dirty="0">
+              <a:latin typeface="Arial" panose="020B0604020202020204" pitchFamily="34" charset="0"/>
+              <a:cs typeface="Arial" panose="020B0604020202020204" pitchFamily="34" charset="0"/>
+            </a:rPr>
+            <a:t>tuple</a:t>
+          </a:r>
+          <a:endParaRPr lang="zh-TW" altLang="en-US" sz="1100" dirty="0">
+            <a:latin typeface="Arial" panose="020B0604020202020204" pitchFamily="34" charset="0"/>
+            <a:cs typeface="Arial" panose="020B0604020202020204" pitchFamily="34" charset="0"/>
+          </a:endParaRPr>
+        </a:p>
+      </dgm:t>
+    </dgm:pt>
+    <dgm:pt modelId="{D86BA47F-AB99-9144-BA7E-17DC7013E8A9}" type="parTrans" cxnId="{E3E327F9-19FE-9747-AC13-EE48C68481D2}">
+      <dgm:prSet/>
+      <dgm:spPr/>
+      <dgm:t>
+        <a:bodyPr/>
+        <a:lstStyle/>
+        <a:p>
+          <a:endParaRPr lang="zh-TW" altLang="en-US" sz="1100">
+            <a:latin typeface="Arial" panose="020B0604020202020204" pitchFamily="34" charset="0"/>
+            <a:cs typeface="Arial" panose="020B0604020202020204" pitchFamily="34" charset="0"/>
+          </a:endParaRPr>
+        </a:p>
+      </dgm:t>
+    </dgm:pt>
+    <dgm:pt modelId="{727F7694-3251-624E-B32B-782224CAD50E}" type="sibTrans" cxnId="{E3E327F9-19FE-9747-AC13-EE48C68481D2}">
+      <dgm:prSet/>
+      <dgm:spPr/>
+      <dgm:t>
+        <a:bodyPr/>
+        <a:lstStyle/>
+        <a:p>
+          <a:endParaRPr lang="zh-TW" altLang="en-US" sz="1100">
+            <a:latin typeface="Arial" panose="020B0604020202020204" pitchFamily="34" charset="0"/>
+            <a:cs typeface="Arial" panose="020B0604020202020204" pitchFamily="34" charset="0"/>
+          </a:endParaRPr>
+        </a:p>
+      </dgm:t>
+    </dgm:pt>
+    <dgm:pt modelId="{E9D01155-9BCB-DF4F-A71F-1AEB8A56169C}">
+      <dgm:prSet phldrT="[文字]" custT="1"/>
+      <dgm:spPr/>
+      <dgm:t>
+        <a:bodyPr/>
+        <a:lstStyle/>
+        <a:p>
+          <a:r>
+            <a:rPr lang="en-US" altLang="zh-TW" sz="1100" dirty="0">
+              <a:latin typeface="Arial" panose="020B0604020202020204" pitchFamily="34" charset="0"/>
+              <a:cs typeface="Arial" panose="020B0604020202020204" pitchFamily="34" charset="0"/>
+            </a:rPr>
+            <a:t>list</a:t>
+          </a:r>
+        </a:p>
+      </dgm:t>
+    </dgm:pt>
+    <dgm:pt modelId="{AED895CA-490C-FC4D-B209-4F1E028C4EE0}" type="parTrans" cxnId="{54999C51-F32B-8C4F-A22D-678001FA9AD9}">
+      <dgm:prSet/>
+      <dgm:spPr/>
+      <dgm:t>
+        <a:bodyPr/>
+        <a:lstStyle/>
+        <a:p>
+          <a:endParaRPr lang="zh-TW" altLang="en-US" sz="1100">
+            <a:latin typeface="Arial" panose="020B0604020202020204" pitchFamily="34" charset="0"/>
+            <a:cs typeface="Arial" panose="020B0604020202020204" pitchFamily="34" charset="0"/>
+          </a:endParaRPr>
+        </a:p>
+      </dgm:t>
+    </dgm:pt>
+    <dgm:pt modelId="{28AB227F-82B2-654D-8387-FD3FA49103B4}" type="sibTrans" cxnId="{54999C51-F32B-8C4F-A22D-678001FA9AD9}">
+      <dgm:prSet/>
+      <dgm:spPr/>
+      <dgm:t>
+        <a:bodyPr/>
+        <a:lstStyle/>
+        <a:p>
+          <a:endParaRPr lang="zh-TW" altLang="en-US" sz="1100">
+            <a:latin typeface="Arial" panose="020B0604020202020204" pitchFamily="34" charset="0"/>
+            <a:cs typeface="Arial" panose="020B0604020202020204" pitchFamily="34" charset="0"/>
+          </a:endParaRPr>
+        </a:p>
+      </dgm:t>
+    </dgm:pt>
+    <dgm:pt modelId="{84A008EA-9777-3D49-ADD4-F7E6AE1E304F}">
+      <dgm:prSet phldrT="[文字]" custT="1"/>
+      <dgm:spPr/>
+      <dgm:t>
+        <a:bodyPr/>
+        <a:lstStyle/>
+        <a:p>
+          <a:r>
+            <a:rPr lang="en-US" altLang="zh-TW" sz="1100" dirty="0">
+              <a:latin typeface="Arial" panose="020B0604020202020204" pitchFamily="34" charset="0"/>
+              <a:cs typeface="Arial" panose="020B0604020202020204" pitchFamily="34" charset="0"/>
+            </a:rPr>
+            <a:t>set</a:t>
+          </a:r>
+        </a:p>
+      </dgm:t>
+    </dgm:pt>
+    <dgm:pt modelId="{F77D3EE8-0A30-ED40-9A10-2F2F488BB043}" type="parTrans" cxnId="{55BD14BB-4765-1D40-ABD8-B5FDDAAEEEB2}">
+      <dgm:prSet/>
+      <dgm:spPr/>
+      <dgm:t>
+        <a:bodyPr/>
+        <a:lstStyle/>
+        <a:p>
+          <a:endParaRPr lang="zh-TW" altLang="en-US" sz="1100">
+            <a:latin typeface="Arial" panose="020B0604020202020204" pitchFamily="34" charset="0"/>
+            <a:cs typeface="Arial" panose="020B0604020202020204" pitchFamily="34" charset="0"/>
+          </a:endParaRPr>
+        </a:p>
+      </dgm:t>
+    </dgm:pt>
+    <dgm:pt modelId="{A6AAB114-FAA1-D541-A393-2BB286EB45EF}" type="sibTrans" cxnId="{55BD14BB-4765-1D40-ABD8-B5FDDAAEEEB2}">
+      <dgm:prSet/>
+      <dgm:spPr/>
+      <dgm:t>
+        <a:bodyPr/>
+        <a:lstStyle/>
+        <a:p>
+          <a:endParaRPr lang="zh-TW" altLang="en-US" sz="1100">
+            <a:latin typeface="Arial" panose="020B0604020202020204" pitchFamily="34" charset="0"/>
+            <a:cs typeface="Arial" panose="020B0604020202020204" pitchFamily="34" charset="0"/>
+          </a:endParaRPr>
+        </a:p>
+      </dgm:t>
+    </dgm:pt>
+    <dgm:pt modelId="{AFC7F1CB-8276-844A-B6CA-80C2F7EE5C80}">
+      <dgm:prSet phldrT="[文字]" custT="1"/>
+      <dgm:spPr/>
+      <dgm:t>
+        <a:bodyPr/>
+        <a:lstStyle/>
+        <a:p>
+          <a:r>
+            <a:rPr lang="en-US" altLang="zh-TW" sz="1100" dirty="0" err="1">
+              <a:latin typeface="Arial" panose="020B0604020202020204" pitchFamily="34" charset="0"/>
+              <a:cs typeface="Arial" panose="020B0604020202020204" pitchFamily="34" charset="0"/>
+            </a:rPr>
+            <a:t>dict</a:t>
+          </a:r>
+          <a:endParaRPr lang="en-US" altLang="zh-TW" sz="1100" dirty="0">
+            <a:latin typeface="Arial" panose="020B0604020202020204" pitchFamily="34" charset="0"/>
+            <a:cs typeface="Arial" panose="020B0604020202020204" pitchFamily="34" charset="0"/>
+          </a:endParaRPr>
+        </a:p>
+      </dgm:t>
+    </dgm:pt>
+    <dgm:pt modelId="{BD5A74BC-EF31-894C-970E-896D3C6880FB}" type="parTrans" cxnId="{684AE84B-9571-3249-A4C8-21F930473999}">
+      <dgm:prSet/>
+      <dgm:spPr/>
+      <dgm:t>
+        <a:bodyPr/>
+        <a:lstStyle/>
+        <a:p>
+          <a:endParaRPr lang="zh-TW" altLang="en-US" sz="1100">
+            <a:latin typeface="Arial" panose="020B0604020202020204" pitchFamily="34" charset="0"/>
+            <a:cs typeface="Arial" panose="020B0604020202020204" pitchFamily="34" charset="0"/>
+          </a:endParaRPr>
+        </a:p>
+      </dgm:t>
+    </dgm:pt>
+    <dgm:pt modelId="{F5D13D3A-6762-A941-9913-F8396742FE38}" type="sibTrans" cxnId="{684AE84B-9571-3249-A4C8-21F930473999}">
+      <dgm:prSet/>
+      <dgm:spPr/>
+      <dgm:t>
+        <a:bodyPr/>
+        <a:lstStyle/>
+        <a:p>
+          <a:endParaRPr lang="zh-TW" altLang="en-US" sz="1100">
+            <a:latin typeface="Arial" panose="020B0604020202020204" pitchFamily="34" charset="0"/>
+            <a:cs typeface="Arial" panose="020B0604020202020204" pitchFamily="34" charset="0"/>
+          </a:endParaRPr>
+        </a:p>
+      </dgm:t>
+    </dgm:pt>
+    <dgm:pt modelId="{FF668FD0-25AD-664C-96E7-0FEB414645B2}">
       <dgm:prSet phldrT="[文字]" custT="1"/>
       <dgm:spPr/>
       <dgm:t>
@@ -2877,35 +4168,29 @@
         </a:p>
       </dgm:t>
     </dgm:pt>
-    <dgm:pt modelId="{3187FD80-2923-B945-B5CA-1BBD4EE369F7}" type="parTrans" cxnId="{47C9D05A-6ED2-1840-A3A7-172BD95F317D}">
+    <dgm:pt modelId="{91F96373-A43B-8D41-9CDE-787F5846251F}" type="parTrans" cxnId="{8FC2B27C-D7A9-4442-ADAE-7A6269A71749}">
       <dgm:prSet/>
       <dgm:spPr/>
       <dgm:t>
         <a:bodyPr/>
         <a:lstStyle/>
         <a:p>
-          <a:endParaRPr lang="zh-TW" altLang="en-US" sz="1100">
-            <a:latin typeface="Arial" panose="020B0604020202020204" pitchFamily="34" charset="0"/>
-            <a:cs typeface="Arial" panose="020B0604020202020204" pitchFamily="34" charset="0"/>
-          </a:endParaRPr>
+          <a:endParaRPr lang="zh-TW" altLang="en-US"/>
         </a:p>
       </dgm:t>
     </dgm:pt>
-    <dgm:pt modelId="{874E1FDB-BE17-B24F-A9AE-8330FEC4B587}" type="sibTrans" cxnId="{47C9D05A-6ED2-1840-A3A7-172BD95F317D}">
+    <dgm:pt modelId="{994F5AD7-CC19-B745-ADEC-6DFDCE31146F}" type="sibTrans" cxnId="{8FC2B27C-D7A9-4442-ADAE-7A6269A71749}">
       <dgm:prSet/>
       <dgm:spPr/>
       <dgm:t>
         <a:bodyPr/>
         <a:lstStyle/>
         <a:p>
-          <a:endParaRPr lang="zh-TW" altLang="en-US" sz="1100">
-            <a:latin typeface="Arial" panose="020B0604020202020204" pitchFamily="34" charset="0"/>
-            <a:cs typeface="Arial" panose="020B0604020202020204" pitchFamily="34" charset="0"/>
-          </a:endParaRPr>
+          <a:endParaRPr lang="zh-TW" altLang="en-US"/>
         </a:p>
       </dgm:t>
     </dgm:pt>
-    <dgm:pt modelId="{615322EC-29D0-BE4B-9E81-485EC64B34AD}">
+    <dgm:pt modelId="{E7FBA496-8132-DA45-8CAE-E6C9B804036E}">
       <dgm:prSet phldrT="[文字]" custT="1"/>
       <dgm:spPr/>
       <dgm:t>
@@ -2917,63 +4202,7 @@
               <a:latin typeface="Arial" panose="020B0604020202020204" pitchFamily="34" charset="0"/>
               <a:cs typeface="Arial" panose="020B0604020202020204" pitchFamily="34" charset="0"/>
             </a:rPr>
-            <a:t>Python Built-in</a:t>
-          </a:r>
-          <a:r>
-            <a:rPr lang="zh-TW" altLang="en-US" sz="1100" dirty="0">
-              <a:latin typeface="Arial" panose="020B0604020202020204" pitchFamily="34" charset="0"/>
-              <a:cs typeface="Arial" panose="020B0604020202020204" pitchFamily="34" charset="0"/>
-            </a:rPr>
-            <a:t> </a:t>
-          </a:r>
-          <a:endParaRPr lang="en-US" altLang="zh-TW" sz="1100" dirty="0">
-            <a:latin typeface="Arial" panose="020B0604020202020204" pitchFamily="34" charset="0"/>
-            <a:cs typeface="Arial" panose="020B0604020202020204" pitchFamily="34" charset="0"/>
-          </a:endParaRPr>
-        </a:p>
-      </dgm:t>
-    </dgm:pt>
-    <dgm:pt modelId="{D7F6F72D-83F3-1542-AB0B-A0F79919C62A}" type="parTrans" cxnId="{DC52FA45-1309-ED45-8506-4E8B7115E34A}">
-      <dgm:prSet/>
-      <dgm:spPr/>
-      <dgm:t>
-        <a:bodyPr/>
-        <a:lstStyle/>
-        <a:p>
-          <a:endParaRPr lang="zh-TW" altLang="en-US" sz="1100">
-            <a:latin typeface="Arial" panose="020B0604020202020204" pitchFamily="34" charset="0"/>
-            <a:cs typeface="Arial" panose="020B0604020202020204" pitchFamily="34" charset="0"/>
-          </a:endParaRPr>
-        </a:p>
-      </dgm:t>
-    </dgm:pt>
-    <dgm:pt modelId="{5ABC3EFF-EC14-124E-B87C-2C9303E4E0D9}" type="sibTrans" cxnId="{DC52FA45-1309-ED45-8506-4E8B7115E34A}">
-      <dgm:prSet/>
-      <dgm:spPr/>
-      <dgm:t>
-        <a:bodyPr/>
-        <a:lstStyle/>
-        <a:p>
-          <a:endParaRPr lang="zh-TW" altLang="en-US" sz="1100">
-            <a:latin typeface="Arial" panose="020B0604020202020204" pitchFamily="34" charset="0"/>
-            <a:cs typeface="Arial" panose="020B0604020202020204" pitchFamily="34" charset="0"/>
-          </a:endParaRPr>
-        </a:p>
-      </dgm:t>
-    </dgm:pt>
-    <dgm:pt modelId="{737B4950-C266-6E45-9829-4E496D4C5CEA}">
-      <dgm:prSet phldrT="[文字]" custT="1"/>
-      <dgm:spPr/>
-      <dgm:t>
-        <a:bodyPr/>
-        <a:lstStyle/>
-        <a:p>
-          <a:r>
-            <a:rPr lang="en-US" altLang="zh-TW" sz="1100" dirty="0">
-              <a:latin typeface="Arial" panose="020B0604020202020204" pitchFamily="34" charset="0"/>
-              <a:cs typeface="Arial" panose="020B0604020202020204" pitchFamily="34" charset="0"/>
-            </a:rPr>
-            <a:t>Primitive</a:t>
+            <a:t>Hash</a:t>
           </a:r>
           <a:endParaRPr lang="zh-TW" altLang="en-US" sz="1100" dirty="0">
             <a:latin typeface="Arial" panose="020B0604020202020204" pitchFamily="34" charset="0"/>
@@ -2982,499 +4211,25 @@
         </a:p>
       </dgm:t>
     </dgm:pt>
-    <dgm:pt modelId="{B575CBB5-8761-9946-BD17-CD458C435D86}" type="parTrans" cxnId="{CB70906B-19AC-8E4D-A4D4-303597F95074}">
+    <dgm:pt modelId="{B22DC0D3-EE66-0E4A-8B8E-A030761411B4}" type="parTrans" cxnId="{4F73520C-B948-C340-8084-804AC8BC3368}">
       <dgm:prSet/>
       <dgm:spPr/>
       <dgm:t>
         <a:bodyPr/>
         <a:lstStyle/>
         <a:p>
-          <a:endParaRPr lang="zh-TW" altLang="en-US" sz="1100">
-            <a:latin typeface="Arial" panose="020B0604020202020204" pitchFamily="34" charset="0"/>
-            <a:cs typeface="Arial" panose="020B0604020202020204" pitchFamily="34" charset="0"/>
-          </a:endParaRPr>
+          <a:endParaRPr lang="zh-TW" altLang="en-US"/>
         </a:p>
       </dgm:t>
     </dgm:pt>
-    <dgm:pt modelId="{A5E90349-F5FA-5B4C-B383-C2E2DCF9A2F2}" type="sibTrans" cxnId="{CB70906B-19AC-8E4D-A4D4-303597F95074}">
+    <dgm:pt modelId="{F1D9A460-D1F4-8F45-9A82-5CD329358D1D}" type="sibTrans" cxnId="{4F73520C-B948-C340-8084-804AC8BC3368}">
       <dgm:prSet/>
       <dgm:spPr/>
       <dgm:t>
         <a:bodyPr/>
         <a:lstStyle/>
         <a:p>
-          <a:endParaRPr lang="zh-TW" altLang="en-US" sz="1100">
-            <a:latin typeface="Arial" panose="020B0604020202020204" pitchFamily="34" charset="0"/>
-            <a:cs typeface="Arial" panose="020B0604020202020204" pitchFamily="34" charset="0"/>
-          </a:endParaRPr>
-        </a:p>
-      </dgm:t>
-    </dgm:pt>
-    <dgm:pt modelId="{E92D26F4-C26A-8F49-B599-FC53A8FECE1E}">
-      <dgm:prSet phldrT="[文字]" custT="1"/>
-      <dgm:spPr/>
-      <dgm:t>
-        <a:bodyPr/>
-        <a:lstStyle/>
-        <a:p>
-          <a:r>
-            <a:rPr lang="en-US" altLang="zh-TW" sz="1100" dirty="0">
-              <a:latin typeface="Arial" panose="020B0604020202020204" pitchFamily="34" charset="0"/>
-              <a:cs typeface="Arial" panose="020B0604020202020204" pitchFamily="34" charset="0"/>
-            </a:rPr>
-            <a:t>int</a:t>
-          </a:r>
-          <a:endParaRPr lang="zh-TW" altLang="en-US" sz="1100" dirty="0">
-            <a:latin typeface="Arial" panose="020B0604020202020204" pitchFamily="34" charset="0"/>
-            <a:cs typeface="Arial" panose="020B0604020202020204" pitchFamily="34" charset="0"/>
-          </a:endParaRPr>
-        </a:p>
-      </dgm:t>
-    </dgm:pt>
-    <dgm:pt modelId="{18EDA692-C994-5B49-8DEB-1056CBA2E144}" type="parTrans" cxnId="{71C1AC14-A37B-E544-8547-40572747146A}">
-      <dgm:prSet/>
-      <dgm:spPr/>
-      <dgm:t>
-        <a:bodyPr/>
-        <a:lstStyle/>
-        <a:p>
-          <a:endParaRPr lang="zh-TW" altLang="en-US" sz="1100">
-            <a:latin typeface="Arial" panose="020B0604020202020204" pitchFamily="34" charset="0"/>
-            <a:cs typeface="Arial" panose="020B0604020202020204" pitchFamily="34" charset="0"/>
-          </a:endParaRPr>
-        </a:p>
-      </dgm:t>
-    </dgm:pt>
-    <dgm:pt modelId="{D7D6B94F-3D74-BA43-B551-06041B288AAB}" type="sibTrans" cxnId="{71C1AC14-A37B-E544-8547-40572747146A}">
-      <dgm:prSet/>
-      <dgm:spPr/>
-      <dgm:t>
-        <a:bodyPr/>
-        <a:lstStyle/>
-        <a:p>
-          <a:endParaRPr lang="zh-TW" altLang="en-US" sz="1100">
-            <a:latin typeface="Arial" panose="020B0604020202020204" pitchFamily="34" charset="0"/>
-            <a:cs typeface="Arial" panose="020B0604020202020204" pitchFamily="34" charset="0"/>
-          </a:endParaRPr>
-        </a:p>
-      </dgm:t>
-    </dgm:pt>
-    <dgm:pt modelId="{B5D0D3E8-B795-3743-B29F-1695A75A0A32}">
-      <dgm:prSet phldrT="[文字]" custT="1"/>
-      <dgm:spPr/>
-      <dgm:t>
-        <a:bodyPr/>
-        <a:lstStyle/>
-        <a:p>
-          <a:r>
-            <a:rPr lang="en-US" altLang="zh-TW" sz="1100" dirty="0">
-              <a:latin typeface="Arial" panose="020B0604020202020204" pitchFamily="34" charset="0"/>
-              <a:cs typeface="Arial" panose="020B0604020202020204" pitchFamily="34" charset="0"/>
-            </a:rPr>
-            <a:t>float</a:t>
-          </a:r>
-          <a:endParaRPr lang="zh-TW" altLang="en-US" sz="1100" dirty="0">
-            <a:latin typeface="Arial" panose="020B0604020202020204" pitchFamily="34" charset="0"/>
-            <a:cs typeface="Arial" panose="020B0604020202020204" pitchFamily="34" charset="0"/>
-          </a:endParaRPr>
-        </a:p>
-      </dgm:t>
-    </dgm:pt>
-    <dgm:pt modelId="{D90A70E4-5C7F-3541-B7C1-6804E23C2992}" type="parTrans" cxnId="{F2E81DE6-72C7-F144-9236-03D5ADA56DE6}">
-      <dgm:prSet/>
-      <dgm:spPr/>
-      <dgm:t>
-        <a:bodyPr/>
-        <a:lstStyle/>
-        <a:p>
-          <a:endParaRPr lang="zh-TW" altLang="en-US" sz="1100">
-            <a:latin typeface="Arial" panose="020B0604020202020204" pitchFamily="34" charset="0"/>
-            <a:cs typeface="Arial" panose="020B0604020202020204" pitchFamily="34" charset="0"/>
-          </a:endParaRPr>
-        </a:p>
-      </dgm:t>
-    </dgm:pt>
-    <dgm:pt modelId="{4BA37DCA-CC58-7149-ADDB-812CB755F4F3}" type="sibTrans" cxnId="{F2E81DE6-72C7-F144-9236-03D5ADA56DE6}">
-      <dgm:prSet/>
-      <dgm:spPr/>
-      <dgm:t>
-        <a:bodyPr/>
-        <a:lstStyle/>
-        <a:p>
-          <a:endParaRPr lang="zh-TW" altLang="en-US" sz="1100">
-            <a:latin typeface="Arial" panose="020B0604020202020204" pitchFamily="34" charset="0"/>
-            <a:cs typeface="Arial" panose="020B0604020202020204" pitchFamily="34" charset="0"/>
-          </a:endParaRPr>
-        </a:p>
-      </dgm:t>
-    </dgm:pt>
-    <dgm:pt modelId="{0CAF5A64-733E-4C46-894F-093DE65FD13B}">
-      <dgm:prSet phldrT="[文字]" custT="1"/>
-      <dgm:spPr/>
-      <dgm:t>
-        <a:bodyPr/>
-        <a:lstStyle/>
-        <a:p>
-          <a:r>
-            <a:rPr lang="en-US" altLang="zh-TW" sz="1100" dirty="0">
-              <a:latin typeface="Arial" panose="020B0604020202020204" pitchFamily="34" charset="0"/>
-              <a:cs typeface="Arial" panose="020B0604020202020204" pitchFamily="34" charset="0"/>
-            </a:rPr>
-            <a:t>str</a:t>
-          </a:r>
-          <a:endParaRPr lang="zh-TW" altLang="en-US" sz="1100" dirty="0">
-            <a:latin typeface="Arial" panose="020B0604020202020204" pitchFamily="34" charset="0"/>
-            <a:cs typeface="Arial" panose="020B0604020202020204" pitchFamily="34" charset="0"/>
-          </a:endParaRPr>
-        </a:p>
-      </dgm:t>
-    </dgm:pt>
-    <dgm:pt modelId="{1A4838F4-FB66-6C4B-AE01-392492209EFA}" type="parTrans" cxnId="{174564FE-D1C9-B74D-A0A9-BA84BA3F5962}">
-      <dgm:prSet/>
-      <dgm:spPr/>
-      <dgm:t>
-        <a:bodyPr/>
-        <a:lstStyle/>
-        <a:p>
-          <a:endParaRPr lang="zh-TW" altLang="en-US" sz="1100">
-            <a:latin typeface="Arial" panose="020B0604020202020204" pitchFamily="34" charset="0"/>
-            <a:cs typeface="Arial" panose="020B0604020202020204" pitchFamily="34" charset="0"/>
-          </a:endParaRPr>
-        </a:p>
-      </dgm:t>
-    </dgm:pt>
-    <dgm:pt modelId="{55A6749E-7812-E748-B45A-A7AB70960EA6}" type="sibTrans" cxnId="{174564FE-D1C9-B74D-A0A9-BA84BA3F5962}">
-      <dgm:prSet/>
-      <dgm:spPr/>
-      <dgm:t>
-        <a:bodyPr/>
-        <a:lstStyle/>
-        <a:p>
-          <a:endParaRPr lang="zh-TW" altLang="en-US" sz="1100">
-            <a:latin typeface="Arial" panose="020B0604020202020204" pitchFamily="34" charset="0"/>
-            <a:cs typeface="Arial" panose="020B0604020202020204" pitchFamily="34" charset="0"/>
-          </a:endParaRPr>
-        </a:p>
-      </dgm:t>
-    </dgm:pt>
-    <dgm:pt modelId="{512C207A-296D-E54D-B9B5-55B369CB4082}">
-      <dgm:prSet phldrT="[文字]" custT="1"/>
-      <dgm:spPr/>
-      <dgm:t>
-        <a:bodyPr/>
-        <a:lstStyle/>
-        <a:p>
-          <a:r>
-            <a:rPr lang="en-US" altLang="zh-TW" sz="1100" dirty="0">
-              <a:latin typeface="Arial" panose="020B0604020202020204" pitchFamily="34" charset="0"/>
-              <a:cs typeface="Arial" panose="020B0604020202020204" pitchFamily="34" charset="0"/>
-            </a:rPr>
-            <a:t>bool</a:t>
-          </a:r>
-          <a:endParaRPr lang="zh-TW" altLang="en-US" sz="1100" dirty="0">
-            <a:latin typeface="Arial" panose="020B0604020202020204" pitchFamily="34" charset="0"/>
-            <a:cs typeface="Arial" panose="020B0604020202020204" pitchFamily="34" charset="0"/>
-          </a:endParaRPr>
-        </a:p>
-      </dgm:t>
-    </dgm:pt>
-    <dgm:pt modelId="{E0D71316-3A16-F346-87E8-67F63CC167EC}" type="parTrans" cxnId="{7092824A-6420-CD45-B3C3-D192BC46C980}">
-      <dgm:prSet/>
-      <dgm:spPr/>
-      <dgm:t>
-        <a:bodyPr/>
-        <a:lstStyle/>
-        <a:p>
-          <a:endParaRPr lang="zh-TW" altLang="en-US" sz="1100">
-            <a:latin typeface="Arial" panose="020B0604020202020204" pitchFamily="34" charset="0"/>
-            <a:cs typeface="Arial" panose="020B0604020202020204" pitchFamily="34" charset="0"/>
-          </a:endParaRPr>
-        </a:p>
-      </dgm:t>
-    </dgm:pt>
-    <dgm:pt modelId="{B20FDA1C-258F-2046-B22A-DBEF02659831}" type="sibTrans" cxnId="{7092824A-6420-CD45-B3C3-D192BC46C980}">
-      <dgm:prSet/>
-      <dgm:spPr/>
-      <dgm:t>
-        <a:bodyPr/>
-        <a:lstStyle/>
-        <a:p>
-          <a:endParaRPr lang="zh-TW" altLang="en-US" sz="1100">
-            <a:latin typeface="Arial" panose="020B0604020202020204" pitchFamily="34" charset="0"/>
-            <a:cs typeface="Arial" panose="020B0604020202020204" pitchFamily="34" charset="0"/>
-          </a:endParaRPr>
-        </a:p>
-      </dgm:t>
-    </dgm:pt>
-    <dgm:pt modelId="{38CCC40C-91F2-DF4D-9924-16145272738B}">
-      <dgm:prSet phldrT="[文字]" custT="1"/>
-      <dgm:spPr/>
-      <dgm:t>
-        <a:bodyPr/>
-        <a:lstStyle/>
-        <a:p>
-          <a:r>
-            <a:rPr lang="en-US" altLang="zh-TW" sz="1100" dirty="0">
-              <a:latin typeface="Arial" panose="020B0604020202020204" pitchFamily="34" charset="0"/>
-              <a:cs typeface="Arial" panose="020B0604020202020204" pitchFamily="34" charset="0"/>
-            </a:rPr>
-            <a:t>Container</a:t>
-          </a:r>
-          <a:endParaRPr lang="zh-TW" altLang="en-US" sz="1100" dirty="0">
-            <a:latin typeface="Arial" panose="020B0604020202020204" pitchFamily="34" charset="0"/>
-            <a:cs typeface="Arial" panose="020B0604020202020204" pitchFamily="34" charset="0"/>
-          </a:endParaRPr>
-        </a:p>
-      </dgm:t>
-    </dgm:pt>
-    <dgm:pt modelId="{53AB89B8-2CEB-8B4F-A4A5-9E144AC05308}" type="parTrans" cxnId="{C5A9A3EE-BD6B-0D46-A851-A92501CC2EBF}">
-      <dgm:prSet/>
-      <dgm:spPr/>
-      <dgm:t>
-        <a:bodyPr/>
-        <a:lstStyle/>
-        <a:p>
-          <a:endParaRPr lang="zh-TW" altLang="en-US" sz="1100">
-            <a:latin typeface="Arial" panose="020B0604020202020204" pitchFamily="34" charset="0"/>
-            <a:cs typeface="Arial" panose="020B0604020202020204" pitchFamily="34" charset="0"/>
-          </a:endParaRPr>
-        </a:p>
-      </dgm:t>
-    </dgm:pt>
-    <dgm:pt modelId="{FF01F140-A864-1F4A-9E26-148EF208C883}" type="sibTrans" cxnId="{C5A9A3EE-BD6B-0D46-A851-A92501CC2EBF}">
-      <dgm:prSet/>
-      <dgm:spPr/>
-      <dgm:t>
-        <a:bodyPr/>
-        <a:lstStyle/>
-        <a:p>
-          <a:endParaRPr lang="zh-TW" altLang="en-US" sz="1100">
-            <a:latin typeface="Arial" panose="020B0604020202020204" pitchFamily="34" charset="0"/>
-            <a:cs typeface="Arial" panose="020B0604020202020204" pitchFamily="34" charset="0"/>
-          </a:endParaRPr>
-        </a:p>
-      </dgm:t>
-    </dgm:pt>
-    <dgm:pt modelId="{27078715-07FC-724F-85C1-3F6DC18DE89F}">
-      <dgm:prSet phldrT="[文字]" custT="1"/>
-      <dgm:spPr/>
-      <dgm:t>
-        <a:bodyPr/>
-        <a:lstStyle/>
-        <a:p>
-          <a:r>
-            <a:rPr lang="en-US" altLang="zh-TW" sz="1100" dirty="0">
-              <a:latin typeface="Arial" panose="020B0604020202020204" pitchFamily="34" charset="0"/>
-              <a:cs typeface="Arial" panose="020B0604020202020204" pitchFamily="34" charset="0"/>
-            </a:rPr>
-            <a:t>tuple</a:t>
-          </a:r>
-          <a:endParaRPr lang="zh-TW" altLang="en-US" sz="1100" dirty="0">
-            <a:latin typeface="Arial" panose="020B0604020202020204" pitchFamily="34" charset="0"/>
-            <a:cs typeface="Arial" panose="020B0604020202020204" pitchFamily="34" charset="0"/>
-          </a:endParaRPr>
-        </a:p>
-      </dgm:t>
-    </dgm:pt>
-    <dgm:pt modelId="{D86BA47F-AB99-9144-BA7E-17DC7013E8A9}" type="parTrans" cxnId="{E3E327F9-19FE-9747-AC13-EE48C68481D2}">
-      <dgm:prSet/>
-      <dgm:spPr/>
-      <dgm:t>
-        <a:bodyPr/>
-        <a:lstStyle/>
-        <a:p>
-          <a:endParaRPr lang="zh-TW" altLang="en-US" sz="1100">
-            <a:latin typeface="Arial" panose="020B0604020202020204" pitchFamily="34" charset="0"/>
-            <a:cs typeface="Arial" panose="020B0604020202020204" pitchFamily="34" charset="0"/>
-          </a:endParaRPr>
-        </a:p>
-      </dgm:t>
-    </dgm:pt>
-    <dgm:pt modelId="{727F7694-3251-624E-B32B-782224CAD50E}" type="sibTrans" cxnId="{E3E327F9-19FE-9747-AC13-EE48C68481D2}">
-      <dgm:prSet/>
-      <dgm:spPr/>
-      <dgm:t>
-        <a:bodyPr/>
-        <a:lstStyle/>
-        <a:p>
-          <a:endParaRPr lang="zh-TW" altLang="en-US" sz="1100">
-            <a:latin typeface="Arial" panose="020B0604020202020204" pitchFamily="34" charset="0"/>
-            <a:cs typeface="Arial" panose="020B0604020202020204" pitchFamily="34" charset="0"/>
-          </a:endParaRPr>
-        </a:p>
-      </dgm:t>
-    </dgm:pt>
-    <dgm:pt modelId="{E9D01155-9BCB-DF4F-A71F-1AEB8A56169C}">
-      <dgm:prSet phldrT="[文字]" custT="1"/>
-      <dgm:spPr/>
-      <dgm:t>
-        <a:bodyPr/>
-        <a:lstStyle/>
-        <a:p>
-          <a:r>
-            <a:rPr lang="en-US" altLang="zh-TW" sz="1100" dirty="0">
-              <a:latin typeface="Arial" panose="020B0604020202020204" pitchFamily="34" charset="0"/>
-              <a:cs typeface="Arial" panose="020B0604020202020204" pitchFamily="34" charset="0"/>
-            </a:rPr>
-            <a:t>list </a:t>
-          </a:r>
-        </a:p>
-        <a:p>
-          <a:r>
-            <a:rPr lang="en-US" altLang="zh-TW" sz="1100" dirty="0">
-              <a:latin typeface="Arial" panose="020B0604020202020204" pitchFamily="34" charset="0"/>
-              <a:cs typeface="Arial" panose="020B0604020202020204" pitchFamily="34" charset="0"/>
-            </a:rPr>
-            <a:t>(dynamic array)</a:t>
-          </a:r>
-          <a:endParaRPr lang="zh-TW" altLang="en-US" sz="1100" dirty="0">
-            <a:latin typeface="Arial" panose="020B0604020202020204" pitchFamily="34" charset="0"/>
-            <a:cs typeface="Arial" panose="020B0604020202020204" pitchFamily="34" charset="0"/>
-          </a:endParaRPr>
-        </a:p>
-      </dgm:t>
-    </dgm:pt>
-    <dgm:pt modelId="{AED895CA-490C-FC4D-B209-4F1E028C4EE0}" type="parTrans" cxnId="{54999C51-F32B-8C4F-A22D-678001FA9AD9}">
-      <dgm:prSet/>
-      <dgm:spPr/>
-      <dgm:t>
-        <a:bodyPr/>
-        <a:lstStyle/>
-        <a:p>
-          <a:endParaRPr lang="zh-TW" altLang="en-US" sz="1100">
-            <a:latin typeface="Arial" panose="020B0604020202020204" pitchFamily="34" charset="0"/>
-            <a:cs typeface="Arial" panose="020B0604020202020204" pitchFamily="34" charset="0"/>
-          </a:endParaRPr>
-        </a:p>
-      </dgm:t>
-    </dgm:pt>
-    <dgm:pt modelId="{28AB227F-82B2-654D-8387-FD3FA49103B4}" type="sibTrans" cxnId="{54999C51-F32B-8C4F-A22D-678001FA9AD9}">
-      <dgm:prSet/>
-      <dgm:spPr/>
-      <dgm:t>
-        <a:bodyPr/>
-        <a:lstStyle/>
-        <a:p>
-          <a:endParaRPr lang="zh-TW" altLang="en-US" sz="1100">
-            <a:latin typeface="Arial" panose="020B0604020202020204" pitchFamily="34" charset="0"/>
-            <a:cs typeface="Arial" panose="020B0604020202020204" pitchFamily="34" charset="0"/>
-          </a:endParaRPr>
-        </a:p>
-      </dgm:t>
-    </dgm:pt>
-    <dgm:pt modelId="{84A008EA-9777-3D49-ADD4-F7E6AE1E304F}">
-      <dgm:prSet phldrT="[文字]" custT="1"/>
-      <dgm:spPr/>
-      <dgm:t>
-        <a:bodyPr/>
-        <a:lstStyle/>
-        <a:p>
-          <a:r>
-            <a:rPr lang="en-US" altLang="zh-TW" sz="1100" dirty="0">
-              <a:latin typeface="Arial" panose="020B0604020202020204" pitchFamily="34" charset="0"/>
-              <a:cs typeface="Arial" panose="020B0604020202020204" pitchFamily="34" charset="0"/>
-            </a:rPr>
-            <a:t>set</a:t>
-          </a:r>
-        </a:p>
-        <a:p>
-          <a:r>
-            <a:rPr lang="en-US" altLang="zh-TW" sz="1100" dirty="0">
-              <a:latin typeface="Arial" panose="020B0604020202020204" pitchFamily="34" charset="0"/>
-              <a:cs typeface="Arial" panose="020B0604020202020204" pitchFamily="34" charset="0"/>
-            </a:rPr>
-            <a:t>(hash-based)</a:t>
-          </a:r>
-        </a:p>
-      </dgm:t>
-    </dgm:pt>
-    <dgm:pt modelId="{F77D3EE8-0A30-ED40-9A10-2F2F488BB043}" type="parTrans" cxnId="{55BD14BB-4765-1D40-ABD8-B5FDDAAEEEB2}">
-      <dgm:prSet/>
-      <dgm:spPr/>
-      <dgm:t>
-        <a:bodyPr/>
-        <a:lstStyle/>
-        <a:p>
-          <a:endParaRPr lang="zh-TW" altLang="en-US" sz="1100">
-            <a:latin typeface="Arial" panose="020B0604020202020204" pitchFamily="34" charset="0"/>
-            <a:cs typeface="Arial" panose="020B0604020202020204" pitchFamily="34" charset="0"/>
-          </a:endParaRPr>
-        </a:p>
-      </dgm:t>
-    </dgm:pt>
-    <dgm:pt modelId="{A6AAB114-FAA1-D541-A393-2BB286EB45EF}" type="sibTrans" cxnId="{55BD14BB-4765-1D40-ABD8-B5FDDAAEEEB2}">
-      <dgm:prSet/>
-      <dgm:spPr/>
-      <dgm:t>
-        <a:bodyPr/>
-        <a:lstStyle/>
-        <a:p>
-          <a:endParaRPr lang="zh-TW" altLang="en-US" sz="1100">
-            <a:latin typeface="Arial" panose="020B0604020202020204" pitchFamily="34" charset="0"/>
-            <a:cs typeface="Arial" panose="020B0604020202020204" pitchFamily="34" charset="0"/>
-          </a:endParaRPr>
-        </a:p>
-      </dgm:t>
-    </dgm:pt>
-    <dgm:pt modelId="{AFC7F1CB-8276-844A-B6CA-80C2F7EE5C80}">
-      <dgm:prSet phldrT="[文字]" custT="1"/>
-      <dgm:spPr/>
-      <dgm:t>
-        <a:bodyPr/>
-        <a:lstStyle/>
-        <a:p>
-          <a:r>
-            <a:rPr lang="en-US" altLang="zh-TW" sz="1100" dirty="0" err="1">
-              <a:latin typeface="Arial" panose="020B0604020202020204" pitchFamily="34" charset="0"/>
-              <a:cs typeface="Arial" panose="020B0604020202020204" pitchFamily="34" charset="0"/>
-            </a:rPr>
-            <a:t>dict</a:t>
-          </a:r>
-          <a:endParaRPr lang="en-US" altLang="zh-TW" sz="1100" dirty="0">
-            <a:latin typeface="Arial" panose="020B0604020202020204" pitchFamily="34" charset="0"/>
-            <a:cs typeface="Arial" panose="020B0604020202020204" pitchFamily="34" charset="0"/>
-          </a:endParaRPr>
-        </a:p>
-        <a:p>
-          <a:r>
-            <a:rPr lang="en-US" altLang="zh-TW" sz="1100" dirty="0">
-              <a:latin typeface="Arial" panose="020B0604020202020204" pitchFamily="34" charset="0"/>
-              <a:cs typeface="Arial" panose="020B0604020202020204" pitchFamily="34" charset="0"/>
-            </a:rPr>
-            <a:t>(hash table)</a:t>
-          </a:r>
-          <a:endParaRPr lang="zh-TW" altLang="en-US" sz="1100" dirty="0">
-            <a:latin typeface="Arial" panose="020B0604020202020204" pitchFamily="34" charset="0"/>
-            <a:cs typeface="Arial" panose="020B0604020202020204" pitchFamily="34" charset="0"/>
-          </a:endParaRPr>
-        </a:p>
-      </dgm:t>
-    </dgm:pt>
-    <dgm:pt modelId="{BD5A74BC-EF31-894C-970E-896D3C6880FB}" type="parTrans" cxnId="{684AE84B-9571-3249-A4C8-21F930473999}">
-      <dgm:prSet/>
-      <dgm:spPr/>
-      <dgm:t>
-        <a:bodyPr/>
-        <a:lstStyle/>
-        <a:p>
-          <a:endParaRPr lang="zh-TW" altLang="en-US" sz="1100">
-            <a:latin typeface="Arial" panose="020B0604020202020204" pitchFamily="34" charset="0"/>
-            <a:cs typeface="Arial" panose="020B0604020202020204" pitchFamily="34" charset="0"/>
-          </a:endParaRPr>
-        </a:p>
-      </dgm:t>
-    </dgm:pt>
-    <dgm:pt modelId="{F5D13D3A-6762-A941-9913-F8396742FE38}" type="sibTrans" cxnId="{684AE84B-9571-3249-A4C8-21F930473999}">
-      <dgm:prSet/>
-      <dgm:spPr/>
-      <dgm:t>
-        <a:bodyPr/>
-        <a:lstStyle/>
-        <a:p>
-          <a:endParaRPr lang="zh-TW" altLang="en-US" sz="1100">
-            <a:latin typeface="Arial" panose="020B0604020202020204" pitchFamily="34" charset="0"/>
-            <a:cs typeface="Arial" panose="020B0604020202020204" pitchFamily="34" charset="0"/>
-          </a:endParaRPr>
+          <a:endParaRPr lang="zh-TW" altLang="en-US"/>
         </a:p>
       </dgm:t>
     </dgm:pt>
@@ -3584,7 +4339,7 @@
       <dgm:spPr/>
     </dgm:pt>
     <dgm:pt modelId="{F4C5806A-A26E-9E4B-A002-DAC5BB735783}" type="pres">
-      <dgm:prSet presAssocID="{18EDA692-C994-5B49-8DEB-1056CBA2E144}" presName="Name37" presStyleLbl="parChTrans1D4" presStyleIdx="0" presStyleCnt="15"/>
+      <dgm:prSet presAssocID="{18EDA692-C994-5B49-8DEB-1056CBA2E144}" presName="Name37" presStyleLbl="parChTrans1D4" presStyleIdx="0" presStyleCnt="16"/>
       <dgm:spPr/>
     </dgm:pt>
     <dgm:pt modelId="{106B23DB-EBB9-274B-ADA7-C66129162C8E}" type="pres">
@@ -3600,7 +4355,7 @@
       <dgm:spPr/>
     </dgm:pt>
     <dgm:pt modelId="{B5E92A72-1DE6-5742-B2A4-87A019840CF8}" type="pres">
-      <dgm:prSet presAssocID="{E92D26F4-C26A-8F49-B599-FC53A8FECE1E}" presName="rootText" presStyleLbl="node4" presStyleIdx="0" presStyleCnt="15">
+      <dgm:prSet presAssocID="{E92D26F4-C26A-8F49-B599-FC53A8FECE1E}" presName="rootText" presStyleLbl="node4" presStyleIdx="0" presStyleCnt="16">
         <dgm:presLayoutVars>
           <dgm:chPref val="3"/>
         </dgm:presLayoutVars>
@@ -3608,7 +4363,7 @@
       <dgm:spPr/>
     </dgm:pt>
     <dgm:pt modelId="{1987BFDD-CEEB-554A-BA4D-F5639020C497}" type="pres">
-      <dgm:prSet presAssocID="{E92D26F4-C26A-8F49-B599-FC53A8FECE1E}" presName="rootConnector" presStyleLbl="node4" presStyleIdx="0" presStyleCnt="15"/>
+      <dgm:prSet presAssocID="{E92D26F4-C26A-8F49-B599-FC53A8FECE1E}" presName="rootConnector" presStyleLbl="node4" presStyleIdx="0" presStyleCnt="16"/>
       <dgm:spPr/>
     </dgm:pt>
     <dgm:pt modelId="{83605553-0A5C-0246-AEF7-9BE52F600244}" type="pres">
@@ -3620,7 +4375,7 @@
       <dgm:spPr/>
     </dgm:pt>
     <dgm:pt modelId="{6D72278E-F3EE-B94E-B6BC-079C6921F85C}" type="pres">
-      <dgm:prSet presAssocID="{D90A70E4-5C7F-3541-B7C1-6804E23C2992}" presName="Name37" presStyleLbl="parChTrans1D4" presStyleIdx="1" presStyleCnt="15"/>
+      <dgm:prSet presAssocID="{D90A70E4-5C7F-3541-B7C1-6804E23C2992}" presName="Name37" presStyleLbl="parChTrans1D4" presStyleIdx="1" presStyleCnt="16"/>
       <dgm:spPr/>
     </dgm:pt>
     <dgm:pt modelId="{85983954-AAF3-7845-94DB-51E5FF7CDC3F}" type="pres">
@@ -3636,7 +4391,7 @@
       <dgm:spPr/>
     </dgm:pt>
     <dgm:pt modelId="{A8CC9982-14E7-2B48-8423-654D545ED390}" type="pres">
-      <dgm:prSet presAssocID="{B5D0D3E8-B795-3743-B29F-1695A75A0A32}" presName="rootText" presStyleLbl="node4" presStyleIdx="1" presStyleCnt="15">
+      <dgm:prSet presAssocID="{B5D0D3E8-B795-3743-B29F-1695A75A0A32}" presName="rootText" presStyleLbl="node4" presStyleIdx="1" presStyleCnt="16">
         <dgm:presLayoutVars>
           <dgm:chPref val="3"/>
         </dgm:presLayoutVars>
@@ -3644,7 +4399,7 @@
       <dgm:spPr/>
     </dgm:pt>
     <dgm:pt modelId="{F77BD0F5-4C49-914E-BBF2-28FE4AEADA79}" type="pres">
-      <dgm:prSet presAssocID="{B5D0D3E8-B795-3743-B29F-1695A75A0A32}" presName="rootConnector" presStyleLbl="node4" presStyleIdx="1" presStyleCnt="15"/>
+      <dgm:prSet presAssocID="{B5D0D3E8-B795-3743-B29F-1695A75A0A32}" presName="rootConnector" presStyleLbl="node4" presStyleIdx="1" presStyleCnt="16"/>
       <dgm:spPr/>
     </dgm:pt>
     <dgm:pt modelId="{63C44F13-2BF2-2A4F-AEDF-DD1DC16C5A1C}" type="pres">
@@ -3656,7 +4411,7 @@
       <dgm:spPr/>
     </dgm:pt>
     <dgm:pt modelId="{00DCA6B4-E75A-8446-9FFD-4F230A83C634}" type="pres">
-      <dgm:prSet presAssocID="{1A4838F4-FB66-6C4B-AE01-392492209EFA}" presName="Name37" presStyleLbl="parChTrans1D4" presStyleIdx="2" presStyleCnt="15"/>
+      <dgm:prSet presAssocID="{1A4838F4-FB66-6C4B-AE01-392492209EFA}" presName="Name37" presStyleLbl="parChTrans1D4" presStyleIdx="2" presStyleCnt="16"/>
       <dgm:spPr/>
     </dgm:pt>
     <dgm:pt modelId="{0EC08246-92C5-5047-9B42-E8FD9DA1C285}" type="pres">
@@ -3672,7 +4427,7 @@
       <dgm:spPr/>
     </dgm:pt>
     <dgm:pt modelId="{1A227A17-E84D-EE41-B61B-FE21B838E613}" type="pres">
-      <dgm:prSet presAssocID="{0CAF5A64-733E-4C46-894F-093DE65FD13B}" presName="rootText" presStyleLbl="node4" presStyleIdx="2" presStyleCnt="15">
+      <dgm:prSet presAssocID="{0CAF5A64-733E-4C46-894F-093DE65FD13B}" presName="rootText" presStyleLbl="node4" presStyleIdx="2" presStyleCnt="16">
         <dgm:presLayoutVars>
           <dgm:chPref val="3"/>
         </dgm:presLayoutVars>
@@ -3680,7 +4435,7 @@
       <dgm:spPr/>
     </dgm:pt>
     <dgm:pt modelId="{4887B337-9379-1F4E-B00C-34D60FC9C17C}" type="pres">
-      <dgm:prSet presAssocID="{0CAF5A64-733E-4C46-894F-093DE65FD13B}" presName="rootConnector" presStyleLbl="node4" presStyleIdx="2" presStyleCnt="15"/>
+      <dgm:prSet presAssocID="{0CAF5A64-733E-4C46-894F-093DE65FD13B}" presName="rootConnector" presStyleLbl="node4" presStyleIdx="2" presStyleCnt="16"/>
       <dgm:spPr/>
     </dgm:pt>
     <dgm:pt modelId="{B3F9EB7D-AB72-B54B-A39E-F5A3F61EEC9A}" type="pres">
@@ -3692,7 +4447,7 @@
       <dgm:spPr/>
     </dgm:pt>
     <dgm:pt modelId="{FC95E3B0-8F33-3A49-80F7-A95073D97FAF}" type="pres">
-      <dgm:prSet presAssocID="{E0D71316-3A16-F346-87E8-67F63CC167EC}" presName="Name37" presStyleLbl="parChTrans1D4" presStyleIdx="3" presStyleCnt="15"/>
+      <dgm:prSet presAssocID="{E0D71316-3A16-F346-87E8-67F63CC167EC}" presName="Name37" presStyleLbl="parChTrans1D4" presStyleIdx="3" presStyleCnt="16"/>
       <dgm:spPr/>
     </dgm:pt>
     <dgm:pt modelId="{36FFFC56-5B8D-8A42-94B2-0C7A6DF897F2}" type="pres">
@@ -3708,7 +4463,7 @@
       <dgm:spPr/>
     </dgm:pt>
     <dgm:pt modelId="{3C297F35-3674-084B-9329-7F8EF3177344}" type="pres">
-      <dgm:prSet presAssocID="{512C207A-296D-E54D-B9B5-55B369CB4082}" presName="rootText" presStyleLbl="node4" presStyleIdx="3" presStyleCnt="15">
+      <dgm:prSet presAssocID="{512C207A-296D-E54D-B9B5-55B369CB4082}" presName="rootText" presStyleLbl="node4" presStyleIdx="3" presStyleCnt="16">
         <dgm:presLayoutVars>
           <dgm:chPref val="3"/>
         </dgm:presLayoutVars>
@@ -3716,7 +4471,7 @@
       <dgm:spPr/>
     </dgm:pt>
     <dgm:pt modelId="{1E23E091-540F-6442-A400-EB28FDF87CDD}" type="pres">
-      <dgm:prSet presAssocID="{512C207A-296D-E54D-B9B5-55B369CB4082}" presName="rootConnector" presStyleLbl="node4" presStyleIdx="3" presStyleCnt="15"/>
+      <dgm:prSet presAssocID="{512C207A-296D-E54D-B9B5-55B369CB4082}" presName="rootConnector" presStyleLbl="node4" presStyleIdx="3" presStyleCnt="16"/>
       <dgm:spPr/>
     </dgm:pt>
     <dgm:pt modelId="{59FDE5FD-172E-C14E-BC8A-B771808EDDD2}" type="pres">
@@ -3764,7 +4519,7 @@
       <dgm:spPr/>
     </dgm:pt>
     <dgm:pt modelId="{F7C396C5-F04D-0049-A91D-C8ACF52F3BA5}" type="pres">
-      <dgm:prSet presAssocID="{D86BA47F-AB99-9144-BA7E-17DC7013E8A9}" presName="Name37" presStyleLbl="parChTrans1D4" presStyleIdx="4" presStyleCnt="15"/>
+      <dgm:prSet presAssocID="{D86BA47F-AB99-9144-BA7E-17DC7013E8A9}" presName="Name37" presStyleLbl="parChTrans1D4" presStyleIdx="4" presStyleCnt="16"/>
       <dgm:spPr/>
     </dgm:pt>
     <dgm:pt modelId="{0966D764-14C3-7942-831D-017D5E6E1E99}" type="pres">
@@ -3780,7 +4535,7 @@
       <dgm:spPr/>
     </dgm:pt>
     <dgm:pt modelId="{14A255AF-1673-7644-8DF7-86489B12401C}" type="pres">
-      <dgm:prSet presAssocID="{27078715-07FC-724F-85C1-3F6DC18DE89F}" presName="rootText" presStyleLbl="node4" presStyleIdx="4" presStyleCnt="15">
+      <dgm:prSet presAssocID="{27078715-07FC-724F-85C1-3F6DC18DE89F}" presName="rootText" presStyleLbl="node4" presStyleIdx="4" presStyleCnt="16">
         <dgm:presLayoutVars>
           <dgm:chPref val="3"/>
         </dgm:presLayoutVars>
@@ -3788,7 +4543,7 @@
       <dgm:spPr/>
     </dgm:pt>
     <dgm:pt modelId="{3F71694B-32A0-3B40-ABBE-1CCC1EF13530}" type="pres">
-      <dgm:prSet presAssocID="{27078715-07FC-724F-85C1-3F6DC18DE89F}" presName="rootConnector" presStyleLbl="node4" presStyleIdx="4" presStyleCnt="15"/>
+      <dgm:prSet presAssocID="{27078715-07FC-724F-85C1-3F6DC18DE89F}" presName="rootConnector" presStyleLbl="node4" presStyleIdx="4" presStyleCnt="16"/>
       <dgm:spPr/>
     </dgm:pt>
     <dgm:pt modelId="{93979C63-D27B-0744-959D-A35E240D3C54}" type="pres">
@@ -3800,7 +4555,7 @@
       <dgm:spPr/>
     </dgm:pt>
     <dgm:pt modelId="{B8FE4AFB-EBD3-EA4C-B16B-2FC370616CD3}" type="pres">
-      <dgm:prSet presAssocID="{AED895CA-490C-FC4D-B209-4F1E028C4EE0}" presName="Name37" presStyleLbl="parChTrans1D4" presStyleIdx="5" presStyleCnt="15"/>
+      <dgm:prSet presAssocID="{AED895CA-490C-FC4D-B209-4F1E028C4EE0}" presName="Name37" presStyleLbl="parChTrans1D4" presStyleIdx="5" presStyleCnt="16"/>
       <dgm:spPr/>
     </dgm:pt>
     <dgm:pt modelId="{C436139A-6E74-A748-A3DB-4BD98DA1A226}" type="pres">
@@ -3816,7 +4571,7 @@
       <dgm:spPr/>
     </dgm:pt>
     <dgm:pt modelId="{0D4EE3D3-840D-3E4D-A89D-08C23105C712}" type="pres">
-      <dgm:prSet presAssocID="{E9D01155-9BCB-DF4F-A71F-1AEB8A56169C}" presName="rootText" presStyleLbl="node4" presStyleIdx="5" presStyleCnt="15">
+      <dgm:prSet presAssocID="{E9D01155-9BCB-DF4F-A71F-1AEB8A56169C}" presName="rootText" presStyleLbl="node4" presStyleIdx="5" presStyleCnt="16">
         <dgm:presLayoutVars>
           <dgm:chPref val="3"/>
         </dgm:presLayoutVars>
@@ -3824,7 +4579,7 @@
       <dgm:spPr/>
     </dgm:pt>
     <dgm:pt modelId="{1AC52274-9E80-A248-8CE5-C5A7C3F6B707}" type="pres">
-      <dgm:prSet presAssocID="{E9D01155-9BCB-DF4F-A71F-1AEB8A56169C}" presName="rootConnector" presStyleLbl="node4" presStyleIdx="5" presStyleCnt="15"/>
+      <dgm:prSet presAssocID="{E9D01155-9BCB-DF4F-A71F-1AEB8A56169C}" presName="rootConnector" presStyleLbl="node4" presStyleIdx="5" presStyleCnt="16"/>
       <dgm:spPr/>
     </dgm:pt>
     <dgm:pt modelId="{F94C6E39-2F68-7B42-983B-FD7090E04637}" type="pres">
@@ -3836,7 +4591,7 @@
       <dgm:spPr/>
     </dgm:pt>
     <dgm:pt modelId="{C7ED0B91-EA5C-914F-BFF4-585C84358883}" type="pres">
-      <dgm:prSet presAssocID="{F77D3EE8-0A30-ED40-9A10-2F2F488BB043}" presName="Name37" presStyleLbl="parChTrans1D4" presStyleIdx="6" presStyleCnt="15"/>
+      <dgm:prSet presAssocID="{F77D3EE8-0A30-ED40-9A10-2F2F488BB043}" presName="Name37" presStyleLbl="parChTrans1D4" presStyleIdx="6" presStyleCnt="16"/>
       <dgm:spPr/>
     </dgm:pt>
     <dgm:pt modelId="{D29BBF16-D271-A449-8CAF-FE5BFDB728B8}" type="pres">
@@ -3852,7 +4607,7 @@
       <dgm:spPr/>
     </dgm:pt>
     <dgm:pt modelId="{8D801C39-A2D2-FF49-B278-48B59A8FF682}" type="pres">
-      <dgm:prSet presAssocID="{84A008EA-9777-3D49-ADD4-F7E6AE1E304F}" presName="rootText" presStyleLbl="node4" presStyleIdx="6" presStyleCnt="15">
+      <dgm:prSet presAssocID="{84A008EA-9777-3D49-ADD4-F7E6AE1E304F}" presName="rootText" presStyleLbl="node4" presStyleIdx="6" presStyleCnt="16">
         <dgm:presLayoutVars>
           <dgm:chPref val="3"/>
         </dgm:presLayoutVars>
@@ -3860,7 +4615,7 @@
       <dgm:spPr/>
     </dgm:pt>
     <dgm:pt modelId="{D5943A0D-5343-F740-976D-6404C54DB166}" type="pres">
-      <dgm:prSet presAssocID="{84A008EA-9777-3D49-ADD4-F7E6AE1E304F}" presName="rootConnector" presStyleLbl="node4" presStyleIdx="6" presStyleCnt="15"/>
+      <dgm:prSet presAssocID="{84A008EA-9777-3D49-ADD4-F7E6AE1E304F}" presName="rootConnector" presStyleLbl="node4" presStyleIdx="6" presStyleCnt="16"/>
       <dgm:spPr/>
     </dgm:pt>
     <dgm:pt modelId="{5710385F-F6DF-5349-9B80-487C3798AA2F}" type="pres">
@@ -3872,7 +4627,7 @@
       <dgm:spPr/>
     </dgm:pt>
     <dgm:pt modelId="{C0B3CD80-71DF-6845-A34E-8A097B583F74}" type="pres">
-      <dgm:prSet presAssocID="{BD5A74BC-EF31-894C-970E-896D3C6880FB}" presName="Name37" presStyleLbl="parChTrans1D4" presStyleIdx="7" presStyleCnt="15"/>
+      <dgm:prSet presAssocID="{BD5A74BC-EF31-894C-970E-896D3C6880FB}" presName="Name37" presStyleLbl="parChTrans1D4" presStyleIdx="7" presStyleCnt="16"/>
       <dgm:spPr/>
     </dgm:pt>
     <dgm:pt modelId="{D29B6A7D-62DF-CC4B-9499-1721F7172651}" type="pres">
@@ -3888,7 +4643,7 @@
       <dgm:spPr/>
     </dgm:pt>
     <dgm:pt modelId="{D963FF8A-3BB1-3A49-8E69-5FCC1776714B}" type="pres">
-      <dgm:prSet presAssocID="{AFC7F1CB-8276-844A-B6CA-80C2F7EE5C80}" presName="rootText" presStyleLbl="node4" presStyleIdx="7" presStyleCnt="15">
+      <dgm:prSet presAssocID="{AFC7F1CB-8276-844A-B6CA-80C2F7EE5C80}" presName="rootText" presStyleLbl="node4" presStyleIdx="7" presStyleCnt="16">
         <dgm:presLayoutVars>
           <dgm:chPref val="3"/>
         </dgm:presLayoutVars>
@@ -3896,7 +4651,7 @@
       <dgm:spPr/>
     </dgm:pt>
     <dgm:pt modelId="{61BCFD2F-E510-0A41-B0D0-BACD7378B2BD}" type="pres">
-      <dgm:prSet presAssocID="{AFC7F1CB-8276-844A-B6CA-80C2F7EE5C80}" presName="rootConnector" presStyleLbl="node4" presStyleIdx="7" presStyleCnt="15"/>
+      <dgm:prSet presAssocID="{AFC7F1CB-8276-844A-B6CA-80C2F7EE5C80}" presName="rootConnector" presStyleLbl="node4" presStyleIdx="7" presStyleCnt="16"/>
       <dgm:spPr/>
     </dgm:pt>
     <dgm:pt modelId="{81F7AD81-3614-1E40-992F-577A8E2CFA0A}" type="pres">
@@ -3980,7 +4735,7 @@
       <dgm:spPr/>
     </dgm:pt>
     <dgm:pt modelId="{B9F063A2-72B0-7344-9CBA-40794A7EC370}" type="pres">
-      <dgm:prSet presAssocID="{3E64FE57-201D-754A-9586-2C5054B3D387}" presName="Name37" presStyleLbl="parChTrans1D4" presStyleIdx="8" presStyleCnt="15"/>
+      <dgm:prSet presAssocID="{3E64FE57-201D-754A-9586-2C5054B3D387}" presName="Name37" presStyleLbl="parChTrans1D4" presStyleIdx="8" presStyleCnt="16"/>
       <dgm:spPr/>
     </dgm:pt>
     <dgm:pt modelId="{A192B167-D667-DF45-98E0-6E5BA7EEF1FC}" type="pres">
@@ -3996,7 +4751,7 @@
       <dgm:spPr/>
     </dgm:pt>
     <dgm:pt modelId="{2BC2E83E-9DC0-804A-BFC3-51BC6986B490}" type="pres">
-      <dgm:prSet presAssocID="{661554FF-45CB-9345-8F26-C1E976913741}" presName="rootText" presStyleLbl="node4" presStyleIdx="8" presStyleCnt="15">
+      <dgm:prSet presAssocID="{661554FF-45CB-9345-8F26-C1E976913741}" presName="rootText" presStyleLbl="node4" presStyleIdx="8" presStyleCnt="16">
         <dgm:presLayoutVars>
           <dgm:chPref val="3"/>
         </dgm:presLayoutVars>
@@ -4004,7 +4759,7 @@
       <dgm:spPr/>
     </dgm:pt>
     <dgm:pt modelId="{A99A09A5-2725-AF4D-BFDE-6965B350D0FB}" type="pres">
-      <dgm:prSet presAssocID="{661554FF-45CB-9345-8F26-C1E976913741}" presName="rootConnector" presStyleLbl="node4" presStyleIdx="8" presStyleCnt="15"/>
+      <dgm:prSet presAssocID="{661554FF-45CB-9345-8F26-C1E976913741}" presName="rootConnector" presStyleLbl="node4" presStyleIdx="8" presStyleCnt="16"/>
       <dgm:spPr/>
     </dgm:pt>
     <dgm:pt modelId="{6454F000-E789-1749-8C31-213C072D7AB6}" type="pres">
@@ -4016,7 +4771,7 @@
       <dgm:spPr/>
     </dgm:pt>
     <dgm:pt modelId="{42373F27-7D27-9340-91BF-2DC9EBBCF90C}" type="pres">
-      <dgm:prSet presAssocID="{8BB5F2F7-5AA5-AE4F-957A-6F9163BF118A}" presName="Name37" presStyleLbl="parChTrans1D4" presStyleIdx="9" presStyleCnt="15"/>
+      <dgm:prSet presAssocID="{8BB5F2F7-5AA5-AE4F-957A-6F9163BF118A}" presName="Name37" presStyleLbl="parChTrans1D4" presStyleIdx="9" presStyleCnt="16"/>
       <dgm:spPr/>
     </dgm:pt>
     <dgm:pt modelId="{127B45B9-FCF9-D840-A1E3-C6CBF2C76595}" type="pres">
@@ -4032,7 +4787,7 @@
       <dgm:spPr/>
     </dgm:pt>
     <dgm:pt modelId="{3A96F12F-2D19-7041-B8C3-BEFBCB904A3D}" type="pres">
-      <dgm:prSet presAssocID="{33F3B55C-440F-B948-95A9-84AA1313EEC5}" presName="rootText" presStyleLbl="node4" presStyleIdx="9" presStyleCnt="15">
+      <dgm:prSet presAssocID="{33F3B55C-440F-B948-95A9-84AA1313EEC5}" presName="rootText" presStyleLbl="node4" presStyleIdx="9" presStyleCnt="16">
         <dgm:presLayoutVars>
           <dgm:chPref val="3"/>
         </dgm:presLayoutVars>
@@ -4040,7 +4795,7 @@
       <dgm:spPr/>
     </dgm:pt>
     <dgm:pt modelId="{384684A6-6CEC-CD49-A99D-940C6AC12F3B}" type="pres">
-      <dgm:prSet presAssocID="{33F3B55C-440F-B948-95A9-84AA1313EEC5}" presName="rootConnector" presStyleLbl="node4" presStyleIdx="9" presStyleCnt="15"/>
+      <dgm:prSet presAssocID="{33F3B55C-440F-B948-95A9-84AA1313EEC5}" presName="rootConnector" presStyleLbl="node4" presStyleIdx="9" presStyleCnt="16"/>
       <dgm:spPr/>
     </dgm:pt>
     <dgm:pt modelId="{E8B09071-9C8A-2C45-9530-D801ED3AF719}" type="pres">
@@ -4052,7 +4807,7 @@
       <dgm:spPr/>
     </dgm:pt>
     <dgm:pt modelId="{14B3B670-23C0-5843-9CEB-780FB9085DCB}" type="pres">
-      <dgm:prSet presAssocID="{0E87C8D7-E5ED-6541-AAFF-625DC44A89C4}" presName="Name37" presStyleLbl="parChTrans1D4" presStyleIdx="10" presStyleCnt="15"/>
+      <dgm:prSet presAssocID="{0E87C8D7-E5ED-6541-AAFF-625DC44A89C4}" presName="Name37" presStyleLbl="parChTrans1D4" presStyleIdx="10" presStyleCnt="16"/>
       <dgm:spPr/>
     </dgm:pt>
     <dgm:pt modelId="{B5CB81CE-4244-B447-9625-9A6178D328CF}" type="pres">
@@ -4068,7 +4823,7 @@
       <dgm:spPr/>
     </dgm:pt>
     <dgm:pt modelId="{593D2933-859A-2B48-9193-D14D3B62BC45}" type="pres">
-      <dgm:prSet presAssocID="{66DFA289-E4BA-4B47-B8CC-52EDCC81DF74}" presName="rootText" presStyleLbl="node4" presStyleIdx="10" presStyleCnt="15">
+      <dgm:prSet presAssocID="{66DFA289-E4BA-4B47-B8CC-52EDCC81DF74}" presName="rootText" presStyleLbl="node4" presStyleIdx="10" presStyleCnt="16">
         <dgm:presLayoutVars>
           <dgm:chPref val="3"/>
         </dgm:presLayoutVars>
@@ -4076,7 +4831,7 @@
       <dgm:spPr/>
     </dgm:pt>
     <dgm:pt modelId="{0018F980-F012-1F44-ADA6-E37FDA2FAA70}" type="pres">
-      <dgm:prSet presAssocID="{66DFA289-E4BA-4B47-B8CC-52EDCC81DF74}" presName="rootConnector" presStyleLbl="node4" presStyleIdx="10" presStyleCnt="15"/>
+      <dgm:prSet presAssocID="{66DFA289-E4BA-4B47-B8CC-52EDCC81DF74}" presName="rootConnector" presStyleLbl="node4" presStyleIdx="10" presStyleCnt="16"/>
       <dgm:spPr/>
     </dgm:pt>
     <dgm:pt modelId="{D6C049B1-07D6-1C41-8EC4-1E2C53FC0F7F}" type="pres">
@@ -4088,7 +4843,7 @@
       <dgm:spPr/>
     </dgm:pt>
     <dgm:pt modelId="{27E5F664-9037-B44F-BB94-D693F21A54DE}" type="pres">
-      <dgm:prSet presAssocID="{5116889C-E900-F742-9BBE-F8F8FDA59F43}" presName="Name37" presStyleLbl="parChTrans1D4" presStyleIdx="11" presStyleCnt="15"/>
+      <dgm:prSet presAssocID="{5116889C-E900-F742-9BBE-F8F8FDA59F43}" presName="Name37" presStyleLbl="parChTrans1D4" presStyleIdx="11" presStyleCnt="16"/>
       <dgm:spPr/>
     </dgm:pt>
     <dgm:pt modelId="{58DA07C4-E531-EB4A-A88A-D82EB0D511FA}" type="pres">
@@ -4104,7 +4859,7 @@
       <dgm:spPr/>
     </dgm:pt>
     <dgm:pt modelId="{053CCF76-7AB2-8949-BB66-8E063219DFA0}" type="pres">
-      <dgm:prSet presAssocID="{1A94EAF2-89B3-2849-9EA2-C6D723F1AB07}" presName="rootText" presStyleLbl="node4" presStyleIdx="11" presStyleCnt="15">
+      <dgm:prSet presAssocID="{1A94EAF2-89B3-2849-9EA2-C6D723F1AB07}" presName="rootText" presStyleLbl="node4" presStyleIdx="11" presStyleCnt="16">
         <dgm:presLayoutVars>
           <dgm:chPref val="3"/>
         </dgm:presLayoutVars>
@@ -4112,7 +4867,7 @@
       <dgm:spPr/>
     </dgm:pt>
     <dgm:pt modelId="{1DB7E04F-3C35-794B-AA2B-079E358C0B63}" type="pres">
-      <dgm:prSet presAssocID="{1A94EAF2-89B3-2849-9EA2-C6D723F1AB07}" presName="rootConnector" presStyleLbl="node4" presStyleIdx="11" presStyleCnt="15"/>
+      <dgm:prSet presAssocID="{1A94EAF2-89B3-2849-9EA2-C6D723F1AB07}" presName="rootConnector" presStyleLbl="node4" presStyleIdx="11" presStyleCnt="16"/>
       <dgm:spPr/>
     </dgm:pt>
     <dgm:pt modelId="{473AE510-9DEF-E743-A9E2-534D5288E151}" type="pres">
@@ -4159,8 +4914,80 @@
       <dgm:prSet presAssocID="{EA7CE616-30E6-3F4F-89C1-44E5AC482DFC}" presName="hierChild4" presStyleCnt="0"/>
       <dgm:spPr/>
     </dgm:pt>
+    <dgm:pt modelId="{F68C7770-90D7-FC40-AC4C-8602AABEC0DB}" type="pres">
+      <dgm:prSet presAssocID="{91F96373-A43B-8D41-9CDE-787F5846251F}" presName="Name37" presStyleLbl="parChTrans1D4" presStyleIdx="12" presStyleCnt="16"/>
+      <dgm:spPr/>
+    </dgm:pt>
+    <dgm:pt modelId="{C12B0E33-2FD6-8E45-9AE0-22D33D1FB92C}" type="pres">
+      <dgm:prSet presAssocID="{FF668FD0-25AD-664C-96E7-0FEB414645B2}" presName="hierRoot2" presStyleCnt="0">
+        <dgm:presLayoutVars>
+          <dgm:hierBranch val="init"/>
+        </dgm:presLayoutVars>
+      </dgm:prSet>
+      <dgm:spPr/>
+    </dgm:pt>
+    <dgm:pt modelId="{71B004D5-4768-6C49-88D6-A4104C5AC29C}" type="pres">
+      <dgm:prSet presAssocID="{FF668FD0-25AD-664C-96E7-0FEB414645B2}" presName="rootComposite" presStyleCnt="0"/>
+      <dgm:spPr/>
+    </dgm:pt>
+    <dgm:pt modelId="{B8474793-D878-8B43-9297-13AC7D2B788C}" type="pres">
+      <dgm:prSet presAssocID="{FF668FD0-25AD-664C-96E7-0FEB414645B2}" presName="rootText" presStyleLbl="node4" presStyleIdx="12" presStyleCnt="16">
+        <dgm:presLayoutVars>
+          <dgm:chPref val="3"/>
+        </dgm:presLayoutVars>
+      </dgm:prSet>
+      <dgm:spPr/>
+    </dgm:pt>
+    <dgm:pt modelId="{5C82F085-A76C-224F-B2D6-7E2D00D997DD}" type="pres">
+      <dgm:prSet presAssocID="{FF668FD0-25AD-664C-96E7-0FEB414645B2}" presName="rootConnector" presStyleLbl="node4" presStyleIdx="12" presStyleCnt="16"/>
+      <dgm:spPr/>
+    </dgm:pt>
+    <dgm:pt modelId="{57C986C3-B952-8C45-A73B-66DE641A13EA}" type="pres">
+      <dgm:prSet presAssocID="{FF668FD0-25AD-664C-96E7-0FEB414645B2}" presName="hierChild4" presStyleCnt="0"/>
+      <dgm:spPr/>
+    </dgm:pt>
+    <dgm:pt modelId="{8A249020-8694-6E46-8FA0-D618A6E0B894}" type="pres">
+      <dgm:prSet presAssocID="{FF668FD0-25AD-664C-96E7-0FEB414645B2}" presName="hierChild5" presStyleCnt="0"/>
+      <dgm:spPr/>
+    </dgm:pt>
+    <dgm:pt modelId="{A65ACF43-C188-6145-BB86-10045174F37E}" type="pres">
+      <dgm:prSet presAssocID="{B22DC0D3-EE66-0E4A-8B8E-A030761411B4}" presName="Name37" presStyleLbl="parChTrans1D4" presStyleIdx="13" presStyleCnt="16"/>
+      <dgm:spPr/>
+    </dgm:pt>
+    <dgm:pt modelId="{E38800AE-1A51-4D4C-99C8-EB80ADF102DA}" type="pres">
+      <dgm:prSet presAssocID="{E7FBA496-8132-DA45-8CAE-E6C9B804036E}" presName="hierRoot2" presStyleCnt="0">
+        <dgm:presLayoutVars>
+          <dgm:hierBranch val="init"/>
+        </dgm:presLayoutVars>
+      </dgm:prSet>
+      <dgm:spPr/>
+    </dgm:pt>
+    <dgm:pt modelId="{D59970E8-DDDE-E14A-A5CE-6AE346192D0D}" type="pres">
+      <dgm:prSet presAssocID="{E7FBA496-8132-DA45-8CAE-E6C9B804036E}" presName="rootComposite" presStyleCnt="0"/>
+      <dgm:spPr/>
+    </dgm:pt>
+    <dgm:pt modelId="{F632952D-8F91-5845-BCF8-F68919DB3EF9}" type="pres">
+      <dgm:prSet presAssocID="{E7FBA496-8132-DA45-8CAE-E6C9B804036E}" presName="rootText" presStyleLbl="node4" presStyleIdx="13" presStyleCnt="16">
+        <dgm:presLayoutVars>
+          <dgm:chPref val="3"/>
+        </dgm:presLayoutVars>
+      </dgm:prSet>
+      <dgm:spPr/>
+    </dgm:pt>
+    <dgm:pt modelId="{CF06700D-2E94-E144-B169-A18F22EF4667}" type="pres">
+      <dgm:prSet presAssocID="{E7FBA496-8132-DA45-8CAE-E6C9B804036E}" presName="rootConnector" presStyleLbl="node4" presStyleIdx="13" presStyleCnt="16"/>
+      <dgm:spPr/>
+    </dgm:pt>
+    <dgm:pt modelId="{0EF61E9A-51AB-1649-AD2A-92F98608B626}" type="pres">
+      <dgm:prSet presAssocID="{E7FBA496-8132-DA45-8CAE-E6C9B804036E}" presName="hierChild4" presStyleCnt="0"/>
+      <dgm:spPr/>
+    </dgm:pt>
+    <dgm:pt modelId="{ED8A3910-111B-3546-9DC1-BA61AB51EF21}" type="pres">
+      <dgm:prSet presAssocID="{E7FBA496-8132-DA45-8CAE-E6C9B804036E}" presName="hierChild5" presStyleCnt="0"/>
+      <dgm:spPr/>
+    </dgm:pt>
     <dgm:pt modelId="{903B2477-238B-1D43-B313-1634EC18F9C2}" type="pres">
-      <dgm:prSet presAssocID="{5DEA6109-C1FE-AA45-AF46-BD174D62F4C6}" presName="Name37" presStyleLbl="parChTrans1D4" presStyleIdx="12" presStyleCnt="15"/>
+      <dgm:prSet presAssocID="{5DEA6109-C1FE-AA45-AF46-BD174D62F4C6}" presName="Name37" presStyleLbl="parChTrans1D4" presStyleIdx="14" presStyleCnt="16"/>
       <dgm:spPr/>
     </dgm:pt>
     <dgm:pt modelId="{3196B345-35DD-9F40-A789-838AB7ACA9B1}" type="pres">
@@ -4176,7 +5003,7 @@
       <dgm:spPr/>
     </dgm:pt>
     <dgm:pt modelId="{D1529639-8CAA-7C44-8C7C-9AE13CA132E1}" type="pres">
-      <dgm:prSet presAssocID="{0E6C66E4-1C4D-A247-9F41-6501204C9699}" presName="rootText" presStyleLbl="node4" presStyleIdx="12" presStyleCnt="15">
+      <dgm:prSet presAssocID="{0E6C66E4-1C4D-A247-9F41-6501204C9699}" presName="rootText" presStyleLbl="node4" presStyleIdx="14" presStyleCnt="16">
         <dgm:presLayoutVars>
           <dgm:chPref val="3"/>
         </dgm:presLayoutVars>
@@ -4184,7 +5011,7 @@
       <dgm:spPr/>
     </dgm:pt>
     <dgm:pt modelId="{920085A5-CDB3-CD4C-93B8-9CD84E43832E}" type="pres">
-      <dgm:prSet presAssocID="{0E6C66E4-1C4D-A247-9F41-6501204C9699}" presName="rootConnector" presStyleLbl="node4" presStyleIdx="12" presStyleCnt="15"/>
+      <dgm:prSet presAssocID="{0E6C66E4-1C4D-A247-9F41-6501204C9699}" presName="rootConnector" presStyleLbl="node4" presStyleIdx="14" presStyleCnt="16"/>
       <dgm:spPr/>
     </dgm:pt>
     <dgm:pt modelId="{2196E5D4-1E1F-5641-B9EF-EB8CF5D88D99}" type="pres">
@@ -4196,7 +5023,7 @@
       <dgm:spPr/>
     </dgm:pt>
     <dgm:pt modelId="{E433BE2A-E85B-EB45-8C5E-107586FDF0C5}" type="pres">
-      <dgm:prSet presAssocID="{21A7368B-077C-4845-83DF-021CAA01F150}" presName="Name37" presStyleLbl="parChTrans1D4" presStyleIdx="13" presStyleCnt="15"/>
+      <dgm:prSet presAssocID="{21A7368B-077C-4845-83DF-021CAA01F150}" presName="Name37" presStyleLbl="parChTrans1D4" presStyleIdx="15" presStyleCnt="16"/>
       <dgm:spPr/>
     </dgm:pt>
     <dgm:pt modelId="{CDBD86BD-F52B-B143-937D-10D17542FD9E}" type="pres">
@@ -4212,7 +5039,7 @@
       <dgm:spPr/>
     </dgm:pt>
     <dgm:pt modelId="{06D5A8DA-59C7-834F-888B-23FD809D34EE}" type="pres">
-      <dgm:prSet presAssocID="{8361F4D0-22FE-7340-97F3-C77C8C1E03B3}" presName="rootText" presStyleLbl="node4" presStyleIdx="13" presStyleCnt="15">
+      <dgm:prSet presAssocID="{8361F4D0-22FE-7340-97F3-C77C8C1E03B3}" presName="rootText" presStyleLbl="node4" presStyleIdx="15" presStyleCnt="16">
         <dgm:presLayoutVars>
           <dgm:chPref val="3"/>
         </dgm:presLayoutVars>
@@ -4220,7 +5047,7 @@
       <dgm:spPr/>
     </dgm:pt>
     <dgm:pt modelId="{1172A2D9-1971-6244-B41A-6BCD7D48913F}" type="pres">
-      <dgm:prSet presAssocID="{8361F4D0-22FE-7340-97F3-C77C8C1E03B3}" presName="rootConnector" presStyleLbl="node4" presStyleIdx="13" presStyleCnt="15"/>
+      <dgm:prSet presAssocID="{8361F4D0-22FE-7340-97F3-C77C8C1E03B3}" presName="rootConnector" presStyleLbl="node4" presStyleIdx="15" presStyleCnt="16"/>
       <dgm:spPr/>
     </dgm:pt>
     <dgm:pt modelId="{67AE6E47-4E1D-9F49-8FAC-73DF62ECF87E}" type="pres">
@@ -4229,42 +5056,6 @@
     </dgm:pt>
     <dgm:pt modelId="{C53DE536-B8C3-A442-A883-BA5558746C42}" type="pres">
       <dgm:prSet presAssocID="{8361F4D0-22FE-7340-97F3-C77C8C1E03B3}" presName="hierChild5" presStyleCnt="0"/>
-      <dgm:spPr/>
-    </dgm:pt>
-    <dgm:pt modelId="{74FBC225-5ED6-A749-AB5E-98B0A09B4A05}" type="pres">
-      <dgm:prSet presAssocID="{3187FD80-2923-B945-B5CA-1BBD4EE369F7}" presName="Name37" presStyleLbl="parChTrans1D4" presStyleIdx="14" presStyleCnt="15"/>
-      <dgm:spPr/>
-    </dgm:pt>
-    <dgm:pt modelId="{493022D9-C8C4-AC4D-B103-8A98A0AC7CEF}" type="pres">
-      <dgm:prSet presAssocID="{C099A65F-3DC4-4245-9E66-6345D73DF29F}" presName="hierRoot2" presStyleCnt="0">
-        <dgm:presLayoutVars>
-          <dgm:hierBranch val="init"/>
-        </dgm:presLayoutVars>
-      </dgm:prSet>
-      <dgm:spPr/>
-    </dgm:pt>
-    <dgm:pt modelId="{3C51FEF1-D087-A841-8B6F-3E0A62EB06F9}" type="pres">
-      <dgm:prSet presAssocID="{C099A65F-3DC4-4245-9E66-6345D73DF29F}" presName="rootComposite" presStyleCnt="0"/>
-      <dgm:spPr/>
-    </dgm:pt>
-    <dgm:pt modelId="{5F8839DD-50A6-C54A-BD16-57BBF4CA3DEB}" type="pres">
-      <dgm:prSet presAssocID="{C099A65F-3DC4-4245-9E66-6345D73DF29F}" presName="rootText" presStyleLbl="node4" presStyleIdx="14" presStyleCnt="15">
-        <dgm:presLayoutVars>
-          <dgm:chPref val="3"/>
-        </dgm:presLayoutVars>
-      </dgm:prSet>
-      <dgm:spPr/>
-    </dgm:pt>
-    <dgm:pt modelId="{352F74B3-5502-E045-816A-7A4D10D9063B}" type="pres">
-      <dgm:prSet presAssocID="{C099A65F-3DC4-4245-9E66-6345D73DF29F}" presName="rootConnector" presStyleLbl="node4" presStyleIdx="14" presStyleCnt="15"/>
-      <dgm:spPr/>
-    </dgm:pt>
-    <dgm:pt modelId="{82774873-6854-D447-AF88-9C33A1CA9DBC}" type="pres">
-      <dgm:prSet presAssocID="{C099A65F-3DC4-4245-9E66-6345D73DF29F}" presName="hierChild4" presStyleCnt="0"/>
-      <dgm:spPr/>
-    </dgm:pt>
-    <dgm:pt modelId="{2754E0EA-6EAC-4048-A240-14FD62F70CE6}" type="pres">
-      <dgm:prSet presAssocID="{C099A65F-3DC4-4245-9E66-6345D73DF29F}" presName="hierChild5" presStyleCnt="0"/>
       <dgm:spPr/>
     </dgm:pt>
     <dgm:pt modelId="{26C2D325-22A3-CF4E-B37E-A847CF815492}" type="pres">
@@ -4284,10 +5075,12 @@
     <dgm:cxn modelId="{6EF20B00-E5D9-AD4E-86E3-1798BAEBBCA6}" type="presOf" srcId="{661554FF-45CB-9345-8F26-C1E976913741}" destId="{A99A09A5-2725-AF4D-BFDE-6965B350D0FB}" srcOrd="1" destOrd="0" presId="urn:microsoft.com/office/officeart/2005/8/layout/orgChart1"/>
     <dgm:cxn modelId="{56AAC802-6B7B-B143-9069-C7617AC59BD7}" type="presOf" srcId="{3E64FE57-201D-754A-9586-2C5054B3D387}" destId="{B9F063A2-72B0-7344-9CBA-40794A7EC370}" srcOrd="0" destOrd="0" presId="urn:microsoft.com/office/officeart/2005/8/layout/orgChart1"/>
     <dgm:cxn modelId="{72A90507-2F69-DC49-B628-555927198D15}" srcId="{86FA0EE6-A0BE-4C40-BE6C-7F12FD4643ED}" destId="{661554FF-45CB-9345-8F26-C1E976913741}" srcOrd="0" destOrd="0" parTransId="{3E64FE57-201D-754A-9586-2C5054B3D387}" sibTransId="{1C9919A5-F619-6B41-B283-4D9E0F21B937}"/>
+    <dgm:cxn modelId="{4F73520C-B948-C340-8084-804AC8BC3368}" srcId="{EA7CE616-30E6-3F4F-89C1-44E5AC482DFC}" destId="{E7FBA496-8132-DA45-8CAE-E6C9B804036E}" srcOrd="1" destOrd="0" parTransId="{B22DC0D3-EE66-0E4A-8B8E-A030761411B4}" sibTransId="{F1D9A460-D1F4-8F45-9A82-5CD329358D1D}"/>
     <dgm:cxn modelId="{957B4311-465E-4C47-BDF2-A2DD694DD94D}" type="presOf" srcId="{B5D0D3E8-B795-3743-B29F-1695A75A0A32}" destId="{A8CC9982-14E7-2B48-8423-654D545ED390}" srcOrd="0" destOrd="0" presId="urn:microsoft.com/office/officeart/2005/8/layout/orgChart1"/>
     <dgm:cxn modelId="{1B2C3714-B42C-CE43-B72B-1844C7BBCD4D}" type="presOf" srcId="{8C1C897C-7F20-8443-AAFD-FE1B78D08CAF}" destId="{743172C3-3363-F54F-9FA3-3950DF47F2B4}" srcOrd="0" destOrd="0" presId="urn:microsoft.com/office/officeart/2005/8/layout/orgChart1"/>
     <dgm:cxn modelId="{71C1AC14-A37B-E544-8547-40572747146A}" srcId="{737B4950-C266-6E45-9829-4E496D4C5CEA}" destId="{E92D26F4-C26A-8F49-B599-FC53A8FECE1E}" srcOrd="0" destOrd="0" parTransId="{18EDA692-C994-5B49-8DEB-1056CBA2E144}" sibTransId="{D7D6B94F-3D74-BA43-B551-06041B288AAB}"/>
     <dgm:cxn modelId="{50F9E717-EA13-2144-B2BE-C2F4BF099D51}" type="presOf" srcId="{0CAF5A64-733E-4C46-894F-093DE65FD13B}" destId="{4887B337-9379-1F4E-B00C-34D60FC9C17C}" srcOrd="1" destOrd="0" presId="urn:microsoft.com/office/officeart/2005/8/layout/orgChart1"/>
+    <dgm:cxn modelId="{23572219-5956-C84E-AD87-1B07EFBFE326}" type="presOf" srcId="{91F96373-A43B-8D41-9CDE-787F5846251F}" destId="{F68C7770-90D7-FC40-AC4C-8602AABEC0DB}" srcOrd="0" destOrd="0" presId="urn:microsoft.com/office/officeart/2005/8/layout/orgChart1"/>
     <dgm:cxn modelId="{C3561B1A-F53E-FE41-98DA-68BD4520686F}" type="presOf" srcId="{53AB89B8-2CEB-8B4F-A4A5-9E144AC05308}" destId="{C4E2BFB1-2EA0-1F4A-82B4-ABE891E932D4}" srcOrd="0" destOrd="0" presId="urn:microsoft.com/office/officeart/2005/8/layout/orgChart1"/>
     <dgm:cxn modelId="{FA9E7C1F-3168-6443-A5B7-79B58F8171DF}" type="presOf" srcId="{27078715-07FC-724F-85C1-3F6DC18DE89F}" destId="{14A255AF-1673-7644-8DF7-86489B12401C}" srcOrd="0" destOrd="0" presId="urn:microsoft.com/office/officeart/2005/8/layout/orgChart1"/>
     <dgm:cxn modelId="{3DCAC720-4587-6B4F-88D9-397258D54071}" type="presOf" srcId="{661554FF-45CB-9345-8F26-C1E976913741}" destId="{2BC2E83E-9DC0-804A-BFC3-51BC6986B490}" srcOrd="0" destOrd="0" presId="urn:microsoft.com/office/officeart/2005/8/layout/orgChart1"/>
@@ -4295,16 +5088,16 @@
     <dgm:cxn modelId="{8E456E22-2E87-B04C-91BD-F975D87BB667}" type="presOf" srcId="{1A4838F4-FB66-6C4B-AE01-392492209EFA}" destId="{00DCA6B4-E75A-8446-9FFD-4F230A83C634}" srcOrd="0" destOrd="0" presId="urn:microsoft.com/office/officeart/2005/8/layout/orgChart1"/>
     <dgm:cxn modelId="{989B8A2E-8296-9048-BFA4-42BFDAF75668}" type="presOf" srcId="{84A008EA-9777-3D49-ADD4-F7E6AE1E304F}" destId="{D5943A0D-5343-F740-976D-6404C54DB166}" srcOrd="1" destOrd="0" presId="urn:microsoft.com/office/officeart/2005/8/layout/orgChart1"/>
     <dgm:cxn modelId="{2B900D32-FCD8-F74E-A561-E72FBD647B19}" type="presOf" srcId="{AFC7F1CB-8276-844A-B6CA-80C2F7EE5C80}" destId="{61BCFD2F-E510-0A41-B0D0-BACD7378B2BD}" srcOrd="1" destOrd="0" presId="urn:microsoft.com/office/officeart/2005/8/layout/orgChart1"/>
+    <dgm:cxn modelId="{279B3735-C6BD-8848-9EB7-B74A0C53D8FE}" type="presOf" srcId="{E7FBA496-8132-DA45-8CAE-E6C9B804036E}" destId="{F632952D-8F91-5845-BCF8-F68919DB3EF9}" srcOrd="0" destOrd="0" presId="urn:microsoft.com/office/officeart/2005/8/layout/orgChart1"/>
     <dgm:cxn modelId="{01180936-F2C9-4740-B3DF-603DC6F605F2}" srcId="{C1E48158-7719-E149-A865-C6594D4EBE39}" destId="{EA7CE616-30E6-3F4F-89C1-44E5AC482DFC}" srcOrd="1" destOrd="0" parTransId="{99C78B52-94E4-714E-9A14-F7E05080D0B9}" sibTransId="{734C90A7-5746-214F-8FDD-318370DC07C8}"/>
     <dgm:cxn modelId="{67CA9136-D5CC-E84F-97DD-63130CAC1DD1}" srcId="{86FA0EE6-A0BE-4C40-BE6C-7F12FD4643ED}" destId="{1A94EAF2-89B3-2849-9EA2-C6D723F1AB07}" srcOrd="3" destOrd="0" parTransId="{5116889C-E900-F742-9BBE-F8F8FDA59F43}" sibTransId="{A3796A50-1EB4-B845-85B2-1AB15E16C49A}"/>
     <dgm:cxn modelId="{AE515C37-A769-F241-808A-47E0174BC3A7}" type="presOf" srcId="{8BB5F2F7-5AA5-AE4F-957A-6F9163BF118A}" destId="{42373F27-7D27-9340-91BF-2DC9EBBCF90C}" srcOrd="0" destOrd="0" presId="urn:microsoft.com/office/officeart/2005/8/layout/orgChart1"/>
     <dgm:cxn modelId="{E79FD738-0B95-B741-B261-0102EA99036D}" type="presOf" srcId="{EA7CE616-30E6-3F4F-89C1-44E5AC482DFC}" destId="{9ABB7012-2C3A-1F45-A584-55AC9607BB7D}" srcOrd="0" destOrd="0" presId="urn:microsoft.com/office/officeart/2005/8/layout/orgChart1"/>
     <dgm:cxn modelId="{64CE0339-ED0A-FE41-BB8F-8E42F2D8B79E}" type="presOf" srcId="{BD5A74BC-EF31-894C-970E-896D3C6880FB}" destId="{C0B3CD80-71DF-6845-A34E-8A097B583F74}" srcOrd="0" destOrd="0" presId="urn:microsoft.com/office/officeart/2005/8/layout/orgChart1"/>
-    <dgm:cxn modelId="{B8395839-CDC0-5E46-8C7C-4A67BA450F59}" type="presOf" srcId="{C099A65F-3DC4-4245-9E66-6345D73DF29F}" destId="{5F8839DD-50A6-C54A-BD16-57BBF4CA3DEB}" srcOrd="0" destOrd="0" presId="urn:microsoft.com/office/officeart/2005/8/layout/orgChart1"/>
     <dgm:cxn modelId="{2A6B793A-4FF3-2645-8715-F6BD22F54391}" type="presOf" srcId="{38CCC40C-91F2-DF4D-9924-16145272738B}" destId="{4A003CC7-CC23-8745-8939-193C1E158901}" srcOrd="0" destOrd="0" presId="urn:microsoft.com/office/officeart/2005/8/layout/orgChart1"/>
-    <dgm:cxn modelId="{9568633B-56EB-D246-8E0C-FB7BBFEA54DC}" srcId="{EA7CE616-30E6-3F4F-89C1-44E5AC482DFC}" destId="{8361F4D0-22FE-7340-97F3-C77C8C1E03B3}" srcOrd="1" destOrd="0" parTransId="{21A7368B-077C-4845-83DF-021CAA01F150}" sibTransId="{4CBC00E5-E4DA-2840-B114-6B3155F2EE68}"/>
+    <dgm:cxn modelId="{9568633B-56EB-D246-8E0C-FB7BBFEA54DC}" srcId="{EA7CE616-30E6-3F4F-89C1-44E5AC482DFC}" destId="{8361F4D0-22FE-7340-97F3-C77C8C1E03B3}" srcOrd="3" destOrd="0" parTransId="{21A7368B-077C-4845-83DF-021CAA01F150}" sibTransId="{4CBC00E5-E4DA-2840-B114-6B3155F2EE68}"/>
+    <dgm:cxn modelId="{987C3E41-74D8-1F43-830F-E7CC27EFDC1B}" type="presOf" srcId="{FF668FD0-25AD-664C-96E7-0FEB414645B2}" destId="{5C82F085-A76C-224F-B2D6-7E2D00D997DD}" srcOrd="1" destOrd="0" presId="urn:microsoft.com/office/officeart/2005/8/layout/orgChart1"/>
     <dgm:cxn modelId="{97199141-3220-854F-890A-5CD7978A650F}" type="presOf" srcId="{FFBA6F8E-9722-274D-8EB3-81DF6DADB165}" destId="{1B4FA5AE-6D54-EC45-A6B8-44AAE9A6F5E5}" srcOrd="0" destOrd="0" presId="urn:microsoft.com/office/officeart/2005/8/layout/orgChart1"/>
-    <dgm:cxn modelId="{23636D42-7F32-D344-8D40-19D1C506AD3E}" type="presOf" srcId="{C099A65F-3DC4-4245-9E66-6345D73DF29F}" destId="{352F74B3-5502-E045-816A-7A4D10D9063B}" srcOrd="1" destOrd="0" presId="urn:microsoft.com/office/officeart/2005/8/layout/orgChart1"/>
     <dgm:cxn modelId="{DC52FA45-1309-ED45-8506-4E8B7115E34A}" srcId="{FFBA6F8E-9722-274D-8EB3-81DF6DADB165}" destId="{615322EC-29D0-BE4B-9E81-485EC64B34AD}" srcOrd="0" destOrd="0" parTransId="{D7F6F72D-83F3-1542-AB0B-A0F79919C62A}" sibTransId="{5ABC3EFF-EC14-124E-B87C-2C9303E4E0D9}"/>
     <dgm:cxn modelId="{E112B646-6D78-7048-BC98-276010DC9A6E}" type="presOf" srcId="{E92D26F4-C26A-8F49-B599-FC53A8FECE1E}" destId="{1987BFDD-CEEB-554A-BA4D-F5639020C497}" srcOrd="1" destOrd="0" presId="urn:microsoft.com/office/officeart/2005/8/layout/orgChart1"/>
     <dgm:cxn modelId="{088CB548-5944-074E-B184-42E27CAFCD7E}" type="presOf" srcId="{AED895CA-490C-FC4D-B209-4F1E028C4EE0}" destId="{B8FE4AFB-EBD3-EA4C-B16B-2FC370616CD3}" srcOrd="0" destOrd="0" presId="urn:microsoft.com/office/officeart/2005/8/layout/orgChart1"/>
@@ -4315,7 +5108,6 @@
     <dgm:cxn modelId="{54999C51-F32B-8C4F-A22D-678001FA9AD9}" srcId="{38CCC40C-91F2-DF4D-9924-16145272738B}" destId="{E9D01155-9BCB-DF4F-A71F-1AEB8A56169C}" srcOrd="1" destOrd="0" parTransId="{AED895CA-490C-FC4D-B209-4F1E028C4EE0}" sibTransId="{28AB227F-82B2-654D-8387-FD3FA49103B4}"/>
     <dgm:cxn modelId="{70C03452-1B61-704B-8EF8-B3497750D105}" type="presOf" srcId="{AFC7F1CB-8276-844A-B6CA-80C2F7EE5C80}" destId="{D963FF8A-3BB1-3A49-8E69-5FCC1776714B}" srcOrd="0" destOrd="0" presId="urn:microsoft.com/office/officeart/2005/8/layout/orgChart1"/>
     <dgm:cxn modelId="{D055D952-5E42-4948-8167-FF5F08F7AE8B}" type="presOf" srcId="{33F3B55C-440F-B948-95A9-84AA1313EEC5}" destId="{3A96F12F-2D19-7041-B8C3-BEFBCB904A3D}" srcOrd="0" destOrd="0" presId="urn:microsoft.com/office/officeart/2005/8/layout/orgChart1"/>
-    <dgm:cxn modelId="{47C9D05A-6ED2-1840-A3A7-172BD95F317D}" srcId="{EA7CE616-30E6-3F4F-89C1-44E5AC482DFC}" destId="{C099A65F-3DC4-4245-9E66-6345D73DF29F}" srcOrd="2" destOrd="0" parTransId="{3187FD80-2923-B945-B5CA-1BBD4EE369F7}" sibTransId="{874E1FDB-BE17-B24F-A9AE-8330FEC4B587}"/>
     <dgm:cxn modelId="{9941A55D-0111-3447-BEC4-67DFB1AAD658}" type="presOf" srcId="{1A94EAF2-89B3-2849-9EA2-C6D723F1AB07}" destId="{1DB7E04F-3C35-794B-AA2B-079E358C0B63}" srcOrd="1" destOrd="0" presId="urn:microsoft.com/office/officeart/2005/8/layout/orgChart1"/>
     <dgm:cxn modelId="{B05C2F60-931E-E64F-BD29-17326C827495}" type="presOf" srcId="{0E6C66E4-1C4D-A247-9F41-6501204C9699}" destId="{D1529639-8CAA-7C44-8C7C-9AE13CA132E1}" srcOrd="0" destOrd="0" presId="urn:microsoft.com/office/officeart/2005/8/layout/orgChart1"/>
     <dgm:cxn modelId="{43E92761-AF55-5346-B1DE-33B5480969C9}" type="presOf" srcId="{B575CBB5-8761-9946-BD17-CD458C435D86}" destId="{EB4D5CBC-5CFD-E64E-94DC-D7DD6C39BABC}" srcOrd="0" destOrd="0" presId="urn:microsoft.com/office/officeart/2005/8/layout/orgChart1"/>
@@ -4326,18 +5118,21 @@
     <dgm:cxn modelId="{CE35BC6C-E85D-0842-A242-7E1A369E38CA}" type="presOf" srcId="{D7F6F72D-83F3-1542-AB0B-A0F79919C62A}" destId="{F777DFC4-7111-154F-B309-9519F20588E6}" srcOrd="0" destOrd="0" presId="urn:microsoft.com/office/officeart/2005/8/layout/orgChart1"/>
     <dgm:cxn modelId="{6E2BFC6E-57B4-6A47-9024-162B67CF34FD}" type="presOf" srcId="{615322EC-29D0-BE4B-9E81-485EC64B34AD}" destId="{2886F659-6E89-BF4A-9E9B-09623E8A0CC6}" srcOrd="0" destOrd="0" presId="urn:microsoft.com/office/officeart/2005/8/layout/orgChart1"/>
     <dgm:cxn modelId="{B407FC73-B31B-2F44-84DE-C0AE82197312}" type="presOf" srcId="{18EDA692-C994-5B49-8DEB-1056CBA2E144}" destId="{F4C5806A-A26E-9E4B-A002-DAC5BB735783}" srcOrd="0" destOrd="0" presId="urn:microsoft.com/office/officeart/2005/8/layout/orgChart1"/>
+    <dgm:cxn modelId="{178F7774-3C28-4D4A-8F41-E1C077F46DCD}" type="presOf" srcId="{FF668FD0-25AD-664C-96E7-0FEB414645B2}" destId="{B8474793-D878-8B43-9297-13AC7D2B788C}" srcOrd="0" destOrd="0" presId="urn:microsoft.com/office/officeart/2005/8/layout/orgChart1"/>
     <dgm:cxn modelId="{E9BA9D74-B5DB-7E44-815B-ACA9F23C64EE}" type="presOf" srcId="{512C207A-296D-E54D-B9B5-55B369CB4082}" destId="{3C297F35-3674-084B-9329-7F8EF3177344}" srcOrd="0" destOrd="0" presId="urn:microsoft.com/office/officeart/2005/8/layout/orgChart1"/>
     <dgm:cxn modelId="{1DF91378-FBD9-E54A-976D-EBE1D1663540}" type="presOf" srcId="{E0D71316-3A16-F346-87E8-67F63CC167EC}" destId="{FC95E3B0-8F33-3A49-80F7-A95073D97FAF}" srcOrd="0" destOrd="0" presId="urn:microsoft.com/office/officeart/2005/8/layout/orgChart1"/>
     <dgm:cxn modelId="{ED4EB579-FC2F-6342-93E1-A424E26F0C3E}" type="presOf" srcId="{E92D26F4-C26A-8F49-B599-FC53A8FECE1E}" destId="{B5E92A72-1DE6-5742-B2A4-87A019840CF8}" srcOrd="0" destOrd="0" presId="urn:microsoft.com/office/officeart/2005/8/layout/orgChart1"/>
+    <dgm:cxn modelId="{8FC2B27C-D7A9-4442-ADAE-7A6269A71749}" srcId="{EA7CE616-30E6-3F4F-89C1-44E5AC482DFC}" destId="{FF668FD0-25AD-664C-96E7-0FEB414645B2}" srcOrd="0" destOrd="0" parTransId="{91F96373-A43B-8D41-9CDE-787F5846251F}" sibTransId="{994F5AD7-CC19-B745-ADEC-6DFDCE31146F}"/>
     <dgm:cxn modelId="{36CE797D-A7A8-A040-9DA8-B778E4B8C284}" type="presOf" srcId="{615322EC-29D0-BE4B-9E81-485EC64B34AD}" destId="{349B1ED7-6B4C-2949-8D41-469C057AF3FD}" srcOrd="1" destOrd="0" presId="urn:microsoft.com/office/officeart/2005/8/layout/orgChart1"/>
+    <dgm:cxn modelId="{D7B15B80-D5FC-E94E-AD58-8F92CFD97E97}" type="presOf" srcId="{E7FBA496-8132-DA45-8CAE-E6C9B804036E}" destId="{CF06700D-2E94-E144-B169-A18F22EF4667}" srcOrd="1" destOrd="0" presId="urn:microsoft.com/office/officeart/2005/8/layout/orgChart1"/>
     <dgm:cxn modelId="{8086E987-E131-0044-A1CA-C2F28DB60EA1}" type="presOf" srcId="{0E87C8D7-E5ED-6541-AAFF-625DC44A89C4}" destId="{14B3B670-23C0-5843-9CEB-780FB9085DCB}" srcOrd="0" destOrd="0" presId="urn:microsoft.com/office/officeart/2005/8/layout/orgChart1"/>
     <dgm:cxn modelId="{77AAF989-F65E-4144-98EE-71D6AB1FC101}" srcId="{25FF79B9-8A4E-2846-8389-DA2539AC0E91}" destId="{FFBA6F8E-9722-274D-8EB3-81DF6DADB165}" srcOrd="0" destOrd="0" parTransId="{83A5552F-15A5-454E-9A48-5CE64CA84788}" sibTransId="{A8BA1CB0-422D-7A47-8C5B-7D81A0859563}"/>
     <dgm:cxn modelId="{E1ED5E8A-7432-0D49-96B5-33E1DC32D969}" type="presOf" srcId="{F77D3EE8-0A30-ED40-9A10-2F2F488BB043}" destId="{C7ED0B91-EA5C-914F-BFF4-585C84358883}" srcOrd="0" destOrd="0" presId="urn:microsoft.com/office/officeart/2005/8/layout/orgChart1"/>
+    <dgm:cxn modelId="{1445F495-2E26-0246-8003-AACBA41D8C42}" type="presOf" srcId="{B22DC0D3-EE66-0E4A-8B8E-A030761411B4}" destId="{A65ACF43-C188-6145-BB86-10045174F37E}" srcOrd="0" destOrd="0" presId="urn:microsoft.com/office/officeart/2005/8/layout/orgChart1"/>
     <dgm:cxn modelId="{F3AA5796-2234-CE4B-8B02-740B631D658B}" type="presOf" srcId="{86FA0EE6-A0BE-4C40-BE6C-7F12FD4643ED}" destId="{2A289A3D-8DE1-004D-9E92-FA08A37AE63D}" srcOrd="0" destOrd="0" presId="urn:microsoft.com/office/officeart/2005/8/layout/orgChart1"/>
     <dgm:cxn modelId="{DD536098-66FD-5748-B74E-39E5687E65EA}" type="presOf" srcId="{5DEA6109-C1FE-AA45-AF46-BD174D62F4C6}" destId="{903B2477-238B-1D43-B313-1634EC18F9C2}" srcOrd="0" destOrd="0" presId="urn:microsoft.com/office/officeart/2005/8/layout/orgChart1"/>
     <dgm:cxn modelId="{5A77069A-CB91-1B43-ABF9-035C40A53D41}" type="presOf" srcId="{EA7CE616-30E6-3F4F-89C1-44E5AC482DFC}" destId="{B6487BCC-6F97-2843-9712-E2CC5D7D8649}" srcOrd="1" destOrd="0" presId="urn:microsoft.com/office/officeart/2005/8/layout/orgChart1"/>
     <dgm:cxn modelId="{B1F2BE9C-32CE-4741-9294-6624830F7706}" type="presOf" srcId="{84A008EA-9777-3D49-ADD4-F7E6AE1E304F}" destId="{8D801C39-A2D2-FF49-B278-48B59A8FF682}" srcOrd="0" destOrd="0" presId="urn:microsoft.com/office/officeart/2005/8/layout/orgChart1"/>
-    <dgm:cxn modelId="{FB97719D-071B-2746-940E-38CAC0A8C422}" type="presOf" srcId="{3187FD80-2923-B945-B5CA-1BBD4EE369F7}" destId="{74FBC225-5ED6-A749-AB5E-98B0A09B4A05}" srcOrd="0" destOrd="0" presId="urn:microsoft.com/office/officeart/2005/8/layout/orgChart1"/>
     <dgm:cxn modelId="{67B788A3-F5E1-D245-A6FA-BDB06D716071}" type="presOf" srcId="{737B4950-C266-6E45-9829-4E496D4C5CEA}" destId="{B4FBC950-3436-5547-B874-96C0921DAD13}" srcOrd="0" destOrd="0" presId="urn:microsoft.com/office/officeart/2005/8/layout/orgChart1"/>
     <dgm:cxn modelId="{614C36A4-1A3C-CC4F-A692-B71514FF65B7}" type="presOf" srcId="{8A4E4977-0767-6B4F-B722-EA8CD6AFC73F}" destId="{CB4246F8-540D-F047-9DAA-4403379F4330}" srcOrd="0" destOrd="0" presId="urn:microsoft.com/office/officeart/2005/8/layout/orgChart1"/>
     <dgm:cxn modelId="{792183A4-D662-DE4A-B295-1920E70242F3}" type="presOf" srcId="{21A7368B-077C-4845-83DF-021CAA01F150}" destId="{E433BE2A-E85B-EB45-8C5E-107586FDF0C5}" srcOrd="0" destOrd="0" presId="urn:microsoft.com/office/officeart/2005/8/layout/orgChart1"/>
@@ -4364,7 +5159,7 @@
     <dgm:cxn modelId="{3F24CDED-A9F0-A845-BCC5-12D04D6AF9F5}" type="presOf" srcId="{C1E48158-7719-E149-A865-C6594D4EBE39}" destId="{0BEB55F5-161A-D747-9B25-E36462DB434A}" srcOrd="0" destOrd="0" presId="urn:microsoft.com/office/officeart/2005/8/layout/orgChart1"/>
     <dgm:cxn modelId="{C5A9A3EE-BD6B-0D46-A851-A92501CC2EBF}" srcId="{615322EC-29D0-BE4B-9E81-485EC64B34AD}" destId="{38CCC40C-91F2-DF4D-9924-16145272738B}" srcOrd="1" destOrd="0" parTransId="{53AB89B8-2CEB-8B4F-A4A5-9E144AC05308}" sibTransId="{FF01F140-A864-1F4A-9E26-148EF208C883}"/>
     <dgm:cxn modelId="{4C8238F5-ACD9-FE4B-A8CD-1988C4EEE2AD}" type="presOf" srcId="{0CAF5A64-733E-4C46-894F-093DE65FD13B}" destId="{1A227A17-E84D-EE41-B61B-FE21B838E613}" srcOrd="0" destOrd="0" presId="urn:microsoft.com/office/officeart/2005/8/layout/orgChart1"/>
-    <dgm:cxn modelId="{7740FDF5-8FB2-DC45-91C8-8ADB0417CE5B}" srcId="{EA7CE616-30E6-3F4F-89C1-44E5AC482DFC}" destId="{0E6C66E4-1C4D-A247-9F41-6501204C9699}" srcOrd="0" destOrd="0" parTransId="{5DEA6109-C1FE-AA45-AF46-BD174D62F4C6}" sibTransId="{7A37DE04-8DC9-6947-9D0B-945C43128949}"/>
+    <dgm:cxn modelId="{7740FDF5-8FB2-DC45-91C8-8ADB0417CE5B}" srcId="{EA7CE616-30E6-3F4F-89C1-44E5AC482DFC}" destId="{0E6C66E4-1C4D-A247-9F41-6501204C9699}" srcOrd="2" destOrd="0" parTransId="{5DEA6109-C1FE-AA45-AF46-BD174D62F4C6}" sibTransId="{7A37DE04-8DC9-6947-9D0B-945C43128949}"/>
     <dgm:cxn modelId="{210FEFF8-5277-C944-ACEC-98216EDDF0FE}" type="presOf" srcId="{33F3B55C-440F-B948-95A9-84AA1313EEC5}" destId="{384684A6-6CEC-CD49-A99D-940C6AC12F3B}" srcOrd="1" destOrd="0" presId="urn:microsoft.com/office/officeart/2005/8/layout/orgChart1"/>
     <dgm:cxn modelId="{E3E327F9-19FE-9747-AC13-EE48C68481D2}" srcId="{38CCC40C-91F2-DF4D-9924-16145272738B}" destId="{27078715-07FC-724F-85C1-3F6DC18DE89F}" srcOrd="0" destOrd="0" parTransId="{D86BA47F-AB99-9144-BA7E-17DC7013E8A9}" sibTransId="{727F7694-3251-624E-B32B-782224CAD50E}"/>
     <dgm:cxn modelId="{020CEDFA-EA55-E74D-953E-9C03831D9771}" type="presOf" srcId="{B5D0D3E8-B795-3743-B29F-1695A75A0A32}" destId="{F77BD0F5-4C49-914E-BBF2-28FE4AEADA79}" srcOrd="1" destOrd="0" presId="urn:microsoft.com/office/officeart/2005/8/layout/orgChart1"/>
@@ -4498,27 +5293,34 @@
     <dgm:cxn modelId="{DF9D10B7-9F4B-714C-847A-D086A0216A91}" type="presParOf" srcId="{6A66F812-0EE5-6E4E-BA54-E3E0E051D1CE}" destId="{9ABB7012-2C3A-1F45-A584-55AC9607BB7D}" srcOrd="0" destOrd="0" presId="urn:microsoft.com/office/officeart/2005/8/layout/orgChart1"/>
     <dgm:cxn modelId="{62039446-2789-9148-B180-B2D6ACE282DE}" type="presParOf" srcId="{6A66F812-0EE5-6E4E-BA54-E3E0E051D1CE}" destId="{B6487BCC-6F97-2843-9712-E2CC5D7D8649}" srcOrd="1" destOrd="0" presId="urn:microsoft.com/office/officeart/2005/8/layout/orgChart1"/>
     <dgm:cxn modelId="{641AE1C7-835C-F54C-A883-57CDA43FAED6}" type="presParOf" srcId="{A11D60BE-D709-7D46-9CC9-0FAAFA76395C}" destId="{C221ABC6-CDB1-804B-BCE5-1D29AFD0F171}" srcOrd="1" destOrd="0" presId="urn:microsoft.com/office/officeart/2005/8/layout/orgChart1"/>
-    <dgm:cxn modelId="{0F1BCE7E-2F01-D545-81AF-E4EA62D72649}" type="presParOf" srcId="{C221ABC6-CDB1-804B-BCE5-1D29AFD0F171}" destId="{903B2477-238B-1D43-B313-1634EC18F9C2}" srcOrd="0" destOrd="0" presId="urn:microsoft.com/office/officeart/2005/8/layout/orgChart1"/>
-    <dgm:cxn modelId="{789D1D79-0200-1142-B972-086992B6C4EE}" type="presParOf" srcId="{C221ABC6-CDB1-804B-BCE5-1D29AFD0F171}" destId="{3196B345-35DD-9F40-A789-838AB7ACA9B1}" srcOrd="1" destOrd="0" presId="urn:microsoft.com/office/officeart/2005/8/layout/orgChart1"/>
+    <dgm:cxn modelId="{FAFCE2EC-9B9E-AC46-A356-38246C1C10AD}" type="presParOf" srcId="{C221ABC6-CDB1-804B-BCE5-1D29AFD0F171}" destId="{F68C7770-90D7-FC40-AC4C-8602AABEC0DB}" srcOrd="0" destOrd="0" presId="urn:microsoft.com/office/officeart/2005/8/layout/orgChart1"/>
+    <dgm:cxn modelId="{AD20E495-A2BC-2947-A38B-2E46CC1D16E3}" type="presParOf" srcId="{C221ABC6-CDB1-804B-BCE5-1D29AFD0F171}" destId="{C12B0E33-2FD6-8E45-9AE0-22D33D1FB92C}" srcOrd="1" destOrd="0" presId="urn:microsoft.com/office/officeart/2005/8/layout/orgChart1"/>
+    <dgm:cxn modelId="{B5EF9570-6855-6E4D-8D47-C7737F8E55C2}" type="presParOf" srcId="{C12B0E33-2FD6-8E45-9AE0-22D33D1FB92C}" destId="{71B004D5-4768-6C49-88D6-A4104C5AC29C}" srcOrd="0" destOrd="0" presId="urn:microsoft.com/office/officeart/2005/8/layout/orgChart1"/>
+    <dgm:cxn modelId="{4138C6A2-0073-DF48-85FC-C4CBACEF9168}" type="presParOf" srcId="{71B004D5-4768-6C49-88D6-A4104C5AC29C}" destId="{B8474793-D878-8B43-9297-13AC7D2B788C}" srcOrd="0" destOrd="0" presId="urn:microsoft.com/office/officeart/2005/8/layout/orgChart1"/>
+    <dgm:cxn modelId="{5B338208-AC9C-AA40-9020-3F81DEF8F366}" type="presParOf" srcId="{71B004D5-4768-6C49-88D6-A4104C5AC29C}" destId="{5C82F085-A76C-224F-B2D6-7E2D00D997DD}" srcOrd="1" destOrd="0" presId="urn:microsoft.com/office/officeart/2005/8/layout/orgChart1"/>
+    <dgm:cxn modelId="{542A3535-FD9B-0644-B1EF-5C1BE16197C0}" type="presParOf" srcId="{C12B0E33-2FD6-8E45-9AE0-22D33D1FB92C}" destId="{57C986C3-B952-8C45-A73B-66DE641A13EA}" srcOrd="1" destOrd="0" presId="urn:microsoft.com/office/officeart/2005/8/layout/orgChart1"/>
+    <dgm:cxn modelId="{887E6013-679F-8F4B-BDB7-362A241EDF43}" type="presParOf" srcId="{C12B0E33-2FD6-8E45-9AE0-22D33D1FB92C}" destId="{8A249020-8694-6E46-8FA0-D618A6E0B894}" srcOrd="2" destOrd="0" presId="urn:microsoft.com/office/officeart/2005/8/layout/orgChart1"/>
+    <dgm:cxn modelId="{A87519C4-853E-2B46-BAF1-C044CEDD7593}" type="presParOf" srcId="{C221ABC6-CDB1-804B-BCE5-1D29AFD0F171}" destId="{A65ACF43-C188-6145-BB86-10045174F37E}" srcOrd="2" destOrd="0" presId="urn:microsoft.com/office/officeart/2005/8/layout/orgChart1"/>
+    <dgm:cxn modelId="{BC9CD9FA-3357-7E4A-92BB-44B6CCEEFB6B}" type="presParOf" srcId="{C221ABC6-CDB1-804B-BCE5-1D29AFD0F171}" destId="{E38800AE-1A51-4D4C-99C8-EB80ADF102DA}" srcOrd="3" destOrd="0" presId="urn:microsoft.com/office/officeart/2005/8/layout/orgChart1"/>
+    <dgm:cxn modelId="{ED3C74C2-DFC8-4649-BAD5-E5C13E593D0C}" type="presParOf" srcId="{E38800AE-1A51-4D4C-99C8-EB80ADF102DA}" destId="{D59970E8-DDDE-E14A-A5CE-6AE346192D0D}" srcOrd="0" destOrd="0" presId="urn:microsoft.com/office/officeart/2005/8/layout/orgChart1"/>
+    <dgm:cxn modelId="{E66D7D83-67C8-2345-9EFA-902F50A65BB5}" type="presParOf" srcId="{D59970E8-DDDE-E14A-A5CE-6AE346192D0D}" destId="{F632952D-8F91-5845-BCF8-F68919DB3EF9}" srcOrd="0" destOrd="0" presId="urn:microsoft.com/office/officeart/2005/8/layout/orgChart1"/>
+    <dgm:cxn modelId="{A3F7CBFF-7556-5B4B-8A10-02DB051EB9B5}" type="presParOf" srcId="{D59970E8-DDDE-E14A-A5CE-6AE346192D0D}" destId="{CF06700D-2E94-E144-B169-A18F22EF4667}" srcOrd="1" destOrd="0" presId="urn:microsoft.com/office/officeart/2005/8/layout/orgChart1"/>
+    <dgm:cxn modelId="{6DAD1368-D796-D149-9F21-FC24F2A7767B}" type="presParOf" srcId="{E38800AE-1A51-4D4C-99C8-EB80ADF102DA}" destId="{0EF61E9A-51AB-1649-AD2A-92F98608B626}" srcOrd="1" destOrd="0" presId="urn:microsoft.com/office/officeart/2005/8/layout/orgChart1"/>
+    <dgm:cxn modelId="{0A8A1752-199D-D042-AE3E-07EA669BD49E}" type="presParOf" srcId="{E38800AE-1A51-4D4C-99C8-EB80ADF102DA}" destId="{ED8A3910-111B-3546-9DC1-BA61AB51EF21}" srcOrd="2" destOrd="0" presId="urn:microsoft.com/office/officeart/2005/8/layout/orgChart1"/>
+    <dgm:cxn modelId="{0F1BCE7E-2F01-D545-81AF-E4EA62D72649}" type="presParOf" srcId="{C221ABC6-CDB1-804B-BCE5-1D29AFD0F171}" destId="{903B2477-238B-1D43-B313-1634EC18F9C2}" srcOrd="4" destOrd="0" presId="urn:microsoft.com/office/officeart/2005/8/layout/orgChart1"/>
+    <dgm:cxn modelId="{789D1D79-0200-1142-B972-086992B6C4EE}" type="presParOf" srcId="{C221ABC6-CDB1-804B-BCE5-1D29AFD0F171}" destId="{3196B345-35DD-9F40-A789-838AB7ACA9B1}" srcOrd="5" destOrd="0" presId="urn:microsoft.com/office/officeart/2005/8/layout/orgChart1"/>
     <dgm:cxn modelId="{36547055-8217-0C47-B8FD-14AF6A856195}" type="presParOf" srcId="{3196B345-35DD-9F40-A789-838AB7ACA9B1}" destId="{F8776890-FE1F-B942-990D-FF76B6AF43F6}" srcOrd="0" destOrd="0" presId="urn:microsoft.com/office/officeart/2005/8/layout/orgChart1"/>
     <dgm:cxn modelId="{90CFF9E2-4755-7B40-B470-6CAEAF3B8B4D}" type="presParOf" srcId="{F8776890-FE1F-B942-990D-FF76B6AF43F6}" destId="{D1529639-8CAA-7C44-8C7C-9AE13CA132E1}" srcOrd="0" destOrd="0" presId="urn:microsoft.com/office/officeart/2005/8/layout/orgChart1"/>
     <dgm:cxn modelId="{963C8409-0E72-8E42-8EDD-A0171D27A198}" type="presParOf" srcId="{F8776890-FE1F-B942-990D-FF76B6AF43F6}" destId="{920085A5-CDB3-CD4C-93B8-9CD84E43832E}" srcOrd="1" destOrd="0" presId="urn:microsoft.com/office/officeart/2005/8/layout/orgChart1"/>
     <dgm:cxn modelId="{5B2DB898-976F-2C44-9A67-B157895E9795}" type="presParOf" srcId="{3196B345-35DD-9F40-A789-838AB7ACA9B1}" destId="{2196E5D4-1E1F-5641-B9EF-EB8CF5D88D99}" srcOrd="1" destOrd="0" presId="urn:microsoft.com/office/officeart/2005/8/layout/orgChart1"/>
     <dgm:cxn modelId="{C68097EF-979E-6842-8672-4224B38C3F93}" type="presParOf" srcId="{3196B345-35DD-9F40-A789-838AB7ACA9B1}" destId="{BC55D468-405C-8D41-A757-BD5CBDBEB9AF}" srcOrd="2" destOrd="0" presId="urn:microsoft.com/office/officeart/2005/8/layout/orgChart1"/>
-    <dgm:cxn modelId="{B6CCFC15-6EE5-A04D-BDE1-1CA93056D887}" type="presParOf" srcId="{C221ABC6-CDB1-804B-BCE5-1D29AFD0F171}" destId="{E433BE2A-E85B-EB45-8C5E-107586FDF0C5}" srcOrd="2" destOrd="0" presId="urn:microsoft.com/office/officeart/2005/8/layout/orgChart1"/>
-    <dgm:cxn modelId="{6B8A0CEF-CEE1-4344-ABE9-EEB35D034948}" type="presParOf" srcId="{C221ABC6-CDB1-804B-BCE5-1D29AFD0F171}" destId="{CDBD86BD-F52B-B143-937D-10D17542FD9E}" srcOrd="3" destOrd="0" presId="urn:microsoft.com/office/officeart/2005/8/layout/orgChart1"/>
+    <dgm:cxn modelId="{B6CCFC15-6EE5-A04D-BDE1-1CA93056D887}" type="presParOf" srcId="{C221ABC6-CDB1-804B-BCE5-1D29AFD0F171}" destId="{E433BE2A-E85B-EB45-8C5E-107586FDF0C5}" srcOrd="6" destOrd="0" presId="urn:microsoft.com/office/officeart/2005/8/layout/orgChart1"/>
+    <dgm:cxn modelId="{6B8A0CEF-CEE1-4344-ABE9-EEB35D034948}" type="presParOf" srcId="{C221ABC6-CDB1-804B-BCE5-1D29AFD0F171}" destId="{CDBD86BD-F52B-B143-937D-10D17542FD9E}" srcOrd="7" destOrd="0" presId="urn:microsoft.com/office/officeart/2005/8/layout/orgChart1"/>
     <dgm:cxn modelId="{9F2EFD4C-7504-8341-8582-0C2DB3177CE3}" type="presParOf" srcId="{CDBD86BD-F52B-B143-937D-10D17542FD9E}" destId="{7700D875-9B5B-CF44-B534-934A4A039D96}" srcOrd="0" destOrd="0" presId="urn:microsoft.com/office/officeart/2005/8/layout/orgChart1"/>
     <dgm:cxn modelId="{7F6EEA8C-3A89-084E-93C7-4AA83A6CDF99}" type="presParOf" srcId="{7700D875-9B5B-CF44-B534-934A4A039D96}" destId="{06D5A8DA-59C7-834F-888B-23FD809D34EE}" srcOrd="0" destOrd="0" presId="urn:microsoft.com/office/officeart/2005/8/layout/orgChart1"/>
     <dgm:cxn modelId="{93C7BD13-9712-6744-B96C-0D86A2B07180}" type="presParOf" srcId="{7700D875-9B5B-CF44-B534-934A4A039D96}" destId="{1172A2D9-1971-6244-B41A-6BCD7D48913F}" srcOrd="1" destOrd="0" presId="urn:microsoft.com/office/officeart/2005/8/layout/orgChart1"/>
     <dgm:cxn modelId="{00D94F5E-74CC-1C43-8688-D4C6356D36CC}" type="presParOf" srcId="{CDBD86BD-F52B-B143-937D-10D17542FD9E}" destId="{67AE6E47-4E1D-9F49-8FAC-73DF62ECF87E}" srcOrd="1" destOrd="0" presId="urn:microsoft.com/office/officeart/2005/8/layout/orgChart1"/>
     <dgm:cxn modelId="{B0474EF4-5CD5-784F-B740-B4E27CFA1700}" type="presParOf" srcId="{CDBD86BD-F52B-B143-937D-10D17542FD9E}" destId="{C53DE536-B8C3-A442-A883-BA5558746C42}" srcOrd="2" destOrd="0" presId="urn:microsoft.com/office/officeart/2005/8/layout/orgChart1"/>
-    <dgm:cxn modelId="{9900188E-2E05-9E47-91AF-005373FF7C7E}" type="presParOf" srcId="{C221ABC6-CDB1-804B-BCE5-1D29AFD0F171}" destId="{74FBC225-5ED6-A749-AB5E-98B0A09B4A05}" srcOrd="4" destOrd="0" presId="urn:microsoft.com/office/officeart/2005/8/layout/orgChart1"/>
-    <dgm:cxn modelId="{93AC5F9D-9209-E445-B817-17487D91E2BC}" type="presParOf" srcId="{C221ABC6-CDB1-804B-BCE5-1D29AFD0F171}" destId="{493022D9-C8C4-AC4D-B103-8A98A0AC7CEF}" srcOrd="5" destOrd="0" presId="urn:microsoft.com/office/officeart/2005/8/layout/orgChart1"/>
-    <dgm:cxn modelId="{422F9897-EDEE-D84D-9AF6-975C9B0AA068}" type="presParOf" srcId="{493022D9-C8C4-AC4D-B103-8A98A0AC7CEF}" destId="{3C51FEF1-D087-A841-8B6F-3E0A62EB06F9}" srcOrd="0" destOrd="0" presId="urn:microsoft.com/office/officeart/2005/8/layout/orgChart1"/>
-    <dgm:cxn modelId="{78291FB1-9D3B-3944-8F15-40D2B4DCF379}" type="presParOf" srcId="{3C51FEF1-D087-A841-8B6F-3E0A62EB06F9}" destId="{5F8839DD-50A6-C54A-BD16-57BBF4CA3DEB}" srcOrd="0" destOrd="0" presId="urn:microsoft.com/office/officeart/2005/8/layout/orgChart1"/>
-    <dgm:cxn modelId="{01AAC4CF-3ACC-1E40-A79D-88B2BB9DBA5D}" type="presParOf" srcId="{3C51FEF1-D087-A841-8B6F-3E0A62EB06F9}" destId="{352F74B3-5502-E045-816A-7A4D10D9063B}" srcOrd="1" destOrd="0" presId="urn:microsoft.com/office/officeart/2005/8/layout/orgChart1"/>
-    <dgm:cxn modelId="{5E1F5822-D972-E945-85A0-A0661B3C0386}" type="presParOf" srcId="{493022D9-C8C4-AC4D-B103-8A98A0AC7CEF}" destId="{82774873-6854-D447-AF88-9C33A1CA9DBC}" srcOrd="1" destOrd="0" presId="urn:microsoft.com/office/officeart/2005/8/layout/orgChart1"/>
-    <dgm:cxn modelId="{4B7B77A7-4D6C-1E4C-A69D-944E56D04EFE}" type="presParOf" srcId="{493022D9-C8C4-AC4D-B103-8A98A0AC7CEF}" destId="{2754E0EA-6EAC-4048-A240-14FD62F70CE6}" srcOrd="2" destOrd="0" presId="urn:microsoft.com/office/officeart/2005/8/layout/orgChart1"/>
     <dgm:cxn modelId="{BA2DD301-8B38-1245-B69E-B2FCBA4452AB}" type="presParOf" srcId="{A11D60BE-D709-7D46-9CC9-0FAAFA76395C}" destId="{26C2D325-22A3-CF4E-B37E-A847CF815492}" srcOrd="2" destOrd="0" presId="urn:microsoft.com/office/officeart/2005/8/layout/orgChart1"/>
     <dgm:cxn modelId="{724F7956-9460-E24E-9835-700C5D4C804D}" type="presParOf" srcId="{551EFE48-E4F4-E647-80DD-0389C98AB8B2}" destId="{517B4D64-22C2-4546-9238-B4B6638DF77F}" srcOrd="2" destOrd="0" presId="urn:microsoft.com/office/officeart/2005/8/layout/orgChart1"/>
     <dgm:cxn modelId="{D922BEE7-8DE2-4F4E-A388-4F41D098496B}" type="presParOf" srcId="{07995FCC-BA26-194C-A73F-813ACF86BC2A}" destId="{3ACED839-46BC-E745-9E5C-475BB15821D6}" srcOrd="2" destOrd="0" presId="urn:microsoft.com/office/officeart/2005/8/layout/orgChart1"/>
@@ -4534,6 +5336,795 @@
 </file>
 
 <file path=ppt/diagrams/data2.xml><?xml version="1.0" encoding="utf-8"?>
+<dgm:dataModel xmlns:dgm="http://schemas.openxmlformats.org/drawingml/2006/diagram" xmlns:a="http://schemas.openxmlformats.org/drawingml/2006/main">
+  <dgm:ptLst>
+    <dgm:pt modelId="{25FF79B9-8A4E-2846-8389-DA2539AC0E91}" type="doc">
+      <dgm:prSet loTypeId="urn:microsoft.com/office/officeart/2005/8/layout/orgChart1" loCatId="" qsTypeId="urn:microsoft.com/office/officeart/2005/8/quickstyle/simple1" qsCatId="simple" csTypeId="urn:microsoft.com/office/officeart/2005/8/colors/accent1_2" csCatId="accent1" phldr="1"/>
+      <dgm:spPr/>
+      <dgm:t>
+        <a:bodyPr/>
+        <a:lstStyle/>
+        <a:p>
+          <a:endParaRPr lang="zh-TW" altLang="en-US"/>
+        </a:p>
+      </dgm:t>
+    </dgm:pt>
+    <dgm:pt modelId="{FFBA6F8E-9722-274D-8EB3-81DF6DADB165}">
+      <dgm:prSet phldrT="[文字]" custT="1"/>
+      <dgm:spPr/>
+      <dgm:t>
+        <a:bodyPr/>
+        <a:lstStyle/>
+        <a:p>
+          <a:r>
+            <a:rPr lang="en-US" altLang="zh-TW" sz="1400" dirty="0">
+              <a:latin typeface="Arial" panose="020B0604020202020204" pitchFamily="34" charset="0"/>
+              <a:cs typeface="Arial" panose="020B0604020202020204" pitchFamily="34" charset="0"/>
+            </a:rPr>
+            <a:t>Physical Data Structures</a:t>
+          </a:r>
+        </a:p>
+      </dgm:t>
+    </dgm:pt>
+    <dgm:pt modelId="{83A5552F-15A5-454E-9A48-5CE64CA84788}" type="parTrans" cxnId="{77AAF989-F65E-4144-98EE-71D6AB1FC101}">
+      <dgm:prSet/>
+      <dgm:spPr/>
+      <dgm:t>
+        <a:bodyPr/>
+        <a:lstStyle/>
+        <a:p>
+          <a:endParaRPr lang="zh-TW" altLang="en-US" sz="1400">
+            <a:latin typeface="Arial" panose="020B0604020202020204" pitchFamily="34" charset="0"/>
+            <a:cs typeface="Arial" panose="020B0604020202020204" pitchFamily="34" charset="0"/>
+          </a:endParaRPr>
+        </a:p>
+      </dgm:t>
+    </dgm:pt>
+    <dgm:pt modelId="{A8BA1CB0-422D-7A47-8C5B-7D81A0859563}" type="sibTrans" cxnId="{77AAF989-F65E-4144-98EE-71D6AB1FC101}">
+      <dgm:prSet/>
+      <dgm:spPr/>
+      <dgm:t>
+        <a:bodyPr/>
+        <a:lstStyle/>
+        <a:p>
+          <a:endParaRPr lang="zh-TW" altLang="en-US" sz="1400">
+            <a:latin typeface="Arial" panose="020B0604020202020204" pitchFamily="34" charset="0"/>
+            <a:cs typeface="Arial" panose="020B0604020202020204" pitchFamily="34" charset="0"/>
+          </a:endParaRPr>
+        </a:p>
+      </dgm:t>
+    </dgm:pt>
+    <dgm:pt modelId="{C1E48158-7719-E149-A865-C6594D4EBE39}">
+      <dgm:prSet phldrT="[文字]" custT="1"/>
+      <dgm:spPr/>
+      <dgm:t>
+        <a:bodyPr/>
+        <a:lstStyle/>
+        <a:p>
+          <a:r>
+            <a:rPr lang="en-US" altLang="zh-TW" sz="1400" dirty="0">
+              <a:latin typeface="Arial" panose="020B0604020202020204" pitchFamily="34" charset="0"/>
+              <a:cs typeface="Arial" panose="020B0604020202020204" pitchFamily="34" charset="0"/>
+            </a:rPr>
+            <a:t>Linked Storage Structure</a:t>
+          </a:r>
+          <a:endParaRPr lang="zh-TW" altLang="en-US" sz="1400" dirty="0">
+            <a:latin typeface="Arial" panose="020B0604020202020204" pitchFamily="34" charset="0"/>
+            <a:cs typeface="Arial" panose="020B0604020202020204" pitchFamily="34" charset="0"/>
+          </a:endParaRPr>
+        </a:p>
+      </dgm:t>
+    </dgm:pt>
+    <dgm:pt modelId="{8A4E4977-0767-6B4F-B722-EA8CD6AFC73F}" type="parTrans" cxnId="{66668050-C745-0648-B9CF-21CD366AFC93}">
+      <dgm:prSet/>
+      <dgm:spPr/>
+      <dgm:t>
+        <a:bodyPr/>
+        <a:lstStyle/>
+        <a:p>
+          <a:endParaRPr lang="zh-TW" altLang="en-US" sz="1400">
+            <a:latin typeface="Arial" panose="020B0604020202020204" pitchFamily="34" charset="0"/>
+            <a:cs typeface="Arial" panose="020B0604020202020204" pitchFamily="34" charset="0"/>
+          </a:endParaRPr>
+        </a:p>
+      </dgm:t>
+    </dgm:pt>
+    <dgm:pt modelId="{92C468B7-B1D5-7B44-ACCA-FC082847756C}" type="sibTrans" cxnId="{66668050-C745-0648-B9CF-21CD366AFC93}">
+      <dgm:prSet/>
+      <dgm:spPr/>
+      <dgm:t>
+        <a:bodyPr/>
+        <a:lstStyle/>
+        <a:p>
+          <a:endParaRPr lang="zh-TW" altLang="en-US" sz="1400">
+            <a:latin typeface="Arial" panose="020B0604020202020204" pitchFamily="34" charset="0"/>
+            <a:cs typeface="Arial" panose="020B0604020202020204" pitchFamily="34" charset="0"/>
+          </a:endParaRPr>
+        </a:p>
+      </dgm:t>
+    </dgm:pt>
+    <dgm:pt modelId="{86FA0EE6-A0BE-4C40-BE6C-7F12FD4643ED}">
+      <dgm:prSet phldrT="[文字]" custT="1"/>
+      <dgm:spPr/>
+      <dgm:t>
+        <a:bodyPr/>
+        <a:lstStyle/>
+        <a:p>
+          <a:r>
+            <a:rPr lang="en-US" altLang="zh-TW" sz="1400" dirty="0">
+              <a:latin typeface="Arial" panose="020B0604020202020204" pitchFamily="34" charset="0"/>
+              <a:cs typeface="Arial" panose="020B0604020202020204" pitchFamily="34" charset="0"/>
+            </a:rPr>
+            <a:t>Singly Linked List</a:t>
+          </a:r>
+          <a:endParaRPr lang="zh-TW" altLang="en-US" sz="1400" dirty="0">
+            <a:latin typeface="Arial" panose="020B0604020202020204" pitchFamily="34" charset="0"/>
+            <a:cs typeface="Arial" panose="020B0604020202020204" pitchFamily="34" charset="0"/>
+          </a:endParaRPr>
+        </a:p>
+      </dgm:t>
+    </dgm:pt>
+    <dgm:pt modelId="{8C1C897C-7F20-8443-AAFD-FE1B78D08CAF}" type="parTrans" cxnId="{7DB96ECA-CCC1-2B44-9B10-4CF460E07B55}">
+      <dgm:prSet/>
+      <dgm:spPr/>
+      <dgm:t>
+        <a:bodyPr/>
+        <a:lstStyle/>
+        <a:p>
+          <a:endParaRPr lang="zh-TW" altLang="en-US" sz="1400">
+            <a:latin typeface="Arial" panose="020B0604020202020204" pitchFamily="34" charset="0"/>
+            <a:cs typeface="Arial" panose="020B0604020202020204" pitchFamily="34" charset="0"/>
+          </a:endParaRPr>
+        </a:p>
+      </dgm:t>
+    </dgm:pt>
+    <dgm:pt modelId="{2D749E0D-91EF-1445-B078-86E7D0F9D84F}" type="sibTrans" cxnId="{7DB96ECA-CCC1-2B44-9B10-4CF460E07B55}">
+      <dgm:prSet/>
+      <dgm:spPr/>
+      <dgm:t>
+        <a:bodyPr/>
+        <a:lstStyle/>
+        <a:p>
+          <a:endParaRPr lang="zh-TW" altLang="en-US" sz="1400">
+            <a:latin typeface="Arial" panose="020B0604020202020204" pitchFamily="34" charset="0"/>
+            <a:cs typeface="Arial" panose="020B0604020202020204" pitchFamily="34" charset="0"/>
+          </a:endParaRPr>
+        </a:p>
+      </dgm:t>
+    </dgm:pt>
+    <dgm:pt modelId="{EA7CE616-30E6-3F4F-89C1-44E5AC482DFC}">
+      <dgm:prSet phldrT="[文字]" custT="1"/>
+      <dgm:spPr/>
+      <dgm:t>
+        <a:bodyPr/>
+        <a:lstStyle/>
+        <a:p>
+          <a:r>
+            <a:rPr lang="en-US" altLang="zh-TW" sz="1400" dirty="0">
+              <a:latin typeface="Arial" panose="020B0604020202020204" pitchFamily="34" charset="0"/>
+              <a:cs typeface="Arial" panose="020B0604020202020204" pitchFamily="34" charset="0"/>
+            </a:rPr>
+            <a:t>Doubly Linked List</a:t>
+          </a:r>
+          <a:endParaRPr lang="zh-TW" altLang="en-US" sz="1400" dirty="0">
+            <a:latin typeface="Arial" panose="020B0604020202020204" pitchFamily="34" charset="0"/>
+            <a:cs typeface="Arial" panose="020B0604020202020204" pitchFamily="34" charset="0"/>
+          </a:endParaRPr>
+        </a:p>
+      </dgm:t>
+    </dgm:pt>
+    <dgm:pt modelId="{99C78B52-94E4-714E-9A14-F7E05080D0B9}" type="parTrans" cxnId="{01180936-F2C9-4740-B3DF-603DC6F605F2}">
+      <dgm:prSet/>
+      <dgm:spPr/>
+      <dgm:t>
+        <a:bodyPr/>
+        <a:lstStyle/>
+        <a:p>
+          <a:endParaRPr lang="zh-TW" altLang="en-US" sz="1400">
+            <a:latin typeface="Arial" panose="020B0604020202020204" pitchFamily="34" charset="0"/>
+            <a:cs typeface="Arial" panose="020B0604020202020204" pitchFamily="34" charset="0"/>
+          </a:endParaRPr>
+        </a:p>
+      </dgm:t>
+    </dgm:pt>
+    <dgm:pt modelId="{734C90A7-5746-214F-8FDD-318370DC07C8}" type="sibTrans" cxnId="{01180936-F2C9-4740-B3DF-603DC6F605F2}">
+      <dgm:prSet/>
+      <dgm:spPr/>
+      <dgm:t>
+        <a:bodyPr/>
+        <a:lstStyle/>
+        <a:p>
+          <a:endParaRPr lang="zh-TW" altLang="en-US" sz="1400">
+            <a:latin typeface="Arial" panose="020B0604020202020204" pitchFamily="34" charset="0"/>
+            <a:cs typeface="Arial" panose="020B0604020202020204" pitchFamily="34" charset="0"/>
+          </a:endParaRPr>
+        </a:p>
+      </dgm:t>
+    </dgm:pt>
+    <dgm:pt modelId="{615322EC-29D0-BE4B-9E81-485EC64B34AD}">
+      <dgm:prSet phldrT="[文字]" custT="1"/>
+      <dgm:spPr/>
+      <dgm:t>
+        <a:bodyPr/>
+        <a:lstStyle/>
+        <a:p>
+          <a:r>
+            <a:rPr lang="en-US" altLang="zh-TW" sz="1400" dirty="0">
+              <a:latin typeface="Arial" panose="020B0604020202020204" pitchFamily="34" charset="0"/>
+              <a:cs typeface="Arial" panose="020B0604020202020204" pitchFamily="34" charset="0"/>
+            </a:rPr>
+            <a:t>Sequential Storage Structure</a:t>
+          </a:r>
+        </a:p>
+      </dgm:t>
+    </dgm:pt>
+    <dgm:pt modelId="{D7F6F72D-83F3-1542-AB0B-A0F79919C62A}" type="parTrans" cxnId="{DC52FA45-1309-ED45-8506-4E8B7115E34A}">
+      <dgm:prSet/>
+      <dgm:spPr/>
+      <dgm:t>
+        <a:bodyPr/>
+        <a:lstStyle/>
+        <a:p>
+          <a:endParaRPr lang="zh-TW" altLang="en-US" sz="1400">
+            <a:latin typeface="Arial" panose="020B0604020202020204" pitchFamily="34" charset="0"/>
+            <a:cs typeface="Arial" panose="020B0604020202020204" pitchFamily="34" charset="0"/>
+          </a:endParaRPr>
+        </a:p>
+      </dgm:t>
+    </dgm:pt>
+    <dgm:pt modelId="{5ABC3EFF-EC14-124E-B87C-2C9303E4E0D9}" type="sibTrans" cxnId="{DC52FA45-1309-ED45-8506-4E8B7115E34A}">
+      <dgm:prSet/>
+      <dgm:spPr/>
+      <dgm:t>
+        <a:bodyPr/>
+        <a:lstStyle/>
+        <a:p>
+          <a:endParaRPr lang="zh-TW" altLang="en-US" sz="1400">
+            <a:latin typeface="Arial" panose="020B0604020202020204" pitchFamily="34" charset="0"/>
+            <a:cs typeface="Arial" panose="020B0604020202020204" pitchFamily="34" charset="0"/>
+          </a:endParaRPr>
+        </a:p>
+      </dgm:t>
+    </dgm:pt>
+    <dgm:pt modelId="{737B4950-C266-6E45-9829-4E496D4C5CEA}">
+      <dgm:prSet phldrT="[文字]" custT="1"/>
+      <dgm:spPr/>
+      <dgm:t>
+        <a:bodyPr/>
+        <a:lstStyle/>
+        <a:p>
+          <a:r>
+            <a:rPr lang="en-US" altLang="zh-TW" sz="1400" dirty="0">
+              <a:latin typeface="Arial" panose="020B0604020202020204" pitchFamily="34" charset="0"/>
+              <a:cs typeface="Arial" panose="020B0604020202020204" pitchFamily="34" charset="0"/>
+            </a:rPr>
+            <a:t>Compact Arrays</a:t>
+          </a:r>
+          <a:endParaRPr lang="zh-TW" altLang="en-US" sz="1400" dirty="0">
+            <a:latin typeface="Arial" panose="020B0604020202020204" pitchFamily="34" charset="0"/>
+            <a:cs typeface="Arial" panose="020B0604020202020204" pitchFamily="34" charset="0"/>
+          </a:endParaRPr>
+        </a:p>
+      </dgm:t>
+    </dgm:pt>
+    <dgm:pt modelId="{B575CBB5-8761-9946-BD17-CD458C435D86}" type="parTrans" cxnId="{CB70906B-19AC-8E4D-A4D4-303597F95074}">
+      <dgm:prSet/>
+      <dgm:spPr/>
+      <dgm:t>
+        <a:bodyPr/>
+        <a:lstStyle/>
+        <a:p>
+          <a:endParaRPr lang="zh-TW" altLang="en-US" sz="1400">
+            <a:latin typeface="Arial" panose="020B0604020202020204" pitchFamily="34" charset="0"/>
+            <a:cs typeface="Arial" panose="020B0604020202020204" pitchFamily="34" charset="0"/>
+          </a:endParaRPr>
+        </a:p>
+      </dgm:t>
+    </dgm:pt>
+    <dgm:pt modelId="{A5E90349-F5FA-5B4C-B383-C2E2DCF9A2F2}" type="sibTrans" cxnId="{CB70906B-19AC-8E4D-A4D4-303597F95074}">
+      <dgm:prSet/>
+      <dgm:spPr/>
+      <dgm:t>
+        <a:bodyPr/>
+        <a:lstStyle/>
+        <a:p>
+          <a:endParaRPr lang="zh-TW" altLang="en-US" sz="1400">
+            <a:latin typeface="Arial" panose="020B0604020202020204" pitchFamily="34" charset="0"/>
+            <a:cs typeface="Arial" panose="020B0604020202020204" pitchFamily="34" charset="0"/>
+          </a:endParaRPr>
+        </a:p>
+      </dgm:t>
+    </dgm:pt>
+    <dgm:pt modelId="{38CCC40C-91F2-DF4D-9924-16145272738B}">
+      <dgm:prSet phldrT="[文字]" custT="1"/>
+      <dgm:spPr/>
+      <dgm:t>
+        <a:bodyPr/>
+        <a:lstStyle/>
+        <a:p>
+          <a:r>
+            <a:rPr lang="en-US" altLang="zh-TW" sz="1400" dirty="0">
+              <a:latin typeface="Arial" panose="020B0604020202020204" pitchFamily="34" charset="0"/>
+              <a:cs typeface="Arial" panose="020B0604020202020204" pitchFamily="34" charset="0"/>
+            </a:rPr>
+            <a:t>Referential Arrays</a:t>
+          </a:r>
+          <a:endParaRPr lang="zh-TW" altLang="en-US" sz="1400" dirty="0">
+            <a:latin typeface="Arial" panose="020B0604020202020204" pitchFamily="34" charset="0"/>
+            <a:cs typeface="Arial" panose="020B0604020202020204" pitchFamily="34" charset="0"/>
+          </a:endParaRPr>
+        </a:p>
+      </dgm:t>
+    </dgm:pt>
+    <dgm:pt modelId="{53AB89B8-2CEB-8B4F-A4A5-9E144AC05308}" type="parTrans" cxnId="{C5A9A3EE-BD6B-0D46-A851-A92501CC2EBF}">
+      <dgm:prSet/>
+      <dgm:spPr/>
+      <dgm:t>
+        <a:bodyPr/>
+        <a:lstStyle/>
+        <a:p>
+          <a:endParaRPr lang="zh-TW" altLang="en-US" sz="1400">
+            <a:latin typeface="Arial" panose="020B0604020202020204" pitchFamily="34" charset="0"/>
+            <a:cs typeface="Arial" panose="020B0604020202020204" pitchFamily="34" charset="0"/>
+          </a:endParaRPr>
+        </a:p>
+      </dgm:t>
+    </dgm:pt>
+    <dgm:pt modelId="{FF01F140-A864-1F4A-9E26-148EF208C883}" type="sibTrans" cxnId="{C5A9A3EE-BD6B-0D46-A851-A92501CC2EBF}">
+      <dgm:prSet/>
+      <dgm:spPr/>
+      <dgm:t>
+        <a:bodyPr/>
+        <a:lstStyle/>
+        <a:p>
+          <a:endParaRPr lang="zh-TW" altLang="en-US" sz="1400">
+            <a:latin typeface="Arial" panose="020B0604020202020204" pitchFamily="34" charset="0"/>
+            <a:cs typeface="Arial" panose="020B0604020202020204" pitchFamily="34" charset="0"/>
+          </a:endParaRPr>
+        </a:p>
+      </dgm:t>
+    </dgm:pt>
+    <dgm:pt modelId="{DE05944C-C445-3843-86E7-42717FB564BA}">
+      <dgm:prSet phldrT="[文字]" custT="1"/>
+      <dgm:spPr/>
+      <dgm:t>
+        <a:bodyPr/>
+        <a:lstStyle/>
+        <a:p>
+          <a:r>
+            <a:rPr lang="en-US" altLang="en-US" sz="1400" dirty="0">
+              <a:latin typeface="Arial" panose="020B0604020202020204" pitchFamily="34" charset="0"/>
+              <a:cs typeface="Arial" panose="020B0604020202020204" pitchFamily="34" charset="0"/>
+            </a:rPr>
+            <a:t>Circular Linked List</a:t>
+          </a:r>
+          <a:endParaRPr lang="zh-TW" altLang="en-US" sz="1400" dirty="0">
+            <a:latin typeface="Arial" panose="020B0604020202020204" pitchFamily="34" charset="0"/>
+            <a:cs typeface="Arial" panose="020B0604020202020204" pitchFamily="34" charset="0"/>
+          </a:endParaRPr>
+        </a:p>
+      </dgm:t>
+    </dgm:pt>
+    <dgm:pt modelId="{D80F078F-F412-DE43-9E1C-4DD454149CDC}" type="parTrans" cxnId="{E2D5E61D-DCF1-A745-B635-320E3A09DFB0}">
+      <dgm:prSet/>
+      <dgm:spPr/>
+      <dgm:t>
+        <a:bodyPr/>
+        <a:lstStyle/>
+        <a:p>
+          <a:endParaRPr lang="zh-TW" altLang="en-US" sz="2400"/>
+        </a:p>
+      </dgm:t>
+    </dgm:pt>
+    <dgm:pt modelId="{69367361-7A65-C74A-95DF-E9B4298596D1}" type="sibTrans" cxnId="{E2D5E61D-DCF1-A745-B635-320E3A09DFB0}">
+      <dgm:prSet/>
+      <dgm:spPr/>
+      <dgm:t>
+        <a:bodyPr/>
+        <a:lstStyle/>
+        <a:p>
+          <a:endParaRPr lang="zh-TW" altLang="en-US" sz="2400"/>
+        </a:p>
+      </dgm:t>
+    </dgm:pt>
+    <dgm:pt modelId="{0E281403-D2B0-9E4B-B270-D0C36855A987}" type="pres">
+      <dgm:prSet presAssocID="{25FF79B9-8A4E-2846-8389-DA2539AC0E91}" presName="hierChild1" presStyleCnt="0">
+        <dgm:presLayoutVars>
+          <dgm:orgChart val="1"/>
+          <dgm:chPref val="1"/>
+          <dgm:dir/>
+          <dgm:animOne val="branch"/>
+          <dgm:animLvl val="lvl"/>
+          <dgm:resizeHandles/>
+        </dgm:presLayoutVars>
+      </dgm:prSet>
+      <dgm:spPr/>
+    </dgm:pt>
+    <dgm:pt modelId="{07995FCC-BA26-194C-A73F-813ACF86BC2A}" type="pres">
+      <dgm:prSet presAssocID="{FFBA6F8E-9722-274D-8EB3-81DF6DADB165}" presName="hierRoot1" presStyleCnt="0">
+        <dgm:presLayoutVars>
+          <dgm:hierBranch val="init"/>
+        </dgm:presLayoutVars>
+      </dgm:prSet>
+      <dgm:spPr/>
+    </dgm:pt>
+    <dgm:pt modelId="{2CCD008A-276D-FD45-8822-EDD61B1F1916}" type="pres">
+      <dgm:prSet presAssocID="{FFBA6F8E-9722-274D-8EB3-81DF6DADB165}" presName="rootComposite1" presStyleCnt="0"/>
+      <dgm:spPr/>
+    </dgm:pt>
+    <dgm:pt modelId="{1B4FA5AE-6D54-EC45-A6B8-44AAE9A6F5E5}" type="pres">
+      <dgm:prSet presAssocID="{FFBA6F8E-9722-274D-8EB3-81DF6DADB165}" presName="rootText1" presStyleLbl="node0" presStyleIdx="0" presStyleCnt="1">
+        <dgm:presLayoutVars>
+          <dgm:chPref val="3"/>
+        </dgm:presLayoutVars>
+      </dgm:prSet>
+      <dgm:spPr/>
+    </dgm:pt>
+    <dgm:pt modelId="{F34E717F-CEE8-1546-92E5-7C4BEC135981}" type="pres">
+      <dgm:prSet presAssocID="{FFBA6F8E-9722-274D-8EB3-81DF6DADB165}" presName="rootConnector1" presStyleLbl="node1" presStyleIdx="0" presStyleCnt="0"/>
+      <dgm:spPr/>
+    </dgm:pt>
+    <dgm:pt modelId="{2F94D01E-77E4-F34C-9DFF-501493338F48}" type="pres">
+      <dgm:prSet presAssocID="{FFBA6F8E-9722-274D-8EB3-81DF6DADB165}" presName="hierChild2" presStyleCnt="0"/>
+      <dgm:spPr/>
+    </dgm:pt>
+    <dgm:pt modelId="{F777DFC4-7111-154F-B309-9519F20588E6}" type="pres">
+      <dgm:prSet presAssocID="{D7F6F72D-83F3-1542-AB0B-A0F79919C62A}" presName="Name37" presStyleLbl="parChTrans1D2" presStyleIdx="0" presStyleCnt="2"/>
+      <dgm:spPr/>
+    </dgm:pt>
+    <dgm:pt modelId="{B3C9114C-650F-9C48-B53C-348270EB54D3}" type="pres">
+      <dgm:prSet presAssocID="{615322EC-29D0-BE4B-9E81-485EC64B34AD}" presName="hierRoot2" presStyleCnt="0">
+        <dgm:presLayoutVars>
+          <dgm:hierBranch val="init"/>
+        </dgm:presLayoutVars>
+      </dgm:prSet>
+      <dgm:spPr/>
+    </dgm:pt>
+    <dgm:pt modelId="{4D1DBBB9-4210-4440-A3AA-F69A0A374425}" type="pres">
+      <dgm:prSet presAssocID="{615322EC-29D0-BE4B-9E81-485EC64B34AD}" presName="rootComposite" presStyleCnt="0"/>
+      <dgm:spPr/>
+    </dgm:pt>
+    <dgm:pt modelId="{2886F659-6E89-BF4A-9E9B-09623E8A0CC6}" type="pres">
+      <dgm:prSet presAssocID="{615322EC-29D0-BE4B-9E81-485EC64B34AD}" presName="rootText" presStyleLbl="node2" presStyleIdx="0" presStyleCnt="2">
+        <dgm:presLayoutVars>
+          <dgm:chPref val="3"/>
+        </dgm:presLayoutVars>
+      </dgm:prSet>
+      <dgm:spPr/>
+    </dgm:pt>
+    <dgm:pt modelId="{349B1ED7-6B4C-2949-8D41-469C057AF3FD}" type="pres">
+      <dgm:prSet presAssocID="{615322EC-29D0-BE4B-9E81-485EC64B34AD}" presName="rootConnector" presStyleLbl="node2" presStyleIdx="0" presStyleCnt="2"/>
+      <dgm:spPr/>
+    </dgm:pt>
+    <dgm:pt modelId="{3DCB72DC-CB38-B047-A0D5-559AA90D7B21}" type="pres">
+      <dgm:prSet presAssocID="{615322EC-29D0-BE4B-9E81-485EC64B34AD}" presName="hierChild4" presStyleCnt="0"/>
+      <dgm:spPr/>
+    </dgm:pt>
+    <dgm:pt modelId="{EB4D5CBC-5CFD-E64E-94DC-D7DD6C39BABC}" type="pres">
+      <dgm:prSet presAssocID="{B575CBB5-8761-9946-BD17-CD458C435D86}" presName="Name37" presStyleLbl="parChTrans1D3" presStyleIdx="0" presStyleCnt="5"/>
+      <dgm:spPr/>
+    </dgm:pt>
+    <dgm:pt modelId="{AC061B37-1439-8D46-ADFB-32E0EF47EEB2}" type="pres">
+      <dgm:prSet presAssocID="{737B4950-C266-6E45-9829-4E496D4C5CEA}" presName="hierRoot2" presStyleCnt="0">
+        <dgm:presLayoutVars>
+          <dgm:hierBranch val="init"/>
+        </dgm:presLayoutVars>
+      </dgm:prSet>
+      <dgm:spPr/>
+    </dgm:pt>
+    <dgm:pt modelId="{DBD4CEE6-6172-474F-9A8C-F6441361EFB6}" type="pres">
+      <dgm:prSet presAssocID="{737B4950-C266-6E45-9829-4E496D4C5CEA}" presName="rootComposite" presStyleCnt="0"/>
+      <dgm:spPr/>
+    </dgm:pt>
+    <dgm:pt modelId="{B4FBC950-3436-5547-B874-96C0921DAD13}" type="pres">
+      <dgm:prSet presAssocID="{737B4950-C266-6E45-9829-4E496D4C5CEA}" presName="rootText" presStyleLbl="node3" presStyleIdx="0" presStyleCnt="5">
+        <dgm:presLayoutVars>
+          <dgm:chPref val="3"/>
+        </dgm:presLayoutVars>
+      </dgm:prSet>
+      <dgm:spPr/>
+    </dgm:pt>
+    <dgm:pt modelId="{2BB3EFCB-3D1A-274B-9C8A-B21D61F4B3C5}" type="pres">
+      <dgm:prSet presAssocID="{737B4950-C266-6E45-9829-4E496D4C5CEA}" presName="rootConnector" presStyleLbl="node3" presStyleIdx="0" presStyleCnt="5"/>
+      <dgm:spPr/>
+    </dgm:pt>
+    <dgm:pt modelId="{8D4E4590-FB53-FE4D-BC19-7598AA14CF51}" type="pres">
+      <dgm:prSet presAssocID="{737B4950-C266-6E45-9829-4E496D4C5CEA}" presName="hierChild4" presStyleCnt="0"/>
+      <dgm:spPr/>
+    </dgm:pt>
+    <dgm:pt modelId="{9577CC4D-03F4-0E43-870D-5BF14A68EA99}" type="pres">
+      <dgm:prSet presAssocID="{737B4950-C266-6E45-9829-4E496D4C5CEA}" presName="hierChild5" presStyleCnt="0"/>
+      <dgm:spPr/>
+    </dgm:pt>
+    <dgm:pt modelId="{C4E2BFB1-2EA0-1F4A-82B4-ABE891E932D4}" type="pres">
+      <dgm:prSet presAssocID="{53AB89B8-2CEB-8B4F-A4A5-9E144AC05308}" presName="Name37" presStyleLbl="parChTrans1D3" presStyleIdx="1" presStyleCnt="5"/>
+      <dgm:spPr/>
+    </dgm:pt>
+    <dgm:pt modelId="{35606105-E21E-3741-AEEA-48DAF5D491C8}" type="pres">
+      <dgm:prSet presAssocID="{38CCC40C-91F2-DF4D-9924-16145272738B}" presName="hierRoot2" presStyleCnt="0">
+        <dgm:presLayoutVars>
+          <dgm:hierBranch val="init"/>
+        </dgm:presLayoutVars>
+      </dgm:prSet>
+      <dgm:spPr/>
+    </dgm:pt>
+    <dgm:pt modelId="{366B7E7B-3413-6547-9491-0153B740E51C}" type="pres">
+      <dgm:prSet presAssocID="{38CCC40C-91F2-DF4D-9924-16145272738B}" presName="rootComposite" presStyleCnt="0"/>
+      <dgm:spPr/>
+    </dgm:pt>
+    <dgm:pt modelId="{4A003CC7-CC23-8745-8939-193C1E158901}" type="pres">
+      <dgm:prSet presAssocID="{38CCC40C-91F2-DF4D-9924-16145272738B}" presName="rootText" presStyleLbl="node3" presStyleIdx="1" presStyleCnt="5">
+        <dgm:presLayoutVars>
+          <dgm:chPref val="3"/>
+        </dgm:presLayoutVars>
+      </dgm:prSet>
+      <dgm:spPr/>
+    </dgm:pt>
+    <dgm:pt modelId="{32D3E684-A284-C24B-A176-9C7F3839C399}" type="pres">
+      <dgm:prSet presAssocID="{38CCC40C-91F2-DF4D-9924-16145272738B}" presName="rootConnector" presStyleLbl="node3" presStyleIdx="1" presStyleCnt="5"/>
+      <dgm:spPr/>
+    </dgm:pt>
+    <dgm:pt modelId="{D47C255B-2720-C242-9DC8-4DD9019561C3}" type="pres">
+      <dgm:prSet presAssocID="{38CCC40C-91F2-DF4D-9924-16145272738B}" presName="hierChild4" presStyleCnt="0"/>
+      <dgm:spPr/>
+    </dgm:pt>
+    <dgm:pt modelId="{D3715E39-D072-7F48-AA32-32B52F68D3EA}" type="pres">
+      <dgm:prSet presAssocID="{38CCC40C-91F2-DF4D-9924-16145272738B}" presName="hierChild5" presStyleCnt="0"/>
+      <dgm:spPr/>
+    </dgm:pt>
+    <dgm:pt modelId="{51EB7D5B-8373-994C-9B47-B5BCB42716A9}" type="pres">
+      <dgm:prSet presAssocID="{615322EC-29D0-BE4B-9E81-485EC64B34AD}" presName="hierChild5" presStyleCnt="0"/>
+      <dgm:spPr/>
+    </dgm:pt>
+    <dgm:pt modelId="{CB4246F8-540D-F047-9DAA-4403379F4330}" type="pres">
+      <dgm:prSet presAssocID="{8A4E4977-0767-6B4F-B722-EA8CD6AFC73F}" presName="Name37" presStyleLbl="parChTrans1D2" presStyleIdx="1" presStyleCnt="2"/>
+      <dgm:spPr/>
+    </dgm:pt>
+    <dgm:pt modelId="{551EFE48-E4F4-E647-80DD-0389C98AB8B2}" type="pres">
+      <dgm:prSet presAssocID="{C1E48158-7719-E149-A865-C6594D4EBE39}" presName="hierRoot2" presStyleCnt="0">
+        <dgm:presLayoutVars>
+          <dgm:hierBranch val="init"/>
+        </dgm:presLayoutVars>
+      </dgm:prSet>
+      <dgm:spPr/>
+    </dgm:pt>
+    <dgm:pt modelId="{AC10F897-BE0E-EB48-84C7-48EDCB03A49A}" type="pres">
+      <dgm:prSet presAssocID="{C1E48158-7719-E149-A865-C6594D4EBE39}" presName="rootComposite" presStyleCnt="0"/>
+      <dgm:spPr/>
+    </dgm:pt>
+    <dgm:pt modelId="{0BEB55F5-161A-D747-9B25-E36462DB434A}" type="pres">
+      <dgm:prSet presAssocID="{C1E48158-7719-E149-A865-C6594D4EBE39}" presName="rootText" presStyleLbl="node2" presStyleIdx="1" presStyleCnt="2">
+        <dgm:presLayoutVars>
+          <dgm:chPref val="3"/>
+        </dgm:presLayoutVars>
+      </dgm:prSet>
+      <dgm:spPr/>
+    </dgm:pt>
+    <dgm:pt modelId="{7A9B6E53-D8B3-F344-9BF3-6219CEE9C1FC}" type="pres">
+      <dgm:prSet presAssocID="{C1E48158-7719-E149-A865-C6594D4EBE39}" presName="rootConnector" presStyleLbl="node2" presStyleIdx="1" presStyleCnt="2"/>
+      <dgm:spPr/>
+    </dgm:pt>
+    <dgm:pt modelId="{7EB34334-405F-5346-9B7A-485359610212}" type="pres">
+      <dgm:prSet presAssocID="{C1E48158-7719-E149-A865-C6594D4EBE39}" presName="hierChild4" presStyleCnt="0"/>
+      <dgm:spPr/>
+    </dgm:pt>
+    <dgm:pt modelId="{743172C3-3363-F54F-9FA3-3950DF47F2B4}" type="pres">
+      <dgm:prSet presAssocID="{8C1C897C-7F20-8443-AAFD-FE1B78D08CAF}" presName="Name37" presStyleLbl="parChTrans1D3" presStyleIdx="2" presStyleCnt="5"/>
+      <dgm:spPr/>
+    </dgm:pt>
+    <dgm:pt modelId="{622B0D67-15A5-E243-A850-C65DF55FD773}" type="pres">
+      <dgm:prSet presAssocID="{86FA0EE6-A0BE-4C40-BE6C-7F12FD4643ED}" presName="hierRoot2" presStyleCnt="0">
+        <dgm:presLayoutVars>
+          <dgm:hierBranch val="init"/>
+        </dgm:presLayoutVars>
+      </dgm:prSet>
+      <dgm:spPr/>
+    </dgm:pt>
+    <dgm:pt modelId="{B8201774-E2DA-7642-91F2-6375D188B412}" type="pres">
+      <dgm:prSet presAssocID="{86FA0EE6-A0BE-4C40-BE6C-7F12FD4643ED}" presName="rootComposite" presStyleCnt="0"/>
+      <dgm:spPr/>
+    </dgm:pt>
+    <dgm:pt modelId="{2A289A3D-8DE1-004D-9E92-FA08A37AE63D}" type="pres">
+      <dgm:prSet presAssocID="{86FA0EE6-A0BE-4C40-BE6C-7F12FD4643ED}" presName="rootText" presStyleLbl="node3" presStyleIdx="2" presStyleCnt="5">
+        <dgm:presLayoutVars>
+          <dgm:chPref val="3"/>
+        </dgm:presLayoutVars>
+      </dgm:prSet>
+      <dgm:spPr/>
+    </dgm:pt>
+    <dgm:pt modelId="{4FAF10BB-4810-2E44-9F56-CEFC4734CFB5}" type="pres">
+      <dgm:prSet presAssocID="{86FA0EE6-A0BE-4C40-BE6C-7F12FD4643ED}" presName="rootConnector" presStyleLbl="node3" presStyleIdx="2" presStyleCnt="5"/>
+      <dgm:spPr/>
+    </dgm:pt>
+    <dgm:pt modelId="{26D1800C-628A-1144-8328-0AA174230E68}" type="pres">
+      <dgm:prSet presAssocID="{86FA0EE6-A0BE-4C40-BE6C-7F12FD4643ED}" presName="hierChild4" presStyleCnt="0"/>
+      <dgm:spPr/>
+    </dgm:pt>
+    <dgm:pt modelId="{D398CFC9-8AD6-4647-999B-79B22ABCF351}" type="pres">
+      <dgm:prSet presAssocID="{86FA0EE6-A0BE-4C40-BE6C-7F12FD4643ED}" presName="hierChild5" presStyleCnt="0"/>
+      <dgm:spPr/>
+    </dgm:pt>
+    <dgm:pt modelId="{6C822C9E-835E-5645-AF5D-7834466D4748}" type="pres">
+      <dgm:prSet presAssocID="{99C78B52-94E4-714E-9A14-F7E05080D0B9}" presName="Name37" presStyleLbl="parChTrans1D3" presStyleIdx="3" presStyleCnt="5"/>
+      <dgm:spPr/>
+    </dgm:pt>
+    <dgm:pt modelId="{A11D60BE-D709-7D46-9CC9-0FAAFA76395C}" type="pres">
+      <dgm:prSet presAssocID="{EA7CE616-30E6-3F4F-89C1-44E5AC482DFC}" presName="hierRoot2" presStyleCnt="0">
+        <dgm:presLayoutVars>
+          <dgm:hierBranch val="init"/>
+        </dgm:presLayoutVars>
+      </dgm:prSet>
+      <dgm:spPr/>
+    </dgm:pt>
+    <dgm:pt modelId="{6A66F812-0EE5-6E4E-BA54-E3E0E051D1CE}" type="pres">
+      <dgm:prSet presAssocID="{EA7CE616-30E6-3F4F-89C1-44E5AC482DFC}" presName="rootComposite" presStyleCnt="0"/>
+      <dgm:spPr/>
+    </dgm:pt>
+    <dgm:pt modelId="{9ABB7012-2C3A-1F45-A584-55AC9607BB7D}" type="pres">
+      <dgm:prSet presAssocID="{EA7CE616-30E6-3F4F-89C1-44E5AC482DFC}" presName="rootText" presStyleLbl="node3" presStyleIdx="3" presStyleCnt="5">
+        <dgm:presLayoutVars>
+          <dgm:chPref val="3"/>
+        </dgm:presLayoutVars>
+      </dgm:prSet>
+      <dgm:spPr/>
+    </dgm:pt>
+    <dgm:pt modelId="{B6487BCC-6F97-2843-9712-E2CC5D7D8649}" type="pres">
+      <dgm:prSet presAssocID="{EA7CE616-30E6-3F4F-89C1-44E5AC482DFC}" presName="rootConnector" presStyleLbl="node3" presStyleIdx="3" presStyleCnt="5"/>
+      <dgm:spPr/>
+    </dgm:pt>
+    <dgm:pt modelId="{C221ABC6-CDB1-804B-BCE5-1D29AFD0F171}" type="pres">
+      <dgm:prSet presAssocID="{EA7CE616-30E6-3F4F-89C1-44E5AC482DFC}" presName="hierChild4" presStyleCnt="0"/>
+      <dgm:spPr/>
+    </dgm:pt>
+    <dgm:pt modelId="{26C2D325-22A3-CF4E-B37E-A847CF815492}" type="pres">
+      <dgm:prSet presAssocID="{EA7CE616-30E6-3F4F-89C1-44E5AC482DFC}" presName="hierChild5" presStyleCnt="0"/>
+      <dgm:spPr/>
+    </dgm:pt>
+    <dgm:pt modelId="{A2096E2B-CDC6-E142-AC97-ECB1CBF2B7D8}" type="pres">
+      <dgm:prSet presAssocID="{D80F078F-F412-DE43-9E1C-4DD454149CDC}" presName="Name37" presStyleLbl="parChTrans1D3" presStyleIdx="4" presStyleCnt="5"/>
+      <dgm:spPr/>
+    </dgm:pt>
+    <dgm:pt modelId="{097568F2-4CD3-3D40-9DB6-5083F3EBA2A0}" type="pres">
+      <dgm:prSet presAssocID="{DE05944C-C445-3843-86E7-42717FB564BA}" presName="hierRoot2" presStyleCnt="0">
+        <dgm:presLayoutVars>
+          <dgm:hierBranch val="init"/>
+        </dgm:presLayoutVars>
+      </dgm:prSet>
+      <dgm:spPr/>
+    </dgm:pt>
+    <dgm:pt modelId="{CF354057-2D4D-5043-8EB2-80FCB83ED66A}" type="pres">
+      <dgm:prSet presAssocID="{DE05944C-C445-3843-86E7-42717FB564BA}" presName="rootComposite" presStyleCnt="0"/>
+      <dgm:spPr/>
+    </dgm:pt>
+    <dgm:pt modelId="{B0E9F654-DD3E-0745-8C53-25DAB5196B19}" type="pres">
+      <dgm:prSet presAssocID="{DE05944C-C445-3843-86E7-42717FB564BA}" presName="rootText" presStyleLbl="node3" presStyleIdx="4" presStyleCnt="5">
+        <dgm:presLayoutVars>
+          <dgm:chPref val="3"/>
+        </dgm:presLayoutVars>
+      </dgm:prSet>
+      <dgm:spPr/>
+    </dgm:pt>
+    <dgm:pt modelId="{B220F052-6765-2E48-9398-1E870F7047BF}" type="pres">
+      <dgm:prSet presAssocID="{DE05944C-C445-3843-86E7-42717FB564BA}" presName="rootConnector" presStyleLbl="node3" presStyleIdx="4" presStyleCnt="5"/>
+      <dgm:spPr/>
+    </dgm:pt>
+    <dgm:pt modelId="{3C237C96-3CC2-4D43-B7A1-6B6307334424}" type="pres">
+      <dgm:prSet presAssocID="{DE05944C-C445-3843-86E7-42717FB564BA}" presName="hierChild4" presStyleCnt="0"/>
+      <dgm:spPr/>
+    </dgm:pt>
+    <dgm:pt modelId="{4E66AA70-766C-3F43-8FE6-35B56737BD3D}" type="pres">
+      <dgm:prSet presAssocID="{DE05944C-C445-3843-86E7-42717FB564BA}" presName="hierChild5" presStyleCnt="0"/>
+      <dgm:spPr/>
+    </dgm:pt>
+    <dgm:pt modelId="{517B4D64-22C2-4546-9238-B4B6638DF77F}" type="pres">
+      <dgm:prSet presAssocID="{C1E48158-7719-E149-A865-C6594D4EBE39}" presName="hierChild5" presStyleCnt="0"/>
+      <dgm:spPr/>
+    </dgm:pt>
+    <dgm:pt modelId="{3ACED839-46BC-E745-9E5C-475BB15821D6}" type="pres">
+      <dgm:prSet presAssocID="{FFBA6F8E-9722-274D-8EB3-81DF6DADB165}" presName="hierChild3" presStyleCnt="0"/>
+      <dgm:spPr/>
+    </dgm:pt>
+  </dgm:ptLst>
+  <dgm:cxnLst>
+    <dgm:cxn modelId="{1B2C3714-B42C-CE43-B72B-1844C7BBCD4D}" type="presOf" srcId="{8C1C897C-7F20-8443-AAFD-FE1B78D08CAF}" destId="{743172C3-3363-F54F-9FA3-3950DF47F2B4}" srcOrd="0" destOrd="0" presId="urn:microsoft.com/office/officeart/2005/8/layout/orgChart1"/>
+    <dgm:cxn modelId="{C3561B1A-F53E-FE41-98DA-68BD4520686F}" type="presOf" srcId="{53AB89B8-2CEB-8B4F-A4A5-9E144AC05308}" destId="{C4E2BFB1-2EA0-1F4A-82B4-ABE891E932D4}" srcOrd="0" destOrd="0" presId="urn:microsoft.com/office/officeart/2005/8/layout/orgChart1"/>
+    <dgm:cxn modelId="{E2D5E61D-DCF1-A745-B635-320E3A09DFB0}" srcId="{C1E48158-7719-E149-A865-C6594D4EBE39}" destId="{DE05944C-C445-3843-86E7-42717FB564BA}" srcOrd="2" destOrd="0" parTransId="{D80F078F-F412-DE43-9E1C-4DD454149CDC}" sibTransId="{69367361-7A65-C74A-95DF-E9B4298596D1}"/>
+    <dgm:cxn modelId="{01180936-F2C9-4740-B3DF-603DC6F605F2}" srcId="{C1E48158-7719-E149-A865-C6594D4EBE39}" destId="{EA7CE616-30E6-3F4F-89C1-44E5AC482DFC}" srcOrd="1" destOrd="0" parTransId="{99C78B52-94E4-714E-9A14-F7E05080D0B9}" sibTransId="{734C90A7-5746-214F-8FDD-318370DC07C8}"/>
+    <dgm:cxn modelId="{E79FD738-0B95-B741-B261-0102EA99036D}" type="presOf" srcId="{EA7CE616-30E6-3F4F-89C1-44E5AC482DFC}" destId="{9ABB7012-2C3A-1F45-A584-55AC9607BB7D}" srcOrd="0" destOrd="0" presId="urn:microsoft.com/office/officeart/2005/8/layout/orgChart1"/>
+    <dgm:cxn modelId="{2A6B793A-4FF3-2645-8715-F6BD22F54391}" type="presOf" srcId="{38CCC40C-91F2-DF4D-9924-16145272738B}" destId="{4A003CC7-CC23-8745-8939-193C1E158901}" srcOrd="0" destOrd="0" presId="urn:microsoft.com/office/officeart/2005/8/layout/orgChart1"/>
+    <dgm:cxn modelId="{97199141-3220-854F-890A-5CD7978A650F}" type="presOf" srcId="{FFBA6F8E-9722-274D-8EB3-81DF6DADB165}" destId="{1B4FA5AE-6D54-EC45-A6B8-44AAE9A6F5E5}" srcOrd="0" destOrd="0" presId="urn:microsoft.com/office/officeart/2005/8/layout/orgChart1"/>
+    <dgm:cxn modelId="{DC52FA45-1309-ED45-8506-4E8B7115E34A}" srcId="{FFBA6F8E-9722-274D-8EB3-81DF6DADB165}" destId="{615322EC-29D0-BE4B-9E81-485EC64B34AD}" srcOrd="0" destOrd="0" parTransId="{D7F6F72D-83F3-1542-AB0B-A0F79919C62A}" sibTransId="{5ABC3EFF-EC14-124E-B87C-2C9303E4E0D9}"/>
+    <dgm:cxn modelId="{05DBAA49-2B77-4F49-9F11-CD88261D3FA4}" type="presOf" srcId="{86FA0EE6-A0BE-4C40-BE6C-7F12FD4643ED}" destId="{4FAF10BB-4810-2E44-9F56-CEFC4734CFB5}" srcOrd="1" destOrd="0" presId="urn:microsoft.com/office/officeart/2005/8/layout/orgChart1"/>
+    <dgm:cxn modelId="{66668050-C745-0648-B9CF-21CD366AFC93}" srcId="{FFBA6F8E-9722-274D-8EB3-81DF6DADB165}" destId="{C1E48158-7719-E149-A865-C6594D4EBE39}" srcOrd="1" destOrd="0" parTransId="{8A4E4977-0767-6B4F-B722-EA8CD6AFC73F}" sibTransId="{92C468B7-B1D5-7B44-ACCA-FC082847756C}"/>
+    <dgm:cxn modelId="{43E92761-AF55-5346-B1DE-33B5480969C9}" type="presOf" srcId="{B575CBB5-8761-9946-BD17-CD458C435D86}" destId="{EB4D5CBC-5CFD-E64E-94DC-D7DD6C39BABC}" srcOrd="0" destOrd="0" presId="urn:microsoft.com/office/officeart/2005/8/layout/orgChart1"/>
+    <dgm:cxn modelId="{CB70906B-19AC-8E4D-A4D4-303597F95074}" srcId="{615322EC-29D0-BE4B-9E81-485EC64B34AD}" destId="{737B4950-C266-6E45-9829-4E496D4C5CEA}" srcOrd="0" destOrd="0" parTransId="{B575CBB5-8761-9946-BD17-CD458C435D86}" sibTransId="{A5E90349-F5FA-5B4C-B383-C2E2DCF9A2F2}"/>
+    <dgm:cxn modelId="{CE35BC6C-E85D-0842-A242-7E1A369E38CA}" type="presOf" srcId="{D7F6F72D-83F3-1542-AB0B-A0F79919C62A}" destId="{F777DFC4-7111-154F-B309-9519F20588E6}" srcOrd="0" destOrd="0" presId="urn:microsoft.com/office/officeart/2005/8/layout/orgChart1"/>
+    <dgm:cxn modelId="{6E2BFC6E-57B4-6A47-9024-162B67CF34FD}" type="presOf" srcId="{615322EC-29D0-BE4B-9E81-485EC64B34AD}" destId="{2886F659-6E89-BF4A-9E9B-09623E8A0CC6}" srcOrd="0" destOrd="0" presId="urn:microsoft.com/office/officeart/2005/8/layout/orgChart1"/>
+    <dgm:cxn modelId="{88F53571-2776-8E43-9099-2BC5FF1A1AA8}" type="presOf" srcId="{DE05944C-C445-3843-86E7-42717FB564BA}" destId="{B0E9F654-DD3E-0745-8C53-25DAB5196B19}" srcOrd="0" destOrd="0" presId="urn:microsoft.com/office/officeart/2005/8/layout/orgChart1"/>
+    <dgm:cxn modelId="{36CE797D-A7A8-A040-9DA8-B778E4B8C284}" type="presOf" srcId="{615322EC-29D0-BE4B-9E81-485EC64B34AD}" destId="{349B1ED7-6B4C-2949-8D41-469C057AF3FD}" srcOrd="1" destOrd="0" presId="urn:microsoft.com/office/officeart/2005/8/layout/orgChart1"/>
+    <dgm:cxn modelId="{77AAF989-F65E-4144-98EE-71D6AB1FC101}" srcId="{25FF79B9-8A4E-2846-8389-DA2539AC0E91}" destId="{FFBA6F8E-9722-274D-8EB3-81DF6DADB165}" srcOrd="0" destOrd="0" parTransId="{83A5552F-15A5-454E-9A48-5CE64CA84788}" sibTransId="{A8BA1CB0-422D-7A47-8C5B-7D81A0859563}"/>
+    <dgm:cxn modelId="{F3AA5796-2234-CE4B-8B02-740B631D658B}" type="presOf" srcId="{86FA0EE6-A0BE-4C40-BE6C-7F12FD4643ED}" destId="{2A289A3D-8DE1-004D-9E92-FA08A37AE63D}" srcOrd="0" destOrd="0" presId="urn:microsoft.com/office/officeart/2005/8/layout/orgChart1"/>
+    <dgm:cxn modelId="{5A77069A-CB91-1B43-ABF9-035C40A53D41}" type="presOf" srcId="{EA7CE616-30E6-3F4F-89C1-44E5AC482DFC}" destId="{B6487BCC-6F97-2843-9712-E2CC5D7D8649}" srcOrd="1" destOrd="0" presId="urn:microsoft.com/office/officeart/2005/8/layout/orgChart1"/>
+    <dgm:cxn modelId="{67B788A3-F5E1-D245-A6FA-BDB06D716071}" type="presOf" srcId="{737B4950-C266-6E45-9829-4E496D4C5CEA}" destId="{B4FBC950-3436-5547-B874-96C0921DAD13}" srcOrd="0" destOrd="0" presId="urn:microsoft.com/office/officeart/2005/8/layout/orgChart1"/>
+    <dgm:cxn modelId="{614C36A4-1A3C-CC4F-A692-B71514FF65B7}" type="presOf" srcId="{8A4E4977-0767-6B4F-B722-EA8CD6AFC73F}" destId="{CB4246F8-540D-F047-9DAA-4403379F4330}" srcOrd="0" destOrd="0" presId="urn:microsoft.com/office/officeart/2005/8/layout/orgChart1"/>
+    <dgm:cxn modelId="{7A9F56A6-D8EE-154C-B8A7-E70B0DDBA2B6}" type="presOf" srcId="{99C78B52-94E4-714E-9A14-F7E05080D0B9}" destId="{6C822C9E-835E-5645-AF5D-7834466D4748}" srcOrd="0" destOrd="0" presId="urn:microsoft.com/office/officeart/2005/8/layout/orgChart1"/>
+    <dgm:cxn modelId="{0948ABAB-9194-8E4F-ADD9-8273AA8F69D9}" type="presOf" srcId="{737B4950-C266-6E45-9829-4E496D4C5CEA}" destId="{2BB3EFCB-3D1A-274B-9C8A-B21D61F4B3C5}" srcOrd="1" destOrd="0" presId="urn:microsoft.com/office/officeart/2005/8/layout/orgChart1"/>
+    <dgm:cxn modelId="{C31517BE-6461-4046-8D11-BE6C9D7D9988}" type="presOf" srcId="{D80F078F-F412-DE43-9E1C-4DD454149CDC}" destId="{A2096E2B-CDC6-E142-AC97-ECB1CBF2B7D8}" srcOrd="0" destOrd="0" presId="urn:microsoft.com/office/officeart/2005/8/layout/orgChart1"/>
+    <dgm:cxn modelId="{CDB60BC6-409E-9F41-90A4-B147DB2EE1D2}" type="presOf" srcId="{25FF79B9-8A4E-2846-8389-DA2539AC0E91}" destId="{0E281403-D2B0-9E4B-B270-D0C36855A987}" srcOrd="0" destOrd="0" presId="urn:microsoft.com/office/officeart/2005/8/layout/orgChart1"/>
+    <dgm:cxn modelId="{1CBCF8C9-58B2-1C4B-B7F9-09052D074631}" type="presOf" srcId="{FFBA6F8E-9722-274D-8EB3-81DF6DADB165}" destId="{F34E717F-CEE8-1546-92E5-7C4BEC135981}" srcOrd="1" destOrd="0" presId="urn:microsoft.com/office/officeart/2005/8/layout/orgChart1"/>
+    <dgm:cxn modelId="{7DB96ECA-CCC1-2B44-9B10-4CF460E07B55}" srcId="{C1E48158-7719-E149-A865-C6594D4EBE39}" destId="{86FA0EE6-A0BE-4C40-BE6C-7F12FD4643ED}" srcOrd="0" destOrd="0" parTransId="{8C1C897C-7F20-8443-AAFD-FE1B78D08CAF}" sibTransId="{2D749E0D-91EF-1445-B078-86E7D0F9D84F}"/>
+    <dgm:cxn modelId="{44ECE5CF-CF7B-0546-BE03-85C791639876}" type="presOf" srcId="{DE05944C-C445-3843-86E7-42717FB564BA}" destId="{B220F052-6765-2E48-9398-1E870F7047BF}" srcOrd="1" destOrd="0" presId="urn:microsoft.com/office/officeart/2005/8/layout/orgChart1"/>
+    <dgm:cxn modelId="{9EE063E2-A9CF-5242-9673-E4016594C530}" type="presOf" srcId="{C1E48158-7719-E149-A865-C6594D4EBE39}" destId="{7A9B6E53-D8B3-F344-9BF3-6219CEE9C1FC}" srcOrd="1" destOrd="0" presId="urn:microsoft.com/office/officeart/2005/8/layout/orgChart1"/>
+    <dgm:cxn modelId="{012A11E6-1A8B-2543-A22A-14EB46D7428D}" type="presOf" srcId="{38CCC40C-91F2-DF4D-9924-16145272738B}" destId="{32D3E684-A284-C24B-A176-9C7F3839C399}" srcOrd="1" destOrd="0" presId="urn:microsoft.com/office/officeart/2005/8/layout/orgChart1"/>
+    <dgm:cxn modelId="{3F24CDED-A9F0-A845-BCC5-12D04D6AF9F5}" type="presOf" srcId="{C1E48158-7719-E149-A865-C6594D4EBE39}" destId="{0BEB55F5-161A-D747-9B25-E36462DB434A}" srcOrd="0" destOrd="0" presId="urn:microsoft.com/office/officeart/2005/8/layout/orgChart1"/>
+    <dgm:cxn modelId="{C5A9A3EE-BD6B-0D46-A851-A92501CC2EBF}" srcId="{615322EC-29D0-BE4B-9E81-485EC64B34AD}" destId="{38CCC40C-91F2-DF4D-9924-16145272738B}" srcOrd="1" destOrd="0" parTransId="{53AB89B8-2CEB-8B4F-A4A5-9E144AC05308}" sibTransId="{FF01F140-A864-1F4A-9E26-148EF208C883}"/>
+    <dgm:cxn modelId="{A057E843-54DE-B54D-A907-21EA82873F14}" type="presParOf" srcId="{0E281403-D2B0-9E4B-B270-D0C36855A987}" destId="{07995FCC-BA26-194C-A73F-813ACF86BC2A}" srcOrd="0" destOrd="0" presId="urn:microsoft.com/office/officeart/2005/8/layout/orgChart1"/>
+    <dgm:cxn modelId="{12BC0086-E703-524C-B135-BBB73E4FBAC8}" type="presParOf" srcId="{07995FCC-BA26-194C-A73F-813ACF86BC2A}" destId="{2CCD008A-276D-FD45-8822-EDD61B1F1916}" srcOrd="0" destOrd="0" presId="urn:microsoft.com/office/officeart/2005/8/layout/orgChart1"/>
+    <dgm:cxn modelId="{51F4104C-38A7-6948-A316-656C6E89EFA7}" type="presParOf" srcId="{2CCD008A-276D-FD45-8822-EDD61B1F1916}" destId="{1B4FA5AE-6D54-EC45-A6B8-44AAE9A6F5E5}" srcOrd="0" destOrd="0" presId="urn:microsoft.com/office/officeart/2005/8/layout/orgChart1"/>
+    <dgm:cxn modelId="{14376D5C-7DA0-2741-B5F9-476EBEA3899A}" type="presParOf" srcId="{2CCD008A-276D-FD45-8822-EDD61B1F1916}" destId="{F34E717F-CEE8-1546-92E5-7C4BEC135981}" srcOrd="1" destOrd="0" presId="urn:microsoft.com/office/officeart/2005/8/layout/orgChart1"/>
+    <dgm:cxn modelId="{3063F93D-2B94-4346-A1C0-3B61A04CDCFB}" type="presParOf" srcId="{07995FCC-BA26-194C-A73F-813ACF86BC2A}" destId="{2F94D01E-77E4-F34C-9DFF-501493338F48}" srcOrd="1" destOrd="0" presId="urn:microsoft.com/office/officeart/2005/8/layout/orgChart1"/>
+    <dgm:cxn modelId="{1EA4DF00-3662-BC4D-8BD8-5EA952A8F411}" type="presParOf" srcId="{2F94D01E-77E4-F34C-9DFF-501493338F48}" destId="{F777DFC4-7111-154F-B309-9519F20588E6}" srcOrd="0" destOrd="0" presId="urn:microsoft.com/office/officeart/2005/8/layout/orgChart1"/>
+    <dgm:cxn modelId="{075A0EC4-D424-564D-9A93-66F69851500C}" type="presParOf" srcId="{2F94D01E-77E4-F34C-9DFF-501493338F48}" destId="{B3C9114C-650F-9C48-B53C-348270EB54D3}" srcOrd="1" destOrd="0" presId="urn:microsoft.com/office/officeart/2005/8/layout/orgChart1"/>
+    <dgm:cxn modelId="{7749F9DE-CBA8-7848-B47B-D27A887E8364}" type="presParOf" srcId="{B3C9114C-650F-9C48-B53C-348270EB54D3}" destId="{4D1DBBB9-4210-4440-A3AA-F69A0A374425}" srcOrd="0" destOrd="0" presId="urn:microsoft.com/office/officeart/2005/8/layout/orgChart1"/>
+    <dgm:cxn modelId="{4B3DE0FB-39FF-FF4C-88F7-0235739997E8}" type="presParOf" srcId="{4D1DBBB9-4210-4440-A3AA-F69A0A374425}" destId="{2886F659-6E89-BF4A-9E9B-09623E8A0CC6}" srcOrd="0" destOrd="0" presId="urn:microsoft.com/office/officeart/2005/8/layout/orgChart1"/>
+    <dgm:cxn modelId="{876C6B54-AEF3-0846-A89E-209B6118D0AE}" type="presParOf" srcId="{4D1DBBB9-4210-4440-A3AA-F69A0A374425}" destId="{349B1ED7-6B4C-2949-8D41-469C057AF3FD}" srcOrd="1" destOrd="0" presId="urn:microsoft.com/office/officeart/2005/8/layout/orgChart1"/>
+    <dgm:cxn modelId="{6E06B9A0-A5D3-5B4D-B066-E85BAE44990E}" type="presParOf" srcId="{B3C9114C-650F-9C48-B53C-348270EB54D3}" destId="{3DCB72DC-CB38-B047-A0D5-559AA90D7B21}" srcOrd="1" destOrd="0" presId="urn:microsoft.com/office/officeart/2005/8/layout/orgChart1"/>
+    <dgm:cxn modelId="{B3CBC32B-43DA-D04E-96EB-005F4E70989A}" type="presParOf" srcId="{3DCB72DC-CB38-B047-A0D5-559AA90D7B21}" destId="{EB4D5CBC-5CFD-E64E-94DC-D7DD6C39BABC}" srcOrd="0" destOrd="0" presId="urn:microsoft.com/office/officeart/2005/8/layout/orgChart1"/>
+    <dgm:cxn modelId="{FF926D20-1870-AD4C-87ED-B74AEE3C0BD3}" type="presParOf" srcId="{3DCB72DC-CB38-B047-A0D5-559AA90D7B21}" destId="{AC061B37-1439-8D46-ADFB-32E0EF47EEB2}" srcOrd="1" destOrd="0" presId="urn:microsoft.com/office/officeart/2005/8/layout/orgChart1"/>
+    <dgm:cxn modelId="{82142B98-33EB-E240-AFB9-E7ABEF97D87E}" type="presParOf" srcId="{AC061B37-1439-8D46-ADFB-32E0EF47EEB2}" destId="{DBD4CEE6-6172-474F-9A8C-F6441361EFB6}" srcOrd="0" destOrd="0" presId="urn:microsoft.com/office/officeart/2005/8/layout/orgChart1"/>
+    <dgm:cxn modelId="{14B67A05-046F-5345-84D8-46B4A7614870}" type="presParOf" srcId="{DBD4CEE6-6172-474F-9A8C-F6441361EFB6}" destId="{B4FBC950-3436-5547-B874-96C0921DAD13}" srcOrd="0" destOrd="0" presId="urn:microsoft.com/office/officeart/2005/8/layout/orgChart1"/>
+    <dgm:cxn modelId="{131DB603-CF93-B04C-B419-E589747A1660}" type="presParOf" srcId="{DBD4CEE6-6172-474F-9A8C-F6441361EFB6}" destId="{2BB3EFCB-3D1A-274B-9C8A-B21D61F4B3C5}" srcOrd="1" destOrd="0" presId="urn:microsoft.com/office/officeart/2005/8/layout/orgChart1"/>
+    <dgm:cxn modelId="{821866D9-33FF-C340-BD95-448DA6E086DD}" type="presParOf" srcId="{AC061B37-1439-8D46-ADFB-32E0EF47EEB2}" destId="{8D4E4590-FB53-FE4D-BC19-7598AA14CF51}" srcOrd="1" destOrd="0" presId="urn:microsoft.com/office/officeart/2005/8/layout/orgChart1"/>
+    <dgm:cxn modelId="{0F42EF49-FD00-5942-A22D-123B1466B2DB}" type="presParOf" srcId="{AC061B37-1439-8D46-ADFB-32E0EF47EEB2}" destId="{9577CC4D-03F4-0E43-870D-5BF14A68EA99}" srcOrd="2" destOrd="0" presId="urn:microsoft.com/office/officeart/2005/8/layout/orgChart1"/>
+    <dgm:cxn modelId="{ACDDE46C-A9E2-0C4D-81F7-1F18B5092EEB}" type="presParOf" srcId="{3DCB72DC-CB38-B047-A0D5-559AA90D7B21}" destId="{C4E2BFB1-2EA0-1F4A-82B4-ABE891E932D4}" srcOrd="2" destOrd="0" presId="urn:microsoft.com/office/officeart/2005/8/layout/orgChart1"/>
+    <dgm:cxn modelId="{4A0ED2D0-61BE-894B-8C7A-C8E05514DAAF}" type="presParOf" srcId="{3DCB72DC-CB38-B047-A0D5-559AA90D7B21}" destId="{35606105-E21E-3741-AEEA-48DAF5D491C8}" srcOrd="3" destOrd="0" presId="urn:microsoft.com/office/officeart/2005/8/layout/orgChart1"/>
+    <dgm:cxn modelId="{473C14DD-8B92-7346-B028-06A438FB470B}" type="presParOf" srcId="{35606105-E21E-3741-AEEA-48DAF5D491C8}" destId="{366B7E7B-3413-6547-9491-0153B740E51C}" srcOrd="0" destOrd="0" presId="urn:microsoft.com/office/officeart/2005/8/layout/orgChart1"/>
+    <dgm:cxn modelId="{A846D196-FC48-C74E-9FDB-1477650B1676}" type="presParOf" srcId="{366B7E7B-3413-6547-9491-0153B740E51C}" destId="{4A003CC7-CC23-8745-8939-193C1E158901}" srcOrd="0" destOrd="0" presId="urn:microsoft.com/office/officeart/2005/8/layout/orgChart1"/>
+    <dgm:cxn modelId="{540A4777-FA6D-2444-9E55-74EB6F72369A}" type="presParOf" srcId="{366B7E7B-3413-6547-9491-0153B740E51C}" destId="{32D3E684-A284-C24B-A176-9C7F3839C399}" srcOrd="1" destOrd="0" presId="urn:microsoft.com/office/officeart/2005/8/layout/orgChart1"/>
+    <dgm:cxn modelId="{AAFF0144-A877-8E41-98A0-EBD396485618}" type="presParOf" srcId="{35606105-E21E-3741-AEEA-48DAF5D491C8}" destId="{D47C255B-2720-C242-9DC8-4DD9019561C3}" srcOrd="1" destOrd="0" presId="urn:microsoft.com/office/officeart/2005/8/layout/orgChart1"/>
+    <dgm:cxn modelId="{63BD7F69-9AD1-E84D-8264-B6D7E428230D}" type="presParOf" srcId="{35606105-E21E-3741-AEEA-48DAF5D491C8}" destId="{D3715E39-D072-7F48-AA32-32B52F68D3EA}" srcOrd="2" destOrd="0" presId="urn:microsoft.com/office/officeart/2005/8/layout/orgChart1"/>
+    <dgm:cxn modelId="{44D200B2-85C9-4742-8C38-9FDA2D823A10}" type="presParOf" srcId="{B3C9114C-650F-9C48-B53C-348270EB54D3}" destId="{51EB7D5B-8373-994C-9B47-B5BCB42716A9}" srcOrd="2" destOrd="0" presId="urn:microsoft.com/office/officeart/2005/8/layout/orgChart1"/>
+    <dgm:cxn modelId="{6977AEAD-61D8-8943-8344-EBF939980CFC}" type="presParOf" srcId="{2F94D01E-77E4-F34C-9DFF-501493338F48}" destId="{CB4246F8-540D-F047-9DAA-4403379F4330}" srcOrd="2" destOrd="0" presId="urn:microsoft.com/office/officeart/2005/8/layout/orgChart1"/>
+    <dgm:cxn modelId="{9A40BDE1-AF94-2946-A081-3226842142D7}" type="presParOf" srcId="{2F94D01E-77E4-F34C-9DFF-501493338F48}" destId="{551EFE48-E4F4-E647-80DD-0389C98AB8B2}" srcOrd="3" destOrd="0" presId="urn:microsoft.com/office/officeart/2005/8/layout/orgChart1"/>
+    <dgm:cxn modelId="{5060E125-4833-CE4D-9306-7D5211810562}" type="presParOf" srcId="{551EFE48-E4F4-E647-80DD-0389C98AB8B2}" destId="{AC10F897-BE0E-EB48-84C7-48EDCB03A49A}" srcOrd="0" destOrd="0" presId="urn:microsoft.com/office/officeart/2005/8/layout/orgChart1"/>
+    <dgm:cxn modelId="{035B7DC5-BE77-4E49-A0CE-2D32A9F233B8}" type="presParOf" srcId="{AC10F897-BE0E-EB48-84C7-48EDCB03A49A}" destId="{0BEB55F5-161A-D747-9B25-E36462DB434A}" srcOrd="0" destOrd="0" presId="urn:microsoft.com/office/officeart/2005/8/layout/orgChart1"/>
+    <dgm:cxn modelId="{EE27E105-8C6C-1349-82AD-3BC7CA1D381D}" type="presParOf" srcId="{AC10F897-BE0E-EB48-84C7-48EDCB03A49A}" destId="{7A9B6E53-D8B3-F344-9BF3-6219CEE9C1FC}" srcOrd="1" destOrd="0" presId="urn:microsoft.com/office/officeart/2005/8/layout/orgChart1"/>
+    <dgm:cxn modelId="{427CAB89-7400-4D44-9622-0080D8F6E39B}" type="presParOf" srcId="{551EFE48-E4F4-E647-80DD-0389C98AB8B2}" destId="{7EB34334-405F-5346-9B7A-485359610212}" srcOrd="1" destOrd="0" presId="urn:microsoft.com/office/officeart/2005/8/layout/orgChart1"/>
+    <dgm:cxn modelId="{400D8E2C-FACD-0F49-83E1-AD6BA1D1C495}" type="presParOf" srcId="{7EB34334-405F-5346-9B7A-485359610212}" destId="{743172C3-3363-F54F-9FA3-3950DF47F2B4}" srcOrd="0" destOrd="0" presId="urn:microsoft.com/office/officeart/2005/8/layout/orgChart1"/>
+    <dgm:cxn modelId="{2857C6A2-E49F-164A-996D-92DAA6471B4D}" type="presParOf" srcId="{7EB34334-405F-5346-9B7A-485359610212}" destId="{622B0D67-15A5-E243-A850-C65DF55FD773}" srcOrd="1" destOrd="0" presId="urn:microsoft.com/office/officeart/2005/8/layout/orgChart1"/>
+    <dgm:cxn modelId="{134F6944-F7DD-174C-A7AB-A7D1594D6CD3}" type="presParOf" srcId="{622B0D67-15A5-E243-A850-C65DF55FD773}" destId="{B8201774-E2DA-7642-91F2-6375D188B412}" srcOrd="0" destOrd="0" presId="urn:microsoft.com/office/officeart/2005/8/layout/orgChart1"/>
+    <dgm:cxn modelId="{365EB612-550D-1749-A541-ADE62710F8F9}" type="presParOf" srcId="{B8201774-E2DA-7642-91F2-6375D188B412}" destId="{2A289A3D-8DE1-004D-9E92-FA08A37AE63D}" srcOrd="0" destOrd="0" presId="urn:microsoft.com/office/officeart/2005/8/layout/orgChart1"/>
+    <dgm:cxn modelId="{CFFDF73D-A1BD-6843-A557-8A523596011A}" type="presParOf" srcId="{B8201774-E2DA-7642-91F2-6375D188B412}" destId="{4FAF10BB-4810-2E44-9F56-CEFC4734CFB5}" srcOrd="1" destOrd="0" presId="urn:microsoft.com/office/officeart/2005/8/layout/orgChart1"/>
+    <dgm:cxn modelId="{5D467304-968A-6842-927A-3009CFB449F9}" type="presParOf" srcId="{622B0D67-15A5-E243-A850-C65DF55FD773}" destId="{26D1800C-628A-1144-8328-0AA174230E68}" srcOrd="1" destOrd="0" presId="urn:microsoft.com/office/officeart/2005/8/layout/orgChart1"/>
+    <dgm:cxn modelId="{1EA1DE2D-1564-1E40-A839-AED254313B74}" type="presParOf" srcId="{622B0D67-15A5-E243-A850-C65DF55FD773}" destId="{D398CFC9-8AD6-4647-999B-79B22ABCF351}" srcOrd="2" destOrd="0" presId="urn:microsoft.com/office/officeart/2005/8/layout/orgChart1"/>
+    <dgm:cxn modelId="{7C6784EE-E422-A44C-AA32-E903B23C6A71}" type="presParOf" srcId="{7EB34334-405F-5346-9B7A-485359610212}" destId="{6C822C9E-835E-5645-AF5D-7834466D4748}" srcOrd="2" destOrd="0" presId="urn:microsoft.com/office/officeart/2005/8/layout/orgChart1"/>
+    <dgm:cxn modelId="{3EE6578E-727B-934D-B2E9-F7B78FC9E3C1}" type="presParOf" srcId="{7EB34334-405F-5346-9B7A-485359610212}" destId="{A11D60BE-D709-7D46-9CC9-0FAAFA76395C}" srcOrd="3" destOrd="0" presId="urn:microsoft.com/office/officeart/2005/8/layout/orgChart1"/>
+    <dgm:cxn modelId="{A0740B3C-84CD-1C43-B2EB-326933E4F127}" type="presParOf" srcId="{A11D60BE-D709-7D46-9CC9-0FAAFA76395C}" destId="{6A66F812-0EE5-6E4E-BA54-E3E0E051D1CE}" srcOrd="0" destOrd="0" presId="urn:microsoft.com/office/officeart/2005/8/layout/orgChart1"/>
+    <dgm:cxn modelId="{DF9D10B7-9F4B-714C-847A-D086A0216A91}" type="presParOf" srcId="{6A66F812-0EE5-6E4E-BA54-E3E0E051D1CE}" destId="{9ABB7012-2C3A-1F45-A584-55AC9607BB7D}" srcOrd="0" destOrd="0" presId="urn:microsoft.com/office/officeart/2005/8/layout/orgChart1"/>
+    <dgm:cxn modelId="{62039446-2789-9148-B180-B2D6ACE282DE}" type="presParOf" srcId="{6A66F812-0EE5-6E4E-BA54-E3E0E051D1CE}" destId="{B6487BCC-6F97-2843-9712-E2CC5D7D8649}" srcOrd="1" destOrd="0" presId="urn:microsoft.com/office/officeart/2005/8/layout/orgChart1"/>
+    <dgm:cxn modelId="{641AE1C7-835C-F54C-A883-57CDA43FAED6}" type="presParOf" srcId="{A11D60BE-D709-7D46-9CC9-0FAAFA76395C}" destId="{C221ABC6-CDB1-804B-BCE5-1D29AFD0F171}" srcOrd="1" destOrd="0" presId="urn:microsoft.com/office/officeart/2005/8/layout/orgChart1"/>
+    <dgm:cxn modelId="{BA2DD301-8B38-1245-B69E-B2FCBA4452AB}" type="presParOf" srcId="{A11D60BE-D709-7D46-9CC9-0FAAFA76395C}" destId="{26C2D325-22A3-CF4E-B37E-A847CF815492}" srcOrd="2" destOrd="0" presId="urn:microsoft.com/office/officeart/2005/8/layout/orgChart1"/>
+    <dgm:cxn modelId="{A68BE6F1-4DCD-624B-959C-EA155A34F800}" type="presParOf" srcId="{7EB34334-405F-5346-9B7A-485359610212}" destId="{A2096E2B-CDC6-E142-AC97-ECB1CBF2B7D8}" srcOrd="4" destOrd="0" presId="urn:microsoft.com/office/officeart/2005/8/layout/orgChart1"/>
+    <dgm:cxn modelId="{9C91274E-F598-894D-B5BC-03B3BEDCAFB9}" type="presParOf" srcId="{7EB34334-405F-5346-9B7A-485359610212}" destId="{097568F2-4CD3-3D40-9DB6-5083F3EBA2A0}" srcOrd="5" destOrd="0" presId="urn:microsoft.com/office/officeart/2005/8/layout/orgChart1"/>
+    <dgm:cxn modelId="{A019201F-60D9-BD4A-B68B-3ED7473B8B8B}" type="presParOf" srcId="{097568F2-4CD3-3D40-9DB6-5083F3EBA2A0}" destId="{CF354057-2D4D-5043-8EB2-80FCB83ED66A}" srcOrd="0" destOrd="0" presId="urn:microsoft.com/office/officeart/2005/8/layout/orgChart1"/>
+    <dgm:cxn modelId="{1F5960C3-DC4D-5548-9EB0-643E3CCDE71C}" type="presParOf" srcId="{CF354057-2D4D-5043-8EB2-80FCB83ED66A}" destId="{B0E9F654-DD3E-0745-8C53-25DAB5196B19}" srcOrd="0" destOrd="0" presId="urn:microsoft.com/office/officeart/2005/8/layout/orgChart1"/>
+    <dgm:cxn modelId="{1AAD786A-8E00-3C45-A76D-654AC18727E8}" type="presParOf" srcId="{CF354057-2D4D-5043-8EB2-80FCB83ED66A}" destId="{B220F052-6765-2E48-9398-1E870F7047BF}" srcOrd="1" destOrd="0" presId="urn:microsoft.com/office/officeart/2005/8/layout/orgChart1"/>
+    <dgm:cxn modelId="{C6DB88AB-E7DE-3647-8D35-63AC60DE27E4}" type="presParOf" srcId="{097568F2-4CD3-3D40-9DB6-5083F3EBA2A0}" destId="{3C237C96-3CC2-4D43-B7A1-6B6307334424}" srcOrd="1" destOrd="0" presId="urn:microsoft.com/office/officeart/2005/8/layout/orgChart1"/>
+    <dgm:cxn modelId="{EC088F6B-53A1-3C4E-B5DA-8F208E7F9CFE}" type="presParOf" srcId="{097568F2-4CD3-3D40-9DB6-5083F3EBA2A0}" destId="{4E66AA70-766C-3F43-8FE6-35B56737BD3D}" srcOrd="2" destOrd="0" presId="urn:microsoft.com/office/officeart/2005/8/layout/orgChart1"/>
+    <dgm:cxn modelId="{724F7956-9460-E24E-9835-700C5D4C804D}" type="presParOf" srcId="{551EFE48-E4F4-E647-80DD-0389C98AB8B2}" destId="{517B4D64-22C2-4546-9238-B4B6638DF77F}" srcOrd="2" destOrd="0" presId="urn:microsoft.com/office/officeart/2005/8/layout/orgChart1"/>
+    <dgm:cxn modelId="{D922BEE7-8DE2-4F4E-A388-4F41D098496B}" type="presParOf" srcId="{07995FCC-BA26-194C-A73F-813ACF86BC2A}" destId="{3ACED839-46BC-E745-9E5C-475BB15821D6}" srcOrd="2" destOrd="0" presId="urn:microsoft.com/office/officeart/2005/8/layout/orgChart1"/>
+  </dgm:cxnLst>
+  <dgm:bg/>
+  <dgm:whole/>
+  <dgm:extLst>
+    <a:ext uri="http://schemas.microsoft.com/office/drawing/2008/diagram">
+      <dsp:dataModelExt xmlns:dsp="http://schemas.microsoft.com/office/drawing/2008/diagram" relId="rId6" minVer="http://schemas.openxmlformats.org/drawingml/2006/diagram"/>
+    </a:ext>
+  </dgm:extLst>
+</dgm:dataModel>
+</file>
+
+<file path=ppt/diagrams/data3.xml><?xml version="1.0" encoding="utf-8"?>
 <dgm:dataModel xmlns:dgm="http://schemas.openxmlformats.org/drawingml/2006/diagram" xmlns:a="http://schemas.openxmlformats.org/drawingml/2006/main">
   <dgm:ptLst>
     <dgm:pt modelId="{25FF79B9-8A4E-2846-8389-DA2539AC0E91}" type="doc">
@@ -4813,7 +6404,16 @@
               <a:latin typeface="Arial" panose="020B0604020202020204" pitchFamily="34" charset="0"/>
               <a:cs typeface="Arial" panose="020B0604020202020204" pitchFamily="34" charset="0"/>
             </a:rPr>
-            <a:t>Search   (Array / List)</a:t>
+            <a:t>Array / List</a:t>
+          </a:r>
+        </a:p>
+        <a:p>
+          <a:r>
+            <a:rPr lang="en-US" altLang="zh-TW" sz="1000" dirty="0">
+              <a:latin typeface="Arial" panose="020B0604020202020204" pitchFamily="34" charset="0"/>
+              <a:cs typeface="Arial" panose="020B0604020202020204" pitchFamily="34" charset="0"/>
+            </a:rPr>
+            <a:t>(Search)</a:t>
           </a:r>
         </a:p>
       </dgm:t>
@@ -4956,7 +6556,16 @@
               <a:latin typeface="Arial" panose="020B0604020202020204" pitchFamily="34" charset="0"/>
               <a:cs typeface="Arial" panose="020B0604020202020204" pitchFamily="34" charset="0"/>
             </a:rPr>
-            <a:t>Sort        (Array / List)</a:t>
+            <a:t>Array / List</a:t>
+          </a:r>
+        </a:p>
+        <a:p>
+          <a:r>
+            <a:rPr lang="en-US" altLang="zh-TW" sz="1000" dirty="0">
+              <a:latin typeface="Arial" panose="020B0604020202020204" pitchFamily="34" charset="0"/>
+              <a:cs typeface="Arial" panose="020B0604020202020204" pitchFamily="34" charset="0"/>
+            </a:rPr>
+            <a:t>(Sort)</a:t>
           </a:r>
         </a:p>
       </dgm:t>
@@ -7729,7 +9338,7 @@
 </dgm:dataModel>
 </file>
 
-<file path=ppt/diagrams/data3.xml><?xml version="1.0" encoding="utf-8"?>
+<file path=ppt/diagrams/data4.xml><?xml version="1.0" encoding="utf-8"?>
 <dgm:dataModel xmlns:dgm="http://schemas.openxmlformats.org/drawingml/2006/diagram" xmlns:a="http://schemas.openxmlformats.org/drawingml/2006/main">
   <dgm:ptLst>
     <dgm:pt modelId="{93074DCF-CBC6-FB49-BD1F-49034690B770}" type="doc">
@@ -9670,7 +11279,66 @@
       <dsp:cNvGrpSpPr/>
     </dsp:nvGrpSpPr>
     <dsp:grpSpPr/>
-    <dsp:sp modelId="{74FBC225-5ED6-A749-AB5E-98B0A09B4A05}">
+    <dsp:sp modelId="{E433BE2A-E85B-EB45-8C5E-107586FDF0C5}">
+      <dsp:nvSpPr>
+        <dsp:cNvPr id="0" name=""/>
+        <dsp:cNvSpPr/>
+      </dsp:nvSpPr>
+      <dsp:spPr>
+        <a:xfrm>
+          <a:off x="4881665" y="1868758"/>
+          <a:ext cx="145928" cy="2519696"/>
+        </a:xfrm>
+        <a:custGeom>
+          <a:avLst/>
+          <a:gdLst/>
+          <a:ahLst/>
+          <a:cxnLst/>
+          <a:rect l="0" t="0" r="0" b="0"/>
+          <a:pathLst>
+            <a:path>
+              <a:moveTo>
+                <a:pt x="0" y="0"/>
+              </a:moveTo>
+              <a:lnTo>
+                <a:pt x="0" y="2519696"/>
+              </a:lnTo>
+              <a:lnTo>
+                <a:pt x="145928" y="2519696"/>
+              </a:lnTo>
+            </a:path>
+          </a:pathLst>
+        </a:custGeom>
+        <a:noFill/>
+        <a:ln w="19050" cap="flat" cmpd="sng" algn="ctr">
+          <a:solidFill>
+            <a:schemeClr val="accent1">
+              <a:shade val="80000"/>
+              <a:hueOff val="0"/>
+              <a:satOff val="0"/>
+              <a:lumOff val="0"/>
+              <a:alphaOff val="0"/>
+            </a:schemeClr>
+          </a:solidFill>
+          <a:prstDash val="solid"/>
+          <a:miter lim="800000"/>
+        </a:ln>
+        <a:effectLst/>
+      </dsp:spPr>
+      <dsp:style>
+        <a:lnRef idx="2">
+          <a:scrgbClr r="0" g="0" b="0"/>
+        </a:lnRef>
+        <a:fillRef idx="0">
+          <a:scrgbClr r="0" g="0" b="0"/>
+        </a:fillRef>
+        <a:effectRef idx="0">
+          <a:scrgbClr r="0" g="0" b="0"/>
+        </a:effectRef>
+        <a:fontRef idx="minor"/>
+      </dsp:style>
+    </dsp:sp>
+    <dsp:sp modelId="{903B2477-238B-1D43-B313-1634EC18F9C2}">
       <dsp:nvSpPr>
         <dsp:cNvPr id="0" name=""/>
         <dsp:cNvSpPr/>
@@ -9729,7 +11397,7 @@
         <a:fontRef idx="minor"/>
       </dsp:style>
     </dsp:sp>
-    <dsp:sp modelId="{E433BE2A-E85B-EB45-8C5E-107586FDF0C5}">
+    <dsp:sp modelId="{A65ACF43-C188-6145-BB86-10045174F37E}">
       <dsp:nvSpPr>
         <dsp:cNvPr id="0" name=""/>
         <dsp:cNvSpPr/>
@@ -9788,7 +11456,7 @@
         <a:fontRef idx="minor"/>
       </dsp:style>
     </dsp:sp>
-    <dsp:sp modelId="{903B2477-238B-1D43-B313-1634EC18F9C2}">
+    <dsp:sp modelId="{F68C7770-90D7-FC40-AC4C-8602AABEC0DB}">
       <dsp:nvSpPr>
         <dsp:cNvPr id="0" name=""/>
         <dsp:cNvSpPr/>
@@ -10999,12 +12667,8 @@
               <a:latin typeface="Arial" panose="020B0604020202020204" pitchFamily="34" charset="0"/>
               <a:cs typeface="Arial" panose="020B0604020202020204" pitchFamily="34" charset="0"/>
             </a:rPr>
-            <a:t>Data Structures</a:t>
+            <a:t>Logical Data Structures</a:t>
           </a:r>
-          <a:endParaRPr lang="zh-TW" altLang="en-US" sz="1100" kern="1200" dirty="0">
-            <a:latin typeface="Arial" panose="020B0604020202020204" pitchFamily="34" charset="0"/>
-            <a:cs typeface="Arial" panose="020B0604020202020204" pitchFamily="34" charset="0"/>
-          </a:endParaRPr>
         </a:p>
       </dsp:txBody>
       <dsp:txXfrm>
@@ -11084,7 +12748,28 @@
               <a:latin typeface="Arial" panose="020B0604020202020204" pitchFamily="34" charset="0"/>
               <a:cs typeface="Arial" panose="020B0604020202020204" pitchFamily="34" charset="0"/>
             </a:rPr>
-            <a:t>Python Built-in</a:t>
+            <a:t>Python </a:t>
+          </a:r>
+        </a:p>
+        <a:p>
+          <a:pPr marL="0" lvl="0" indent="0" algn="ctr" defTabSz="488950">
+            <a:lnSpc>
+              <a:spcPct val="90000"/>
+            </a:lnSpc>
+            <a:spcBef>
+              <a:spcPct val="0"/>
+            </a:spcBef>
+            <a:spcAft>
+              <a:spcPct val="35000"/>
+            </a:spcAft>
+            <a:buNone/>
+          </a:pPr>
+          <a:r>
+            <a:rPr lang="en-US" altLang="zh-TW" sz="1100" kern="1200" dirty="0">
+              <a:latin typeface="Arial" panose="020B0604020202020204" pitchFamily="34" charset="0"/>
+              <a:cs typeface="Arial" panose="020B0604020202020204" pitchFamily="34" charset="0"/>
+            </a:rPr>
+            <a:t>Built-in</a:t>
           </a:r>
           <a:r>
             <a:rPr lang="zh-TW" altLang="en-US" sz="1100" kern="1200" dirty="0">
@@ -11771,33 +13456,8 @@
               <a:latin typeface="Arial" panose="020B0604020202020204" pitchFamily="34" charset="0"/>
               <a:cs typeface="Arial" panose="020B0604020202020204" pitchFamily="34" charset="0"/>
             </a:rPr>
-            <a:t>list </a:t>
+            <a:t>list</a:t>
           </a:r>
-        </a:p>
-        <a:p>
-          <a:pPr marL="0" lvl="0" indent="0" algn="ctr" defTabSz="488950">
-            <a:lnSpc>
-              <a:spcPct val="90000"/>
-            </a:lnSpc>
-            <a:spcBef>
-              <a:spcPct val="0"/>
-            </a:spcBef>
-            <a:spcAft>
-              <a:spcPct val="35000"/>
-            </a:spcAft>
-            <a:buNone/>
-          </a:pPr>
-          <a:r>
-            <a:rPr lang="en-US" altLang="zh-TW" sz="1100" kern="1200" dirty="0">
-              <a:latin typeface="Arial" panose="020B0604020202020204" pitchFamily="34" charset="0"/>
-              <a:cs typeface="Arial" panose="020B0604020202020204" pitchFamily="34" charset="0"/>
-            </a:rPr>
-            <a:t>(dynamic array)</a:t>
-          </a:r>
-          <a:endParaRPr lang="zh-TW" altLang="en-US" sz="1100" kern="1200" dirty="0">
-            <a:latin typeface="Arial" panose="020B0604020202020204" pitchFamily="34" charset="0"/>
-            <a:cs typeface="Arial" panose="020B0604020202020204" pitchFamily="34" charset="0"/>
-          </a:endParaRPr>
         </a:p>
       </dsp:txBody>
       <dsp:txXfrm>
@@ -11878,27 +13538,6 @@
               <a:cs typeface="Arial" panose="020B0604020202020204" pitchFamily="34" charset="0"/>
             </a:rPr>
             <a:t>set</a:t>
-          </a:r>
-        </a:p>
-        <a:p>
-          <a:pPr marL="0" lvl="0" indent="0" algn="ctr" defTabSz="488950">
-            <a:lnSpc>
-              <a:spcPct val="90000"/>
-            </a:lnSpc>
-            <a:spcBef>
-              <a:spcPct val="0"/>
-            </a:spcBef>
-            <a:spcAft>
-              <a:spcPct val="35000"/>
-            </a:spcAft>
-            <a:buNone/>
-          </a:pPr>
-          <a:r>
-            <a:rPr lang="en-US" altLang="zh-TW" sz="1100" kern="1200" dirty="0">
-              <a:latin typeface="Arial" panose="020B0604020202020204" pitchFamily="34" charset="0"/>
-              <a:cs typeface="Arial" panose="020B0604020202020204" pitchFamily="34" charset="0"/>
-            </a:rPr>
-            <a:t>(hash-based)</a:t>
           </a:r>
         </a:p>
       </dsp:txBody>
@@ -11982,31 +13621,6 @@
             <a:t>dict</a:t>
           </a:r>
           <a:endParaRPr lang="en-US" altLang="zh-TW" sz="1100" kern="1200" dirty="0">
-            <a:latin typeface="Arial" panose="020B0604020202020204" pitchFamily="34" charset="0"/>
-            <a:cs typeface="Arial" panose="020B0604020202020204" pitchFamily="34" charset="0"/>
-          </a:endParaRPr>
-        </a:p>
-        <a:p>
-          <a:pPr marL="0" lvl="0" indent="0" algn="ctr" defTabSz="488950">
-            <a:lnSpc>
-              <a:spcPct val="90000"/>
-            </a:lnSpc>
-            <a:spcBef>
-              <a:spcPct val="0"/>
-            </a:spcBef>
-            <a:spcAft>
-              <a:spcPct val="35000"/>
-            </a:spcAft>
-            <a:buNone/>
-          </a:pPr>
-          <a:r>
-            <a:rPr lang="en-US" altLang="zh-TW" sz="1100" kern="1200" dirty="0">
-              <a:latin typeface="Arial" panose="020B0604020202020204" pitchFamily="34" charset="0"/>
-              <a:cs typeface="Arial" panose="020B0604020202020204" pitchFamily="34" charset="0"/>
-            </a:rPr>
-            <a:t>(hash table)</a:t>
-          </a:r>
-          <a:endParaRPr lang="zh-TW" altLang="en-US" sz="1100" kern="1200" dirty="0">
             <a:latin typeface="Arial" panose="020B0604020202020204" pitchFamily="34" charset="0"/>
             <a:cs typeface="Arial" panose="020B0604020202020204" pitchFamily="34" charset="0"/>
           </a:endParaRPr>
@@ -12608,6 +14222,176 @@
         <a:ext cx="972855" cy="486427"/>
       </dsp:txXfrm>
     </dsp:sp>
+    <dsp:sp modelId="{B8474793-D878-8B43-9297-13AC7D2B788C}">
+      <dsp:nvSpPr>
+        <dsp:cNvPr id="0" name=""/>
+        <dsp:cNvSpPr/>
+      </dsp:nvSpPr>
+      <dsp:spPr>
+        <a:xfrm>
+          <a:off x="5027594" y="2073058"/>
+          <a:ext cx="972855" cy="486427"/>
+        </a:xfrm>
+        <a:prstGeom prst="rect">
+          <a:avLst/>
+        </a:prstGeom>
+        <a:solidFill>
+          <a:schemeClr val="accent1">
+            <a:hueOff val="0"/>
+            <a:satOff val="0"/>
+            <a:lumOff val="0"/>
+            <a:alphaOff val="0"/>
+          </a:schemeClr>
+        </a:solidFill>
+        <a:ln w="19050" cap="flat" cmpd="sng" algn="ctr">
+          <a:solidFill>
+            <a:schemeClr val="lt1">
+              <a:hueOff val="0"/>
+              <a:satOff val="0"/>
+              <a:lumOff val="0"/>
+              <a:alphaOff val="0"/>
+            </a:schemeClr>
+          </a:solidFill>
+          <a:prstDash val="solid"/>
+          <a:miter lim="800000"/>
+        </a:ln>
+        <a:effectLst/>
+      </dsp:spPr>
+      <dsp:style>
+        <a:lnRef idx="2">
+          <a:scrgbClr r="0" g="0" b="0"/>
+        </a:lnRef>
+        <a:fillRef idx="1">
+          <a:scrgbClr r="0" g="0" b="0"/>
+        </a:fillRef>
+        <a:effectRef idx="0">
+          <a:scrgbClr r="0" g="0" b="0"/>
+        </a:effectRef>
+        <a:fontRef idx="minor">
+          <a:schemeClr val="lt1"/>
+        </a:fontRef>
+      </dsp:style>
+      <dsp:txBody>
+        <a:bodyPr spcFirstLastPara="0" vert="horz" wrap="square" lIns="6985" tIns="6985" rIns="6985" bIns="6985" numCol="1" spcCol="1270" anchor="ctr" anchorCtr="0">
+          <a:noAutofit/>
+        </a:bodyPr>
+        <a:lstStyle/>
+        <a:p>
+          <a:pPr marL="0" lvl="0" indent="0" algn="ctr" defTabSz="488950">
+            <a:lnSpc>
+              <a:spcPct val="90000"/>
+            </a:lnSpc>
+            <a:spcBef>
+              <a:spcPct val="0"/>
+            </a:spcBef>
+            <a:spcAft>
+              <a:spcPct val="35000"/>
+            </a:spcAft>
+            <a:buNone/>
+          </a:pPr>
+          <a:r>
+            <a:rPr lang="en-US" altLang="zh-TW" sz="1100" kern="1200" dirty="0">
+              <a:latin typeface="Arial" panose="020B0604020202020204" pitchFamily="34" charset="0"/>
+              <a:cs typeface="Arial" panose="020B0604020202020204" pitchFamily="34" charset="0"/>
+            </a:rPr>
+            <a:t>Heap</a:t>
+          </a:r>
+          <a:endParaRPr lang="zh-TW" altLang="en-US" sz="1100" kern="1200" dirty="0">
+            <a:latin typeface="Arial" panose="020B0604020202020204" pitchFamily="34" charset="0"/>
+            <a:cs typeface="Arial" panose="020B0604020202020204" pitchFamily="34" charset="0"/>
+          </a:endParaRPr>
+        </a:p>
+      </dsp:txBody>
+      <dsp:txXfrm>
+        <a:off x="5027594" y="2073058"/>
+        <a:ext cx="972855" cy="486427"/>
+      </dsp:txXfrm>
+    </dsp:sp>
+    <dsp:sp modelId="{F632952D-8F91-5845-BCF8-F68919DB3EF9}">
+      <dsp:nvSpPr>
+        <dsp:cNvPr id="0" name=""/>
+        <dsp:cNvSpPr/>
+      </dsp:nvSpPr>
+      <dsp:spPr>
+        <a:xfrm>
+          <a:off x="5027594" y="2763785"/>
+          <a:ext cx="972855" cy="486427"/>
+        </a:xfrm>
+        <a:prstGeom prst="rect">
+          <a:avLst/>
+        </a:prstGeom>
+        <a:solidFill>
+          <a:schemeClr val="accent1">
+            <a:hueOff val="0"/>
+            <a:satOff val="0"/>
+            <a:lumOff val="0"/>
+            <a:alphaOff val="0"/>
+          </a:schemeClr>
+        </a:solidFill>
+        <a:ln w="19050" cap="flat" cmpd="sng" algn="ctr">
+          <a:solidFill>
+            <a:schemeClr val="lt1">
+              <a:hueOff val="0"/>
+              <a:satOff val="0"/>
+              <a:lumOff val="0"/>
+              <a:alphaOff val="0"/>
+            </a:schemeClr>
+          </a:solidFill>
+          <a:prstDash val="solid"/>
+          <a:miter lim="800000"/>
+        </a:ln>
+        <a:effectLst/>
+      </dsp:spPr>
+      <dsp:style>
+        <a:lnRef idx="2">
+          <a:scrgbClr r="0" g="0" b="0"/>
+        </a:lnRef>
+        <a:fillRef idx="1">
+          <a:scrgbClr r="0" g="0" b="0"/>
+        </a:fillRef>
+        <a:effectRef idx="0">
+          <a:scrgbClr r="0" g="0" b="0"/>
+        </a:effectRef>
+        <a:fontRef idx="minor">
+          <a:schemeClr val="lt1"/>
+        </a:fontRef>
+      </dsp:style>
+      <dsp:txBody>
+        <a:bodyPr spcFirstLastPara="0" vert="horz" wrap="square" lIns="6985" tIns="6985" rIns="6985" bIns="6985" numCol="1" spcCol="1270" anchor="ctr" anchorCtr="0">
+          <a:noAutofit/>
+        </a:bodyPr>
+        <a:lstStyle/>
+        <a:p>
+          <a:pPr marL="0" lvl="0" indent="0" algn="ctr" defTabSz="488950">
+            <a:lnSpc>
+              <a:spcPct val="90000"/>
+            </a:lnSpc>
+            <a:spcBef>
+              <a:spcPct val="0"/>
+            </a:spcBef>
+            <a:spcAft>
+              <a:spcPct val="35000"/>
+            </a:spcAft>
+            <a:buNone/>
+          </a:pPr>
+          <a:r>
+            <a:rPr lang="en-US" altLang="zh-TW" sz="1100" kern="1200" dirty="0">
+              <a:latin typeface="Arial" panose="020B0604020202020204" pitchFamily="34" charset="0"/>
+              <a:cs typeface="Arial" panose="020B0604020202020204" pitchFamily="34" charset="0"/>
+            </a:rPr>
+            <a:t>Hash</a:t>
+          </a:r>
+          <a:endParaRPr lang="zh-TW" altLang="en-US" sz="1100" kern="1200" dirty="0">
+            <a:latin typeface="Arial" panose="020B0604020202020204" pitchFamily="34" charset="0"/>
+            <a:cs typeface="Arial" panose="020B0604020202020204" pitchFamily="34" charset="0"/>
+          </a:endParaRPr>
+        </a:p>
+      </dsp:txBody>
+      <dsp:txXfrm>
+        <a:off x="5027594" y="2763785"/>
+        <a:ext cx="972855" cy="486427"/>
+      </dsp:txXfrm>
+    </dsp:sp>
     <dsp:sp modelId="{D1529639-8CAA-7C44-8C7C-9AE13CA132E1}">
       <dsp:nvSpPr>
         <dsp:cNvPr id="0" name=""/>
@@ -12615,7 +14399,7 @@
       </dsp:nvSpPr>
       <dsp:spPr>
         <a:xfrm>
-          <a:off x="5027594" y="2073058"/>
+          <a:off x="5027594" y="3454513"/>
           <a:ext cx="972855" cy="486427"/>
         </a:xfrm>
         <a:prstGeom prst="rect">
@@ -12689,7 +14473,7 @@
         </a:p>
       </dsp:txBody>
       <dsp:txXfrm>
-        <a:off x="5027594" y="2073058"/>
+        <a:off x="5027594" y="3454513"/>
         <a:ext cx="972855" cy="486427"/>
       </dsp:txXfrm>
     </dsp:sp>
@@ -12700,7 +14484,7 @@
       </dsp:nvSpPr>
       <dsp:spPr>
         <a:xfrm>
-          <a:off x="5027594" y="2763785"/>
+          <a:off x="5027594" y="4145240"/>
           <a:ext cx="972855" cy="486427"/>
         </a:xfrm>
         <a:prstGeom prst="rect">
@@ -12774,19 +14558,450 @@
         </a:p>
       </dsp:txBody>
       <dsp:txXfrm>
-        <a:off x="5027594" y="2763785"/>
+        <a:off x="5027594" y="4145240"/>
         <a:ext cx="972855" cy="486427"/>
       </dsp:txXfrm>
     </dsp:sp>
-    <dsp:sp modelId="{5F8839DD-50A6-C54A-BD16-57BBF4CA3DEB}">
+  </dsp:spTree>
+</dsp:drawing>
+</file>
+
+<file path=ppt/diagrams/drawing2.xml><?xml version="1.0" encoding="utf-8"?>
+<dsp:drawing xmlns:dgm="http://schemas.openxmlformats.org/drawingml/2006/diagram" xmlns:dsp="http://schemas.microsoft.com/office/drawing/2008/diagram" xmlns:a="http://schemas.openxmlformats.org/drawingml/2006/main">
+  <dsp:spTree>
+    <dsp:nvGrpSpPr>
+      <dsp:cNvPr id="0" name=""/>
+      <dsp:cNvGrpSpPr/>
+    </dsp:nvGrpSpPr>
+    <dsp:grpSpPr/>
+    <dsp:sp modelId="{A2096E2B-CDC6-E142-AC97-ECB1CBF2B7D8}">
       <dsp:nvSpPr>
         <dsp:cNvPr id="0" name=""/>
         <dsp:cNvSpPr/>
       </dsp:nvSpPr>
       <dsp:spPr>
         <a:xfrm>
-          <a:off x="5027594" y="3454513"/>
-          <a:ext cx="972855" cy="486427"/>
+          <a:off x="3737536" y="1678857"/>
+          <a:ext cx="207852" cy="2605083"/>
+        </a:xfrm>
+        <a:custGeom>
+          <a:avLst/>
+          <a:gdLst/>
+          <a:ahLst/>
+          <a:cxnLst/>
+          <a:rect l="0" t="0" r="0" b="0"/>
+          <a:pathLst>
+            <a:path>
+              <a:moveTo>
+                <a:pt x="0" y="0"/>
+              </a:moveTo>
+              <a:lnTo>
+                <a:pt x="0" y="2605083"/>
+              </a:lnTo>
+              <a:lnTo>
+                <a:pt x="207852" y="2605083"/>
+              </a:lnTo>
+            </a:path>
+          </a:pathLst>
+        </a:custGeom>
+        <a:noFill/>
+        <a:ln w="19050" cap="flat" cmpd="sng" algn="ctr">
+          <a:solidFill>
+            <a:schemeClr val="accent1">
+              <a:shade val="80000"/>
+              <a:hueOff val="0"/>
+              <a:satOff val="0"/>
+              <a:lumOff val="0"/>
+              <a:alphaOff val="0"/>
+            </a:schemeClr>
+          </a:solidFill>
+          <a:prstDash val="solid"/>
+          <a:miter lim="800000"/>
+        </a:ln>
+        <a:effectLst/>
+      </dsp:spPr>
+      <dsp:style>
+        <a:lnRef idx="2">
+          <a:scrgbClr r="0" g="0" b="0"/>
+        </a:lnRef>
+        <a:fillRef idx="0">
+          <a:scrgbClr r="0" g="0" b="0"/>
+        </a:fillRef>
+        <a:effectRef idx="0">
+          <a:scrgbClr r="0" g="0" b="0"/>
+        </a:effectRef>
+        <a:fontRef idx="minor"/>
+      </dsp:style>
+    </dsp:sp>
+    <dsp:sp modelId="{6C822C9E-835E-5645-AF5D-7834466D4748}">
+      <dsp:nvSpPr>
+        <dsp:cNvPr id="0" name=""/>
+        <dsp:cNvSpPr/>
+      </dsp:nvSpPr>
+      <dsp:spPr>
+        <a:xfrm>
+          <a:off x="3737536" y="1678857"/>
+          <a:ext cx="207852" cy="1621249"/>
+        </a:xfrm>
+        <a:custGeom>
+          <a:avLst/>
+          <a:gdLst/>
+          <a:ahLst/>
+          <a:cxnLst/>
+          <a:rect l="0" t="0" r="0" b="0"/>
+          <a:pathLst>
+            <a:path>
+              <a:moveTo>
+                <a:pt x="0" y="0"/>
+              </a:moveTo>
+              <a:lnTo>
+                <a:pt x="0" y="1621249"/>
+              </a:lnTo>
+              <a:lnTo>
+                <a:pt x="207852" y="1621249"/>
+              </a:lnTo>
+            </a:path>
+          </a:pathLst>
+        </a:custGeom>
+        <a:noFill/>
+        <a:ln w="19050" cap="flat" cmpd="sng" algn="ctr">
+          <a:solidFill>
+            <a:schemeClr val="accent1">
+              <a:shade val="80000"/>
+              <a:hueOff val="0"/>
+              <a:satOff val="0"/>
+              <a:lumOff val="0"/>
+              <a:alphaOff val="0"/>
+            </a:schemeClr>
+          </a:solidFill>
+          <a:prstDash val="solid"/>
+          <a:miter lim="800000"/>
+        </a:ln>
+        <a:effectLst/>
+      </dsp:spPr>
+      <dsp:style>
+        <a:lnRef idx="2">
+          <a:scrgbClr r="0" g="0" b="0"/>
+        </a:lnRef>
+        <a:fillRef idx="0">
+          <a:scrgbClr r="0" g="0" b="0"/>
+        </a:fillRef>
+        <a:effectRef idx="0">
+          <a:scrgbClr r="0" g="0" b="0"/>
+        </a:effectRef>
+        <a:fontRef idx="minor"/>
+      </dsp:style>
+    </dsp:sp>
+    <dsp:sp modelId="{743172C3-3363-F54F-9FA3-3950DF47F2B4}">
+      <dsp:nvSpPr>
+        <dsp:cNvPr id="0" name=""/>
+        <dsp:cNvSpPr/>
+      </dsp:nvSpPr>
+      <dsp:spPr>
+        <a:xfrm>
+          <a:off x="3737536" y="1678857"/>
+          <a:ext cx="207852" cy="637414"/>
+        </a:xfrm>
+        <a:custGeom>
+          <a:avLst/>
+          <a:gdLst/>
+          <a:ahLst/>
+          <a:cxnLst/>
+          <a:rect l="0" t="0" r="0" b="0"/>
+          <a:pathLst>
+            <a:path>
+              <a:moveTo>
+                <a:pt x="0" y="0"/>
+              </a:moveTo>
+              <a:lnTo>
+                <a:pt x="0" y="637414"/>
+              </a:lnTo>
+              <a:lnTo>
+                <a:pt x="207852" y="637414"/>
+              </a:lnTo>
+            </a:path>
+          </a:pathLst>
+        </a:custGeom>
+        <a:noFill/>
+        <a:ln w="19050" cap="flat" cmpd="sng" algn="ctr">
+          <a:solidFill>
+            <a:schemeClr val="accent1">
+              <a:shade val="80000"/>
+              <a:hueOff val="0"/>
+              <a:satOff val="0"/>
+              <a:lumOff val="0"/>
+              <a:alphaOff val="0"/>
+            </a:schemeClr>
+          </a:solidFill>
+          <a:prstDash val="solid"/>
+          <a:miter lim="800000"/>
+        </a:ln>
+        <a:effectLst/>
+      </dsp:spPr>
+      <dsp:style>
+        <a:lnRef idx="2">
+          <a:scrgbClr r="0" g="0" b="0"/>
+        </a:lnRef>
+        <a:fillRef idx="0">
+          <a:scrgbClr r="0" g="0" b="0"/>
+        </a:fillRef>
+        <a:effectRef idx="0">
+          <a:scrgbClr r="0" g="0" b="0"/>
+        </a:effectRef>
+        <a:fontRef idx="minor"/>
+      </dsp:style>
+    </dsp:sp>
+    <dsp:sp modelId="{CB4246F8-540D-F047-9DAA-4403379F4330}">
+      <dsp:nvSpPr>
+        <dsp:cNvPr id="0" name=""/>
+        <dsp:cNvSpPr/>
+      </dsp:nvSpPr>
+      <dsp:spPr>
+        <a:xfrm>
+          <a:off x="3453471" y="695022"/>
+          <a:ext cx="838338" cy="290993"/>
+        </a:xfrm>
+        <a:custGeom>
+          <a:avLst/>
+          <a:gdLst/>
+          <a:ahLst/>
+          <a:cxnLst/>
+          <a:rect l="0" t="0" r="0" b="0"/>
+          <a:pathLst>
+            <a:path>
+              <a:moveTo>
+                <a:pt x="0" y="0"/>
+              </a:moveTo>
+              <a:lnTo>
+                <a:pt x="0" y="145496"/>
+              </a:lnTo>
+              <a:lnTo>
+                <a:pt x="838338" y="145496"/>
+              </a:lnTo>
+              <a:lnTo>
+                <a:pt x="838338" y="290993"/>
+              </a:lnTo>
+            </a:path>
+          </a:pathLst>
+        </a:custGeom>
+        <a:noFill/>
+        <a:ln w="19050" cap="flat" cmpd="sng" algn="ctr">
+          <a:solidFill>
+            <a:schemeClr val="accent1">
+              <a:shade val="60000"/>
+              <a:hueOff val="0"/>
+              <a:satOff val="0"/>
+              <a:lumOff val="0"/>
+              <a:alphaOff val="0"/>
+            </a:schemeClr>
+          </a:solidFill>
+          <a:prstDash val="solid"/>
+          <a:miter lim="800000"/>
+        </a:ln>
+        <a:effectLst/>
+      </dsp:spPr>
+      <dsp:style>
+        <a:lnRef idx="2">
+          <a:scrgbClr r="0" g="0" b="0"/>
+        </a:lnRef>
+        <a:fillRef idx="0">
+          <a:scrgbClr r="0" g="0" b="0"/>
+        </a:fillRef>
+        <a:effectRef idx="0">
+          <a:scrgbClr r="0" g="0" b="0"/>
+        </a:effectRef>
+        <a:fontRef idx="minor"/>
+      </dsp:style>
+    </dsp:sp>
+    <dsp:sp modelId="{C4E2BFB1-2EA0-1F4A-82B4-ABE891E932D4}">
+      <dsp:nvSpPr>
+        <dsp:cNvPr id="0" name=""/>
+        <dsp:cNvSpPr/>
+      </dsp:nvSpPr>
+      <dsp:spPr>
+        <a:xfrm>
+          <a:off x="2060860" y="1678857"/>
+          <a:ext cx="207852" cy="1621249"/>
+        </a:xfrm>
+        <a:custGeom>
+          <a:avLst/>
+          <a:gdLst/>
+          <a:ahLst/>
+          <a:cxnLst/>
+          <a:rect l="0" t="0" r="0" b="0"/>
+          <a:pathLst>
+            <a:path>
+              <a:moveTo>
+                <a:pt x="0" y="0"/>
+              </a:moveTo>
+              <a:lnTo>
+                <a:pt x="0" y="1621249"/>
+              </a:lnTo>
+              <a:lnTo>
+                <a:pt x="207852" y="1621249"/>
+              </a:lnTo>
+            </a:path>
+          </a:pathLst>
+        </a:custGeom>
+        <a:noFill/>
+        <a:ln w="19050" cap="flat" cmpd="sng" algn="ctr">
+          <a:solidFill>
+            <a:schemeClr val="accent1">
+              <a:shade val="80000"/>
+              <a:hueOff val="0"/>
+              <a:satOff val="0"/>
+              <a:lumOff val="0"/>
+              <a:alphaOff val="0"/>
+            </a:schemeClr>
+          </a:solidFill>
+          <a:prstDash val="solid"/>
+          <a:miter lim="800000"/>
+        </a:ln>
+        <a:effectLst/>
+      </dsp:spPr>
+      <dsp:style>
+        <a:lnRef idx="2">
+          <a:scrgbClr r="0" g="0" b="0"/>
+        </a:lnRef>
+        <a:fillRef idx="0">
+          <a:scrgbClr r="0" g="0" b="0"/>
+        </a:fillRef>
+        <a:effectRef idx="0">
+          <a:scrgbClr r="0" g="0" b="0"/>
+        </a:effectRef>
+        <a:fontRef idx="minor"/>
+      </dsp:style>
+    </dsp:sp>
+    <dsp:sp modelId="{EB4D5CBC-5CFD-E64E-94DC-D7DD6C39BABC}">
+      <dsp:nvSpPr>
+        <dsp:cNvPr id="0" name=""/>
+        <dsp:cNvSpPr/>
+      </dsp:nvSpPr>
+      <dsp:spPr>
+        <a:xfrm>
+          <a:off x="2060860" y="1678857"/>
+          <a:ext cx="207852" cy="637414"/>
+        </a:xfrm>
+        <a:custGeom>
+          <a:avLst/>
+          <a:gdLst/>
+          <a:ahLst/>
+          <a:cxnLst/>
+          <a:rect l="0" t="0" r="0" b="0"/>
+          <a:pathLst>
+            <a:path>
+              <a:moveTo>
+                <a:pt x="0" y="0"/>
+              </a:moveTo>
+              <a:lnTo>
+                <a:pt x="0" y="637414"/>
+              </a:lnTo>
+              <a:lnTo>
+                <a:pt x="207852" y="637414"/>
+              </a:lnTo>
+            </a:path>
+          </a:pathLst>
+        </a:custGeom>
+        <a:noFill/>
+        <a:ln w="19050" cap="flat" cmpd="sng" algn="ctr">
+          <a:solidFill>
+            <a:schemeClr val="accent1">
+              <a:shade val="80000"/>
+              <a:hueOff val="0"/>
+              <a:satOff val="0"/>
+              <a:lumOff val="0"/>
+              <a:alphaOff val="0"/>
+            </a:schemeClr>
+          </a:solidFill>
+          <a:prstDash val="solid"/>
+          <a:miter lim="800000"/>
+        </a:ln>
+        <a:effectLst/>
+      </dsp:spPr>
+      <dsp:style>
+        <a:lnRef idx="2">
+          <a:scrgbClr r="0" g="0" b="0"/>
+        </a:lnRef>
+        <a:fillRef idx="0">
+          <a:scrgbClr r="0" g="0" b="0"/>
+        </a:fillRef>
+        <a:effectRef idx="0">
+          <a:scrgbClr r="0" g="0" b="0"/>
+        </a:effectRef>
+        <a:fontRef idx="minor"/>
+      </dsp:style>
+    </dsp:sp>
+    <dsp:sp modelId="{F777DFC4-7111-154F-B309-9519F20588E6}">
+      <dsp:nvSpPr>
+        <dsp:cNvPr id="0" name=""/>
+        <dsp:cNvSpPr/>
+      </dsp:nvSpPr>
+      <dsp:spPr>
+        <a:xfrm>
+          <a:off x="2615133" y="695022"/>
+          <a:ext cx="838338" cy="290993"/>
+        </a:xfrm>
+        <a:custGeom>
+          <a:avLst/>
+          <a:gdLst/>
+          <a:ahLst/>
+          <a:cxnLst/>
+          <a:rect l="0" t="0" r="0" b="0"/>
+          <a:pathLst>
+            <a:path>
+              <a:moveTo>
+                <a:pt x="838338" y="0"/>
+              </a:moveTo>
+              <a:lnTo>
+                <a:pt x="838338" y="145496"/>
+              </a:lnTo>
+              <a:lnTo>
+                <a:pt x="0" y="145496"/>
+              </a:lnTo>
+              <a:lnTo>
+                <a:pt x="0" y="290993"/>
+              </a:lnTo>
+            </a:path>
+          </a:pathLst>
+        </a:custGeom>
+        <a:noFill/>
+        <a:ln w="19050" cap="flat" cmpd="sng" algn="ctr">
+          <a:solidFill>
+            <a:schemeClr val="accent1">
+              <a:shade val="60000"/>
+              <a:hueOff val="0"/>
+              <a:satOff val="0"/>
+              <a:lumOff val="0"/>
+              <a:alphaOff val="0"/>
+            </a:schemeClr>
+          </a:solidFill>
+          <a:prstDash val="solid"/>
+          <a:miter lim="800000"/>
+        </a:ln>
+        <a:effectLst/>
+      </dsp:spPr>
+      <dsp:style>
+        <a:lnRef idx="2">
+          <a:scrgbClr r="0" g="0" b="0"/>
+        </a:lnRef>
+        <a:fillRef idx="0">
+          <a:scrgbClr r="0" g="0" b="0"/>
+        </a:fillRef>
+        <a:effectRef idx="0">
+          <a:scrgbClr r="0" g="0" b="0"/>
+        </a:effectRef>
+        <a:fontRef idx="minor"/>
+      </dsp:style>
+    </dsp:sp>
+    <dsp:sp modelId="{1B4FA5AE-6D54-EC45-A6B8-44AAE9A6F5E5}">
+      <dsp:nvSpPr>
+        <dsp:cNvPr id="0" name=""/>
+        <dsp:cNvSpPr/>
+      </dsp:nvSpPr>
+      <dsp:spPr>
+        <a:xfrm>
+          <a:off x="2760630" y="2181"/>
+          <a:ext cx="1385682" cy="692841"/>
         </a:xfrm>
         <a:prstGeom prst="rect">
           <a:avLst/>
@@ -12828,12 +15043,12 @@
         </a:fontRef>
       </dsp:style>
       <dsp:txBody>
-        <a:bodyPr spcFirstLastPara="0" vert="horz" wrap="square" lIns="6985" tIns="6985" rIns="6985" bIns="6985" numCol="1" spcCol="1270" anchor="ctr" anchorCtr="0">
+        <a:bodyPr spcFirstLastPara="0" vert="horz" wrap="square" lIns="8890" tIns="8890" rIns="8890" bIns="8890" numCol="1" spcCol="1270" anchor="ctr" anchorCtr="0">
           <a:noAutofit/>
         </a:bodyPr>
         <a:lstStyle/>
         <a:p>
-          <a:pPr marL="0" lvl="0" indent="0" algn="ctr" defTabSz="488950">
+          <a:pPr marL="0" lvl="0" indent="0" algn="ctr" defTabSz="622300">
             <a:lnSpc>
               <a:spcPct val="90000"/>
             </a:lnSpc>
@@ -12846,28 +15061,615 @@
             <a:buNone/>
           </a:pPr>
           <a:r>
-            <a:rPr lang="en-US" altLang="zh-TW" sz="1100" kern="1200" dirty="0">
+            <a:rPr lang="en-US" altLang="zh-TW" sz="1400" kern="1200" dirty="0">
               <a:latin typeface="Arial" panose="020B0604020202020204" pitchFamily="34" charset="0"/>
               <a:cs typeface="Arial" panose="020B0604020202020204" pitchFamily="34" charset="0"/>
             </a:rPr>
-            <a:t>Heap</a:t>
+            <a:t>Physical Data Structures</a:t>
           </a:r>
-          <a:endParaRPr lang="zh-TW" altLang="en-US" sz="1100" kern="1200" dirty="0">
+        </a:p>
+      </dsp:txBody>
+      <dsp:txXfrm>
+        <a:off x="2760630" y="2181"/>
+        <a:ext cx="1385682" cy="692841"/>
+      </dsp:txXfrm>
+    </dsp:sp>
+    <dsp:sp modelId="{2886F659-6E89-BF4A-9E9B-09623E8A0CC6}">
+      <dsp:nvSpPr>
+        <dsp:cNvPr id="0" name=""/>
+        <dsp:cNvSpPr/>
+      </dsp:nvSpPr>
+      <dsp:spPr>
+        <a:xfrm>
+          <a:off x="1922291" y="986016"/>
+          <a:ext cx="1385682" cy="692841"/>
+        </a:xfrm>
+        <a:prstGeom prst="rect">
+          <a:avLst/>
+        </a:prstGeom>
+        <a:solidFill>
+          <a:schemeClr val="accent1">
+            <a:hueOff val="0"/>
+            <a:satOff val="0"/>
+            <a:lumOff val="0"/>
+            <a:alphaOff val="0"/>
+          </a:schemeClr>
+        </a:solidFill>
+        <a:ln w="19050" cap="flat" cmpd="sng" algn="ctr">
+          <a:solidFill>
+            <a:schemeClr val="lt1">
+              <a:hueOff val="0"/>
+              <a:satOff val="0"/>
+              <a:lumOff val="0"/>
+              <a:alphaOff val="0"/>
+            </a:schemeClr>
+          </a:solidFill>
+          <a:prstDash val="solid"/>
+          <a:miter lim="800000"/>
+        </a:ln>
+        <a:effectLst/>
+      </dsp:spPr>
+      <dsp:style>
+        <a:lnRef idx="2">
+          <a:scrgbClr r="0" g="0" b="0"/>
+        </a:lnRef>
+        <a:fillRef idx="1">
+          <a:scrgbClr r="0" g="0" b="0"/>
+        </a:fillRef>
+        <a:effectRef idx="0">
+          <a:scrgbClr r="0" g="0" b="0"/>
+        </a:effectRef>
+        <a:fontRef idx="minor">
+          <a:schemeClr val="lt1"/>
+        </a:fontRef>
+      </dsp:style>
+      <dsp:txBody>
+        <a:bodyPr spcFirstLastPara="0" vert="horz" wrap="square" lIns="8890" tIns="8890" rIns="8890" bIns="8890" numCol="1" spcCol="1270" anchor="ctr" anchorCtr="0">
+          <a:noAutofit/>
+        </a:bodyPr>
+        <a:lstStyle/>
+        <a:p>
+          <a:pPr marL="0" lvl="0" indent="0" algn="ctr" defTabSz="622300">
+            <a:lnSpc>
+              <a:spcPct val="90000"/>
+            </a:lnSpc>
+            <a:spcBef>
+              <a:spcPct val="0"/>
+            </a:spcBef>
+            <a:spcAft>
+              <a:spcPct val="35000"/>
+            </a:spcAft>
+            <a:buNone/>
+          </a:pPr>
+          <a:r>
+            <a:rPr lang="en-US" altLang="zh-TW" sz="1400" kern="1200" dirty="0">
+              <a:latin typeface="Arial" panose="020B0604020202020204" pitchFamily="34" charset="0"/>
+              <a:cs typeface="Arial" panose="020B0604020202020204" pitchFamily="34" charset="0"/>
+            </a:rPr>
+            <a:t>Sequential Storage Structure</a:t>
+          </a:r>
+        </a:p>
+      </dsp:txBody>
+      <dsp:txXfrm>
+        <a:off x="1922291" y="986016"/>
+        <a:ext cx="1385682" cy="692841"/>
+      </dsp:txXfrm>
+    </dsp:sp>
+    <dsp:sp modelId="{B4FBC950-3436-5547-B874-96C0921DAD13}">
+      <dsp:nvSpPr>
+        <dsp:cNvPr id="0" name=""/>
+        <dsp:cNvSpPr/>
+      </dsp:nvSpPr>
+      <dsp:spPr>
+        <a:xfrm>
+          <a:off x="2268712" y="1969851"/>
+          <a:ext cx="1385682" cy="692841"/>
+        </a:xfrm>
+        <a:prstGeom prst="rect">
+          <a:avLst/>
+        </a:prstGeom>
+        <a:solidFill>
+          <a:schemeClr val="accent1">
+            <a:hueOff val="0"/>
+            <a:satOff val="0"/>
+            <a:lumOff val="0"/>
+            <a:alphaOff val="0"/>
+          </a:schemeClr>
+        </a:solidFill>
+        <a:ln w="19050" cap="flat" cmpd="sng" algn="ctr">
+          <a:solidFill>
+            <a:schemeClr val="lt1">
+              <a:hueOff val="0"/>
+              <a:satOff val="0"/>
+              <a:lumOff val="0"/>
+              <a:alphaOff val="0"/>
+            </a:schemeClr>
+          </a:solidFill>
+          <a:prstDash val="solid"/>
+          <a:miter lim="800000"/>
+        </a:ln>
+        <a:effectLst/>
+      </dsp:spPr>
+      <dsp:style>
+        <a:lnRef idx="2">
+          <a:scrgbClr r="0" g="0" b="0"/>
+        </a:lnRef>
+        <a:fillRef idx="1">
+          <a:scrgbClr r="0" g="0" b="0"/>
+        </a:fillRef>
+        <a:effectRef idx="0">
+          <a:scrgbClr r="0" g="0" b="0"/>
+        </a:effectRef>
+        <a:fontRef idx="minor">
+          <a:schemeClr val="lt1"/>
+        </a:fontRef>
+      </dsp:style>
+      <dsp:txBody>
+        <a:bodyPr spcFirstLastPara="0" vert="horz" wrap="square" lIns="8890" tIns="8890" rIns="8890" bIns="8890" numCol="1" spcCol="1270" anchor="ctr" anchorCtr="0">
+          <a:noAutofit/>
+        </a:bodyPr>
+        <a:lstStyle/>
+        <a:p>
+          <a:pPr marL="0" lvl="0" indent="0" algn="ctr" defTabSz="622300">
+            <a:lnSpc>
+              <a:spcPct val="90000"/>
+            </a:lnSpc>
+            <a:spcBef>
+              <a:spcPct val="0"/>
+            </a:spcBef>
+            <a:spcAft>
+              <a:spcPct val="35000"/>
+            </a:spcAft>
+            <a:buNone/>
+          </a:pPr>
+          <a:r>
+            <a:rPr lang="en-US" altLang="zh-TW" sz="1400" kern="1200" dirty="0">
+              <a:latin typeface="Arial" panose="020B0604020202020204" pitchFamily="34" charset="0"/>
+              <a:cs typeface="Arial" panose="020B0604020202020204" pitchFamily="34" charset="0"/>
+            </a:rPr>
+            <a:t>Compact Arrays</a:t>
+          </a:r>
+          <a:endParaRPr lang="zh-TW" altLang="en-US" sz="1400" kern="1200" dirty="0">
             <a:latin typeface="Arial" panose="020B0604020202020204" pitchFamily="34" charset="0"/>
             <a:cs typeface="Arial" panose="020B0604020202020204" pitchFamily="34" charset="0"/>
           </a:endParaRPr>
         </a:p>
       </dsp:txBody>
       <dsp:txXfrm>
-        <a:off x="5027594" y="3454513"/>
-        <a:ext cx="972855" cy="486427"/>
+        <a:off x="2268712" y="1969851"/>
+        <a:ext cx="1385682" cy="692841"/>
+      </dsp:txXfrm>
+    </dsp:sp>
+    <dsp:sp modelId="{4A003CC7-CC23-8745-8939-193C1E158901}">
+      <dsp:nvSpPr>
+        <dsp:cNvPr id="0" name=""/>
+        <dsp:cNvSpPr/>
+      </dsp:nvSpPr>
+      <dsp:spPr>
+        <a:xfrm>
+          <a:off x="2268712" y="2953686"/>
+          <a:ext cx="1385682" cy="692841"/>
+        </a:xfrm>
+        <a:prstGeom prst="rect">
+          <a:avLst/>
+        </a:prstGeom>
+        <a:solidFill>
+          <a:schemeClr val="accent1">
+            <a:hueOff val="0"/>
+            <a:satOff val="0"/>
+            <a:lumOff val="0"/>
+            <a:alphaOff val="0"/>
+          </a:schemeClr>
+        </a:solidFill>
+        <a:ln w="19050" cap="flat" cmpd="sng" algn="ctr">
+          <a:solidFill>
+            <a:schemeClr val="lt1">
+              <a:hueOff val="0"/>
+              <a:satOff val="0"/>
+              <a:lumOff val="0"/>
+              <a:alphaOff val="0"/>
+            </a:schemeClr>
+          </a:solidFill>
+          <a:prstDash val="solid"/>
+          <a:miter lim="800000"/>
+        </a:ln>
+        <a:effectLst/>
+      </dsp:spPr>
+      <dsp:style>
+        <a:lnRef idx="2">
+          <a:scrgbClr r="0" g="0" b="0"/>
+        </a:lnRef>
+        <a:fillRef idx="1">
+          <a:scrgbClr r="0" g="0" b="0"/>
+        </a:fillRef>
+        <a:effectRef idx="0">
+          <a:scrgbClr r="0" g="0" b="0"/>
+        </a:effectRef>
+        <a:fontRef idx="minor">
+          <a:schemeClr val="lt1"/>
+        </a:fontRef>
+      </dsp:style>
+      <dsp:txBody>
+        <a:bodyPr spcFirstLastPara="0" vert="horz" wrap="square" lIns="8890" tIns="8890" rIns="8890" bIns="8890" numCol="1" spcCol="1270" anchor="ctr" anchorCtr="0">
+          <a:noAutofit/>
+        </a:bodyPr>
+        <a:lstStyle/>
+        <a:p>
+          <a:pPr marL="0" lvl="0" indent="0" algn="ctr" defTabSz="622300">
+            <a:lnSpc>
+              <a:spcPct val="90000"/>
+            </a:lnSpc>
+            <a:spcBef>
+              <a:spcPct val="0"/>
+            </a:spcBef>
+            <a:spcAft>
+              <a:spcPct val="35000"/>
+            </a:spcAft>
+            <a:buNone/>
+          </a:pPr>
+          <a:r>
+            <a:rPr lang="en-US" altLang="zh-TW" sz="1400" kern="1200" dirty="0">
+              <a:latin typeface="Arial" panose="020B0604020202020204" pitchFamily="34" charset="0"/>
+              <a:cs typeface="Arial" panose="020B0604020202020204" pitchFamily="34" charset="0"/>
+            </a:rPr>
+            <a:t>Referential Arrays</a:t>
+          </a:r>
+          <a:endParaRPr lang="zh-TW" altLang="en-US" sz="1400" kern="1200" dirty="0">
+            <a:latin typeface="Arial" panose="020B0604020202020204" pitchFamily="34" charset="0"/>
+            <a:cs typeface="Arial" panose="020B0604020202020204" pitchFamily="34" charset="0"/>
+          </a:endParaRPr>
+        </a:p>
+      </dsp:txBody>
+      <dsp:txXfrm>
+        <a:off x="2268712" y="2953686"/>
+        <a:ext cx="1385682" cy="692841"/>
+      </dsp:txXfrm>
+    </dsp:sp>
+    <dsp:sp modelId="{0BEB55F5-161A-D747-9B25-E36462DB434A}">
+      <dsp:nvSpPr>
+        <dsp:cNvPr id="0" name=""/>
+        <dsp:cNvSpPr/>
+      </dsp:nvSpPr>
+      <dsp:spPr>
+        <a:xfrm>
+          <a:off x="3598968" y="986016"/>
+          <a:ext cx="1385682" cy="692841"/>
+        </a:xfrm>
+        <a:prstGeom prst="rect">
+          <a:avLst/>
+        </a:prstGeom>
+        <a:solidFill>
+          <a:schemeClr val="accent1">
+            <a:hueOff val="0"/>
+            <a:satOff val="0"/>
+            <a:lumOff val="0"/>
+            <a:alphaOff val="0"/>
+          </a:schemeClr>
+        </a:solidFill>
+        <a:ln w="19050" cap="flat" cmpd="sng" algn="ctr">
+          <a:solidFill>
+            <a:schemeClr val="lt1">
+              <a:hueOff val="0"/>
+              <a:satOff val="0"/>
+              <a:lumOff val="0"/>
+              <a:alphaOff val="0"/>
+            </a:schemeClr>
+          </a:solidFill>
+          <a:prstDash val="solid"/>
+          <a:miter lim="800000"/>
+        </a:ln>
+        <a:effectLst/>
+      </dsp:spPr>
+      <dsp:style>
+        <a:lnRef idx="2">
+          <a:scrgbClr r="0" g="0" b="0"/>
+        </a:lnRef>
+        <a:fillRef idx="1">
+          <a:scrgbClr r="0" g="0" b="0"/>
+        </a:fillRef>
+        <a:effectRef idx="0">
+          <a:scrgbClr r="0" g="0" b="0"/>
+        </a:effectRef>
+        <a:fontRef idx="minor">
+          <a:schemeClr val="lt1"/>
+        </a:fontRef>
+      </dsp:style>
+      <dsp:txBody>
+        <a:bodyPr spcFirstLastPara="0" vert="horz" wrap="square" lIns="8890" tIns="8890" rIns="8890" bIns="8890" numCol="1" spcCol="1270" anchor="ctr" anchorCtr="0">
+          <a:noAutofit/>
+        </a:bodyPr>
+        <a:lstStyle/>
+        <a:p>
+          <a:pPr marL="0" lvl="0" indent="0" algn="ctr" defTabSz="622300">
+            <a:lnSpc>
+              <a:spcPct val="90000"/>
+            </a:lnSpc>
+            <a:spcBef>
+              <a:spcPct val="0"/>
+            </a:spcBef>
+            <a:spcAft>
+              <a:spcPct val="35000"/>
+            </a:spcAft>
+            <a:buNone/>
+          </a:pPr>
+          <a:r>
+            <a:rPr lang="en-US" altLang="zh-TW" sz="1400" kern="1200" dirty="0">
+              <a:latin typeface="Arial" panose="020B0604020202020204" pitchFamily="34" charset="0"/>
+              <a:cs typeface="Arial" panose="020B0604020202020204" pitchFamily="34" charset="0"/>
+            </a:rPr>
+            <a:t>Linked Storage Structure</a:t>
+          </a:r>
+          <a:endParaRPr lang="zh-TW" altLang="en-US" sz="1400" kern="1200" dirty="0">
+            <a:latin typeface="Arial" panose="020B0604020202020204" pitchFamily="34" charset="0"/>
+            <a:cs typeface="Arial" panose="020B0604020202020204" pitchFamily="34" charset="0"/>
+          </a:endParaRPr>
+        </a:p>
+      </dsp:txBody>
+      <dsp:txXfrm>
+        <a:off x="3598968" y="986016"/>
+        <a:ext cx="1385682" cy="692841"/>
+      </dsp:txXfrm>
+    </dsp:sp>
+    <dsp:sp modelId="{2A289A3D-8DE1-004D-9E92-FA08A37AE63D}">
+      <dsp:nvSpPr>
+        <dsp:cNvPr id="0" name=""/>
+        <dsp:cNvSpPr/>
+      </dsp:nvSpPr>
+      <dsp:spPr>
+        <a:xfrm>
+          <a:off x="3945389" y="1969851"/>
+          <a:ext cx="1385682" cy="692841"/>
+        </a:xfrm>
+        <a:prstGeom prst="rect">
+          <a:avLst/>
+        </a:prstGeom>
+        <a:solidFill>
+          <a:schemeClr val="accent1">
+            <a:hueOff val="0"/>
+            <a:satOff val="0"/>
+            <a:lumOff val="0"/>
+            <a:alphaOff val="0"/>
+          </a:schemeClr>
+        </a:solidFill>
+        <a:ln w="19050" cap="flat" cmpd="sng" algn="ctr">
+          <a:solidFill>
+            <a:schemeClr val="lt1">
+              <a:hueOff val="0"/>
+              <a:satOff val="0"/>
+              <a:lumOff val="0"/>
+              <a:alphaOff val="0"/>
+            </a:schemeClr>
+          </a:solidFill>
+          <a:prstDash val="solid"/>
+          <a:miter lim="800000"/>
+        </a:ln>
+        <a:effectLst/>
+      </dsp:spPr>
+      <dsp:style>
+        <a:lnRef idx="2">
+          <a:scrgbClr r="0" g="0" b="0"/>
+        </a:lnRef>
+        <a:fillRef idx="1">
+          <a:scrgbClr r="0" g="0" b="0"/>
+        </a:fillRef>
+        <a:effectRef idx="0">
+          <a:scrgbClr r="0" g="0" b="0"/>
+        </a:effectRef>
+        <a:fontRef idx="minor">
+          <a:schemeClr val="lt1"/>
+        </a:fontRef>
+      </dsp:style>
+      <dsp:txBody>
+        <a:bodyPr spcFirstLastPara="0" vert="horz" wrap="square" lIns="8890" tIns="8890" rIns="8890" bIns="8890" numCol="1" spcCol="1270" anchor="ctr" anchorCtr="0">
+          <a:noAutofit/>
+        </a:bodyPr>
+        <a:lstStyle/>
+        <a:p>
+          <a:pPr marL="0" lvl="0" indent="0" algn="ctr" defTabSz="622300">
+            <a:lnSpc>
+              <a:spcPct val="90000"/>
+            </a:lnSpc>
+            <a:spcBef>
+              <a:spcPct val="0"/>
+            </a:spcBef>
+            <a:spcAft>
+              <a:spcPct val="35000"/>
+            </a:spcAft>
+            <a:buNone/>
+          </a:pPr>
+          <a:r>
+            <a:rPr lang="en-US" altLang="zh-TW" sz="1400" kern="1200" dirty="0">
+              <a:latin typeface="Arial" panose="020B0604020202020204" pitchFamily="34" charset="0"/>
+              <a:cs typeface="Arial" panose="020B0604020202020204" pitchFamily="34" charset="0"/>
+            </a:rPr>
+            <a:t>Singly Linked List</a:t>
+          </a:r>
+          <a:endParaRPr lang="zh-TW" altLang="en-US" sz="1400" kern="1200" dirty="0">
+            <a:latin typeface="Arial" panose="020B0604020202020204" pitchFamily="34" charset="0"/>
+            <a:cs typeface="Arial" panose="020B0604020202020204" pitchFamily="34" charset="0"/>
+          </a:endParaRPr>
+        </a:p>
+      </dsp:txBody>
+      <dsp:txXfrm>
+        <a:off x="3945389" y="1969851"/>
+        <a:ext cx="1385682" cy="692841"/>
+      </dsp:txXfrm>
+    </dsp:sp>
+    <dsp:sp modelId="{9ABB7012-2C3A-1F45-A584-55AC9607BB7D}">
+      <dsp:nvSpPr>
+        <dsp:cNvPr id="0" name=""/>
+        <dsp:cNvSpPr/>
+      </dsp:nvSpPr>
+      <dsp:spPr>
+        <a:xfrm>
+          <a:off x="3945389" y="2953686"/>
+          <a:ext cx="1385682" cy="692841"/>
+        </a:xfrm>
+        <a:prstGeom prst="rect">
+          <a:avLst/>
+        </a:prstGeom>
+        <a:solidFill>
+          <a:schemeClr val="accent1">
+            <a:hueOff val="0"/>
+            <a:satOff val="0"/>
+            <a:lumOff val="0"/>
+            <a:alphaOff val="0"/>
+          </a:schemeClr>
+        </a:solidFill>
+        <a:ln w="19050" cap="flat" cmpd="sng" algn="ctr">
+          <a:solidFill>
+            <a:schemeClr val="lt1">
+              <a:hueOff val="0"/>
+              <a:satOff val="0"/>
+              <a:lumOff val="0"/>
+              <a:alphaOff val="0"/>
+            </a:schemeClr>
+          </a:solidFill>
+          <a:prstDash val="solid"/>
+          <a:miter lim="800000"/>
+        </a:ln>
+        <a:effectLst/>
+      </dsp:spPr>
+      <dsp:style>
+        <a:lnRef idx="2">
+          <a:scrgbClr r="0" g="0" b="0"/>
+        </a:lnRef>
+        <a:fillRef idx="1">
+          <a:scrgbClr r="0" g="0" b="0"/>
+        </a:fillRef>
+        <a:effectRef idx="0">
+          <a:scrgbClr r="0" g="0" b="0"/>
+        </a:effectRef>
+        <a:fontRef idx="minor">
+          <a:schemeClr val="lt1"/>
+        </a:fontRef>
+      </dsp:style>
+      <dsp:txBody>
+        <a:bodyPr spcFirstLastPara="0" vert="horz" wrap="square" lIns="8890" tIns="8890" rIns="8890" bIns="8890" numCol="1" spcCol="1270" anchor="ctr" anchorCtr="0">
+          <a:noAutofit/>
+        </a:bodyPr>
+        <a:lstStyle/>
+        <a:p>
+          <a:pPr marL="0" lvl="0" indent="0" algn="ctr" defTabSz="622300">
+            <a:lnSpc>
+              <a:spcPct val="90000"/>
+            </a:lnSpc>
+            <a:spcBef>
+              <a:spcPct val="0"/>
+            </a:spcBef>
+            <a:spcAft>
+              <a:spcPct val="35000"/>
+            </a:spcAft>
+            <a:buNone/>
+          </a:pPr>
+          <a:r>
+            <a:rPr lang="en-US" altLang="zh-TW" sz="1400" kern="1200" dirty="0">
+              <a:latin typeface="Arial" panose="020B0604020202020204" pitchFamily="34" charset="0"/>
+              <a:cs typeface="Arial" panose="020B0604020202020204" pitchFamily="34" charset="0"/>
+            </a:rPr>
+            <a:t>Doubly Linked List</a:t>
+          </a:r>
+          <a:endParaRPr lang="zh-TW" altLang="en-US" sz="1400" kern="1200" dirty="0">
+            <a:latin typeface="Arial" panose="020B0604020202020204" pitchFamily="34" charset="0"/>
+            <a:cs typeface="Arial" panose="020B0604020202020204" pitchFamily="34" charset="0"/>
+          </a:endParaRPr>
+        </a:p>
+      </dsp:txBody>
+      <dsp:txXfrm>
+        <a:off x="3945389" y="2953686"/>
+        <a:ext cx="1385682" cy="692841"/>
+      </dsp:txXfrm>
+    </dsp:sp>
+    <dsp:sp modelId="{B0E9F654-DD3E-0745-8C53-25DAB5196B19}">
+      <dsp:nvSpPr>
+        <dsp:cNvPr id="0" name=""/>
+        <dsp:cNvSpPr/>
+      </dsp:nvSpPr>
+      <dsp:spPr>
+        <a:xfrm>
+          <a:off x="3945389" y="3937521"/>
+          <a:ext cx="1385682" cy="692841"/>
+        </a:xfrm>
+        <a:prstGeom prst="rect">
+          <a:avLst/>
+        </a:prstGeom>
+        <a:solidFill>
+          <a:schemeClr val="accent1">
+            <a:hueOff val="0"/>
+            <a:satOff val="0"/>
+            <a:lumOff val="0"/>
+            <a:alphaOff val="0"/>
+          </a:schemeClr>
+        </a:solidFill>
+        <a:ln w="19050" cap="flat" cmpd="sng" algn="ctr">
+          <a:solidFill>
+            <a:schemeClr val="lt1">
+              <a:hueOff val="0"/>
+              <a:satOff val="0"/>
+              <a:lumOff val="0"/>
+              <a:alphaOff val="0"/>
+            </a:schemeClr>
+          </a:solidFill>
+          <a:prstDash val="solid"/>
+          <a:miter lim="800000"/>
+        </a:ln>
+        <a:effectLst/>
+      </dsp:spPr>
+      <dsp:style>
+        <a:lnRef idx="2">
+          <a:scrgbClr r="0" g="0" b="0"/>
+        </a:lnRef>
+        <a:fillRef idx="1">
+          <a:scrgbClr r="0" g="0" b="0"/>
+        </a:fillRef>
+        <a:effectRef idx="0">
+          <a:scrgbClr r="0" g="0" b="0"/>
+        </a:effectRef>
+        <a:fontRef idx="minor">
+          <a:schemeClr val="lt1"/>
+        </a:fontRef>
+      </dsp:style>
+      <dsp:txBody>
+        <a:bodyPr spcFirstLastPara="0" vert="horz" wrap="square" lIns="8890" tIns="8890" rIns="8890" bIns="8890" numCol="1" spcCol="1270" anchor="ctr" anchorCtr="0">
+          <a:noAutofit/>
+        </a:bodyPr>
+        <a:lstStyle/>
+        <a:p>
+          <a:pPr marL="0" lvl="0" indent="0" algn="ctr" defTabSz="622300">
+            <a:lnSpc>
+              <a:spcPct val="90000"/>
+            </a:lnSpc>
+            <a:spcBef>
+              <a:spcPct val="0"/>
+            </a:spcBef>
+            <a:spcAft>
+              <a:spcPct val="35000"/>
+            </a:spcAft>
+            <a:buNone/>
+          </a:pPr>
+          <a:r>
+            <a:rPr lang="en-US" altLang="en-US" sz="1400" kern="1200" dirty="0">
+              <a:latin typeface="Arial" panose="020B0604020202020204" pitchFamily="34" charset="0"/>
+              <a:cs typeface="Arial" panose="020B0604020202020204" pitchFamily="34" charset="0"/>
+            </a:rPr>
+            <a:t>Circular Linked List</a:t>
+          </a:r>
+          <a:endParaRPr lang="zh-TW" altLang="en-US" sz="1400" kern="1200" dirty="0">
+            <a:latin typeface="Arial" panose="020B0604020202020204" pitchFamily="34" charset="0"/>
+            <a:cs typeface="Arial" panose="020B0604020202020204" pitchFamily="34" charset="0"/>
+          </a:endParaRPr>
+        </a:p>
+      </dsp:txBody>
+      <dsp:txXfrm>
+        <a:off x="3945389" y="3937521"/>
+        <a:ext cx="1385682" cy="692841"/>
       </dsp:txXfrm>
     </dsp:sp>
   </dsp:spTree>
 </dsp:drawing>
 </file>
 
-<file path=ppt/diagrams/drawing2.xml><?xml version="1.0" encoding="utf-8"?>
+<file path=ppt/diagrams/drawing3.xml><?xml version="1.0" encoding="utf-8"?>
 <dsp:drawing xmlns:dgm="http://schemas.openxmlformats.org/drawingml/2006/diagram" xmlns:dsp="http://schemas.microsoft.com/office/drawing/2008/diagram" xmlns:a="http://schemas.openxmlformats.org/drawingml/2006/main">
   <dsp:spTree>
     <dsp:nvGrpSpPr>
@@ -14965,7 +17767,28 @@
               <a:latin typeface="Arial" panose="020B0604020202020204" pitchFamily="34" charset="0"/>
               <a:cs typeface="Arial" panose="020B0604020202020204" pitchFamily="34" charset="0"/>
             </a:rPr>
-            <a:t>Search   (Array / List)</a:t>
+            <a:t>Array / List</a:t>
+          </a:r>
+        </a:p>
+        <a:p>
+          <a:pPr marL="0" lvl="0" indent="0" algn="ctr" defTabSz="444500">
+            <a:lnSpc>
+              <a:spcPct val="90000"/>
+            </a:lnSpc>
+            <a:spcBef>
+              <a:spcPct val="0"/>
+            </a:spcBef>
+            <a:spcAft>
+              <a:spcPct val="35000"/>
+            </a:spcAft>
+            <a:buNone/>
+          </a:pPr>
+          <a:r>
+            <a:rPr lang="en-US" altLang="zh-TW" sz="1000" kern="1200" dirty="0">
+              <a:latin typeface="Arial" panose="020B0604020202020204" pitchFamily="34" charset="0"/>
+              <a:cs typeface="Arial" panose="020B0604020202020204" pitchFamily="34" charset="0"/>
+            </a:rPr>
+            <a:t>(Search)</a:t>
           </a:r>
         </a:p>
       </dsp:txBody>
@@ -15216,7 +18039,28 @@
               <a:latin typeface="Arial" panose="020B0604020202020204" pitchFamily="34" charset="0"/>
               <a:cs typeface="Arial" panose="020B0604020202020204" pitchFamily="34" charset="0"/>
             </a:rPr>
-            <a:t>Sort        (Array / List)</a:t>
+            <a:t>Array / List</a:t>
+          </a:r>
+        </a:p>
+        <a:p>
+          <a:pPr marL="0" lvl="0" indent="0" algn="ctr" defTabSz="444500">
+            <a:lnSpc>
+              <a:spcPct val="90000"/>
+            </a:lnSpc>
+            <a:spcBef>
+              <a:spcPct val="0"/>
+            </a:spcBef>
+            <a:spcAft>
+              <a:spcPct val="35000"/>
+            </a:spcAft>
+            <a:buNone/>
+          </a:pPr>
+          <a:r>
+            <a:rPr lang="en-US" altLang="zh-TW" sz="1000" kern="1200" dirty="0">
+              <a:latin typeface="Arial" panose="020B0604020202020204" pitchFamily="34" charset="0"/>
+              <a:cs typeface="Arial" panose="020B0604020202020204" pitchFamily="34" charset="0"/>
+            </a:rPr>
+            <a:t>(Sort)</a:t>
           </a:r>
         </a:p>
       </dsp:txBody>
@@ -17583,7 +20427,7 @@
 </dsp:drawing>
 </file>
 
-<file path=ppt/diagrams/drawing3.xml><?xml version="1.0" encoding="utf-8"?>
+<file path=ppt/diagrams/drawing4.xml><?xml version="1.0" encoding="utf-8"?>
 <dsp:drawing xmlns:dgm="http://schemas.openxmlformats.org/drawingml/2006/diagram" xmlns:dsp="http://schemas.microsoft.com/office/drawing/2008/diagram" xmlns:a="http://schemas.openxmlformats.org/drawingml/2006/main">
   <dsp:spTree>
     <dsp:nvGrpSpPr>
@@ -23673,6 +26517,1152 @@
 </dgm:layoutDef>
 </file>
 
+<file path=ppt/diagrams/layout4.xml><?xml version="1.0" encoding="utf-8"?>
+<dgm:layoutDef xmlns:dgm="http://schemas.openxmlformats.org/drawingml/2006/diagram" xmlns:a="http://schemas.openxmlformats.org/drawingml/2006/main" uniqueId="urn:microsoft.com/office/officeart/2005/8/layout/orgChart1">
+  <dgm:title val=""/>
+  <dgm:desc val=""/>
+  <dgm:catLst>
+    <dgm:cat type="hierarchy" pri="1000"/>
+    <dgm:cat type="convert" pri="6000"/>
+  </dgm:catLst>
+  <dgm:sampData>
+    <dgm:dataModel>
+      <dgm:ptLst>
+        <dgm:pt modelId="0" type="doc"/>
+        <dgm:pt modelId="1">
+          <dgm:prSet phldr="1"/>
+        </dgm:pt>
+        <dgm:pt modelId="2" type="asst">
+          <dgm:prSet phldr="1"/>
+        </dgm:pt>
+        <dgm:pt modelId="3">
+          <dgm:prSet phldr="1"/>
+        </dgm:pt>
+        <dgm:pt modelId="4">
+          <dgm:prSet phldr="1"/>
+        </dgm:pt>
+        <dgm:pt modelId="5">
+          <dgm:prSet phldr="1"/>
+        </dgm:pt>
+      </dgm:ptLst>
+      <dgm:cxnLst>
+        <dgm:cxn modelId="5" srcId="0" destId="1" srcOrd="0" destOrd="0"/>
+        <dgm:cxn modelId="6" srcId="1" destId="2" srcOrd="0" destOrd="0"/>
+        <dgm:cxn modelId="7" srcId="1" destId="3" srcOrd="1" destOrd="0"/>
+        <dgm:cxn modelId="8" srcId="1" destId="4" srcOrd="2" destOrd="0"/>
+        <dgm:cxn modelId="9" srcId="1" destId="5" srcOrd="3" destOrd="0"/>
+      </dgm:cxnLst>
+      <dgm:bg/>
+      <dgm:whole/>
+    </dgm:dataModel>
+  </dgm:sampData>
+  <dgm:styleData>
+    <dgm:dataModel>
+      <dgm:ptLst>
+        <dgm:pt modelId="0" type="doc"/>
+        <dgm:pt modelId="1"/>
+        <dgm:pt modelId="12"/>
+        <dgm:pt modelId="13"/>
+      </dgm:ptLst>
+      <dgm:cxnLst>
+        <dgm:cxn modelId="2" srcId="0" destId="1" srcOrd="0" destOrd="0"/>
+        <dgm:cxn modelId="16" srcId="1" destId="12" srcOrd="1" destOrd="0"/>
+        <dgm:cxn modelId="17" srcId="1" destId="13" srcOrd="2" destOrd="0"/>
+      </dgm:cxnLst>
+      <dgm:bg/>
+      <dgm:whole/>
+    </dgm:dataModel>
+  </dgm:styleData>
+  <dgm:clrData>
+    <dgm:dataModel>
+      <dgm:ptLst>
+        <dgm:pt modelId="0" type="doc"/>
+        <dgm:pt modelId="1"/>
+        <dgm:pt modelId="11" type="asst"/>
+        <dgm:pt modelId="12"/>
+        <dgm:pt modelId="13"/>
+        <dgm:pt modelId="14"/>
+      </dgm:ptLst>
+      <dgm:cxnLst>
+        <dgm:cxn modelId="2" srcId="0" destId="1" srcOrd="0" destOrd="0"/>
+        <dgm:cxn modelId="15" srcId="1" destId="11" srcOrd="0" destOrd="0"/>
+        <dgm:cxn modelId="16" srcId="1" destId="12" srcOrd="1" destOrd="0"/>
+        <dgm:cxn modelId="17" srcId="1" destId="13" srcOrd="2" destOrd="0"/>
+        <dgm:cxn modelId="18" srcId="1" destId="14" srcOrd="2" destOrd="0"/>
+      </dgm:cxnLst>
+      <dgm:bg/>
+      <dgm:whole/>
+    </dgm:dataModel>
+  </dgm:clrData>
+  <dgm:layoutNode name="hierChild1">
+    <dgm:varLst>
+      <dgm:orgChart val="1"/>
+      <dgm:chPref val="1"/>
+      <dgm:dir/>
+      <dgm:animOne val="branch"/>
+      <dgm:animLvl val="lvl"/>
+      <dgm:resizeHandles/>
+    </dgm:varLst>
+    <dgm:choose name="Name0">
+      <dgm:if name="Name1" func="var" arg="dir" op="equ" val="norm">
+        <dgm:alg type="hierChild">
+          <dgm:param type="linDir" val="fromL"/>
+        </dgm:alg>
+      </dgm:if>
+      <dgm:else name="Name2">
+        <dgm:alg type="hierChild">
+          <dgm:param type="linDir" val="fromR"/>
+        </dgm:alg>
+      </dgm:else>
+    </dgm:choose>
+    <dgm:shape xmlns:r="http://schemas.openxmlformats.org/officeDocument/2006/relationships" r:blip="">
+      <dgm:adjLst/>
+    </dgm:shape>
+    <dgm:presOf/>
+    <dgm:constrLst>
+      <dgm:constr type="w" for="des" forName="rootComposite1" refType="w" fact="10"/>
+      <dgm:constr type="h" for="des" forName="rootComposite1" refType="w" refFor="des" refForName="rootComposite1" fact="0.5"/>
+      <dgm:constr type="w" for="des" forName="rootComposite" refType="w" fact="10"/>
+      <dgm:constr type="h" for="des" forName="rootComposite" refType="w" refFor="des" refForName="rootComposite1" fact="0.5"/>
+      <dgm:constr type="w" for="des" forName="rootComposite3" refType="w" fact="10"/>
+      <dgm:constr type="h" for="des" forName="rootComposite3" refType="w" refFor="des" refForName="rootComposite1" fact="0.5"/>
+      <dgm:constr type="primFontSz" for="des" ptType="node" op="equ"/>
+      <dgm:constr type="sp" for="des" op="equ"/>
+      <dgm:constr type="sp" for="des" forName="hierRoot1" refType="w" refFor="des" refForName="rootComposite1" fact="0.21"/>
+      <dgm:constr type="sp" for="des" forName="hierRoot2" refType="sp" refFor="des" refForName="hierRoot1"/>
+      <dgm:constr type="sp" for="des" forName="hierRoot3" refType="sp" refFor="des" refForName="hierRoot1"/>
+      <dgm:constr type="sibSp" refType="w" refFor="des" refForName="rootComposite1" fact="0.21"/>
+      <dgm:constr type="sibSp" for="des" forName="hierChild2" refType="sibSp"/>
+      <dgm:constr type="sibSp" for="des" forName="hierChild3" refType="sibSp"/>
+      <dgm:constr type="sibSp" for="des" forName="hierChild4" refType="sibSp"/>
+      <dgm:constr type="sibSp" for="des" forName="hierChild5" refType="sibSp"/>
+      <dgm:constr type="sibSp" for="des" forName="hierChild6" refType="sibSp"/>
+      <dgm:constr type="sibSp" for="des" forName="hierChild7" refType="sibSp"/>
+      <dgm:constr type="secSibSp" refType="w" refFor="des" refForName="rootComposite1" fact="0.21"/>
+      <dgm:constr type="secSibSp" for="des" forName="hierChild2" refType="secSibSp"/>
+      <dgm:constr type="secSibSp" for="des" forName="hierChild3" refType="secSibSp"/>
+      <dgm:constr type="secSibSp" for="des" forName="hierChild4" refType="secSibSp"/>
+      <dgm:constr type="secSibSp" for="des" forName="hierChild5" refType="secSibSp"/>
+      <dgm:constr type="secSibSp" for="des" forName="hierChild6" refType="secSibSp"/>
+      <dgm:constr type="secSibSp" for="des" forName="hierChild7" refType="secSibSp"/>
+    </dgm:constrLst>
+    <dgm:ruleLst/>
+    <dgm:forEach name="Name3" axis="ch">
+      <dgm:forEach name="Name4" axis="self" ptType="node">
+        <dgm:layoutNode name="hierRoot1">
+          <dgm:varLst>
+            <dgm:hierBranch val="init"/>
+          </dgm:varLst>
+          <dgm:choose name="Name5">
+            <dgm:if name="Name6" func="var" arg="hierBranch" op="equ" val="l">
+              <dgm:choose name="Name7">
+                <dgm:if name="Name8" axis="ch" ptType="asst" func="cnt" op="gte" val="1">
+                  <dgm:alg type="hierRoot">
+                    <dgm:param type="hierAlign" val="tR"/>
+                  </dgm:alg>
+                  <dgm:constrLst>
+                    <dgm:constr type="alignOff" val="0.65"/>
+                  </dgm:constrLst>
+                </dgm:if>
+                <dgm:else name="Name9">
+                  <dgm:alg type="hierRoot">
+                    <dgm:param type="hierAlign" val="tR"/>
+                  </dgm:alg>
+                  <dgm:constrLst>
+                    <dgm:constr type="alignOff" val="0.25"/>
+                  </dgm:constrLst>
+                </dgm:else>
+              </dgm:choose>
+            </dgm:if>
+            <dgm:if name="Name10" func="var" arg="hierBranch" op="equ" val="r">
+              <dgm:choose name="Name11">
+                <dgm:if name="Name12" axis="ch" ptType="asst" func="cnt" op="gte" val="1">
+                  <dgm:alg type="hierRoot">
+                    <dgm:param type="hierAlign" val="tL"/>
+                  </dgm:alg>
+                  <dgm:constrLst>
+                    <dgm:constr type="alignOff" val="0.65"/>
+                  </dgm:constrLst>
+                </dgm:if>
+                <dgm:else name="Name13">
+                  <dgm:alg type="hierRoot">
+                    <dgm:param type="hierAlign" val="tL"/>
+                  </dgm:alg>
+                  <dgm:constrLst>
+                    <dgm:constr type="alignOff" val="0.25"/>
+                  </dgm:constrLst>
+                </dgm:else>
+              </dgm:choose>
+            </dgm:if>
+            <dgm:if name="Name14" func="var" arg="hierBranch" op="equ" val="hang">
+              <dgm:alg type="hierRoot"/>
+              <dgm:constrLst>
+                <dgm:constr type="alignOff" val="0.65"/>
+              </dgm:constrLst>
+            </dgm:if>
+            <dgm:else name="Name15">
+              <dgm:alg type="hierRoot"/>
+              <dgm:constrLst>
+                <dgm:constr type="alignOff"/>
+                <dgm:constr type="bendDist" for="des" ptType="parTrans" refType="sp" fact="0.5"/>
+              </dgm:constrLst>
+            </dgm:else>
+          </dgm:choose>
+          <dgm:shape xmlns:r="http://schemas.openxmlformats.org/officeDocument/2006/relationships" r:blip="">
+            <dgm:adjLst/>
+          </dgm:shape>
+          <dgm:presOf/>
+          <dgm:ruleLst/>
+          <dgm:layoutNode name="rootComposite1">
+            <dgm:alg type="composite"/>
+            <dgm:shape xmlns:r="http://schemas.openxmlformats.org/officeDocument/2006/relationships" r:blip="">
+              <dgm:adjLst/>
+            </dgm:shape>
+            <dgm:presOf axis="self" ptType="node" cnt="1"/>
+            <dgm:choose name="Name16">
+              <dgm:if name="Name17" func="var" arg="hierBranch" op="equ" val="init">
+                <dgm:constrLst>
+                  <dgm:constr type="l" for="ch" forName="rootText1"/>
+                  <dgm:constr type="t" for="ch" forName="rootText1"/>
+                  <dgm:constr type="w" for="ch" forName="rootText1" refType="w"/>
+                  <dgm:constr type="h" for="ch" forName="rootText1" refType="h"/>
+                  <dgm:constr type="l" for="ch" forName="rootConnector1"/>
+                  <dgm:constr type="t" for="ch" forName="rootConnector1"/>
+                  <dgm:constr type="w" for="ch" forName="rootConnector1" refType="w" refFor="ch" refForName="rootText1" fact="0.2"/>
+                  <dgm:constr type="h" for="ch" forName="rootConnector1" refType="h" refFor="ch" refForName="rootText1"/>
+                </dgm:constrLst>
+              </dgm:if>
+              <dgm:if name="Name18" func="var" arg="hierBranch" op="equ" val="l">
+                <dgm:constrLst>
+                  <dgm:constr type="l" for="ch" forName="rootText1"/>
+                  <dgm:constr type="t" for="ch" forName="rootText1"/>
+                  <dgm:constr type="w" for="ch" forName="rootText1" refType="w"/>
+                  <dgm:constr type="h" for="ch" forName="rootText1" refType="h"/>
+                  <dgm:constr type="r" for="ch" forName="rootConnector1" refType="w"/>
+                  <dgm:constr type="t" for="ch" forName="rootConnector1"/>
+                  <dgm:constr type="w" for="ch" forName="rootConnector1" refType="w" refFor="ch" refForName="rootText1" fact="0.2"/>
+                  <dgm:constr type="h" for="ch" forName="rootConnector1" refType="h" refFor="ch" refForName="rootText1"/>
+                </dgm:constrLst>
+              </dgm:if>
+              <dgm:if name="Name19" func="var" arg="hierBranch" op="equ" val="r">
+                <dgm:constrLst>
+                  <dgm:constr type="l" for="ch" forName="rootText1"/>
+                  <dgm:constr type="t" for="ch" forName="rootText1"/>
+                  <dgm:constr type="w" for="ch" forName="rootText1" refType="w"/>
+                  <dgm:constr type="h" for="ch" forName="rootText1" refType="h"/>
+                  <dgm:constr type="l" for="ch" forName="rootConnector1"/>
+                  <dgm:constr type="t" for="ch" forName="rootConnector1"/>
+                  <dgm:constr type="w" for="ch" forName="rootConnector1" refType="w" refFor="ch" refForName="rootText1" fact="0.2"/>
+                  <dgm:constr type="h" for="ch" forName="rootConnector1" refType="h" refFor="ch" refForName="rootText1"/>
+                </dgm:constrLst>
+              </dgm:if>
+              <dgm:else name="Name20">
+                <dgm:constrLst>
+                  <dgm:constr type="l" for="ch" forName="rootText1"/>
+                  <dgm:constr type="t" for="ch" forName="rootText1"/>
+                  <dgm:constr type="w" for="ch" forName="rootText1" refType="w"/>
+                  <dgm:constr type="h" for="ch" forName="rootText1" refType="h"/>
+                  <dgm:constr type="r" for="ch" forName="rootConnector1" refType="w"/>
+                  <dgm:constr type="t" for="ch" forName="rootConnector1"/>
+                  <dgm:constr type="w" for="ch" forName="rootConnector1" refType="w" refFor="ch" refForName="rootText1" fact="0.2"/>
+                  <dgm:constr type="h" for="ch" forName="rootConnector1" refType="h" refFor="ch" refForName="rootText1"/>
+                </dgm:constrLst>
+              </dgm:else>
+            </dgm:choose>
+            <dgm:ruleLst/>
+            <dgm:layoutNode name="rootText1" styleLbl="node0">
+              <dgm:varLst>
+                <dgm:chPref val="3"/>
+              </dgm:varLst>
+              <dgm:alg type="tx"/>
+              <dgm:shape xmlns:r="http://schemas.openxmlformats.org/officeDocument/2006/relationships" type="rect" r:blip="">
+                <dgm:adjLst/>
+              </dgm:shape>
+              <dgm:presOf axis="self" ptType="node" cnt="1"/>
+              <dgm:constrLst>
+                <dgm:constr type="primFontSz" val="65"/>
+                <dgm:constr type="lMarg" refType="primFontSz" fact="0.05"/>
+                <dgm:constr type="rMarg" refType="primFontSz" fact="0.05"/>
+                <dgm:constr type="tMarg" refType="primFontSz" fact="0.05"/>
+                <dgm:constr type="bMarg" refType="primFontSz" fact="0.05"/>
+              </dgm:constrLst>
+              <dgm:ruleLst>
+                <dgm:rule type="primFontSz" val="5" fact="NaN" max="NaN"/>
+              </dgm:ruleLst>
+            </dgm:layoutNode>
+            <dgm:layoutNode name="rootConnector1" moveWith="rootText1">
+              <dgm:alg type="sp"/>
+              <dgm:shape xmlns:r="http://schemas.openxmlformats.org/officeDocument/2006/relationships" type="rect" r:blip="" hideGeom="1">
+                <dgm:adjLst/>
+              </dgm:shape>
+              <dgm:presOf axis="self" ptType="node" cnt="1"/>
+              <dgm:constrLst/>
+              <dgm:ruleLst/>
+            </dgm:layoutNode>
+          </dgm:layoutNode>
+          <dgm:layoutNode name="hierChild2">
+            <dgm:choose name="Name21">
+              <dgm:if name="Name22" func="var" arg="hierBranch" op="equ" val="l">
+                <dgm:alg type="hierChild">
+                  <dgm:param type="chAlign" val="r"/>
+                  <dgm:param type="linDir" val="fromT"/>
+                </dgm:alg>
+              </dgm:if>
+              <dgm:if name="Name23" func="var" arg="hierBranch" op="equ" val="r">
+                <dgm:alg type="hierChild">
+                  <dgm:param type="chAlign" val="l"/>
+                  <dgm:param type="linDir" val="fromT"/>
+                </dgm:alg>
+              </dgm:if>
+              <dgm:if name="Name24" func="var" arg="hierBranch" op="equ" val="hang">
+                <dgm:choose name="Name25">
+                  <dgm:if name="Name26" func="var" arg="dir" op="equ" val="norm">
+                    <dgm:alg type="hierChild">
+                      <dgm:param type="chAlign" val="l"/>
+                      <dgm:param type="linDir" val="fromL"/>
+                      <dgm:param type="secChAlign" val="t"/>
+                      <dgm:param type="secLinDir" val="fromT"/>
+                    </dgm:alg>
+                  </dgm:if>
+                  <dgm:else name="Name27">
+                    <dgm:alg type="hierChild">
+                      <dgm:param type="chAlign" val="l"/>
+                      <dgm:param type="linDir" val="fromR"/>
+                      <dgm:param type="secChAlign" val="t"/>
+                      <dgm:param type="secLinDir" val="fromT"/>
+                    </dgm:alg>
+                  </dgm:else>
+                </dgm:choose>
+              </dgm:if>
+              <dgm:else name="Name28">
+                <dgm:choose name="Name29">
+                  <dgm:if name="Name30" func="var" arg="dir" op="equ" val="norm">
+                    <dgm:alg type="hierChild"/>
+                  </dgm:if>
+                  <dgm:else name="Name31">
+                    <dgm:alg type="hierChild">
+                      <dgm:param type="linDir" val="fromR"/>
+                    </dgm:alg>
+                  </dgm:else>
+                </dgm:choose>
+              </dgm:else>
+            </dgm:choose>
+            <dgm:shape xmlns:r="http://schemas.openxmlformats.org/officeDocument/2006/relationships" r:blip="">
+              <dgm:adjLst/>
+            </dgm:shape>
+            <dgm:presOf/>
+            <dgm:constrLst/>
+            <dgm:ruleLst/>
+            <dgm:forEach name="rep2a" axis="ch" ptType="nonAsst">
+              <dgm:forEach name="Name32" axis="precedSib" ptType="parTrans" st="-1" cnt="1">
+                <dgm:choose name="Name33">
+                  <dgm:if name="Name34" func="var" arg="hierBranch" op="equ" val="std">
+                    <dgm:layoutNode name="Name35">
+                      <dgm:alg type="conn">
+                        <dgm:param type="connRout" val="bend"/>
+                        <dgm:param type="dim" val="1D"/>
+                        <dgm:param type="endSty" val="noArr"/>
+                        <dgm:param type="begPts" val="bCtr"/>
+                        <dgm:param type="endPts" val="tCtr"/>
+                        <dgm:param type="bendPt" val="end"/>
+                      </dgm:alg>
+                      <dgm:shape xmlns:r="http://schemas.openxmlformats.org/officeDocument/2006/relationships" type="conn" r:blip="" zOrderOff="-99999">
+                        <dgm:adjLst/>
+                      </dgm:shape>
+                      <dgm:presOf axis="self"/>
+                      <dgm:constrLst>
+                        <dgm:constr type="begPad"/>
+                        <dgm:constr type="endPad"/>
+                      </dgm:constrLst>
+                      <dgm:ruleLst/>
+                    </dgm:layoutNode>
+                  </dgm:if>
+                  <dgm:if name="Name36" func="var" arg="hierBranch" op="equ" val="init">
+                    <dgm:layoutNode name="Name37">
+                      <dgm:choose name="Name38">
+                        <dgm:if name="Name39" axis="self" func="depth" op="lte" val="2">
+                          <dgm:alg type="conn">
+                            <dgm:param type="connRout" val="bend"/>
+                            <dgm:param type="dim" val="1D"/>
+                            <dgm:param type="endSty" val="noArr"/>
+                            <dgm:param type="begPts" val="bCtr"/>
+                            <dgm:param type="endPts" val="tCtr"/>
+                            <dgm:param type="bendPt" val="end"/>
+                          </dgm:alg>
+                        </dgm:if>
+                        <dgm:else name="Name40">
+                          <dgm:choose name="Name41">
+                            <dgm:if name="Name42" axis="par des" func="maxDepth" op="lte" val="1">
+                              <dgm:choose name="Name43">
+                                <dgm:if name="Name44" axis="par ch" ptType="node asst" func="cnt" op="gte" val="1">
+                                  <dgm:alg type="conn">
+                                    <dgm:param type="connRout" val="bend"/>
+                                    <dgm:param type="dim" val="1D"/>
+                                    <dgm:param type="endSty" val="noArr"/>
+                                    <dgm:param type="begPts" val="bCtr"/>
+                                    <dgm:param type="endPts" val="midL midR"/>
+                                  </dgm:alg>
+                                </dgm:if>
+                                <dgm:else name="Name45">
+                                  <dgm:alg type="conn">
+                                    <dgm:param type="connRout" val="bend"/>
+                                    <dgm:param type="dim" val="1D"/>
+                                    <dgm:param type="endSty" val="noArr"/>
+                                    <dgm:param type="begPts" val="bCtr"/>
+                                    <dgm:param type="endPts" val="midL midR"/>
+                                    <dgm:param type="srcNode" val="rootConnector"/>
+                                  </dgm:alg>
+                                </dgm:else>
+                              </dgm:choose>
+                            </dgm:if>
+                            <dgm:else name="Name46">
+                              <dgm:alg type="conn">
+                                <dgm:param type="connRout" val="bend"/>
+                                <dgm:param type="dim" val="1D"/>
+                                <dgm:param type="endSty" val="noArr"/>
+                                <dgm:param type="begPts" val="bCtr"/>
+                                <dgm:param type="endPts" val="tCtr"/>
+                                <dgm:param type="bendPt" val="end"/>
+                              </dgm:alg>
+                            </dgm:else>
+                          </dgm:choose>
+                        </dgm:else>
+                      </dgm:choose>
+                      <dgm:shape xmlns:r="http://schemas.openxmlformats.org/officeDocument/2006/relationships" type="conn" r:blip="" zOrderOff="-99999">
+                        <dgm:adjLst/>
+                      </dgm:shape>
+                      <dgm:presOf axis="self"/>
+                      <dgm:constrLst>
+                        <dgm:constr type="begPad"/>
+                        <dgm:constr type="endPad"/>
+                      </dgm:constrLst>
+                      <dgm:ruleLst/>
+                    </dgm:layoutNode>
+                  </dgm:if>
+                  <dgm:if name="Name47" func="var" arg="hierBranch" op="equ" val="hang">
+                    <dgm:layoutNode name="Name48">
+                      <dgm:alg type="conn">
+                        <dgm:param type="connRout" val="bend"/>
+                        <dgm:param type="dim" val="1D"/>
+                        <dgm:param type="endSty" val="noArr"/>
+                        <dgm:param type="begPts" val="bCtr"/>
+                        <dgm:param type="endPts" val="midL midR"/>
+                      </dgm:alg>
+                      <dgm:shape xmlns:r="http://schemas.openxmlformats.org/officeDocument/2006/relationships" type="conn" r:blip="" zOrderOff="-99999">
+                        <dgm:adjLst/>
+                      </dgm:shape>
+                      <dgm:presOf axis="self"/>
+                      <dgm:constrLst>
+                        <dgm:constr type="begPad"/>
+                        <dgm:constr type="endPad"/>
+                      </dgm:constrLst>
+                      <dgm:ruleLst/>
+                    </dgm:layoutNode>
+                  </dgm:if>
+                  <dgm:else name="Name49">
+                    <dgm:layoutNode name="Name50">
+                      <dgm:choose name="Name51">
+                        <dgm:if name="Name52" axis="self" func="depth" op="lte" val="2">
+                          <dgm:choose name="Name53">
+                            <dgm:if name="Name54" axis="par ch" ptType="node asst" func="cnt" op="gte" val="1">
+                              <dgm:alg type="conn">
+                                <dgm:param type="connRout" val="bend"/>
+                                <dgm:param type="dim" val="1D"/>
+                                <dgm:param type="endSty" val="noArr"/>
+                                <dgm:param type="begPts" val="bCtr"/>
+                                <dgm:param type="endPts" val="midL midR"/>
+                              </dgm:alg>
+                            </dgm:if>
+                            <dgm:else name="Name55">
+                              <dgm:alg type="conn">
+                                <dgm:param type="connRout" val="bend"/>
+                                <dgm:param type="dim" val="1D"/>
+                                <dgm:param type="endSty" val="noArr"/>
+                                <dgm:param type="begPts" val="bCtr"/>
+                                <dgm:param type="endPts" val="midL midR"/>
+                                <dgm:param type="srcNode" val="rootConnector1"/>
+                              </dgm:alg>
+                            </dgm:else>
+                          </dgm:choose>
+                        </dgm:if>
+                        <dgm:else name="Name56">
+                          <dgm:choose name="Name57">
+                            <dgm:if name="Name58" axis="par ch" ptType="node asst" func="cnt" op="gte" val="1">
+                              <dgm:alg type="conn">
+                                <dgm:param type="connRout" val="bend"/>
+                                <dgm:param type="dim" val="1D"/>
+                                <dgm:param type="endSty" val="noArr"/>
+                                <dgm:param type="begPts" val="bCtr"/>
+                                <dgm:param type="endPts" val="midL midR"/>
+                              </dgm:alg>
+                            </dgm:if>
+                            <dgm:else name="Name59">
+                              <dgm:alg type="conn">
+                                <dgm:param type="connRout" val="bend"/>
+                                <dgm:param type="dim" val="1D"/>
+                                <dgm:param type="endSty" val="noArr"/>
+                                <dgm:param type="begPts" val="bCtr"/>
+                                <dgm:param type="endPts" val="midL midR"/>
+                                <dgm:param type="srcNode" val="rootConnector"/>
+                              </dgm:alg>
+                            </dgm:else>
+                          </dgm:choose>
+                        </dgm:else>
+                      </dgm:choose>
+                      <dgm:shape xmlns:r="http://schemas.openxmlformats.org/officeDocument/2006/relationships" type="conn" r:blip="" zOrderOff="-99999">
+                        <dgm:adjLst/>
+                      </dgm:shape>
+                      <dgm:presOf axis="self"/>
+                      <dgm:constrLst>
+                        <dgm:constr type="begPad"/>
+                        <dgm:constr type="endPad"/>
+                      </dgm:constrLst>
+                      <dgm:ruleLst/>
+                    </dgm:layoutNode>
+                  </dgm:else>
+                </dgm:choose>
+              </dgm:forEach>
+              <dgm:layoutNode name="hierRoot2">
+                <dgm:varLst>
+                  <dgm:hierBranch val="init"/>
+                </dgm:varLst>
+                <dgm:choose name="Name60">
+                  <dgm:if name="Name61" func="var" arg="hierBranch" op="equ" val="l">
+                    <dgm:choose name="Name62">
+                      <dgm:if name="Name63" axis="ch" ptType="asst" func="cnt" op="gte" val="1">
+                        <dgm:alg type="hierRoot">
+                          <dgm:param type="hierAlign" val="tR"/>
+                        </dgm:alg>
+                        <dgm:shape xmlns:r="http://schemas.openxmlformats.org/officeDocument/2006/relationships" r:blip="">
+                          <dgm:adjLst/>
+                        </dgm:shape>
+                        <dgm:presOf/>
+                        <dgm:constrLst>
+                          <dgm:constr type="alignOff" val="0.65"/>
+                        </dgm:constrLst>
+                      </dgm:if>
+                      <dgm:else name="Name64">
+                        <dgm:alg type="hierRoot">
+                          <dgm:param type="hierAlign" val="tR"/>
+                        </dgm:alg>
+                        <dgm:shape xmlns:r="http://schemas.openxmlformats.org/officeDocument/2006/relationships" r:blip="">
+                          <dgm:adjLst/>
+                        </dgm:shape>
+                        <dgm:presOf/>
+                        <dgm:constrLst>
+                          <dgm:constr type="alignOff" val="0.25"/>
+                        </dgm:constrLst>
+                      </dgm:else>
+                    </dgm:choose>
+                  </dgm:if>
+                  <dgm:if name="Name65" func="var" arg="hierBranch" op="equ" val="r">
+                    <dgm:choose name="Name66">
+                      <dgm:if name="Name67" axis="ch" ptType="asst" func="cnt" op="gte" val="1">
+                        <dgm:alg type="hierRoot">
+                          <dgm:param type="hierAlign" val="tL"/>
+                        </dgm:alg>
+                        <dgm:shape xmlns:r="http://schemas.openxmlformats.org/officeDocument/2006/relationships" r:blip="">
+                          <dgm:adjLst/>
+                        </dgm:shape>
+                        <dgm:presOf/>
+                        <dgm:constrLst>
+                          <dgm:constr type="alignOff" val="0.65"/>
+                        </dgm:constrLst>
+                      </dgm:if>
+                      <dgm:else name="Name68">
+                        <dgm:alg type="hierRoot">
+                          <dgm:param type="hierAlign" val="tL"/>
+                        </dgm:alg>
+                        <dgm:shape xmlns:r="http://schemas.openxmlformats.org/officeDocument/2006/relationships" r:blip="">
+                          <dgm:adjLst/>
+                        </dgm:shape>
+                        <dgm:presOf/>
+                        <dgm:constrLst>
+                          <dgm:constr type="alignOff" val="0.25"/>
+                        </dgm:constrLst>
+                      </dgm:else>
+                    </dgm:choose>
+                  </dgm:if>
+                  <dgm:if name="Name69" func="var" arg="hierBranch" op="equ" val="std">
+                    <dgm:alg type="hierRoot"/>
+                    <dgm:shape xmlns:r="http://schemas.openxmlformats.org/officeDocument/2006/relationships" r:blip="">
+                      <dgm:adjLst/>
+                    </dgm:shape>
+                    <dgm:presOf/>
+                    <dgm:constrLst>
+                      <dgm:constr type="alignOff"/>
+                      <dgm:constr type="bendDist" for="des" ptType="parTrans" refType="sp" fact="0.5"/>
+                    </dgm:constrLst>
+                  </dgm:if>
+                  <dgm:if name="Name70" func="var" arg="hierBranch" op="equ" val="init">
+                    <dgm:choose name="Name71">
+                      <dgm:if name="Name72" axis="des" func="maxDepth" op="lte" val="1">
+                        <dgm:choose name="Name73">
+                          <dgm:if name="Name74" axis="ch" ptType="asst" func="cnt" op="gte" val="1">
+                            <dgm:alg type="hierRoot">
+                              <dgm:param type="hierAlign" val="tL"/>
+                            </dgm:alg>
+                            <dgm:shape xmlns:r="http://schemas.openxmlformats.org/officeDocument/2006/relationships" r:blip="">
+                              <dgm:adjLst/>
+                            </dgm:shape>
+                            <dgm:presOf/>
+                            <dgm:constrLst>
+                              <dgm:constr type="alignOff" val="0.65"/>
+                            </dgm:constrLst>
+                          </dgm:if>
+                          <dgm:else name="Name75">
+                            <dgm:alg type="hierRoot">
+                              <dgm:param type="hierAlign" val="tL"/>
+                            </dgm:alg>
+                            <dgm:shape xmlns:r="http://schemas.openxmlformats.org/officeDocument/2006/relationships" r:blip="">
+                              <dgm:adjLst/>
+                            </dgm:shape>
+                            <dgm:presOf/>
+                            <dgm:constrLst>
+                              <dgm:constr type="alignOff" val="0.25"/>
+                            </dgm:constrLst>
+                          </dgm:else>
+                        </dgm:choose>
+                      </dgm:if>
+                      <dgm:else name="Name76">
+                        <dgm:alg type="hierRoot"/>
+                        <dgm:shape xmlns:r="http://schemas.openxmlformats.org/officeDocument/2006/relationships" r:blip="">
+                          <dgm:adjLst/>
+                        </dgm:shape>
+                        <dgm:presOf/>
+                        <dgm:constrLst>
+                          <dgm:constr type="alignOff"/>
+                          <dgm:constr type="bendDist" for="des" ptType="parTrans" refType="sp" fact="0.5"/>
+                        </dgm:constrLst>
+                      </dgm:else>
+                    </dgm:choose>
+                  </dgm:if>
+                  <dgm:else name="Name77">
+                    <dgm:alg type="hierRoot"/>
+                    <dgm:shape xmlns:r="http://schemas.openxmlformats.org/officeDocument/2006/relationships" r:blip="">
+                      <dgm:adjLst/>
+                    </dgm:shape>
+                    <dgm:presOf/>
+                    <dgm:constrLst>
+                      <dgm:constr type="alignOff" val="0.65"/>
+                    </dgm:constrLst>
+                  </dgm:else>
+                </dgm:choose>
+                <dgm:ruleLst/>
+                <dgm:layoutNode name="rootComposite">
+                  <dgm:alg type="composite"/>
+                  <dgm:shape xmlns:r="http://schemas.openxmlformats.org/officeDocument/2006/relationships" r:blip="">
+                    <dgm:adjLst/>
+                  </dgm:shape>
+                  <dgm:presOf axis="self" ptType="node" cnt="1"/>
+                  <dgm:choose name="Name78">
+                    <dgm:if name="Name79" func="var" arg="hierBranch" op="equ" val="init">
+                      <dgm:constrLst>
+                        <dgm:constr type="l" for="ch" forName="rootText"/>
+                        <dgm:constr type="t" for="ch" forName="rootText"/>
+                        <dgm:constr type="w" for="ch" forName="rootText" refType="w"/>
+                        <dgm:constr type="h" for="ch" forName="rootText" refType="h"/>
+                        <dgm:constr type="l" for="ch" forName="rootConnector"/>
+                        <dgm:constr type="t" for="ch" forName="rootConnector"/>
+                        <dgm:constr type="w" for="ch" forName="rootConnector" refType="w" refFor="ch" refForName="rootText" fact="0.2"/>
+                        <dgm:constr type="h" for="ch" forName="rootConnector" refType="h" refFor="ch" refForName="rootText"/>
+                      </dgm:constrLst>
+                    </dgm:if>
+                    <dgm:if name="Name80" func="var" arg="hierBranch" op="equ" val="l">
+                      <dgm:constrLst>
+                        <dgm:constr type="l" for="ch" forName="rootText"/>
+                        <dgm:constr type="t" for="ch" forName="rootText"/>
+                        <dgm:constr type="w" for="ch" forName="rootText" refType="w"/>
+                        <dgm:constr type="h" for="ch" forName="rootText" refType="h"/>
+                        <dgm:constr type="r" for="ch" forName="rootConnector" refType="w"/>
+                        <dgm:constr type="t" for="ch" forName="rootConnector"/>
+                        <dgm:constr type="w" for="ch" forName="rootConnector" refType="w" refFor="ch" refForName="rootText" fact="0.2"/>
+                        <dgm:constr type="h" for="ch" forName="rootConnector" refType="h" refFor="ch" refForName="rootText"/>
+                      </dgm:constrLst>
+                    </dgm:if>
+                    <dgm:if name="Name81" func="var" arg="hierBranch" op="equ" val="r">
+                      <dgm:constrLst>
+                        <dgm:constr type="l" for="ch" forName="rootText"/>
+                        <dgm:constr type="t" for="ch" forName="rootText"/>
+                        <dgm:constr type="w" for="ch" forName="rootText" refType="w"/>
+                        <dgm:constr type="h" for="ch" forName="rootText" refType="h"/>
+                        <dgm:constr type="l" for="ch" forName="rootConnector"/>
+                        <dgm:constr type="t" for="ch" forName="rootConnector"/>
+                        <dgm:constr type="w" for="ch" forName="rootConnector" refType="w" refFor="ch" refForName="rootText" fact="0.2"/>
+                        <dgm:constr type="h" for="ch" forName="rootConnector" refType="h" refFor="ch" refForName="rootText"/>
+                      </dgm:constrLst>
+                    </dgm:if>
+                    <dgm:else name="Name82">
+                      <dgm:constrLst>
+                        <dgm:constr type="l" for="ch" forName="rootText"/>
+                        <dgm:constr type="t" for="ch" forName="rootText"/>
+                        <dgm:constr type="w" for="ch" forName="rootText" refType="w"/>
+                        <dgm:constr type="h" for="ch" forName="rootText" refType="h"/>
+                        <dgm:constr type="r" for="ch" forName="rootConnector" refType="w"/>
+                        <dgm:constr type="t" for="ch" forName="rootConnector"/>
+                        <dgm:constr type="w" for="ch" forName="rootConnector" refType="w" refFor="ch" refForName="rootText" fact="0.2"/>
+                        <dgm:constr type="h" for="ch" forName="rootConnector" refType="h" refFor="ch" refForName="rootText"/>
+                      </dgm:constrLst>
+                    </dgm:else>
+                  </dgm:choose>
+                  <dgm:ruleLst/>
+                  <dgm:layoutNode name="rootText">
+                    <dgm:varLst>
+                      <dgm:chPref val="3"/>
+                    </dgm:varLst>
+                    <dgm:alg type="tx"/>
+                    <dgm:shape xmlns:r="http://schemas.openxmlformats.org/officeDocument/2006/relationships" type="rect" r:blip="">
+                      <dgm:adjLst/>
+                    </dgm:shape>
+                    <dgm:presOf axis="self" ptType="node" cnt="1"/>
+                    <dgm:constrLst>
+                      <dgm:constr type="primFontSz" val="65"/>
+                      <dgm:constr type="lMarg" refType="primFontSz" fact="0.05"/>
+                      <dgm:constr type="rMarg" refType="primFontSz" fact="0.05"/>
+                      <dgm:constr type="tMarg" refType="primFontSz" fact="0.05"/>
+                      <dgm:constr type="bMarg" refType="primFontSz" fact="0.05"/>
+                    </dgm:constrLst>
+                    <dgm:ruleLst>
+                      <dgm:rule type="primFontSz" val="5" fact="NaN" max="NaN"/>
+                    </dgm:ruleLst>
+                  </dgm:layoutNode>
+                  <dgm:layoutNode name="rootConnector" moveWith="rootText">
+                    <dgm:alg type="sp"/>
+                    <dgm:shape xmlns:r="http://schemas.openxmlformats.org/officeDocument/2006/relationships" type="rect" r:blip="" hideGeom="1">
+                      <dgm:adjLst/>
+                    </dgm:shape>
+                    <dgm:presOf axis="self" ptType="node" cnt="1"/>
+                    <dgm:constrLst/>
+                    <dgm:ruleLst/>
+                  </dgm:layoutNode>
+                </dgm:layoutNode>
+                <dgm:layoutNode name="hierChild4">
+                  <dgm:choose name="Name83">
+                    <dgm:if name="Name84" func="var" arg="hierBranch" op="equ" val="l">
+                      <dgm:alg type="hierChild">
+                        <dgm:param type="chAlign" val="r"/>
+                        <dgm:param type="linDir" val="fromT"/>
+                      </dgm:alg>
+                    </dgm:if>
+                    <dgm:if name="Name85" func="var" arg="hierBranch" op="equ" val="r">
+                      <dgm:alg type="hierChild">
+                        <dgm:param type="chAlign" val="l"/>
+                        <dgm:param type="linDir" val="fromT"/>
+                      </dgm:alg>
+                    </dgm:if>
+                    <dgm:if name="Name86" func="var" arg="hierBranch" op="equ" val="hang">
+                      <dgm:choose name="Name87">
+                        <dgm:if name="Name88" func="var" arg="dir" op="equ" val="norm">
+                          <dgm:alg type="hierChild">
+                            <dgm:param type="chAlign" val="l"/>
+                            <dgm:param type="linDir" val="fromL"/>
+                            <dgm:param type="secChAlign" val="t"/>
+                            <dgm:param type="secLinDir" val="fromT"/>
+                          </dgm:alg>
+                        </dgm:if>
+                        <dgm:else name="Name89">
+                          <dgm:alg type="hierChild">
+                            <dgm:param type="chAlign" val="l"/>
+                            <dgm:param type="linDir" val="fromR"/>
+                            <dgm:param type="secChAlign" val="t"/>
+                            <dgm:param type="secLinDir" val="fromT"/>
+                          </dgm:alg>
+                        </dgm:else>
+                      </dgm:choose>
+                    </dgm:if>
+                    <dgm:if name="Name90" func="var" arg="hierBranch" op="equ" val="std">
+                      <dgm:choose name="Name91">
+                        <dgm:if name="Name92" func="var" arg="dir" op="equ" val="norm">
+                          <dgm:alg type="hierChild"/>
+                        </dgm:if>
+                        <dgm:else name="Name93">
+                          <dgm:alg type="hierChild">
+                            <dgm:param type="linDir" val="fromR"/>
+                          </dgm:alg>
+                        </dgm:else>
+                      </dgm:choose>
+                    </dgm:if>
+                    <dgm:if name="Name94" func="var" arg="hierBranch" op="equ" val="init">
+                      <dgm:choose name="Name95">
+                        <dgm:if name="Name96" axis="des" func="maxDepth" op="lte" val="1">
+                          <dgm:alg type="hierChild">
+                            <dgm:param type="chAlign" val="l"/>
+                            <dgm:param type="linDir" val="fromT"/>
+                          </dgm:alg>
+                        </dgm:if>
+                        <dgm:else name="Name97">
+                          <dgm:choose name="Name98">
+                            <dgm:if name="Name99" func="var" arg="dir" op="equ" val="norm">
+                              <dgm:alg type="hierChild"/>
+                            </dgm:if>
+                            <dgm:else name="Name100">
+                              <dgm:alg type="hierChild">
+                                <dgm:param type="linDir" val="fromR"/>
+                              </dgm:alg>
+                            </dgm:else>
+                          </dgm:choose>
+                        </dgm:else>
+                      </dgm:choose>
+                    </dgm:if>
+                    <dgm:else name="Name101"/>
+                  </dgm:choose>
+                  <dgm:shape xmlns:r="http://schemas.openxmlformats.org/officeDocument/2006/relationships" r:blip="">
+                    <dgm:adjLst/>
+                  </dgm:shape>
+                  <dgm:presOf/>
+                  <dgm:constrLst/>
+                  <dgm:ruleLst/>
+                  <dgm:forEach name="Name102" ref="rep2a"/>
+                </dgm:layoutNode>
+                <dgm:layoutNode name="hierChild5">
+                  <dgm:choose name="Name103">
+                    <dgm:if name="Name104" func="var" arg="dir" op="equ" val="norm">
+                      <dgm:alg type="hierChild">
+                        <dgm:param type="chAlign" val="l"/>
+                        <dgm:param type="linDir" val="fromL"/>
+                        <dgm:param type="secChAlign" val="t"/>
+                        <dgm:param type="secLinDir" val="fromT"/>
+                      </dgm:alg>
+                    </dgm:if>
+                    <dgm:else name="Name105">
+                      <dgm:alg type="hierChild">
+                        <dgm:param type="chAlign" val="l"/>
+                        <dgm:param type="linDir" val="fromR"/>
+                        <dgm:param type="secChAlign" val="t"/>
+                        <dgm:param type="secLinDir" val="fromT"/>
+                      </dgm:alg>
+                    </dgm:else>
+                  </dgm:choose>
+                  <dgm:shape xmlns:r="http://schemas.openxmlformats.org/officeDocument/2006/relationships" r:blip="">
+                    <dgm:adjLst/>
+                  </dgm:shape>
+                  <dgm:presOf/>
+                  <dgm:constrLst/>
+                  <dgm:ruleLst/>
+                  <dgm:forEach name="Name106" ref="rep2b"/>
+                </dgm:layoutNode>
+              </dgm:layoutNode>
+            </dgm:forEach>
+          </dgm:layoutNode>
+          <dgm:layoutNode name="hierChild3">
+            <dgm:choose name="Name107">
+              <dgm:if name="Name108" func="var" arg="dir" op="equ" val="norm">
+                <dgm:alg type="hierChild">
+                  <dgm:param type="chAlign" val="l"/>
+                  <dgm:param type="linDir" val="fromL"/>
+                  <dgm:param type="secChAlign" val="t"/>
+                  <dgm:param type="secLinDir" val="fromT"/>
+                </dgm:alg>
+              </dgm:if>
+              <dgm:else name="Name109">
+                <dgm:alg type="hierChild">
+                  <dgm:param type="chAlign" val="l"/>
+                  <dgm:param type="linDir" val="fromR"/>
+                  <dgm:param type="secChAlign" val="t"/>
+                  <dgm:param type="secLinDir" val="fromT"/>
+                </dgm:alg>
+              </dgm:else>
+            </dgm:choose>
+            <dgm:shape xmlns:r="http://schemas.openxmlformats.org/officeDocument/2006/relationships" r:blip="">
+              <dgm:adjLst/>
+            </dgm:shape>
+            <dgm:presOf/>
+            <dgm:constrLst/>
+            <dgm:ruleLst/>
+            <dgm:forEach name="rep2b" axis="ch" ptType="asst">
+              <dgm:forEach name="Name110" axis="precedSib" ptType="parTrans" st="-1" cnt="1">
+                <dgm:layoutNode name="Name111">
+                  <dgm:alg type="conn">
+                    <dgm:param type="connRout" val="bend"/>
+                    <dgm:param type="dim" val="1D"/>
+                    <dgm:param type="endSty" val="noArr"/>
+                    <dgm:param type="begPts" val="bCtr"/>
+                    <dgm:param type="endPts" val="midL midR"/>
+                  </dgm:alg>
+                  <dgm:shape xmlns:r="http://schemas.openxmlformats.org/officeDocument/2006/relationships" type="conn" r:blip="" zOrderOff="-99999">
+                    <dgm:adjLst/>
+                  </dgm:shape>
+                  <dgm:presOf axis="self"/>
+                  <dgm:constrLst>
+                    <dgm:constr type="begPad"/>
+                    <dgm:constr type="endPad"/>
+                  </dgm:constrLst>
+                  <dgm:ruleLst/>
+                </dgm:layoutNode>
+              </dgm:forEach>
+              <dgm:layoutNode name="hierRoot3">
+                <dgm:varLst>
+                  <dgm:hierBranch val="init"/>
+                </dgm:varLst>
+                <dgm:choose name="Name112">
+                  <dgm:if name="Name113" func="var" arg="hierBranch" op="equ" val="l">
+                    <dgm:alg type="hierRoot">
+                      <dgm:param type="hierAlign" val="tR"/>
+                    </dgm:alg>
+                    <dgm:shape xmlns:r="http://schemas.openxmlformats.org/officeDocument/2006/relationships" r:blip="">
+                      <dgm:adjLst/>
+                    </dgm:shape>
+                    <dgm:presOf/>
+                    <dgm:constrLst>
+                      <dgm:constr type="alignOff" val="0.65"/>
+                    </dgm:constrLst>
+                  </dgm:if>
+                  <dgm:if name="Name114" func="var" arg="hierBranch" op="equ" val="r">
+                    <dgm:alg type="hierRoot">
+                      <dgm:param type="hierAlign" val="tL"/>
+                    </dgm:alg>
+                    <dgm:shape xmlns:r="http://schemas.openxmlformats.org/officeDocument/2006/relationships" r:blip="">
+                      <dgm:adjLst/>
+                    </dgm:shape>
+                    <dgm:presOf/>
+                    <dgm:constrLst>
+                      <dgm:constr type="alignOff" val="0.65"/>
+                    </dgm:constrLst>
+                  </dgm:if>
+                  <dgm:if name="Name115" func="var" arg="hierBranch" op="equ" val="hang">
+                    <dgm:alg type="hierRoot"/>
+                    <dgm:shape xmlns:r="http://schemas.openxmlformats.org/officeDocument/2006/relationships" r:blip="">
+                      <dgm:adjLst/>
+                    </dgm:shape>
+                    <dgm:presOf/>
+                    <dgm:constrLst>
+                      <dgm:constr type="alignOff" val="0.65"/>
+                    </dgm:constrLst>
+                  </dgm:if>
+                  <dgm:if name="Name116" func="var" arg="hierBranch" op="equ" val="std">
+                    <dgm:alg type="hierRoot"/>
+                    <dgm:shape xmlns:r="http://schemas.openxmlformats.org/officeDocument/2006/relationships" r:blip="">
+                      <dgm:adjLst/>
+                    </dgm:shape>
+                    <dgm:presOf/>
+                    <dgm:constrLst>
+                      <dgm:constr type="alignOff"/>
+                      <dgm:constr type="bendDist" for="des" ptType="parTrans" refType="sp" fact="0.5"/>
+                    </dgm:constrLst>
+                  </dgm:if>
+                  <dgm:if name="Name117" func="var" arg="hierBranch" op="equ" val="init">
+                    <dgm:choose name="Name118">
+                      <dgm:if name="Name119" axis="des" func="maxDepth" op="lte" val="1">
+                        <dgm:alg type="hierRoot">
+                          <dgm:param type="hierAlign" val="tL"/>
+                        </dgm:alg>
+                        <dgm:shape xmlns:r="http://schemas.openxmlformats.org/officeDocument/2006/relationships" r:blip="">
+                          <dgm:adjLst/>
+                        </dgm:shape>
+                        <dgm:presOf/>
+                        <dgm:constrLst>
+                          <dgm:constr type="alignOff" val="0.65"/>
+                        </dgm:constrLst>
+                      </dgm:if>
+                      <dgm:else name="Name120">
+                        <dgm:alg type="hierRoot"/>
+                        <dgm:shape xmlns:r="http://schemas.openxmlformats.org/officeDocument/2006/relationships" r:blip="">
+                          <dgm:adjLst/>
+                        </dgm:shape>
+                        <dgm:presOf/>
+                        <dgm:constrLst>
+                          <dgm:constr type="alignOff"/>
+                          <dgm:constr type="bendDist" for="des" ptType="parTrans" refType="sp" fact="0.5"/>
+                        </dgm:constrLst>
+                      </dgm:else>
+                    </dgm:choose>
+                  </dgm:if>
+                  <dgm:else name="Name121"/>
+                </dgm:choose>
+                <dgm:ruleLst/>
+                <dgm:layoutNode name="rootComposite3">
+                  <dgm:alg type="composite"/>
+                  <dgm:shape xmlns:r="http://schemas.openxmlformats.org/officeDocument/2006/relationships" r:blip="">
+                    <dgm:adjLst/>
+                  </dgm:shape>
+                  <dgm:presOf axis="self" ptType="node" cnt="1"/>
+                  <dgm:choose name="Name122">
+                    <dgm:if name="Name123" func="var" arg="hierBranch" op="equ" val="init">
+                      <dgm:constrLst>
+                        <dgm:constr type="l" for="ch" forName="rootText3"/>
+                        <dgm:constr type="t" for="ch" forName="rootText3"/>
+                        <dgm:constr type="w" for="ch" forName="rootText3" refType="w"/>
+                        <dgm:constr type="h" for="ch" forName="rootText3" refType="h"/>
+                        <dgm:constr type="l" for="ch" forName="rootConnector3"/>
+                        <dgm:constr type="t" for="ch" forName="rootConnector3"/>
+                        <dgm:constr type="w" for="ch" forName="rootConnector3" refType="w" refFor="ch" refForName="rootText3" fact="0.2"/>
+                        <dgm:constr type="h" for="ch" forName="rootConnector3" refType="h" refFor="ch" refForName="rootText3"/>
+                      </dgm:constrLst>
+                    </dgm:if>
+                    <dgm:if name="Name124" func="var" arg="hierBranch" op="equ" val="l">
+                      <dgm:constrLst>
+                        <dgm:constr type="l" for="ch" forName="rootText3"/>
+                        <dgm:constr type="t" for="ch" forName="rootText3"/>
+                        <dgm:constr type="w" for="ch" forName="rootText3" refType="w"/>
+                        <dgm:constr type="h" for="ch" forName="rootText3" refType="h"/>
+                        <dgm:constr type="r" for="ch" forName="rootConnector3" refType="w"/>
+                        <dgm:constr type="t" for="ch" forName="rootConnector3"/>
+                        <dgm:constr type="w" for="ch" forName="rootConnector3" refType="w" refFor="ch" refForName="rootText3" fact="0.2"/>
+                        <dgm:constr type="h" for="ch" forName="rootConnector3" refType="h" refFor="ch" refForName="rootText3"/>
+                      </dgm:constrLst>
+                    </dgm:if>
+                    <dgm:if name="Name125" func="var" arg="hierBranch" op="equ" val="r">
+                      <dgm:constrLst>
+                        <dgm:constr type="l" for="ch" forName="rootText3"/>
+                        <dgm:constr type="t" for="ch" forName="rootText3"/>
+                        <dgm:constr type="w" for="ch" forName="rootText3" refType="w"/>
+                        <dgm:constr type="h" for="ch" forName="rootText3" refType="h"/>
+                        <dgm:constr type="l" for="ch" forName="rootConnector3"/>
+                        <dgm:constr type="t" for="ch" forName="rootConnector3"/>
+                        <dgm:constr type="w" for="ch" forName="rootConnector3" refType="w" refFor="ch" refForName="rootText3" fact="0.2"/>
+                        <dgm:constr type="h" for="ch" forName="rootConnector3" refType="h" refFor="ch" refForName="rootText3"/>
+                      </dgm:constrLst>
+                    </dgm:if>
+                    <dgm:else name="Name126">
+                      <dgm:constrLst>
+                        <dgm:constr type="l" for="ch" forName="rootText3"/>
+                        <dgm:constr type="t" for="ch" forName="rootText3"/>
+                        <dgm:constr type="w" for="ch" forName="rootText3" refType="w"/>
+                        <dgm:constr type="h" for="ch" forName="rootText3" refType="h"/>
+                        <dgm:constr type="r" for="ch" forName="rootConnector3" refType="w"/>
+                        <dgm:constr type="t" for="ch" forName="rootConnector3"/>
+                        <dgm:constr type="w" for="ch" forName="rootConnector3" refType="w" refFor="ch" refForName="rootText3" fact="0.2"/>
+                        <dgm:constr type="h" for="ch" forName="rootConnector3" refType="h" refFor="ch" refForName="rootText3"/>
+                      </dgm:constrLst>
+                    </dgm:else>
+                  </dgm:choose>
+                  <dgm:ruleLst/>
+                  <dgm:layoutNode name="rootText3">
+                    <dgm:varLst>
+                      <dgm:chPref val="3"/>
+                    </dgm:varLst>
+                    <dgm:alg type="tx"/>
+                    <dgm:shape xmlns:r="http://schemas.openxmlformats.org/officeDocument/2006/relationships" type="rect" r:blip="">
+                      <dgm:adjLst/>
+                    </dgm:shape>
+                    <dgm:presOf axis="self" ptType="node" cnt="1"/>
+                    <dgm:constrLst>
+                      <dgm:constr type="primFontSz" val="65"/>
+                      <dgm:constr type="lMarg" refType="primFontSz" fact="0.05"/>
+                      <dgm:constr type="rMarg" refType="primFontSz" fact="0.05"/>
+                      <dgm:constr type="tMarg" refType="primFontSz" fact="0.05"/>
+                      <dgm:constr type="bMarg" refType="primFontSz" fact="0.05"/>
+                    </dgm:constrLst>
+                    <dgm:ruleLst>
+                      <dgm:rule type="primFontSz" val="5" fact="NaN" max="NaN"/>
+                    </dgm:ruleLst>
+                  </dgm:layoutNode>
+                  <dgm:layoutNode name="rootConnector3" moveWith="rootText1">
+                    <dgm:alg type="sp"/>
+                    <dgm:shape xmlns:r="http://schemas.openxmlformats.org/officeDocument/2006/relationships" type="rect" r:blip="" hideGeom="1">
+                      <dgm:adjLst/>
+                    </dgm:shape>
+                    <dgm:presOf axis="self" ptType="node" cnt="1"/>
+                    <dgm:constrLst/>
+                    <dgm:ruleLst/>
+                  </dgm:layoutNode>
+                </dgm:layoutNode>
+                <dgm:layoutNode name="hierChild6">
+                  <dgm:choose name="Name127">
+                    <dgm:if name="Name128" func="var" arg="hierBranch" op="equ" val="l">
+                      <dgm:alg type="hierChild">
+                        <dgm:param type="chAlign" val="r"/>
+                        <dgm:param type="linDir" val="fromT"/>
+                      </dgm:alg>
+                    </dgm:if>
+                    <dgm:if name="Name129" func="var" arg="hierBranch" op="equ" val="r">
+                      <dgm:alg type="hierChild">
+                        <dgm:param type="chAlign" val="l"/>
+                        <dgm:param type="linDir" val="fromT"/>
+                      </dgm:alg>
+                    </dgm:if>
+                    <dgm:if name="Name130" func="var" arg="hierBranch" op="equ" val="hang">
+                      <dgm:choose name="Name131">
+                        <dgm:if name="Name132" func="var" arg="dir" op="equ" val="norm">
+                          <dgm:alg type="hierChild">
+                            <dgm:param type="chAlign" val="l"/>
+                            <dgm:param type="linDir" val="fromL"/>
+                            <dgm:param type="secChAlign" val="t"/>
+                            <dgm:param type="secLinDir" val="fromT"/>
+                          </dgm:alg>
+                        </dgm:if>
+                        <dgm:else name="Name133">
+                          <dgm:alg type="hierChild">
+                            <dgm:param type="chAlign" val="l"/>
+                            <dgm:param type="linDir" val="fromR"/>
+                            <dgm:param type="secChAlign" val="t"/>
+                            <dgm:param type="secLinDir" val="fromT"/>
+                          </dgm:alg>
+                        </dgm:else>
+                      </dgm:choose>
+                    </dgm:if>
+                    <dgm:if name="Name134" func="var" arg="hierBranch" op="equ" val="std">
+                      <dgm:choose name="Name135">
+                        <dgm:if name="Name136" func="var" arg="dir" op="equ" val="norm">
+                          <dgm:alg type="hierChild"/>
+                        </dgm:if>
+                        <dgm:else name="Name137">
+                          <dgm:alg type="hierChild">
+                            <dgm:param type="linDir" val="fromR"/>
+                          </dgm:alg>
+                        </dgm:else>
+                      </dgm:choose>
+                    </dgm:if>
+                    <dgm:if name="Name138" func="var" arg="hierBranch" op="equ" val="init">
+                      <dgm:choose name="Name139">
+                        <dgm:if name="Name140" axis="des" func="maxDepth" op="lte" val="1">
+                          <dgm:alg type="hierChild">
+                            <dgm:param type="chAlign" val="l"/>
+                            <dgm:param type="linDir" val="fromT"/>
+                          </dgm:alg>
+                        </dgm:if>
+                        <dgm:else name="Name141">
+                          <dgm:alg type="hierChild"/>
+                        </dgm:else>
+                      </dgm:choose>
+                    </dgm:if>
+                    <dgm:else name="Name142"/>
+                  </dgm:choose>
+                  <dgm:shape xmlns:r="http://schemas.openxmlformats.org/officeDocument/2006/relationships" r:blip="">
+                    <dgm:adjLst/>
+                  </dgm:shape>
+                  <dgm:presOf/>
+                  <dgm:constrLst/>
+                  <dgm:ruleLst/>
+                  <dgm:forEach name="Name143" ref="rep2a"/>
+                </dgm:layoutNode>
+                <dgm:layoutNode name="hierChild7">
+                  <dgm:choose name="Name144">
+                    <dgm:if name="Name145" func="var" arg="dir" op="equ" val="norm">
+                      <dgm:alg type="hierChild">
+                        <dgm:param type="chAlign" val="l"/>
+                        <dgm:param type="linDir" val="fromL"/>
+                        <dgm:param type="secChAlign" val="t"/>
+                        <dgm:param type="secLinDir" val="fromT"/>
+                      </dgm:alg>
+                    </dgm:if>
+                    <dgm:else name="Name146">
+                      <dgm:alg type="hierChild">
+                        <dgm:param type="chAlign" val="l"/>
+                        <dgm:param type="linDir" val="fromR"/>
+                        <dgm:param type="secChAlign" val="t"/>
+                        <dgm:param type="secLinDir" val="fromT"/>
+                      </dgm:alg>
+                    </dgm:else>
+                  </dgm:choose>
+                  <dgm:shape xmlns:r="http://schemas.openxmlformats.org/officeDocument/2006/relationships" r:blip="">
+                    <dgm:adjLst/>
+                  </dgm:shape>
+                  <dgm:presOf/>
+                  <dgm:constrLst/>
+                  <dgm:ruleLst/>
+                  <dgm:forEach name="Name147" ref="rep2b"/>
+                </dgm:layoutNode>
+              </dgm:layoutNode>
+            </dgm:forEach>
+          </dgm:layoutNode>
+        </dgm:layoutNode>
+      </dgm:forEach>
+    </dgm:forEach>
+  </dgm:layoutNode>
+</dgm:layoutDef>
+</file>
+
 <file path=ppt/diagrams/quickStyle1.xml><?xml version="1.0" encoding="utf-8"?>
 <dgm:styleDef xmlns:dgm="http://schemas.openxmlformats.org/drawingml/2006/diagram" xmlns:a="http://schemas.openxmlformats.org/drawingml/2006/main" uniqueId="urn:microsoft.com/office/officeart/2005/8/quickstyle/simple1">
   <dgm:title val=""/>
@@ -25742,6 +29732,1040 @@
 </file>
 
 <file path=ppt/diagrams/quickStyle3.xml><?xml version="1.0" encoding="utf-8"?>
+<dgm:styleDef xmlns:dgm="http://schemas.openxmlformats.org/drawingml/2006/diagram" xmlns:a="http://schemas.openxmlformats.org/drawingml/2006/main" uniqueId="urn:microsoft.com/office/officeart/2005/8/quickstyle/simple1">
+  <dgm:title val=""/>
+  <dgm:desc val=""/>
+  <dgm:catLst>
+    <dgm:cat type="simple" pri="10100"/>
+  </dgm:catLst>
+  <dgm:scene3d>
+    <a:camera prst="orthographicFront"/>
+    <a:lightRig rig="threePt" dir="t"/>
+  </dgm:scene3d>
+  <dgm:styleLbl name="node0">
+    <dgm:scene3d>
+      <a:camera prst="orthographicFront"/>
+      <a:lightRig rig="threePt" dir="t"/>
+    </dgm:scene3d>
+    <dgm:sp3d/>
+    <dgm:txPr/>
+    <dgm:style>
+      <a:lnRef idx="2">
+        <a:scrgbClr r="0" g="0" b="0"/>
+      </a:lnRef>
+      <a:fillRef idx="1">
+        <a:scrgbClr r="0" g="0" b="0"/>
+      </a:fillRef>
+      <a:effectRef idx="0">
+        <a:scrgbClr r="0" g="0" b="0"/>
+      </a:effectRef>
+      <a:fontRef idx="minor">
+        <a:schemeClr val="lt1"/>
+      </a:fontRef>
+    </dgm:style>
+  </dgm:styleLbl>
+  <dgm:styleLbl name="lnNode1">
+    <dgm:scene3d>
+      <a:camera prst="orthographicFront"/>
+      <a:lightRig rig="threePt" dir="t"/>
+    </dgm:scene3d>
+    <dgm:sp3d/>
+    <dgm:txPr/>
+    <dgm:style>
+      <a:lnRef idx="2">
+        <a:scrgbClr r="0" g="0" b="0"/>
+      </a:lnRef>
+      <a:fillRef idx="1">
+        <a:scrgbClr r="0" g="0" b="0"/>
+      </a:fillRef>
+      <a:effectRef idx="0">
+        <a:scrgbClr r="0" g="0" b="0"/>
+      </a:effectRef>
+      <a:fontRef idx="minor">
+        <a:schemeClr val="lt1"/>
+      </a:fontRef>
+    </dgm:style>
+  </dgm:styleLbl>
+  <dgm:styleLbl name="vennNode1">
+    <dgm:scene3d>
+      <a:camera prst="orthographicFront"/>
+      <a:lightRig rig="threePt" dir="t"/>
+    </dgm:scene3d>
+    <dgm:sp3d/>
+    <dgm:txPr/>
+    <dgm:style>
+      <a:lnRef idx="2">
+        <a:scrgbClr r="0" g="0" b="0"/>
+      </a:lnRef>
+      <a:fillRef idx="1">
+        <a:scrgbClr r="0" g="0" b="0"/>
+      </a:fillRef>
+      <a:effectRef idx="0">
+        <a:scrgbClr r="0" g="0" b="0"/>
+      </a:effectRef>
+      <a:fontRef idx="minor">
+        <a:schemeClr val="tx1"/>
+      </a:fontRef>
+    </dgm:style>
+  </dgm:styleLbl>
+  <dgm:styleLbl name="alignNode1">
+    <dgm:scene3d>
+      <a:camera prst="orthographicFront"/>
+      <a:lightRig rig="threePt" dir="t"/>
+    </dgm:scene3d>
+    <dgm:sp3d/>
+    <dgm:txPr/>
+    <dgm:style>
+      <a:lnRef idx="2">
+        <a:scrgbClr r="0" g="0" b="0"/>
+      </a:lnRef>
+      <a:fillRef idx="1">
+        <a:scrgbClr r="0" g="0" b="0"/>
+      </a:fillRef>
+      <a:effectRef idx="0">
+        <a:scrgbClr r="0" g="0" b="0"/>
+      </a:effectRef>
+      <a:fontRef idx="minor">
+        <a:schemeClr val="lt1"/>
+      </a:fontRef>
+    </dgm:style>
+  </dgm:styleLbl>
+  <dgm:styleLbl name="node1">
+    <dgm:scene3d>
+      <a:camera prst="orthographicFront"/>
+      <a:lightRig rig="threePt" dir="t"/>
+    </dgm:scene3d>
+    <dgm:sp3d/>
+    <dgm:txPr/>
+    <dgm:style>
+      <a:lnRef idx="2">
+        <a:scrgbClr r="0" g="0" b="0"/>
+      </a:lnRef>
+      <a:fillRef idx="1">
+        <a:scrgbClr r="0" g="0" b="0"/>
+      </a:fillRef>
+      <a:effectRef idx="0">
+        <a:scrgbClr r="0" g="0" b="0"/>
+      </a:effectRef>
+      <a:fontRef idx="minor">
+        <a:schemeClr val="lt1"/>
+      </a:fontRef>
+    </dgm:style>
+  </dgm:styleLbl>
+  <dgm:styleLbl name="node2">
+    <dgm:scene3d>
+      <a:camera prst="orthographicFront"/>
+      <a:lightRig rig="threePt" dir="t"/>
+    </dgm:scene3d>
+    <dgm:sp3d/>
+    <dgm:txPr/>
+    <dgm:style>
+      <a:lnRef idx="2">
+        <a:scrgbClr r="0" g="0" b="0"/>
+      </a:lnRef>
+      <a:fillRef idx="1">
+        <a:scrgbClr r="0" g="0" b="0"/>
+      </a:fillRef>
+      <a:effectRef idx="0">
+        <a:scrgbClr r="0" g="0" b="0"/>
+      </a:effectRef>
+      <a:fontRef idx="minor">
+        <a:schemeClr val="lt1"/>
+      </a:fontRef>
+    </dgm:style>
+  </dgm:styleLbl>
+  <dgm:styleLbl name="node3">
+    <dgm:scene3d>
+      <a:camera prst="orthographicFront"/>
+      <a:lightRig rig="threePt" dir="t"/>
+    </dgm:scene3d>
+    <dgm:sp3d/>
+    <dgm:txPr/>
+    <dgm:style>
+      <a:lnRef idx="2">
+        <a:scrgbClr r="0" g="0" b="0"/>
+      </a:lnRef>
+      <a:fillRef idx="1">
+        <a:scrgbClr r="0" g="0" b="0"/>
+      </a:fillRef>
+      <a:effectRef idx="0">
+        <a:scrgbClr r="0" g="0" b="0"/>
+      </a:effectRef>
+      <a:fontRef idx="minor">
+        <a:schemeClr val="lt1"/>
+      </a:fontRef>
+    </dgm:style>
+  </dgm:styleLbl>
+  <dgm:styleLbl name="node4">
+    <dgm:scene3d>
+      <a:camera prst="orthographicFront"/>
+      <a:lightRig rig="threePt" dir="t"/>
+    </dgm:scene3d>
+    <dgm:sp3d/>
+    <dgm:txPr/>
+    <dgm:style>
+      <a:lnRef idx="2">
+        <a:scrgbClr r="0" g="0" b="0"/>
+      </a:lnRef>
+      <a:fillRef idx="1">
+        <a:scrgbClr r="0" g="0" b="0"/>
+      </a:fillRef>
+      <a:effectRef idx="0">
+        <a:scrgbClr r="0" g="0" b="0"/>
+      </a:effectRef>
+      <a:fontRef idx="minor">
+        <a:schemeClr val="lt1"/>
+      </a:fontRef>
+    </dgm:style>
+  </dgm:styleLbl>
+  <dgm:styleLbl name="fgImgPlace1">
+    <dgm:scene3d>
+      <a:camera prst="orthographicFront"/>
+      <a:lightRig rig="threePt" dir="t"/>
+    </dgm:scene3d>
+    <dgm:sp3d/>
+    <dgm:txPr/>
+    <dgm:style>
+      <a:lnRef idx="2">
+        <a:scrgbClr r="0" g="0" b="0"/>
+      </a:lnRef>
+      <a:fillRef idx="1">
+        <a:scrgbClr r="0" g="0" b="0"/>
+      </a:fillRef>
+      <a:effectRef idx="0">
+        <a:scrgbClr r="0" g="0" b="0"/>
+      </a:effectRef>
+      <a:fontRef idx="minor"/>
+    </dgm:style>
+  </dgm:styleLbl>
+  <dgm:styleLbl name="alignImgPlace1">
+    <dgm:scene3d>
+      <a:camera prst="orthographicFront"/>
+      <a:lightRig rig="threePt" dir="t"/>
+    </dgm:scene3d>
+    <dgm:sp3d/>
+    <dgm:txPr/>
+    <dgm:style>
+      <a:lnRef idx="2">
+        <a:scrgbClr r="0" g="0" b="0"/>
+      </a:lnRef>
+      <a:fillRef idx="1">
+        <a:scrgbClr r="0" g="0" b="0"/>
+      </a:fillRef>
+      <a:effectRef idx="0">
+        <a:scrgbClr r="0" g="0" b="0"/>
+      </a:effectRef>
+      <a:fontRef idx="minor"/>
+    </dgm:style>
+  </dgm:styleLbl>
+  <dgm:styleLbl name="bgImgPlace1">
+    <dgm:scene3d>
+      <a:camera prst="orthographicFront"/>
+      <a:lightRig rig="threePt" dir="t"/>
+    </dgm:scene3d>
+    <dgm:sp3d/>
+    <dgm:txPr/>
+    <dgm:style>
+      <a:lnRef idx="2">
+        <a:scrgbClr r="0" g="0" b="0"/>
+      </a:lnRef>
+      <a:fillRef idx="1">
+        <a:scrgbClr r="0" g="0" b="0"/>
+      </a:fillRef>
+      <a:effectRef idx="0">
+        <a:scrgbClr r="0" g="0" b="0"/>
+      </a:effectRef>
+      <a:fontRef idx="minor"/>
+    </dgm:style>
+  </dgm:styleLbl>
+  <dgm:styleLbl name="sibTrans2D1">
+    <dgm:scene3d>
+      <a:camera prst="orthographicFront"/>
+      <a:lightRig rig="threePt" dir="t"/>
+    </dgm:scene3d>
+    <dgm:sp3d/>
+    <dgm:txPr/>
+    <dgm:style>
+      <a:lnRef idx="0">
+        <a:scrgbClr r="0" g="0" b="0"/>
+      </a:lnRef>
+      <a:fillRef idx="1">
+        <a:scrgbClr r="0" g="0" b="0"/>
+      </a:fillRef>
+      <a:effectRef idx="0">
+        <a:scrgbClr r="0" g="0" b="0"/>
+      </a:effectRef>
+      <a:fontRef idx="minor">
+        <a:schemeClr val="lt1"/>
+      </a:fontRef>
+    </dgm:style>
+  </dgm:styleLbl>
+  <dgm:styleLbl name="fgSibTrans2D1">
+    <dgm:scene3d>
+      <a:camera prst="orthographicFront"/>
+      <a:lightRig rig="threePt" dir="t"/>
+    </dgm:scene3d>
+    <dgm:sp3d/>
+    <dgm:txPr/>
+    <dgm:style>
+      <a:lnRef idx="0">
+        <a:scrgbClr r="0" g="0" b="0"/>
+      </a:lnRef>
+      <a:fillRef idx="1">
+        <a:scrgbClr r="0" g="0" b="0"/>
+      </a:fillRef>
+      <a:effectRef idx="0">
+        <a:scrgbClr r="0" g="0" b="0"/>
+      </a:effectRef>
+      <a:fontRef idx="minor">
+        <a:schemeClr val="lt1"/>
+      </a:fontRef>
+    </dgm:style>
+  </dgm:styleLbl>
+  <dgm:styleLbl name="bgSibTrans2D1">
+    <dgm:scene3d>
+      <a:camera prst="orthographicFront"/>
+      <a:lightRig rig="threePt" dir="t"/>
+    </dgm:scene3d>
+    <dgm:sp3d/>
+    <dgm:txPr/>
+    <dgm:style>
+      <a:lnRef idx="0">
+        <a:scrgbClr r="0" g="0" b="0"/>
+      </a:lnRef>
+      <a:fillRef idx="1">
+        <a:scrgbClr r="0" g="0" b="0"/>
+      </a:fillRef>
+      <a:effectRef idx="0">
+        <a:scrgbClr r="0" g="0" b="0"/>
+      </a:effectRef>
+      <a:fontRef idx="minor">
+        <a:schemeClr val="lt1"/>
+      </a:fontRef>
+    </dgm:style>
+  </dgm:styleLbl>
+  <dgm:styleLbl name="sibTrans1D1">
+    <dgm:scene3d>
+      <a:camera prst="orthographicFront"/>
+      <a:lightRig rig="threePt" dir="t"/>
+    </dgm:scene3d>
+    <dgm:sp3d/>
+    <dgm:txPr/>
+    <dgm:style>
+      <a:lnRef idx="1">
+        <a:scrgbClr r="0" g="0" b="0"/>
+      </a:lnRef>
+      <a:fillRef idx="0">
+        <a:scrgbClr r="0" g="0" b="0"/>
+      </a:fillRef>
+      <a:effectRef idx="0">
+        <a:scrgbClr r="0" g="0" b="0"/>
+      </a:effectRef>
+      <a:fontRef idx="minor"/>
+    </dgm:style>
+  </dgm:styleLbl>
+  <dgm:styleLbl name="callout">
+    <dgm:scene3d>
+      <a:camera prst="orthographicFront"/>
+      <a:lightRig rig="threePt" dir="t"/>
+    </dgm:scene3d>
+    <dgm:sp3d/>
+    <dgm:txPr/>
+    <dgm:style>
+      <a:lnRef idx="2">
+        <a:scrgbClr r="0" g="0" b="0"/>
+      </a:lnRef>
+      <a:fillRef idx="1">
+        <a:scrgbClr r="0" g="0" b="0"/>
+      </a:fillRef>
+      <a:effectRef idx="0">
+        <a:scrgbClr r="0" g="0" b="0"/>
+      </a:effectRef>
+      <a:fontRef idx="minor"/>
+    </dgm:style>
+  </dgm:styleLbl>
+  <dgm:styleLbl name="asst0">
+    <dgm:scene3d>
+      <a:camera prst="orthographicFront"/>
+      <a:lightRig rig="threePt" dir="t"/>
+    </dgm:scene3d>
+    <dgm:sp3d/>
+    <dgm:txPr/>
+    <dgm:style>
+      <a:lnRef idx="2">
+        <a:scrgbClr r="0" g="0" b="0"/>
+      </a:lnRef>
+      <a:fillRef idx="1">
+        <a:scrgbClr r="0" g="0" b="0"/>
+      </a:fillRef>
+      <a:effectRef idx="0">
+        <a:scrgbClr r="0" g="0" b="0"/>
+      </a:effectRef>
+      <a:fontRef idx="minor">
+        <a:schemeClr val="lt1"/>
+      </a:fontRef>
+    </dgm:style>
+  </dgm:styleLbl>
+  <dgm:styleLbl name="asst1">
+    <dgm:scene3d>
+      <a:camera prst="orthographicFront"/>
+      <a:lightRig rig="threePt" dir="t"/>
+    </dgm:scene3d>
+    <dgm:sp3d/>
+    <dgm:txPr/>
+    <dgm:style>
+      <a:lnRef idx="2">
+        <a:scrgbClr r="0" g="0" b="0"/>
+      </a:lnRef>
+      <a:fillRef idx="1">
+        <a:scrgbClr r="0" g="0" b="0"/>
+      </a:fillRef>
+      <a:effectRef idx="0">
+        <a:scrgbClr r="0" g="0" b="0"/>
+      </a:effectRef>
+      <a:fontRef idx="minor">
+        <a:schemeClr val="lt1"/>
+      </a:fontRef>
+    </dgm:style>
+  </dgm:styleLbl>
+  <dgm:styleLbl name="asst2">
+    <dgm:scene3d>
+      <a:camera prst="orthographicFront"/>
+      <a:lightRig rig="threePt" dir="t"/>
+    </dgm:scene3d>
+    <dgm:sp3d/>
+    <dgm:txPr/>
+    <dgm:style>
+      <a:lnRef idx="2">
+        <a:scrgbClr r="0" g="0" b="0"/>
+      </a:lnRef>
+      <a:fillRef idx="1">
+        <a:scrgbClr r="0" g="0" b="0"/>
+      </a:fillRef>
+      <a:effectRef idx="0">
+        <a:scrgbClr r="0" g="0" b="0"/>
+      </a:effectRef>
+      <a:fontRef idx="minor">
+        <a:schemeClr val="lt1"/>
+      </a:fontRef>
+    </dgm:style>
+  </dgm:styleLbl>
+  <dgm:styleLbl name="asst3">
+    <dgm:scene3d>
+      <a:camera prst="orthographicFront"/>
+      <a:lightRig rig="threePt" dir="t"/>
+    </dgm:scene3d>
+    <dgm:sp3d/>
+    <dgm:txPr/>
+    <dgm:style>
+      <a:lnRef idx="2">
+        <a:scrgbClr r="0" g="0" b="0"/>
+      </a:lnRef>
+      <a:fillRef idx="1">
+        <a:scrgbClr r="0" g="0" b="0"/>
+      </a:fillRef>
+      <a:effectRef idx="0">
+        <a:scrgbClr r="0" g="0" b="0"/>
+      </a:effectRef>
+      <a:fontRef idx="minor">
+        <a:schemeClr val="lt1"/>
+      </a:fontRef>
+    </dgm:style>
+  </dgm:styleLbl>
+  <dgm:styleLbl name="asst4">
+    <dgm:scene3d>
+      <a:camera prst="orthographicFront"/>
+      <a:lightRig rig="threePt" dir="t"/>
+    </dgm:scene3d>
+    <dgm:sp3d/>
+    <dgm:txPr/>
+    <dgm:style>
+      <a:lnRef idx="2">
+        <a:scrgbClr r="0" g="0" b="0"/>
+      </a:lnRef>
+      <a:fillRef idx="1">
+        <a:scrgbClr r="0" g="0" b="0"/>
+      </a:fillRef>
+      <a:effectRef idx="0">
+        <a:scrgbClr r="0" g="0" b="0"/>
+      </a:effectRef>
+      <a:fontRef idx="minor">
+        <a:schemeClr val="lt1"/>
+      </a:fontRef>
+    </dgm:style>
+  </dgm:styleLbl>
+  <dgm:styleLbl name="parChTrans2D1">
+    <dgm:scene3d>
+      <a:camera prst="orthographicFront"/>
+      <a:lightRig rig="threePt" dir="t"/>
+    </dgm:scene3d>
+    <dgm:sp3d/>
+    <dgm:txPr/>
+    <dgm:style>
+      <a:lnRef idx="2">
+        <a:scrgbClr r="0" g="0" b="0"/>
+      </a:lnRef>
+      <a:fillRef idx="1">
+        <a:scrgbClr r="0" g="0" b="0"/>
+      </a:fillRef>
+      <a:effectRef idx="0">
+        <a:scrgbClr r="0" g="0" b="0"/>
+      </a:effectRef>
+      <a:fontRef idx="minor">
+        <a:schemeClr val="lt1"/>
+      </a:fontRef>
+    </dgm:style>
+  </dgm:styleLbl>
+  <dgm:styleLbl name="parChTrans2D2">
+    <dgm:scene3d>
+      <a:camera prst="orthographicFront"/>
+      <a:lightRig rig="threePt" dir="t"/>
+    </dgm:scene3d>
+    <dgm:sp3d/>
+    <dgm:txPr/>
+    <dgm:style>
+      <a:lnRef idx="2">
+        <a:scrgbClr r="0" g="0" b="0"/>
+      </a:lnRef>
+      <a:fillRef idx="1">
+        <a:scrgbClr r="0" g="0" b="0"/>
+      </a:fillRef>
+      <a:effectRef idx="0">
+        <a:scrgbClr r="0" g="0" b="0"/>
+      </a:effectRef>
+      <a:fontRef idx="minor">
+        <a:schemeClr val="lt1"/>
+      </a:fontRef>
+    </dgm:style>
+  </dgm:styleLbl>
+  <dgm:styleLbl name="parChTrans2D3">
+    <dgm:scene3d>
+      <a:camera prst="orthographicFront"/>
+      <a:lightRig rig="threePt" dir="t"/>
+    </dgm:scene3d>
+    <dgm:sp3d/>
+    <dgm:txPr/>
+    <dgm:style>
+      <a:lnRef idx="2">
+        <a:scrgbClr r="0" g="0" b="0"/>
+      </a:lnRef>
+      <a:fillRef idx="1">
+        <a:scrgbClr r="0" g="0" b="0"/>
+      </a:fillRef>
+      <a:effectRef idx="0">
+        <a:scrgbClr r="0" g="0" b="0"/>
+      </a:effectRef>
+      <a:fontRef idx="minor">
+        <a:schemeClr val="lt1"/>
+      </a:fontRef>
+    </dgm:style>
+  </dgm:styleLbl>
+  <dgm:styleLbl name="parChTrans2D4">
+    <dgm:scene3d>
+      <a:camera prst="orthographicFront"/>
+      <a:lightRig rig="threePt" dir="t"/>
+    </dgm:scene3d>
+    <dgm:sp3d/>
+    <dgm:txPr/>
+    <dgm:style>
+      <a:lnRef idx="2">
+        <a:scrgbClr r="0" g="0" b="0"/>
+      </a:lnRef>
+      <a:fillRef idx="1">
+        <a:scrgbClr r="0" g="0" b="0"/>
+      </a:fillRef>
+      <a:effectRef idx="0">
+        <a:scrgbClr r="0" g="0" b="0"/>
+      </a:effectRef>
+      <a:fontRef idx="minor">
+        <a:schemeClr val="lt1"/>
+      </a:fontRef>
+    </dgm:style>
+  </dgm:styleLbl>
+  <dgm:styleLbl name="parChTrans1D1">
+    <dgm:scene3d>
+      <a:camera prst="orthographicFront"/>
+      <a:lightRig rig="threePt" dir="t"/>
+    </dgm:scene3d>
+    <dgm:sp3d/>
+    <dgm:txPr/>
+    <dgm:style>
+      <a:lnRef idx="2">
+        <a:scrgbClr r="0" g="0" b="0"/>
+      </a:lnRef>
+      <a:fillRef idx="0">
+        <a:scrgbClr r="0" g="0" b="0"/>
+      </a:fillRef>
+      <a:effectRef idx="0">
+        <a:scrgbClr r="0" g="0" b="0"/>
+      </a:effectRef>
+      <a:fontRef idx="minor"/>
+    </dgm:style>
+  </dgm:styleLbl>
+  <dgm:styleLbl name="parChTrans1D2">
+    <dgm:scene3d>
+      <a:camera prst="orthographicFront"/>
+      <a:lightRig rig="threePt" dir="t"/>
+    </dgm:scene3d>
+    <dgm:sp3d/>
+    <dgm:txPr/>
+    <dgm:style>
+      <a:lnRef idx="2">
+        <a:scrgbClr r="0" g="0" b="0"/>
+      </a:lnRef>
+      <a:fillRef idx="0">
+        <a:scrgbClr r="0" g="0" b="0"/>
+      </a:fillRef>
+      <a:effectRef idx="0">
+        <a:scrgbClr r="0" g="0" b="0"/>
+      </a:effectRef>
+      <a:fontRef idx="minor"/>
+    </dgm:style>
+  </dgm:styleLbl>
+  <dgm:styleLbl name="parChTrans1D3">
+    <dgm:scene3d>
+      <a:camera prst="orthographicFront"/>
+      <a:lightRig rig="threePt" dir="t"/>
+    </dgm:scene3d>
+    <dgm:sp3d/>
+    <dgm:txPr/>
+    <dgm:style>
+      <a:lnRef idx="2">
+        <a:scrgbClr r="0" g="0" b="0"/>
+      </a:lnRef>
+      <a:fillRef idx="0">
+        <a:scrgbClr r="0" g="0" b="0"/>
+      </a:fillRef>
+      <a:effectRef idx="0">
+        <a:scrgbClr r="0" g="0" b="0"/>
+      </a:effectRef>
+      <a:fontRef idx="minor"/>
+    </dgm:style>
+  </dgm:styleLbl>
+  <dgm:styleLbl name="parChTrans1D4">
+    <dgm:scene3d>
+      <a:camera prst="orthographicFront"/>
+      <a:lightRig rig="threePt" dir="t"/>
+    </dgm:scene3d>
+    <dgm:sp3d/>
+    <dgm:txPr/>
+    <dgm:style>
+      <a:lnRef idx="2">
+        <a:scrgbClr r="0" g="0" b="0"/>
+      </a:lnRef>
+      <a:fillRef idx="0">
+        <a:scrgbClr r="0" g="0" b="0"/>
+      </a:fillRef>
+      <a:effectRef idx="0">
+        <a:scrgbClr r="0" g="0" b="0"/>
+      </a:effectRef>
+      <a:fontRef idx="minor"/>
+    </dgm:style>
+  </dgm:styleLbl>
+  <dgm:styleLbl name="fgAcc1">
+    <dgm:scene3d>
+      <a:camera prst="orthographicFront"/>
+      <a:lightRig rig="threePt" dir="t"/>
+    </dgm:scene3d>
+    <dgm:sp3d/>
+    <dgm:txPr/>
+    <dgm:style>
+      <a:lnRef idx="2">
+        <a:scrgbClr r="0" g="0" b="0"/>
+      </a:lnRef>
+      <a:fillRef idx="1">
+        <a:scrgbClr r="0" g="0" b="0"/>
+      </a:fillRef>
+      <a:effectRef idx="0">
+        <a:scrgbClr r="0" g="0" b="0"/>
+      </a:effectRef>
+      <a:fontRef idx="minor"/>
+    </dgm:style>
+  </dgm:styleLbl>
+  <dgm:styleLbl name="conFgAcc1">
+    <dgm:scene3d>
+      <a:camera prst="orthographicFront"/>
+      <a:lightRig rig="threePt" dir="t"/>
+    </dgm:scene3d>
+    <dgm:sp3d/>
+    <dgm:txPr/>
+    <dgm:style>
+      <a:lnRef idx="2">
+        <a:scrgbClr r="0" g="0" b="0"/>
+      </a:lnRef>
+      <a:fillRef idx="1">
+        <a:scrgbClr r="0" g="0" b="0"/>
+      </a:fillRef>
+      <a:effectRef idx="0">
+        <a:scrgbClr r="0" g="0" b="0"/>
+      </a:effectRef>
+      <a:fontRef idx="minor"/>
+    </dgm:style>
+  </dgm:styleLbl>
+  <dgm:styleLbl name="alignAcc1">
+    <dgm:scene3d>
+      <a:camera prst="orthographicFront"/>
+      <a:lightRig rig="threePt" dir="t"/>
+    </dgm:scene3d>
+    <dgm:sp3d/>
+    <dgm:txPr/>
+    <dgm:style>
+      <a:lnRef idx="2">
+        <a:scrgbClr r="0" g="0" b="0"/>
+      </a:lnRef>
+      <a:fillRef idx="1">
+        <a:scrgbClr r="0" g="0" b="0"/>
+      </a:fillRef>
+      <a:effectRef idx="0">
+        <a:scrgbClr r="0" g="0" b="0"/>
+      </a:effectRef>
+      <a:fontRef idx="minor"/>
+    </dgm:style>
+  </dgm:styleLbl>
+  <dgm:styleLbl name="trAlignAcc1">
+    <dgm:scene3d>
+      <a:camera prst="orthographicFront"/>
+      <a:lightRig rig="threePt" dir="t"/>
+    </dgm:scene3d>
+    <dgm:sp3d/>
+    <dgm:txPr/>
+    <dgm:style>
+      <a:lnRef idx="1">
+        <a:scrgbClr r="0" g="0" b="0"/>
+      </a:lnRef>
+      <a:fillRef idx="1">
+        <a:scrgbClr r="0" g="0" b="0"/>
+      </a:fillRef>
+      <a:effectRef idx="0">
+        <a:scrgbClr r="0" g="0" b="0"/>
+      </a:effectRef>
+      <a:fontRef idx="minor"/>
+    </dgm:style>
+  </dgm:styleLbl>
+  <dgm:styleLbl name="bgAcc1">
+    <dgm:scene3d>
+      <a:camera prst="orthographicFront"/>
+      <a:lightRig rig="threePt" dir="t"/>
+    </dgm:scene3d>
+    <dgm:sp3d/>
+    <dgm:txPr/>
+    <dgm:style>
+      <a:lnRef idx="2">
+        <a:scrgbClr r="0" g="0" b="0"/>
+      </a:lnRef>
+      <a:fillRef idx="1">
+        <a:scrgbClr r="0" g="0" b="0"/>
+      </a:fillRef>
+      <a:effectRef idx="0">
+        <a:scrgbClr r="0" g="0" b="0"/>
+      </a:effectRef>
+      <a:fontRef idx="minor"/>
+    </dgm:style>
+  </dgm:styleLbl>
+  <dgm:styleLbl name="solidFgAcc1">
+    <dgm:scene3d>
+      <a:camera prst="orthographicFront"/>
+      <a:lightRig rig="threePt" dir="t"/>
+    </dgm:scene3d>
+    <dgm:sp3d/>
+    <dgm:txPr/>
+    <dgm:style>
+      <a:lnRef idx="2">
+        <a:scrgbClr r="0" g="0" b="0"/>
+      </a:lnRef>
+      <a:fillRef idx="1">
+        <a:scrgbClr r="0" g="0" b="0"/>
+      </a:fillRef>
+      <a:effectRef idx="0">
+        <a:scrgbClr r="0" g="0" b="0"/>
+      </a:effectRef>
+      <a:fontRef idx="minor"/>
+    </dgm:style>
+  </dgm:styleLbl>
+  <dgm:styleLbl name="solidAlignAcc1">
+    <dgm:scene3d>
+      <a:camera prst="orthographicFront"/>
+      <a:lightRig rig="threePt" dir="t"/>
+    </dgm:scene3d>
+    <dgm:sp3d/>
+    <dgm:txPr/>
+    <dgm:style>
+      <a:lnRef idx="2">
+        <a:scrgbClr r="0" g="0" b="0"/>
+      </a:lnRef>
+      <a:fillRef idx="1">
+        <a:scrgbClr r="0" g="0" b="0"/>
+      </a:fillRef>
+      <a:effectRef idx="0">
+        <a:scrgbClr r="0" g="0" b="0"/>
+      </a:effectRef>
+      <a:fontRef idx="minor"/>
+    </dgm:style>
+  </dgm:styleLbl>
+  <dgm:styleLbl name="solidBgAcc1">
+    <dgm:scene3d>
+      <a:camera prst="orthographicFront"/>
+      <a:lightRig rig="threePt" dir="t"/>
+    </dgm:scene3d>
+    <dgm:sp3d/>
+    <dgm:txPr/>
+    <dgm:style>
+      <a:lnRef idx="2">
+        <a:scrgbClr r="0" g="0" b="0"/>
+      </a:lnRef>
+      <a:fillRef idx="1">
+        <a:scrgbClr r="0" g="0" b="0"/>
+      </a:fillRef>
+      <a:effectRef idx="0">
+        <a:scrgbClr r="0" g="0" b="0"/>
+      </a:effectRef>
+      <a:fontRef idx="minor"/>
+    </dgm:style>
+  </dgm:styleLbl>
+  <dgm:styleLbl name="fgAccFollowNode1">
+    <dgm:scene3d>
+      <a:camera prst="orthographicFront"/>
+      <a:lightRig rig="threePt" dir="t"/>
+    </dgm:scene3d>
+    <dgm:sp3d/>
+    <dgm:txPr/>
+    <dgm:style>
+      <a:lnRef idx="2">
+        <a:scrgbClr r="0" g="0" b="0"/>
+      </a:lnRef>
+      <a:fillRef idx="1">
+        <a:scrgbClr r="0" g="0" b="0"/>
+      </a:fillRef>
+      <a:effectRef idx="0">
+        <a:scrgbClr r="0" g="0" b="0"/>
+      </a:effectRef>
+      <a:fontRef idx="minor"/>
+    </dgm:style>
+  </dgm:styleLbl>
+  <dgm:styleLbl name="alignAccFollowNode1">
+    <dgm:scene3d>
+      <a:camera prst="orthographicFront"/>
+      <a:lightRig rig="threePt" dir="t"/>
+    </dgm:scene3d>
+    <dgm:sp3d/>
+    <dgm:txPr/>
+    <dgm:style>
+      <a:lnRef idx="2">
+        <a:scrgbClr r="0" g="0" b="0"/>
+      </a:lnRef>
+      <a:fillRef idx="1">
+        <a:scrgbClr r="0" g="0" b="0"/>
+      </a:fillRef>
+      <a:effectRef idx="0">
+        <a:scrgbClr r="0" g="0" b="0"/>
+      </a:effectRef>
+      <a:fontRef idx="minor"/>
+    </dgm:style>
+  </dgm:styleLbl>
+  <dgm:styleLbl name="bgAccFollowNode1">
+    <dgm:scene3d>
+      <a:camera prst="orthographicFront"/>
+      <a:lightRig rig="threePt" dir="t"/>
+    </dgm:scene3d>
+    <dgm:sp3d/>
+    <dgm:txPr/>
+    <dgm:style>
+      <a:lnRef idx="2">
+        <a:scrgbClr r="0" g="0" b="0"/>
+      </a:lnRef>
+      <a:fillRef idx="1">
+        <a:scrgbClr r="0" g="0" b="0"/>
+      </a:fillRef>
+      <a:effectRef idx="0">
+        <a:scrgbClr r="0" g="0" b="0"/>
+      </a:effectRef>
+      <a:fontRef idx="minor"/>
+    </dgm:style>
+  </dgm:styleLbl>
+  <dgm:styleLbl name="fgAcc0">
+    <dgm:scene3d>
+      <a:camera prst="orthographicFront"/>
+      <a:lightRig rig="threePt" dir="t"/>
+    </dgm:scene3d>
+    <dgm:sp3d/>
+    <dgm:txPr/>
+    <dgm:style>
+      <a:lnRef idx="2">
+        <a:scrgbClr r="0" g="0" b="0"/>
+      </a:lnRef>
+      <a:fillRef idx="1">
+        <a:scrgbClr r="0" g="0" b="0"/>
+      </a:fillRef>
+      <a:effectRef idx="0">
+        <a:scrgbClr r="0" g="0" b="0"/>
+      </a:effectRef>
+      <a:fontRef idx="minor"/>
+    </dgm:style>
+  </dgm:styleLbl>
+  <dgm:styleLbl name="fgAcc2">
+    <dgm:scene3d>
+      <a:camera prst="orthographicFront"/>
+      <a:lightRig rig="threePt" dir="t"/>
+    </dgm:scene3d>
+    <dgm:sp3d/>
+    <dgm:txPr/>
+    <dgm:style>
+      <a:lnRef idx="2">
+        <a:scrgbClr r="0" g="0" b="0"/>
+      </a:lnRef>
+      <a:fillRef idx="1">
+        <a:scrgbClr r="0" g="0" b="0"/>
+      </a:fillRef>
+      <a:effectRef idx="0">
+        <a:scrgbClr r="0" g="0" b="0"/>
+      </a:effectRef>
+      <a:fontRef idx="minor"/>
+    </dgm:style>
+  </dgm:styleLbl>
+  <dgm:styleLbl name="fgAcc3">
+    <dgm:scene3d>
+      <a:camera prst="orthographicFront"/>
+      <a:lightRig rig="threePt" dir="t"/>
+    </dgm:scene3d>
+    <dgm:sp3d/>
+    <dgm:txPr/>
+    <dgm:style>
+      <a:lnRef idx="2">
+        <a:scrgbClr r="0" g="0" b="0"/>
+      </a:lnRef>
+      <a:fillRef idx="1">
+        <a:scrgbClr r="0" g="0" b="0"/>
+      </a:fillRef>
+      <a:effectRef idx="0">
+        <a:scrgbClr r="0" g="0" b="0"/>
+      </a:effectRef>
+      <a:fontRef idx="minor"/>
+    </dgm:style>
+  </dgm:styleLbl>
+  <dgm:styleLbl name="fgAcc4">
+    <dgm:scene3d>
+      <a:camera prst="orthographicFront"/>
+      <a:lightRig rig="threePt" dir="t"/>
+    </dgm:scene3d>
+    <dgm:sp3d/>
+    <dgm:txPr/>
+    <dgm:style>
+      <a:lnRef idx="2">
+        <a:scrgbClr r="0" g="0" b="0"/>
+      </a:lnRef>
+      <a:fillRef idx="1">
+        <a:scrgbClr r="0" g="0" b="0"/>
+      </a:fillRef>
+      <a:effectRef idx="0">
+        <a:scrgbClr r="0" g="0" b="0"/>
+      </a:effectRef>
+      <a:fontRef idx="minor"/>
+    </dgm:style>
+  </dgm:styleLbl>
+  <dgm:styleLbl name="bgShp">
+    <dgm:scene3d>
+      <a:camera prst="orthographicFront"/>
+      <a:lightRig rig="threePt" dir="t"/>
+    </dgm:scene3d>
+    <dgm:sp3d/>
+    <dgm:txPr/>
+    <dgm:style>
+      <a:lnRef idx="0">
+        <a:scrgbClr r="0" g="0" b="0"/>
+      </a:lnRef>
+      <a:fillRef idx="1">
+        <a:scrgbClr r="0" g="0" b="0"/>
+      </a:fillRef>
+      <a:effectRef idx="0">
+        <a:scrgbClr r="0" g="0" b="0"/>
+      </a:effectRef>
+      <a:fontRef idx="minor"/>
+    </dgm:style>
+  </dgm:styleLbl>
+  <dgm:styleLbl name="dkBgShp">
+    <dgm:scene3d>
+      <a:camera prst="orthographicFront"/>
+      <a:lightRig rig="threePt" dir="t"/>
+    </dgm:scene3d>
+    <dgm:sp3d/>
+    <dgm:txPr/>
+    <dgm:style>
+      <a:lnRef idx="0">
+        <a:scrgbClr r="0" g="0" b="0"/>
+      </a:lnRef>
+      <a:fillRef idx="1">
+        <a:scrgbClr r="0" g="0" b="0"/>
+      </a:fillRef>
+      <a:effectRef idx="0">
+        <a:scrgbClr r="0" g="0" b="0"/>
+      </a:effectRef>
+      <a:fontRef idx="minor"/>
+    </dgm:style>
+  </dgm:styleLbl>
+  <dgm:styleLbl name="trBgShp">
+    <dgm:scene3d>
+      <a:camera prst="orthographicFront"/>
+      <a:lightRig rig="threePt" dir="t"/>
+    </dgm:scene3d>
+    <dgm:sp3d/>
+    <dgm:txPr/>
+    <dgm:style>
+      <a:lnRef idx="0">
+        <a:scrgbClr r="0" g="0" b="0"/>
+      </a:lnRef>
+      <a:fillRef idx="1">
+        <a:scrgbClr r="0" g="0" b="0"/>
+      </a:fillRef>
+      <a:effectRef idx="0">
+        <a:scrgbClr r="0" g="0" b="0"/>
+      </a:effectRef>
+      <a:fontRef idx="minor"/>
+    </dgm:style>
+  </dgm:styleLbl>
+  <dgm:styleLbl name="fgShp">
+    <dgm:scene3d>
+      <a:camera prst="orthographicFront"/>
+      <a:lightRig rig="threePt" dir="t"/>
+    </dgm:scene3d>
+    <dgm:sp3d/>
+    <dgm:txPr/>
+    <dgm:style>
+      <a:lnRef idx="2">
+        <a:scrgbClr r="0" g="0" b="0"/>
+      </a:lnRef>
+      <a:fillRef idx="1">
+        <a:scrgbClr r="0" g="0" b="0"/>
+      </a:fillRef>
+      <a:effectRef idx="0">
+        <a:scrgbClr r="0" g="0" b="0"/>
+      </a:effectRef>
+      <a:fontRef idx="minor"/>
+    </dgm:style>
+  </dgm:styleLbl>
+  <dgm:styleLbl name="revTx">
+    <dgm:scene3d>
+      <a:camera prst="orthographicFront"/>
+      <a:lightRig rig="threePt" dir="t"/>
+    </dgm:scene3d>
+    <dgm:sp3d/>
+    <dgm:txPr/>
+    <dgm:style>
+      <a:lnRef idx="0">
+        <a:scrgbClr r="0" g="0" b="0"/>
+      </a:lnRef>
+      <a:fillRef idx="0">
+        <a:scrgbClr r="0" g="0" b="0"/>
+      </a:fillRef>
+      <a:effectRef idx="0">
+        <a:scrgbClr r="0" g="0" b="0"/>
+      </a:effectRef>
+      <a:fontRef idx="minor"/>
+    </dgm:style>
+  </dgm:styleLbl>
+</dgm:styleDef>
+</file>
+
+<file path=ppt/diagrams/quickStyle4.xml><?xml version="1.0" encoding="utf-8"?>
 <dgm:styleDef xmlns:dgm="http://schemas.openxmlformats.org/drawingml/2006/diagram" xmlns:a="http://schemas.openxmlformats.org/drawingml/2006/main" uniqueId="urn:microsoft.com/office/officeart/2005/8/quickstyle/simple1">
   <dgm:title val=""/>
   <dgm:desc val=""/>
@@ -26922,7 +31946,7 @@
           <a:p>
             <a:fld id="{B8322ED2-AA20-DC4A-9CA1-814CBB0E7E0D}" type="datetimeFigureOut">
               <a:rPr kumimoji="1" lang="zh-TW" altLang="en-US" smtClean="0"/>
-              <a:t>2025/12/19</a:t>
+              <a:t>2026/1/15</a:t>
             </a:fld>
             <a:endParaRPr kumimoji="1" lang="zh-TW" altLang="en-US"/>
           </a:p>
@@ -27120,7 +32144,7 @@
           <a:p>
             <a:fld id="{B8322ED2-AA20-DC4A-9CA1-814CBB0E7E0D}" type="datetimeFigureOut">
               <a:rPr kumimoji="1" lang="zh-TW" altLang="en-US" smtClean="0"/>
-              <a:t>2025/12/19</a:t>
+              <a:t>2026/1/15</a:t>
             </a:fld>
             <a:endParaRPr kumimoji="1" lang="zh-TW" altLang="en-US"/>
           </a:p>
@@ -27328,7 +32352,7 @@
           <a:p>
             <a:fld id="{B8322ED2-AA20-DC4A-9CA1-814CBB0E7E0D}" type="datetimeFigureOut">
               <a:rPr kumimoji="1" lang="zh-TW" altLang="en-US" smtClean="0"/>
-              <a:t>2025/12/19</a:t>
+              <a:t>2026/1/15</a:t>
             </a:fld>
             <a:endParaRPr kumimoji="1" lang="zh-TW" altLang="en-US"/>
           </a:p>
@@ -27526,7 +32550,7 @@
           <a:p>
             <a:fld id="{B8322ED2-AA20-DC4A-9CA1-814CBB0E7E0D}" type="datetimeFigureOut">
               <a:rPr kumimoji="1" lang="zh-TW" altLang="en-US" smtClean="0"/>
-              <a:t>2025/12/19</a:t>
+              <a:t>2026/1/15</a:t>
             </a:fld>
             <a:endParaRPr kumimoji="1" lang="zh-TW" altLang="en-US"/>
           </a:p>
@@ -27801,7 +32825,7 @@
           <a:p>
             <a:fld id="{B8322ED2-AA20-DC4A-9CA1-814CBB0E7E0D}" type="datetimeFigureOut">
               <a:rPr kumimoji="1" lang="zh-TW" altLang="en-US" smtClean="0"/>
-              <a:t>2025/12/19</a:t>
+              <a:t>2026/1/15</a:t>
             </a:fld>
             <a:endParaRPr kumimoji="1" lang="zh-TW" altLang="en-US"/>
           </a:p>
@@ -28066,7 +33090,7 @@
           <a:p>
             <a:fld id="{B8322ED2-AA20-DC4A-9CA1-814CBB0E7E0D}" type="datetimeFigureOut">
               <a:rPr kumimoji="1" lang="zh-TW" altLang="en-US" smtClean="0"/>
-              <a:t>2025/12/19</a:t>
+              <a:t>2026/1/15</a:t>
             </a:fld>
             <a:endParaRPr kumimoji="1" lang="zh-TW" altLang="en-US"/>
           </a:p>
@@ -28478,7 +33502,7 @@
           <a:p>
             <a:fld id="{B8322ED2-AA20-DC4A-9CA1-814CBB0E7E0D}" type="datetimeFigureOut">
               <a:rPr kumimoji="1" lang="zh-TW" altLang="en-US" smtClean="0"/>
-              <a:t>2025/12/19</a:t>
+              <a:t>2026/1/15</a:t>
             </a:fld>
             <a:endParaRPr kumimoji="1" lang="zh-TW" altLang="en-US"/>
           </a:p>
@@ -28619,7 +33643,7 @@
           <a:p>
             <a:fld id="{B8322ED2-AA20-DC4A-9CA1-814CBB0E7E0D}" type="datetimeFigureOut">
               <a:rPr kumimoji="1" lang="zh-TW" altLang="en-US" smtClean="0"/>
-              <a:t>2025/12/19</a:t>
+              <a:t>2026/1/15</a:t>
             </a:fld>
             <a:endParaRPr kumimoji="1" lang="zh-TW" altLang="en-US"/>
           </a:p>
@@ -28732,7 +33756,7 @@
           <a:p>
             <a:fld id="{B8322ED2-AA20-DC4A-9CA1-814CBB0E7E0D}" type="datetimeFigureOut">
               <a:rPr kumimoji="1" lang="zh-TW" altLang="en-US" smtClean="0"/>
-              <a:t>2025/12/19</a:t>
+              <a:t>2026/1/15</a:t>
             </a:fld>
             <a:endParaRPr kumimoji="1" lang="zh-TW" altLang="en-US"/>
           </a:p>
@@ -29043,7 +34067,7 @@
           <a:p>
             <a:fld id="{B8322ED2-AA20-DC4A-9CA1-814CBB0E7E0D}" type="datetimeFigureOut">
               <a:rPr kumimoji="1" lang="zh-TW" altLang="en-US" smtClean="0"/>
-              <a:t>2025/12/19</a:t>
+              <a:t>2026/1/15</a:t>
             </a:fld>
             <a:endParaRPr kumimoji="1" lang="zh-TW" altLang="en-US"/>
           </a:p>
@@ -29331,7 +34355,7 @@
           <a:p>
             <a:fld id="{B8322ED2-AA20-DC4A-9CA1-814CBB0E7E0D}" type="datetimeFigureOut">
               <a:rPr kumimoji="1" lang="zh-TW" altLang="en-US" smtClean="0"/>
-              <a:t>2025/12/19</a:t>
+              <a:t>2026/1/15</a:t>
             </a:fld>
             <a:endParaRPr kumimoji="1" lang="zh-TW" altLang="en-US"/>
           </a:p>
@@ -29572,7 +34596,7 @@
           <a:p>
             <a:fld id="{B8322ED2-AA20-DC4A-9CA1-814CBB0E7E0D}" type="datetimeFigureOut">
               <a:rPr kumimoji="1" lang="zh-TW" altLang="en-US" smtClean="0"/>
-              <a:t>2025/12/19</a:t>
+              <a:t>2026/1/15</a:t>
             </a:fld>
             <a:endParaRPr kumimoji="1" lang="zh-TW" altLang="en-US"/>
           </a:p>
@@ -30014,7 +35038,7 @@
           <a:p>
             <a:r>
               <a:rPr kumimoji="1" lang="en-US" altLang="zh-TW" dirty="0"/>
-              <a:t>Categorize Data Structures</a:t>
+              <a:t>Logical Data Structures</a:t>
             </a:r>
             <a:endParaRPr kumimoji="1" lang="zh-TW" altLang="en-US" dirty="0"/>
           </a:p>
@@ -30033,13 +35057,13 @@
           <p:nvPr>
             <p:extLst>
               <p:ext uri="{D42A27DB-BD31-4B8C-83A1-F6EECF244321}">
-                <p14:modId xmlns:p14="http://schemas.microsoft.com/office/powerpoint/2010/main" val="299598863"/>
+                <p14:modId xmlns:p14="http://schemas.microsoft.com/office/powerpoint/2010/main" val="2864590576"/>
               </p:ext>
             </p:extLst>
           </p:nvPr>
         </p:nvGraphicFramePr>
         <p:xfrm>
-          <a:off x="153626" y="1931237"/>
+          <a:off x="375299" y="1639459"/>
           <a:ext cx="7253364" cy="4632544"/>
         </p:xfrm>
         <a:graphic>
@@ -30050,10 +35074,10 @@
       </p:graphicFrame>
       <p:sp>
         <p:nvSpPr>
-          <p:cNvPr id="5" name="文字方塊 4">
+          <p:cNvPr id="3" name="文字方塊 2">
             <a:extLst>
               <a:ext uri="{FF2B5EF4-FFF2-40B4-BE49-F238E27FC236}">
-                <a16:creationId xmlns:a16="http://schemas.microsoft.com/office/drawing/2014/main" id="{69D2811F-CB44-97D2-D57A-E1D9AB288AC8}"/>
+                <a16:creationId xmlns:a16="http://schemas.microsoft.com/office/drawing/2014/main" id="{57B378D2-A503-2BDD-0222-DB6078DD0C45}"/>
               </a:ext>
             </a:extLst>
           </p:cNvPr>
@@ -30062,8 +35086,8 @@
         </p:nvSpPr>
         <p:spPr>
           <a:xfrm>
-            <a:off x="7267904" y="4932896"/>
-            <a:ext cx="4218677" cy="1559979"/>
+            <a:off x="7381893" y="4553391"/>
+            <a:ext cx="4218677" cy="1718612"/>
           </a:xfrm>
           <a:prstGeom prst="rect">
             <a:avLst/>
@@ -30085,252 +35109,27 @@
               <a:lnSpc>
                 <a:spcPct val="150000"/>
               </a:lnSpc>
-              <a:buFont typeface="Arial" panose="020B0604020202020204" pitchFamily="34" charset="0"/>
-              <a:buChar char="•"/>
             </a:pPr>
             <a:r>
-              <a:rPr lang="en-US" altLang="zh-TW" sz="1100" dirty="0">
+              <a:rPr lang="en-US" altLang="zh-TW" sz="1200" dirty="0">
                 <a:latin typeface="Hiragino Sans GB W3" panose="020B0300000000000000" pitchFamily="34" charset="-128"/>
                 <a:ea typeface="Hiragino Sans GB W3" panose="020B0300000000000000" pitchFamily="34" charset="-128"/>
               </a:rPr>
-              <a:t> Built-in / ADT: </a:t>
+              <a:t>A logical data structure defines how data elements are conceptually related and behave (like a Stack or Queue), focusing on attributes and behaviors.</a:t>
             </a:r>
-            <a:r>
-              <a:rPr lang="zh-TW" altLang="en-US" sz="1100" dirty="0">
-                <a:latin typeface="Hiragino Sans GB W3" panose="020B0300000000000000" pitchFamily="34" charset="-128"/>
-                <a:ea typeface="Hiragino Sans GB W3" panose="020B0300000000000000" pitchFamily="34" charset="-128"/>
-              </a:rPr>
-              <a:t>實作層級分類</a:t>
-            </a:r>
-            <a:r>
-              <a:rPr lang="en-US" altLang="zh-TW" sz="1100" dirty="0">
-                <a:latin typeface="Hiragino Sans GB W3" panose="020B0300000000000000" pitchFamily="34" charset="-128"/>
-                <a:ea typeface="Hiragino Sans GB W3" panose="020B0300000000000000" pitchFamily="34" charset="-128"/>
-                <a:cs typeface="Arial" panose="020B0604020202020204" pitchFamily="34" charset="0"/>
-              </a:rPr>
-              <a:t> </a:t>
-            </a:r>
-          </a:p>
-          <a:p>
-            <a:pPr marL="311150" lvl="1" indent="-171450">
-              <a:lnSpc>
-                <a:spcPct val="150000"/>
-              </a:lnSpc>
-              <a:buFont typeface="Wingdings" pitchFamily="2" charset="2"/>
-              <a:buChar char="Ø"/>
-            </a:pPr>
-            <a:r>
-              <a:rPr lang="en-US" altLang="zh-TW" sz="1050" dirty="0">
-                <a:latin typeface="Hiragino Sans GB W3" panose="020B0300000000000000" pitchFamily="34" charset="-128"/>
-                <a:ea typeface="Hiragino Sans GB W3" panose="020B0300000000000000" pitchFamily="34" charset="-128"/>
-                <a:cs typeface="Arial" panose="020B0604020202020204" pitchFamily="34" charset="0"/>
-              </a:rPr>
-              <a:t> Built-in</a:t>
-            </a:r>
-            <a:r>
-              <a:rPr lang="zh-TW" altLang="en-US" sz="1050" dirty="0">
-                <a:latin typeface="Hiragino Sans GB W3" panose="020B0300000000000000" pitchFamily="34" charset="-128"/>
-                <a:ea typeface="Hiragino Sans GB W3" panose="020B0300000000000000" pitchFamily="34" charset="-128"/>
-                <a:cs typeface="Arial" panose="020B0604020202020204" pitchFamily="34" charset="0"/>
-              </a:rPr>
-              <a:t>：</a:t>
-            </a:r>
-            <a:r>
-              <a:rPr lang="en-US" altLang="zh-TW" sz="1050" dirty="0">
-                <a:latin typeface="Hiragino Sans GB W3" panose="020B0300000000000000" pitchFamily="34" charset="-128"/>
-                <a:ea typeface="Hiragino Sans GB W3" panose="020B0300000000000000" pitchFamily="34" charset="-128"/>
-                <a:cs typeface="Arial" panose="020B0604020202020204" pitchFamily="34" charset="0"/>
-              </a:rPr>
-              <a:t>Python </a:t>
-            </a:r>
-            <a:r>
-              <a:rPr lang="zh-TW" altLang="en-US" sz="1050" dirty="0">
-                <a:latin typeface="Hiragino Sans GB W3" panose="020B0300000000000000" pitchFamily="34" charset="-128"/>
-                <a:ea typeface="Hiragino Sans GB W3" panose="020B0300000000000000" pitchFamily="34" charset="-128"/>
-                <a:cs typeface="Arial" panose="020B0604020202020204" pitchFamily="34" charset="0"/>
-              </a:rPr>
-              <a:t>已提供的內建資料型別</a:t>
-            </a:r>
-          </a:p>
-          <a:p>
-            <a:pPr marL="311150" lvl="1" indent="-171450">
-              <a:lnSpc>
-                <a:spcPct val="150000"/>
-              </a:lnSpc>
-              <a:buFont typeface="Wingdings" pitchFamily="2" charset="2"/>
-              <a:buChar char="Ø"/>
-            </a:pPr>
-            <a:r>
-              <a:rPr lang="zh-TW" altLang="en-US" sz="1050" dirty="0">
-                <a:latin typeface="Hiragino Sans GB W3" panose="020B0300000000000000" pitchFamily="34" charset="-128"/>
-                <a:ea typeface="Hiragino Sans GB W3" panose="020B0300000000000000" pitchFamily="34" charset="-128"/>
-                <a:cs typeface="Arial" panose="020B0604020202020204" pitchFamily="34" charset="0"/>
-              </a:rPr>
-              <a:t> </a:t>
-            </a:r>
-            <a:r>
-              <a:rPr lang="en-US" altLang="zh-TW" sz="1050" dirty="0">
-                <a:latin typeface="Hiragino Sans GB W3" panose="020B0300000000000000" pitchFamily="34" charset="-128"/>
-                <a:ea typeface="Hiragino Sans GB W3" panose="020B0300000000000000" pitchFamily="34" charset="-128"/>
-                <a:cs typeface="Arial" panose="020B0604020202020204" pitchFamily="34" charset="0"/>
-              </a:rPr>
-              <a:t>ADT</a:t>
-            </a:r>
-            <a:r>
-              <a:rPr lang="zh-TW" altLang="en-US" sz="1050" dirty="0">
-                <a:latin typeface="Hiragino Sans GB W3" panose="020B0300000000000000" pitchFamily="34" charset="-128"/>
-                <a:ea typeface="Hiragino Sans GB W3" panose="020B0300000000000000" pitchFamily="34" charset="-128"/>
-                <a:cs typeface="Arial" panose="020B0604020202020204" pitchFamily="34" charset="0"/>
-              </a:rPr>
-              <a:t>：以 </a:t>
-            </a:r>
-            <a:r>
-              <a:rPr lang="en-US" altLang="zh-TW" sz="1050" dirty="0">
-                <a:latin typeface="Hiragino Sans GB W3" panose="020B0300000000000000" pitchFamily="34" charset="-128"/>
-                <a:ea typeface="Hiragino Sans GB W3" panose="020B0300000000000000" pitchFamily="34" charset="-128"/>
-                <a:cs typeface="Arial" panose="020B0604020202020204" pitchFamily="34" charset="0"/>
-              </a:rPr>
-              <a:t>class </a:t>
-            </a:r>
-            <a:r>
-              <a:rPr lang="zh-TW" altLang="en-US" sz="1050" dirty="0">
-                <a:latin typeface="Hiragino Sans GB W3" panose="020B0300000000000000" pitchFamily="34" charset="-128"/>
-                <a:ea typeface="Hiragino Sans GB W3" panose="020B0300000000000000" pitchFamily="34" charset="-128"/>
-                <a:cs typeface="Arial" panose="020B0604020202020204" pitchFamily="34" charset="0"/>
-              </a:rPr>
-              <a:t>自行實作的抽象資料型別</a:t>
-            </a:r>
-            <a:endParaRPr lang="en-US" altLang="zh-TW" sz="1050" dirty="0">
-              <a:latin typeface="Hiragino Sans GB W3" panose="020B0300000000000000" pitchFamily="34" charset="-128"/>
-              <a:ea typeface="Hiragino Sans GB W3" panose="020B0300000000000000" pitchFamily="34" charset="-128"/>
-              <a:cs typeface="Arial" panose="020B0604020202020204" pitchFamily="34" charset="0"/>
-            </a:endParaRPr>
-          </a:p>
-          <a:p>
-            <a:pPr indent="14288">
-              <a:lnSpc>
-                <a:spcPct val="150000"/>
-              </a:lnSpc>
-              <a:buFont typeface="Arial" panose="020B0604020202020204" pitchFamily="34" charset="0"/>
-              <a:buChar char="•"/>
-            </a:pPr>
-            <a:r>
-              <a:rPr lang="zh-TW" altLang="en-US" sz="1100" dirty="0">
-                <a:latin typeface="Hiragino Sans GB W3" panose="020B0300000000000000" pitchFamily="34" charset="-128"/>
-                <a:ea typeface="Hiragino Sans GB W3" panose="020B0300000000000000" pitchFamily="34" charset="-128"/>
-              </a:rPr>
-              <a:t> </a:t>
-            </a:r>
-            <a:r>
-              <a:rPr lang="en-US" altLang="zh-TW" sz="1100" dirty="0">
-                <a:latin typeface="Hiragino Sans GB W3" panose="020B0300000000000000" pitchFamily="34" charset="-128"/>
-                <a:ea typeface="Hiragino Sans GB W3" panose="020B0300000000000000" pitchFamily="34" charset="-128"/>
-              </a:rPr>
-              <a:t>Linear / Non-linear: </a:t>
-            </a:r>
-            <a:r>
-              <a:rPr lang="zh-TW" altLang="en-US" sz="1100" dirty="0">
-                <a:latin typeface="Hiragino Sans GB W3" panose="020B0300000000000000" pitchFamily="34" charset="-128"/>
-                <a:ea typeface="Hiragino Sans GB W3" panose="020B0300000000000000" pitchFamily="34" charset="-128"/>
-              </a:rPr>
-              <a:t>邏輯結構分類</a:t>
-            </a:r>
-            <a:endParaRPr lang="en-US" altLang="zh-TW" sz="1100" dirty="0">
-              <a:latin typeface="Hiragino Sans GB W3" panose="020B0300000000000000" pitchFamily="34" charset="-128"/>
-              <a:ea typeface="Hiragino Sans GB W3" panose="020B0300000000000000" pitchFamily="34" charset="-128"/>
-            </a:endParaRPr>
           </a:p>
           <a:p>
             <a:pPr>
               <a:lnSpc>
                 <a:spcPct val="150000"/>
               </a:lnSpc>
-              <a:buFont typeface="Arial" panose="020B0604020202020204" pitchFamily="34" charset="0"/>
-              <a:buChar char="•"/>
             </a:pPr>
             <a:r>
-              <a:rPr lang="en-US" altLang="zh-TW" sz="1100" dirty="0">
+              <a:rPr lang="en-US" altLang="zh-TW" sz="1200" dirty="0">
                 <a:latin typeface="Hiragino Sans GB W3" panose="020B0300000000000000" pitchFamily="34" charset="-128"/>
                 <a:ea typeface="Hiragino Sans GB W3" panose="020B0300000000000000" pitchFamily="34" charset="-128"/>
               </a:rPr>
-              <a:t> Stack / Queue </a:t>
-            </a:r>
-            <a:r>
-              <a:rPr lang="zh-TW" altLang="en-US" sz="1100" dirty="0">
-                <a:latin typeface="Hiragino Sans GB W3" panose="020B0300000000000000" pitchFamily="34" charset="-128"/>
-                <a:ea typeface="Hiragino Sans GB W3" panose="020B0300000000000000" pitchFamily="34" charset="-128"/>
-              </a:rPr>
-              <a:t>是 </a:t>
-            </a:r>
-            <a:r>
-              <a:rPr lang="en-US" altLang="zh-TW" sz="1100" dirty="0">
-                <a:latin typeface="Hiragino Sans GB W3" panose="020B0300000000000000" pitchFamily="34" charset="-128"/>
-                <a:ea typeface="Hiragino Sans GB W3" panose="020B0300000000000000" pitchFamily="34" charset="-128"/>
-              </a:rPr>
-              <a:t>ADT, Python </a:t>
-            </a:r>
-            <a:r>
-              <a:rPr lang="zh-TW" altLang="en-US" sz="1100" dirty="0">
-                <a:latin typeface="Hiragino Sans GB W3" panose="020B0300000000000000" pitchFamily="34" charset="-128"/>
-                <a:ea typeface="Hiragino Sans GB W3" panose="020B0300000000000000" pitchFamily="34" charset="-128"/>
-              </a:rPr>
-              <a:t>常用 </a:t>
-            </a:r>
-            <a:r>
-              <a:rPr lang="en-US" altLang="zh-TW" sz="1100" dirty="0">
-                <a:latin typeface="Hiragino Sans GB W3" panose="020B0300000000000000" pitchFamily="34" charset="-128"/>
-                <a:ea typeface="Hiragino Sans GB W3" panose="020B0300000000000000" pitchFamily="34" charset="-128"/>
-              </a:rPr>
-              <a:t>list</a:t>
-            </a:r>
-            <a:r>
-              <a:rPr lang="zh-TW" altLang="en-US" sz="1100" dirty="0">
-                <a:latin typeface="Hiragino Sans GB W3" panose="020B0300000000000000" pitchFamily="34" charset="-128"/>
-                <a:ea typeface="Hiragino Sans GB W3" panose="020B0300000000000000" pitchFamily="34" charset="-128"/>
-              </a:rPr>
-              <a:t>來實作</a:t>
-            </a:r>
-            <a:r>
-              <a:rPr lang="en-US" altLang="zh-TW" sz="1100" dirty="0">
-                <a:latin typeface="Hiragino Sans GB W3" panose="020B0300000000000000" pitchFamily="34" charset="-128"/>
-                <a:ea typeface="Hiragino Sans GB W3" panose="020B0300000000000000" pitchFamily="34" charset="-128"/>
-              </a:rPr>
-              <a:t>Stack, </a:t>
-            </a:r>
-            <a:r>
-              <a:rPr lang="zh-TW" altLang="en-US" sz="1100" dirty="0">
-                <a:latin typeface="Hiragino Sans GB W3" panose="020B0300000000000000" pitchFamily="34" charset="-128"/>
-                <a:ea typeface="Hiragino Sans GB W3" panose="020B0300000000000000" pitchFamily="34" charset="-128"/>
-              </a:rPr>
-              <a:t>用 </a:t>
-            </a:r>
-            <a:r>
-              <a:rPr lang="en-US" altLang="zh-TW" sz="1100" dirty="0" err="1">
-                <a:latin typeface="Hiragino Sans GB W3" panose="020B0300000000000000" pitchFamily="34" charset="-128"/>
-                <a:ea typeface="Hiragino Sans GB W3" panose="020B0300000000000000" pitchFamily="34" charset="-128"/>
-              </a:rPr>
-              <a:t>collections.deque</a:t>
-            </a:r>
-            <a:r>
-              <a:rPr lang="en-US" altLang="zh-TW" sz="1100" dirty="0">
-                <a:latin typeface="Hiragino Sans GB W3" panose="020B0300000000000000" pitchFamily="34" charset="-128"/>
-                <a:ea typeface="Hiragino Sans GB W3" panose="020B0300000000000000" pitchFamily="34" charset="-128"/>
-              </a:rPr>
-              <a:t> </a:t>
-            </a:r>
-            <a:r>
-              <a:rPr lang="zh-TW" altLang="en-US" sz="1100" dirty="0">
-                <a:latin typeface="Hiragino Sans GB W3" panose="020B0300000000000000" pitchFamily="34" charset="-128"/>
-                <a:ea typeface="Hiragino Sans GB W3" panose="020B0300000000000000" pitchFamily="34" charset="-128"/>
-              </a:rPr>
-              <a:t>來實作</a:t>
-            </a:r>
-            <a:r>
-              <a:rPr lang="en-US" altLang="zh-TW" sz="1100" dirty="0">
-                <a:latin typeface="Hiragino Sans GB W3" panose="020B0300000000000000" pitchFamily="34" charset="-128"/>
-                <a:ea typeface="Hiragino Sans GB W3" panose="020B0300000000000000" pitchFamily="34" charset="-128"/>
-              </a:rPr>
-              <a:t>Queue</a:t>
+              <a:t>It provides an abstract, platform-independent view, enabling flexible design and maintenance by separating what data is needed from how it's stored. </a:t>
             </a:r>
           </a:p>
         </p:txBody>
@@ -30349,6 +35148,149 @@
 </file>
 
 <file path=ppt/slides/slide2.xml><?xml version="1.0" encoding="utf-8"?>
+<p:sld xmlns:a="http://schemas.openxmlformats.org/drawingml/2006/main" xmlns:r="http://schemas.openxmlformats.org/officeDocument/2006/relationships" xmlns:p="http://schemas.openxmlformats.org/presentationml/2006/main">
+  <p:cSld>
+    <p:spTree>
+      <p:nvGrpSpPr>
+        <p:cNvPr id="1" name="">
+          <a:extLst>
+            <a:ext uri="{FF2B5EF4-FFF2-40B4-BE49-F238E27FC236}">
+              <a16:creationId xmlns:a16="http://schemas.microsoft.com/office/drawing/2014/main" id="{24D2CE75-4A7E-ED55-64F3-6E3FE0CAD2CE}"/>
+            </a:ext>
+          </a:extLst>
+        </p:cNvPr>
+        <p:cNvGrpSpPr/>
+        <p:nvPr/>
+      </p:nvGrpSpPr>
+      <p:grpSpPr>
+        <a:xfrm>
+          <a:off x="0" y="0"/>
+          <a:ext cx="0" cy="0"/>
+          <a:chOff x="0" y="0"/>
+          <a:chExt cx="0" cy="0"/>
+        </a:xfrm>
+      </p:grpSpPr>
+      <p:sp>
+        <p:nvSpPr>
+          <p:cNvPr id="2" name="標題 1">
+            <a:extLst>
+              <a:ext uri="{FF2B5EF4-FFF2-40B4-BE49-F238E27FC236}">
+                <a16:creationId xmlns:a16="http://schemas.microsoft.com/office/drawing/2014/main" id="{1F100CD8-180B-C70A-3942-03F6827EF28B}"/>
+              </a:ext>
+            </a:extLst>
+          </p:cNvPr>
+          <p:cNvSpPr>
+            <a:spLocks noGrp="1"/>
+          </p:cNvSpPr>
+          <p:nvPr>
+            <p:ph type="title"/>
+          </p:nvPr>
+        </p:nvSpPr>
+        <p:spPr/>
+        <p:txBody>
+          <a:bodyPr>
+            <a:normAutofit/>
+          </a:bodyPr>
+          <a:lstStyle/>
+          <a:p>
+            <a:r>
+              <a:rPr kumimoji="1" lang="en-US" altLang="zh-TW" dirty="0"/>
+              <a:t>Physical Data Structures</a:t>
+            </a:r>
+            <a:endParaRPr kumimoji="1" lang="zh-TW" altLang="en-US" dirty="0"/>
+          </a:p>
+        </p:txBody>
+      </p:sp>
+      <p:graphicFrame>
+        <p:nvGraphicFramePr>
+          <p:cNvPr id="4" name="資料庫圖表 3">
+            <a:extLst>
+              <a:ext uri="{FF2B5EF4-FFF2-40B4-BE49-F238E27FC236}">
+                <a16:creationId xmlns:a16="http://schemas.microsoft.com/office/drawing/2014/main" id="{111E3541-A730-E724-0EDE-CE274E047BE6}"/>
+              </a:ext>
+            </a:extLst>
+          </p:cNvPr>
+          <p:cNvGraphicFramePr/>
+          <p:nvPr>
+            <p:extLst>
+              <p:ext uri="{D42A27DB-BD31-4B8C-83A1-F6EECF244321}">
+                <p14:modId xmlns:p14="http://schemas.microsoft.com/office/powerpoint/2010/main" val="2131519661"/>
+              </p:ext>
+            </p:extLst>
+          </p:nvPr>
+        </p:nvGraphicFramePr>
+        <p:xfrm>
+          <a:off x="256309" y="1668538"/>
+          <a:ext cx="7253364" cy="4632544"/>
+        </p:xfrm>
+        <a:graphic>
+          <a:graphicData uri="http://schemas.openxmlformats.org/drawingml/2006/diagram">
+            <dgm:relIds xmlns:dgm="http://schemas.openxmlformats.org/drawingml/2006/diagram" xmlns:r="http://schemas.openxmlformats.org/officeDocument/2006/relationships" r:dm="rId2" r:lo="rId3" r:qs="rId4" r:cs="rId5"/>
+          </a:graphicData>
+        </a:graphic>
+      </p:graphicFrame>
+      <p:sp>
+        <p:nvSpPr>
+          <p:cNvPr id="3" name="文字方塊 2">
+            <a:extLst>
+              <a:ext uri="{FF2B5EF4-FFF2-40B4-BE49-F238E27FC236}">
+                <a16:creationId xmlns:a16="http://schemas.microsoft.com/office/drawing/2014/main" id="{00F4CD5B-4597-12FF-9265-93D35DF70B29}"/>
+              </a:ext>
+            </a:extLst>
+          </p:cNvPr>
+          <p:cNvSpPr txBox="1"/>
+          <p:nvPr/>
+        </p:nvSpPr>
+        <p:spPr>
+          <a:xfrm>
+            <a:off x="7295612" y="4957766"/>
+            <a:ext cx="4218677" cy="1343316"/>
+          </a:xfrm>
+          <a:prstGeom prst="rect">
+            <a:avLst/>
+          </a:prstGeom>
+          <a:solidFill>
+            <a:schemeClr val="accent4">
+              <a:lumMod val="20000"/>
+              <a:lumOff val="80000"/>
+            </a:schemeClr>
+          </a:solidFill>
+        </p:spPr>
+        <p:txBody>
+          <a:bodyPr wrap="square">
+            <a:spAutoFit/>
+          </a:bodyPr>
+          <a:lstStyle/>
+          <a:p>
+            <a:pPr>
+              <a:lnSpc>
+                <a:spcPct val="150000"/>
+              </a:lnSpc>
+            </a:pPr>
+            <a:r>
+              <a:rPr lang="en-US" altLang="zh-TW" sz="1400" dirty="0">
+                <a:latin typeface="Hiragino Sans GB W3" panose="020B0300000000000000" pitchFamily="34" charset="-128"/>
+                <a:ea typeface="Hiragino Sans GB W3" panose="020B0300000000000000" pitchFamily="34" charset="-128"/>
+              </a:rPr>
+              <a:t>A physical data structure is the concrete, low-level implementation of a logical data structure, defining exactly how data is stored in computer memory or in disk.</a:t>
+            </a:r>
+          </a:p>
+        </p:txBody>
+      </p:sp>
+    </p:spTree>
+    <p:extLst>
+      <p:ext uri="{BB962C8B-B14F-4D97-AF65-F5344CB8AC3E}">
+        <p14:creationId xmlns:p14="http://schemas.microsoft.com/office/powerpoint/2010/main" val="2099466742"/>
+      </p:ext>
+    </p:extLst>
+  </p:cSld>
+  <p:clrMapOvr>
+    <a:masterClrMapping/>
+  </p:clrMapOvr>
+</p:sld>
+</file>
+
+<file path=ppt/slides/slide3.xml><?xml version="1.0" encoding="utf-8"?>
 <p:sld xmlns:a="http://schemas.openxmlformats.org/drawingml/2006/main" xmlns:r="http://schemas.openxmlformats.org/officeDocument/2006/relationships" xmlns:p="http://schemas.openxmlformats.org/presentationml/2006/main">
   <p:cSld>
     <p:spTree>
@@ -30437,7 +35379,7 @@
 </p:sld>
 </file>
 
-<file path=ppt/slides/slide3.xml><?xml version="1.0" encoding="utf-8"?>
+<file path=ppt/slides/slide4.xml><?xml version="1.0" encoding="utf-8"?>
 <p:sld xmlns:a="http://schemas.openxmlformats.org/drawingml/2006/main" xmlns:r="http://schemas.openxmlformats.org/officeDocument/2006/relationships" xmlns:p="http://schemas.openxmlformats.org/presentationml/2006/main">
   <p:cSld>
     <p:spTree>
@@ -30511,7 +35453,7 @@
           <p:nvPr>
             <p:extLst>
               <p:ext uri="{D42A27DB-BD31-4B8C-83A1-F6EECF244321}">
-                <p14:modId xmlns:p14="http://schemas.microsoft.com/office/powerpoint/2010/main" val="2968574650"/>
+                <p14:modId xmlns:p14="http://schemas.microsoft.com/office/powerpoint/2010/main" val="788855129"/>
               </p:ext>
             </p:extLst>
           </p:nvPr>
@@ -30539,7 +35481,7 @@
 </p:sld>
 </file>
 
-<file path=ppt/slides/slide4.xml><?xml version="1.0" encoding="utf-8"?>
+<file path=ppt/slides/slide5.xml><?xml version="1.0" encoding="utf-8"?>
 <p:sld xmlns:a="http://schemas.openxmlformats.org/drawingml/2006/main" xmlns:r="http://schemas.openxmlformats.org/officeDocument/2006/relationships" xmlns:p="http://schemas.openxmlformats.org/presentationml/2006/main">
   <p:cSld>
     <p:spTree>

--- a/asset/ppt/ch01a.pptx
+++ b/asset/ppt/ch01a.pptx
@@ -5684,49 +5684,6 @@
         </a:p>
       </dgm:t>
     </dgm:pt>
-    <dgm:pt modelId="{DE05944C-C445-3843-86E7-42717FB564BA}">
-      <dgm:prSet phldrT="[文字]" custT="1"/>
-      <dgm:spPr/>
-      <dgm:t>
-        <a:bodyPr/>
-        <a:lstStyle/>
-        <a:p>
-          <a:r>
-            <a:rPr lang="en-US" altLang="en-US" sz="1400" dirty="0">
-              <a:latin typeface="Arial" panose="020B0604020202020204" pitchFamily="34" charset="0"/>
-              <a:cs typeface="Arial" panose="020B0604020202020204" pitchFamily="34" charset="0"/>
-            </a:rPr>
-            <a:t>Circular Linked List</a:t>
-          </a:r>
-          <a:endParaRPr lang="zh-TW" altLang="en-US" sz="1400" dirty="0">
-            <a:latin typeface="Arial" panose="020B0604020202020204" pitchFamily="34" charset="0"/>
-            <a:cs typeface="Arial" panose="020B0604020202020204" pitchFamily="34" charset="0"/>
-          </a:endParaRPr>
-        </a:p>
-      </dgm:t>
-    </dgm:pt>
-    <dgm:pt modelId="{D80F078F-F412-DE43-9E1C-4DD454149CDC}" type="parTrans" cxnId="{E2D5E61D-DCF1-A745-B635-320E3A09DFB0}">
-      <dgm:prSet/>
-      <dgm:spPr/>
-      <dgm:t>
-        <a:bodyPr/>
-        <a:lstStyle/>
-        <a:p>
-          <a:endParaRPr lang="zh-TW" altLang="en-US" sz="2400"/>
-        </a:p>
-      </dgm:t>
-    </dgm:pt>
-    <dgm:pt modelId="{69367361-7A65-C74A-95DF-E9B4298596D1}" type="sibTrans" cxnId="{E2D5E61D-DCF1-A745-B635-320E3A09DFB0}">
-      <dgm:prSet/>
-      <dgm:spPr/>
-      <dgm:t>
-        <a:bodyPr/>
-        <a:lstStyle/>
-        <a:p>
-          <a:endParaRPr lang="zh-TW" altLang="en-US" sz="2400"/>
-        </a:p>
-      </dgm:t>
-    </dgm:pt>
     <dgm:pt modelId="{0E281403-D2B0-9E4B-B270-D0C36855A987}" type="pres">
       <dgm:prSet presAssocID="{25FF79B9-8A4E-2846-8389-DA2539AC0E91}" presName="hierChild1" presStyleCnt="0">
         <dgm:presLayoutVars>
@@ -5801,7 +5758,7 @@
       <dgm:spPr/>
     </dgm:pt>
     <dgm:pt modelId="{EB4D5CBC-5CFD-E64E-94DC-D7DD6C39BABC}" type="pres">
-      <dgm:prSet presAssocID="{B575CBB5-8761-9946-BD17-CD458C435D86}" presName="Name37" presStyleLbl="parChTrans1D3" presStyleIdx="0" presStyleCnt="5"/>
+      <dgm:prSet presAssocID="{B575CBB5-8761-9946-BD17-CD458C435D86}" presName="Name37" presStyleLbl="parChTrans1D3" presStyleIdx="0" presStyleCnt="4"/>
       <dgm:spPr/>
     </dgm:pt>
     <dgm:pt modelId="{AC061B37-1439-8D46-ADFB-32E0EF47EEB2}" type="pres">
@@ -5817,7 +5774,7 @@
       <dgm:spPr/>
     </dgm:pt>
     <dgm:pt modelId="{B4FBC950-3436-5547-B874-96C0921DAD13}" type="pres">
-      <dgm:prSet presAssocID="{737B4950-C266-6E45-9829-4E496D4C5CEA}" presName="rootText" presStyleLbl="node3" presStyleIdx="0" presStyleCnt="5">
+      <dgm:prSet presAssocID="{737B4950-C266-6E45-9829-4E496D4C5CEA}" presName="rootText" presStyleLbl="node3" presStyleIdx="0" presStyleCnt="4">
         <dgm:presLayoutVars>
           <dgm:chPref val="3"/>
         </dgm:presLayoutVars>
@@ -5825,7 +5782,7 @@
       <dgm:spPr/>
     </dgm:pt>
     <dgm:pt modelId="{2BB3EFCB-3D1A-274B-9C8A-B21D61F4B3C5}" type="pres">
-      <dgm:prSet presAssocID="{737B4950-C266-6E45-9829-4E496D4C5CEA}" presName="rootConnector" presStyleLbl="node3" presStyleIdx="0" presStyleCnt="5"/>
+      <dgm:prSet presAssocID="{737B4950-C266-6E45-9829-4E496D4C5CEA}" presName="rootConnector" presStyleLbl="node3" presStyleIdx="0" presStyleCnt="4"/>
       <dgm:spPr/>
     </dgm:pt>
     <dgm:pt modelId="{8D4E4590-FB53-FE4D-BC19-7598AA14CF51}" type="pres">
@@ -5837,7 +5794,7 @@
       <dgm:spPr/>
     </dgm:pt>
     <dgm:pt modelId="{C4E2BFB1-2EA0-1F4A-82B4-ABE891E932D4}" type="pres">
-      <dgm:prSet presAssocID="{53AB89B8-2CEB-8B4F-A4A5-9E144AC05308}" presName="Name37" presStyleLbl="parChTrans1D3" presStyleIdx="1" presStyleCnt="5"/>
+      <dgm:prSet presAssocID="{53AB89B8-2CEB-8B4F-A4A5-9E144AC05308}" presName="Name37" presStyleLbl="parChTrans1D3" presStyleIdx="1" presStyleCnt="4"/>
       <dgm:spPr/>
     </dgm:pt>
     <dgm:pt modelId="{35606105-E21E-3741-AEEA-48DAF5D491C8}" type="pres">
@@ -5853,7 +5810,7 @@
       <dgm:spPr/>
     </dgm:pt>
     <dgm:pt modelId="{4A003CC7-CC23-8745-8939-193C1E158901}" type="pres">
-      <dgm:prSet presAssocID="{38CCC40C-91F2-DF4D-9924-16145272738B}" presName="rootText" presStyleLbl="node3" presStyleIdx="1" presStyleCnt="5">
+      <dgm:prSet presAssocID="{38CCC40C-91F2-DF4D-9924-16145272738B}" presName="rootText" presStyleLbl="node3" presStyleIdx="1" presStyleCnt="4">
         <dgm:presLayoutVars>
           <dgm:chPref val="3"/>
         </dgm:presLayoutVars>
@@ -5861,7 +5818,7 @@
       <dgm:spPr/>
     </dgm:pt>
     <dgm:pt modelId="{32D3E684-A284-C24B-A176-9C7F3839C399}" type="pres">
-      <dgm:prSet presAssocID="{38CCC40C-91F2-DF4D-9924-16145272738B}" presName="rootConnector" presStyleLbl="node3" presStyleIdx="1" presStyleCnt="5"/>
+      <dgm:prSet presAssocID="{38CCC40C-91F2-DF4D-9924-16145272738B}" presName="rootConnector" presStyleLbl="node3" presStyleIdx="1" presStyleCnt="4"/>
       <dgm:spPr/>
     </dgm:pt>
     <dgm:pt modelId="{D47C255B-2720-C242-9DC8-4DD9019561C3}" type="pres">
@@ -5909,7 +5866,7 @@
       <dgm:spPr/>
     </dgm:pt>
     <dgm:pt modelId="{743172C3-3363-F54F-9FA3-3950DF47F2B4}" type="pres">
-      <dgm:prSet presAssocID="{8C1C897C-7F20-8443-AAFD-FE1B78D08CAF}" presName="Name37" presStyleLbl="parChTrans1D3" presStyleIdx="2" presStyleCnt="5"/>
+      <dgm:prSet presAssocID="{8C1C897C-7F20-8443-AAFD-FE1B78D08CAF}" presName="Name37" presStyleLbl="parChTrans1D3" presStyleIdx="2" presStyleCnt="4"/>
       <dgm:spPr/>
     </dgm:pt>
     <dgm:pt modelId="{622B0D67-15A5-E243-A850-C65DF55FD773}" type="pres">
@@ -5925,7 +5882,7 @@
       <dgm:spPr/>
     </dgm:pt>
     <dgm:pt modelId="{2A289A3D-8DE1-004D-9E92-FA08A37AE63D}" type="pres">
-      <dgm:prSet presAssocID="{86FA0EE6-A0BE-4C40-BE6C-7F12FD4643ED}" presName="rootText" presStyleLbl="node3" presStyleIdx="2" presStyleCnt="5">
+      <dgm:prSet presAssocID="{86FA0EE6-A0BE-4C40-BE6C-7F12FD4643ED}" presName="rootText" presStyleLbl="node3" presStyleIdx="2" presStyleCnt="4">
         <dgm:presLayoutVars>
           <dgm:chPref val="3"/>
         </dgm:presLayoutVars>
@@ -5933,7 +5890,7 @@
       <dgm:spPr/>
     </dgm:pt>
     <dgm:pt modelId="{4FAF10BB-4810-2E44-9F56-CEFC4734CFB5}" type="pres">
-      <dgm:prSet presAssocID="{86FA0EE6-A0BE-4C40-BE6C-7F12FD4643ED}" presName="rootConnector" presStyleLbl="node3" presStyleIdx="2" presStyleCnt="5"/>
+      <dgm:prSet presAssocID="{86FA0EE6-A0BE-4C40-BE6C-7F12FD4643ED}" presName="rootConnector" presStyleLbl="node3" presStyleIdx="2" presStyleCnt="4"/>
       <dgm:spPr/>
     </dgm:pt>
     <dgm:pt modelId="{26D1800C-628A-1144-8328-0AA174230E68}" type="pres">
@@ -5945,7 +5902,7 @@
       <dgm:spPr/>
     </dgm:pt>
     <dgm:pt modelId="{6C822C9E-835E-5645-AF5D-7834466D4748}" type="pres">
-      <dgm:prSet presAssocID="{99C78B52-94E4-714E-9A14-F7E05080D0B9}" presName="Name37" presStyleLbl="parChTrans1D3" presStyleIdx="3" presStyleCnt="5"/>
+      <dgm:prSet presAssocID="{99C78B52-94E4-714E-9A14-F7E05080D0B9}" presName="Name37" presStyleLbl="parChTrans1D3" presStyleIdx="3" presStyleCnt="4"/>
       <dgm:spPr/>
     </dgm:pt>
     <dgm:pt modelId="{A11D60BE-D709-7D46-9CC9-0FAAFA76395C}" type="pres">
@@ -5961,7 +5918,7 @@
       <dgm:spPr/>
     </dgm:pt>
     <dgm:pt modelId="{9ABB7012-2C3A-1F45-A584-55AC9607BB7D}" type="pres">
-      <dgm:prSet presAssocID="{EA7CE616-30E6-3F4F-89C1-44E5AC482DFC}" presName="rootText" presStyleLbl="node3" presStyleIdx="3" presStyleCnt="5">
+      <dgm:prSet presAssocID="{EA7CE616-30E6-3F4F-89C1-44E5AC482DFC}" presName="rootText" presStyleLbl="node3" presStyleIdx="3" presStyleCnt="4">
         <dgm:presLayoutVars>
           <dgm:chPref val="3"/>
         </dgm:presLayoutVars>
@@ -5969,7 +5926,7 @@
       <dgm:spPr/>
     </dgm:pt>
     <dgm:pt modelId="{B6487BCC-6F97-2843-9712-E2CC5D7D8649}" type="pres">
-      <dgm:prSet presAssocID="{EA7CE616-30E6-3F4F-89C1-44E5AC482DFC}" presName="rootConnector" presStyleLbl="node3" presStyleIdx="3" presStyleCnt="5"/>
+      <dgm:prSet presAssocID="{EA7CE616-30E6-3F4F-89C1-44E5AC482DFC}" presName="rootConnector" presStyleLbl="node3" presStyleIdx="3" presStyleCnt="4"/>
       <dgm:spPr/>
     </dgm:pt>
     <dgm:pt modelId="{C221ABC6-CDB1-804B-BCE5-1D29AFD0F171}" type="pres">
@@ -5978,42 +5935,6 @@
     </dgm:pt>
     <dgm:pt modelId="{26C2D325-22A3-CF4E-B37E-A847CF815492}" type="pres">
       <dgm:prSet presAssocID="{EA7CE616-30E6-3F4F-89C1-44E5AC482DFC}" presName="hierChild5" presStyleCnt="0"/>
-      <dgm:spPr/>
-    </dgm:pt>
-    <dgm:pt modelId="{A2096E2B-CDC6-E142-AC97-ECB1CBF2B7D8}" type="pres">
-      <dgm:prSet presAssocID="{D80F078F-F412-DE43-9E1C-4DD454149CDC}" presName="Name37" presStyleLbl="parChTrans1D3" presStyleIdx="4" presStyleCnt="5"/>
-      <dgm:spPr/>
-    </dgm:pt>
-    <dgm:pt modelId="{097568F2-4CD3-3D40-9DB6-5083F3EBA2A0}" type="pres">
-      <dgm:prSet presAssocID="{DE05944C-C445-3843-86E7-42717FB564BA}" presName="hierRoot2" presStyleCnt="0">
-        <dgm:presLayoutVars>
-          <dgm:hierBranch val="init"/>
-        </dgm:presLayoutVars>
-      </dgm:prSet>
-      <dgm:spPr/>
-    </dgm:pt>
-    <dgm:pt modelId="{CF354057-2D4D-5043-8EB2-80FCB83ED66A}" type="pres">
-      <dgm:prSet presAssocID="{DE05944C-C445-3843-86E7-42717FB564BA}" presName="rootComposite" presStyleCnt="0"/>
-      <dgm:spPr/>
-    </dgm:pt>
-    <dgm:pt modelId="{B0E9F654-DD3E-0745-8C53-25DAB5196B19}" type="pres">
-      <dgm:prSet presAssocID="{DE05944C-C445-3843-86E7-42717FB564BA}" presName="rootText" presStyleLbl="node3" presStyleIdx="4" presStyleCnt="5">
-        <dgm:presLayoutVars>
-          <dgm:chPref val="3"/>
-        </dgm:presLayoutVars>
-      </dgm:prSet>
-      <dgm:spPr/>
-    </dgm:pt>
-    <dgm:pt modelId="{B220F052-6765-2E48-9398-1E870F7047BF}" type="pres">
-      <dgm:prSet presAssocID="{DE05944C-C445-3843-86E7-42717FB564BA}" presName="rootConnector" presStyleLbl="node3" presStyleIdx="4" presStyleCnt="5"/>
-      <dgm:spPr/>
-    </dgm:pt>
-    <dgm:pt modelId="{3C237C96-3CC2-4D43-B7A1-6B6307334424}" type="pres">
-      <dgm:prSet presAssocID="{DE05944C-C445-3843-86E7-42717FB564BA}" presName="hierChild4" presStyleCnt="0"/>
-      <dgm:spPr/>
-    </dgm:pt>
-    <dgm:pt modelId="{4E66AA70-766C-3F43-8FE6-35B56737BD3D}" type="pres">
-      <dgm:prSet presAssocID="{DE05944C-C445-3843-86E7-42717FB564BA}" presName="hierChild5" presStyleCnt="0"/>
       <dgm:spPr/>
     </dgm:pt>
     <dgm:pt modelId="{517B4D64-22C2-4546-9238-B4B6638DF77F}" type="pres">
@@ -6028,7 +5949,6 @@
   <dgm:cxnLst>
     <dgm:cxn modelId="{1B2C3714-B42C-CE43-B72B-1844C7BBCD4D}" type="presOf" srcId="{8C1C897C-7F20-8443-AAFD-FE1B78D08CAF}" destId="{743172C3-3363-F54F-9FA3-3950DF47F2B4}" srcOrd="0" destOrd="0" presId="urn:microsoft.com/office/officeart/2005/8/layout/orgChart1"/>
     <dgm:cxn modelId="{C3561B1A-F53E-FE41-98DA-68BD4520686F}" type="presOf" srcId="{53AB89B8-2CEB-8B4F-A4A5-9E144AC05308}" destId="{C4E2BFB1-2EA0-1F4A-82B4-ABE891E932D4}" srcOrd="0" destOrd="0" presId="urn:microsoft.com/office/officeart/2005/8/layout/orgChart1"/>
-    <dgm:cxn modelId="{E2D5E61D-DCF1-A745-B635-320E3A09DFB0}" srcId="{C1E48158-7719-E149-A865-C6594D4EBE39}" destId="{DE05944C-C445-3843-86E7-42717FB564BA}" srcOrd="2" destOrd="0" parTransId="{D80F078F-F412-DE43-9E1C-4DD454149CDC}" sibTransId="{69367361-7A65-C74A-95DF-E9B4298596D1}"/>
     <dgm:cxn modelId="{01180936-F2C9-4740-B3DF-603DC6F605F2}" srcId="{C1E48158-7719-E149-A865-C6594D4EBE39}" destId="{EA7CE616-30E6-3F4F-89C1-44E5AC482DFC}" srcOrd="1" destOrd="0" parTransId="{99C78B52-94E4-714E-9A14-F7E05080D0B9}" sibTransId="{734C90A7-5746-214F-8FDD-318370DC07C8}"/>
     <dgm:cxn modelId="{E79FD738-0B95-B741-B261-0102EA99036D}" type="presOf" srcId="{EA7CE616-30E6-3F4F-89C1-44E5AC482DFC}" destId="{9ABB7012-2C3A-1F45-A584-55AC9607BB7D}" srcOrd="0" destOrd="0" presId="urn:microsoft.com/office/officeart/2005/8/layout/orgChart1"/>
     <dgm:cxn modelId="{2A6B793A-4FF3-2645-8715-F6BD22F54391}" type="presOf" srcId="{38CCC40C-91F2-DF4D-9924-16145272738B}" destId="{4A003CC7-CC23-8745-8939-193C1E158901}" srcOrd="0" destOrd="0" presId="urn:microsoft.com/office/officeart/2005/8/layout/orgChart1"/>
@@ -6040,7 +5960,6 @@
     <dgm:cxn modelId="{CB70906B-19AC-8E4D-A4D4-303597F95074}" srcId="{615322EC-29D0-BE4B-9E81-485EC64B34AD}" destId="{737B4950-C266-6E45-9829-4E496D4C5CEA}" srcOrd="0" destOrd="0" parTransId="{B575CBB5-8761-9946-BD17-CD458C435D86}" sibTransId="{A5E90349-F5FA-5B4C-B383-C2E2DCF9A2F2}"/>
     <dgm:cxn modelId="{CE35BC6C-E85D-0842-A242-7E1A369E38CA}" type="presOf" srcId="{D7F6F72D-83F3-1542-AB0B-A0F79919C62A}" destId="{F777DFC4-7111-154F-B309-9519F20588E6}" srcOrd="0" destOrd="0" presId="urn:microsoft.com/office/officeart/2005/8/layout/orgChart1"/>
     <dgm:cxn modelId="{6E2BFC6E-57B4-6A47-9024-162B67CF34FD}" type="presOf" srcId="{615322EC-29D0-BE4B-9E81-485EC64B34AD}" destId="{2886F659-6E89-BF4A-9E9B-09623E8A0CC6}" srcOrd="0" destOrd="0" presId="urn:microsoft.com/office/officeart/2005/8/layout/orgChart1"/>
-    <dgm:cxn modelId="{88F53571-2776-8E43-9099-2BC5FF1A1AA8}" type="presOf" srcId="{DE05944C-C445-3843-86E7-42717FB564BA}" destId="{B0E9F654-DD3E-0745-8C53-25DAB5196B19}" srcOrd="0" destOrd="0" presId="urn:microsoft.com/office/officeart/2005/8/layout/orgChart1"/>
     <dgm:cxn modelId="{36CE797D-A7A8-A040-9DA8-B778E4B8C284}" type="presOf" srcId="{615322EC-29D0-BE4B-9E81-485EC64B34AD}" destId="{349B1ED7-6B4C-2949-8D41-469C057AF3FD}" srcOrd="1" destOrd="0" presId="urn:microsoft.com/office/officeart/2005/8/layout/orgChart1"/>
     <dgm:cxn modelId="{77AAF989-F65E-4144-98EE-71D6AB1FC101}" srcId="{25FF79B9-8A4E-2846-8389-DA2539AC0E91}" destId="{FFBA6F8E-9722-274D-8EB3-81DF6DADB165}" srcOrd="0" destOrd="0" parTransId="{83A5552F-15A5-454E-9A48-5CE64CA84788}" sibTransId="{A8BA1CB0-422D-7A47-8C5B-7D81A0859563}"/>
     <dgm:cxn modelId="{F3AA5796-2234-CE4B-8B02-740B631D658B}" type="presOf" srcId="{86FA0EE6-A0BE-4C40-BE6C-7F12FD4643ED}" destId="{2A289A3D-8DE1-004D-9E92-FA08A37AE63D}" srcOrd="0" destOrd="0" presId="urn:microsoft.com/office/officeart/2005/8/layout/orgChart1"/>
@@ -6049,11 +5968,9 @@
     <dgm:cxn modelId="{614C36A4-1A3C-CC4F-A692-B71514FF65B7}" type="presOf" srcId="{8A4E4977-0767-6B4F-B722-EA8CD6AFC73F}" destId="{CB4246F8-540D-F047-9DAA-4403379F4330}" srcOrd="0" destOrd="0" presId="urn:microsoft.com/office/officeart/2005/8/layout/orgChart1"/>
     <dgm:cxn modelId="{7A9F56A6-D8EE-154C-B8A7-E70B0DDBA2B6}" type="presOf" srcId="{99C78B52-94E4-714E-9A14-F7E05080D0B9}" destId="{6C822C9E-835E-5645-AF5D-7834466D4748}" srcOrd="0" destOrd="0" presId="urn:microsoft.com/office/officeart/2005/8/layout/orgChart1"/>
     <dgm:cxn modelId="{0948ABAB-9194-8E4F-ADD9-8273AA8F69D9}" type="presOf" srcId="{737B4950-C266-6E45-9829-4E496D4C5CEA}" destId="{2BB3EFCB-3D1A-274B-9C8A-B21D61F4B3C5}" srcOrd="1" destOrd="0" presId="urn:microsoft.com/office/officeart/2005/8/layout/orgChart1"/>
-    <dgm:cxn modelId="{C31517BE-6461-4046-8D11-BE6C9D7D9988}" type="presOf" srcId="{D80F078F-F412-DE43-9E1C-4DD454149CDC}" destId="{A2096E2B-CDC6-E142-AC97-ECB1CBF2B7D8}" srcOrd="0" destOrd="0" presId="urn:microsoft.com/office/officeart/2005/8/layout/orgChart1"/>
     <dgm:cxn modelId="{CDB60BC6-409E-9F41-90A4-B147DB2EE1D2}" type="presOf" srcId="{25FF79B9-8A4E-2846-8389-DA2539AC0E91}" destId="{0E281403-D2B0-9E4B-B270-D0C36855A987}" srcOrd="0" destOrd="0" presId="urn:microsoft.com/office/officeart/2005/8/layout/orgChart1"/>
     <dgm:cxn modelId="{1CBCF8C9-58B2-1C4B-B7F9-09052D074631}" type="presOf" srcId="{FFBA6F8E-9722-274D-8EB3-81DF6DADB165}" destId="{F34E717F-CEE8-1546-92E5-7C4BEC135981}" srcOrd="1" destOrd="0" presId="urn:microsoft.com/office/officeart/2005/8/layout/orgChart1"/>
     <dgm:cxn modelId="{7DB96ECA-CCC1-2B44-9B10-4CF460E07B55}" srcId="{C1E48158-7719-E149-A865-C6594D4EBE39}" destId="{86FA0EE6-A0BE-4C40-BE6C-7F12FD4643ED}" srcOrd="0" destOrd="0" parTransId="{8C1C897C-7F20-8443-AAFD-FE1B78D08CAF}" sibTransId="{2D749E0D-91EF-1445-B078-86E7D0F9D84F}"/>
-    <dgm:cxn modelId="{44ECE5CF-CF7B-0546-BE03-85C791639876}" type="presOf" srcId="{DE05944C-C445-3843-86E7-42717FB564BA}" destId="{B220F052-6765-2E48-9398-1E870F7047BF}" srcOrd="1" destOrd="0" presId="urn:microsoft.com/office/officeart/2005/8/layout/orgChart1"/>
     <dgm:cxn modelId="{9EE063E2-A9CF-5242-9673-E4016594C530}" type="presOf" srcId="{C1E48158-7719-E149-A865-C6594D4EBE39}" destId="{7A9B6E53-D8B3-F344-9BF3-6219CEE9C1FC}" srcOrd="1" destOrd="0" presId="urn:microsoft.com/office/officeart/2005/8/layout/orgChart1"/>
     <dgm:cxn modelId="{012A11E6-1A8B-2543-A22A-14EB46D7428D}" type="presOf" srcId="{38CCC40C-91F2-DF4D-9924-16145272738B}" destId="{32D3E684-A284-C24B-A176-9C7F3839C399}" srcOrd="1" destOrd="0" presId="urn:microsoft.com/office/officeart/2005/8/layout/orgChart1"/>
     <dgm:cxn modelId="{3F24CDED-A9F0-A845-BCC5-12D04D6AF9F5}" type="presOf" srcId="{C1E48158-7719-E149-A865-C6594D4EBE39}" destId="{0BEB55F5-161A-D747-9B25-E36462DB434A}" srcOrd="0" destOrd="0" presId="urn:microsoft.com/office/officeart/2005/8/layout/orgChart1"/>
@@ -6104,13 +6021,6 @@
     <dgm:cxn modelId="{62039446-2789-9148-B180-B2D6ACE282DE}" type="presParOf" srcId="{6A66F812-0EE5-6E4E-BA54-E3E0E051D1CE}" destId="{B6487BCC-6F97-2843-9712-E2CC5D7D8649}" srcOrd="1" destOrd="0" presId="urn:microsoft.com/office/officeart/2005/8/layout/orgChart1"/>
     <dgm:cxn modelId="{641AE1C7-835C-F54C-A883-57CDA43FAED6}" type="presParOf" srcId="{A11D60BE-D709-7D46-9CC9-0FAAFA76395C}" destId="{C221ABC6-CDB1-804B-BCE5-1D29AFD0F171}" srcOrd="1" destOrd="0" presId="urn:microsoft.com/office/officeart/2005/8/layout/orgChart1"/>
     <dgm:cxn modelId="{BA2DD301-8B38-1245-B69E-B2FCBA4452AB}" type="presParOf" srcId="{A11D60BE-D709-7D46-9CC9-0FAAFA76395C}" destId="{26C2D325-22A3-CF4E-B37E-A847CF815492}" srcOrd="2" destOrd="0" presId="urn:microsoft.com/office/officeart/2005/8/layout/orgChart1"/>
-    <dgm:cxn modelId="{A68BE6F1-4DCD-624B-959C-EA155A34F800}" type="presParOf" srcId="{7EB34334-405F-5346-9B7A-485359610212}" destId="{A2096E2B-CDC6-E142-AC97-ECB1CBF2B7D8}" srcOrd="4" destOrd="0" presId="urn:microsoft.com/office/officeart/2005/8/layout/orgChart1"/>
-    <dgm:cxn modelId="{9C91274E-F598-894D-B5BC-03B3BEDCAFB9}" type="presParOf" srcId="{7EB34334-405F-5346-9B7A-485359610212}" destId="{097568F2-4CD3-3D40-9DB6-5083F3EBA2A0}" srcOrd="5" destOrd="0" presId="urn:microsoft.com/office/officeart/2005/8/layout/orgChart1"/>
-    <dgm:cxn modelId="{A019201F-60D9-BD4A-B68B-3ED7473B8B8B}" type="presParOf" srcId="{097568F2-4CD3-3D40-9DB6-5083F3EBA2A0}" destId="{CF354057-2D4D-5043-8EB2-80FCB83ED66A}" srcOrd="0" destOrd="0" presId="urn:microsoft.com/office/officeart/2005/8/layout/orgChart1"/>
-    <dgm:cxn modelId="{1F5960C3-DC4D-5548-9EB0-643E3CCDE71C}" type="presParOf" srcId="{CF354057-2D4D-5043-8EB2-80FCB83ED66A}" destId="{B0E9F654-DD3E-0745-8C53-25DAB5196B19}" srcOrd="0" destOrd="0" presId="urn:microsoft.com/office/officeart/2005/8/layout/orgChart1"/>
-    <dgm:cxn modelId="{1AAD786A-8E00-3C45-A76D-654AC18727E8}" type="presParOf" srcId="{CF354057-2D4D-5043-8EB2-80FCB83ED66A}" destId="{B220F052-6765-2E48-9398-1E870F7047BF}" srcOrd="1" destOrd="0" presId="urn:microsoft.com/office/officeart/2005/8/layout/orgChart1"/>
-    <dgm:cxn modelId="{C6DB88AB-E7DE-3647-8D35-63AC60DE27E4}" type="presParOf" srcId="{097568F2-4CD3-3D40-9DB6-5083F3EBA2A0}" destId="{3C237C96-3CC2-4D43-B7A1-6B6307334424}" srcOrd="1" destOrd="0" presId="urn:microsoft.com/office/officeart/2005/8/layout/orgChart1"/>
-    <dgm:cxn modelId="{EC088F6B-53A1-3C4E-B5DA-8F208E7F9CFE}" type="presParOf" srcId="{097568F2-4CD3-3D40-9DB6-5083F3EBA2A0}" destId="{4E66AA70-766C-3F43-8FE6-35B56737BD3D}" srcOrd="2" destOrd="0" presId="urn:microsoft.com/office/officeart/2005/8/layout/orgChart1"/>
     <dgm:cxn modelId="{724F7956-9460-E24E-9835-700C5D4C804D}" type="presParOf" srcId="{551EFE48-E4F4-E647-80DD-0389C98AB8B2}" destId="{517B4D64-22C2-4546-9238-B4B6638DF77F}" srcOrd="2" destOrd="0" presId="urn:microsoft.com/office/officeart/2005/8/layout/orgChart1"/>
     <dgm:cxn modelId="{D922BEE7-8DE2-4F4E-A388-4F41D098496B}" type="presParOf" srcId="{07995FCC-BA26-194C-A73F-813ACF86BC2A}" destId="{3ACED839-46BC-E745-9E5C-475BB15821D6}" srcOrd="2" destOrd="0" presId="urn:microsoft.com/office/officeart/2005/8/layout/orgChart1"/>
   </dgm:cxnLst>
@@ -14574,15 +14484,15 @@
       <dsp:cNvGrpSpPr/>
     </dsp:nvGrpSpPr>
     <dsp:grpSpPr/>
-    <dsp:sp modelId="{A2096E2B-CDC6-E142-AC97-ECB1CBF2B7D8}">
+    <dsp:sp modelId="{6C822C9E-835E-5645-AF5D-7834466D4748}">
       <dsp:nvSpPr>
         <dsp:cNvPr id="0" name=""/>
         <dsp:cNvSpPr/>
       </dsp:nvSpPr>
       <dsp:spPr>
         <a:xfrm>
-          <a:off x="3737536" y="1678857"/>
-          <a:ext cx="207852" cy="2605083"/>
+          <a:off x="3767463" y="2131495"/>
+          <a:ext cx="263965" cy="2058934"/>
         </a:xfrm>
         <a:custGeom>
           <a:avLst/>
@@ -14596,10 +14506,10 @@
                 <a:pt x="0" y="0"/>
               </a:moveTo>
               <a:lnTo>
-                <a:pt x="0" y="2605083"/>
+                <a:pt x="0" y="2058934"/>
               </a:lnTo>
               <a:lnTo>
-                <a:pt x="207852" y="2605083"/>
+                <a:pt x="263965" y="2058934"/>
               </a:lnTo>
             </a:path>
           </a:pathLst>
@@ -14633,15 +14543,15 @@
         <a:fontRef idx="minor"/>
       </dsp:style>
     </dsp:sp>
-    <dsp:sp modelId="{6C822C9E-835E-5645-AF5D-7834466D4748}">
+    <dsp:sp modelId="{743172C3-3363-F54F-9FA3-3950DF47F2B4}">
       <dsp:nvSpPr>
         <dsp:cNvPr id="0" name=""/>
         <dsp:cNvSpPr/>
       </dsp:nvSpPr>
       <dsp:spPr>
         <a:xfrm>
-          <a:off x="3737536" y="1678857"/>
-          <a:ext cx="207852" cy="1621249"/>
+          <a:off x="3767463" y="2131495"/>
+          <a:ext cx="263965" cy="809495"/>
         </a:xfrm>
         <a:custGeom>
           <a:avLst/>
@@ -14655,10 +14565,10 @@
                 <a:pt x="0" y="0"/>
               </a:moveTo>
               <a:lnTo>
-                <a:pt x="0" y="1621249"/>
+                <a:pt x="0" y="809495"/>
               </a:lnTo>
               <a:lnTo>
-                <a:pt x="207852" y="1621249"/>
+                <a:pt x="263965" y="809495"/>
               </a:lnTo>
             </a:path>
           </a:pathLst>
@@ -14692,15 +14602,15 @@
         <a:fontRef idx="minor"/>
       </dsp:style>
     </dsp:sp>
-    <dsp:sp modelId="{743172C3-3363-F54F-9FA3-3950DF47F2B4}">
+    <dsp:sp modelId="{CB4246F8-540D-F047-9DAA-4403379F4330}">
       <dsp:nvSpPr>
         <dsp:cNvPr id="0" name=""/>
         <dsp:cNvSpPr/>
       </dsp:nvSpPr>
       <dsp:spPr>
         <a:xfrm>
-          <a:off x="3737536" y="1678857"/>
-          <a:ext cx="207852" cy="637414"/>
+          <a:off x="3406710" y="882056"/>
+          <a:ext cx="1064662" cy="369552"/>
         </a:xfrm>
         <a:custGeom>
           <a:avLst/>
@@ -14714,10 +14624,72 @@
                 <a:pt x="0" y="0"/>
               </a:moveTo>
               <a:lnTo>
-                <a:pt x="0" y="637414"/>
+                <a:pt x="0" y="184776"/>
               </a:lnTo>
               <a:lnTo>
-                <a:pt x="207852" y="637414"/>
+                <a:pt x="1064662" y="184776"/>
+              </a:lnTo>
+              <a:lnTo>
+                <a:pt x="1064662" y="369552"/>
+              </a:lnTo>
+            </a:path>
+          </a:pathLst>
+        </a:custGeom>
+        <a:noFill/>
+        <a:ln w="19050" cap="flat" cmpd="sng" algn="ctr">
+          <a:solidFill>
+            <a:schemeClr val="accent1">
+              <a:shade val="60000"/>
+              <a:hueOff val="0"/>
+              <a:satOff val="0"/>
+              <a:lumOff val="0"/>
+              <a:alphaOff val="0"/>
+            </a:schemeClr>
+          </a:solidFill>
+          <a:prstDash val="solid"/>
+          <a:miter lim="800000"/>
+        </a:ln>
+        <a:effectLst/>
+      </dsp:spPr>
+      <dsp:style>
+        <a:lnRef idx="2">
+          <a:scrgbClr r="0" g="0" b="0"/>
+        </a:lnRef>
+        <a:fillRef idx="0">
+          <a:scrgbClr r="0" g="0" b="0"/>
+        </a:fillRef>
+        <a:effectRef idx="0">
+          <a:scrgbClr r="0" g="0" b="0"/>
+        </a:effectRef>
+        <a:fontRef idx="minor"/>
+      </dsp:style>
+    </dsp:sp>
+    <dsp:sp modelId="{C4E2BFB1-2EA0-1F4A-82B4-ABE891E932D4}">
+      <dsp:nvSpPr>
+        <dsp:cNvPr id="0" name=""/>
+        <dsp:cNvSpPr/>
+      </dsp:nvSpPr>
+      <dsp:spPr>
+        <a:xfrm>
+          <a:off x="1638138" y="2131495"/>
+          <a:ext cx="263965" cy="2058934"/>
+        </a:xfrm>
+        <a:custGeom>
+          <a:avLst/>
+          <a:gdLst/>
+          <a:ahLst/>
+          <a:cxnLst/>
+          <a:rect l="0" t="0" r="0" b="0"/>
+          <a:pathLst>
+            <a:path>
+              <a:moveTo>
+                <a:pt x="0" y="0"/>
+              </a:moveTo>
+              <a:lnTo>
+                <a:pt x="0" y="2058934"/>
+              </a:lnTo>
+              <a:lnTo>
+                <a:pt x="263965" y="2058934"/>
               </a:lnTo>
             </a:path>
           </a:pathLst>
@@ -14751,15 +14723,15 @@
         <a:fontRef idx="minor"/>
       </dsp:style>
     </dsp:sp>
-    <dsp:sp modelId="{CB4246F8-540D-F047-9DAA-4403379F4330}">
+    <dsp:sp modelId="{EB4D5CBC-5CFD-E64E-94DC-D7DD6C39BABC}">
       <dsp:nvSpPr>
         <dsp:cNvPr id="0" name=""/>
         <dsp:cNvSpPr/>
       </dsp:nvSpPr>
       <dsp:spPr>
         <a:xfrm>
-          <a:off x="3453471" y="695022"/>
-          <a:ext cx="838338" cy="290993"/>
+          <a:off x="1638138" y="2131495"/>
+          <a:ext cx="263965" cy="809495"/>
         </a:xfrm>
         <a:custGeom>
           <a:avLst/>
@@ -14773,13 +14745,72 @@
                 <a:pt x="0" y="0"/>
               </a:moveTo>
               <a:lnTo>
-                <a:pt x="0" y="145496"/>
+                <a:pt x="0" y="809495"/>
               </a:lnTo>
               <a:lnTo>
-                <a:pt x="838338" y="145496"/>
+                <a:pt x="263965" y="809495"/>
+              </a:lnTo>
+            </a:path>
+          </a:pathLst>
+        </a:custGeom>
+        <a:noFill/>
+        <a:ln w="19050" cap="flat" cmpd="sng" algn="ctr">
+          <a:solidFill>
+            <a:schemeClr val="accent1">
+              <a:shade val="80000"/>
+              <a:hueOff val="0"/>
+              <a:satOff val="0"/>
+              <a:lumOff val="0"/>
+              <a:alphaOff val="0"/>
+            </a:schemeClr>
+          </a:solidFill>
+          <a:prstDash val="solid"/>
+          <a:miter lim="800000"/>
+        </a:ln>
+        <a:effectLst/>
+      </dsp:spPr>
+      <dsp:style>
+        <a:lnRef idx="2">
+          <a:scrgbClr r="0" g="0" b="0"/>
+        </a:lnRef>
+        <a:fillRef idx="0">
+          <a:scrgbClr r="0" g="0" b="0"/>
+        </a:fillRef>
+        <a:effectRef idx="0">
+          <a:scrgbClr r="0" g="0" b="0"/>
+        </a:effectRef>
+        <a:fontRef idx="minor"/>
+      </dsp:style>
+    </dsp:sp>
+    <dsp:sp modelId="{F777DFC4-7111-154F-B309-9519F20588E6}">
+      <dsp:nvSpPr>
+        <dsp:cNvPr id="0" name=""/>
+        <dsp:cNvSpPr/>
+      </dsp:nvSpPr>
+      <dsp:spPr>
+        <a:xfrm>
+          <a:off x="2342047" y="882056"/>
+          <a:ext cx="1064662" cy="369552"/>
+        </a:xfrm>
+        <a:custGeom>
+          <a:avLst/>
+          <a:gdLst/>
+          <a:ahLst/>
+          <a:cxnLst/>
+          <a:rect l="0" t="0" r="0" b="0"/>
+          <a:pathLst>
+            <a:path>
+              <a:moveTo>
+                <a:pt x="1064662" y="0"/>
+              </a:moveTo>
+              <a:lnTo>
+                <a:pt x="1064662" y="184776"/>
               </a:lnTo>
               <a:lnTo>
-                <a:pt x="838338" y="290993"/>
+                <a:pt x="0" y="184776"/>
+              </a:lnTo>
+              <a:lnTo>
+                <a:pt x="0" y="369552"/>
               </a:lnTo>
             </a:path>
           </a:pathLst>
@@ -14813,186 +14844,6 @@
         <a:fontRef idx="minor"/>
       </dsp:style>
     </dsp:sp>
-    <dsp:sp modelId="{C4E2BFB1-2EA0-1F4A-82B4-ABE891E932D4}">
-      <dsp:nvSpPr>
-        <dsp:cNvPr id="0" name=""/>
-        <dsp:cNvSpPr/>
-      </dsp:nvSpPr>
-      <dsp:spPr>
-        <a:xfrm>
-          <a:off x="2060860" y="1678857"/>
-          <a:ext cx="207852" cy="1621249"/>
-        </a:xfrm>
-        <a:custGeom>
-          <a:avLst/>
-          <a:gdLst/>
-          <a:ahLst/>
-          <a:cxnLst/>
-          <a:rect l="0" t="0" r="0" b="0"/>
-          <a:pathLst>
-            <a:path>
-              <a:moveTo>
-                <a:pt x="0" y="0"/>
-              </a:moveTo>
-              <a:lnTo>
-                <a:pt x="0" y="1621249"/>
-              </a:lnTo>
-              <a:lnTo>
-                <a:pt x="207852" y="1621249"/>
-              </a:lnTo>
-            </a:path>
-          </a:pathLst>
-        </a:custGeom>
-        <a:noFill/>
-        <a:ln w="19050" cap="flat" cmpd="sng" algn="ctr">
-          <a:solidFill>
-            <a:schemeClr val="accent1">
-              <a:shade val="80000"/>
-              <a:hueOff val="0"/>
-              <a:satOff val="0"/>
-              <a:lumOff val="0"/>
-              <a:alphaOff val="0"/>
-            </a:schemeClr>
-          </a:solidFill>
-          <a:prstDash val="solid"/>
-          <a:miter lim="800000"/>
-        </a:ln>
-        <a:effectLst/>
-      </dsp:spPr>
-      <dsp:style>
-        <a:lnRef idx="2">
-          <a:scrgbClr r="0" g="0" b="0"/>
-        </a:lnRef>
-        <a:fillRef idx="0">
-          <a:scrgbClr r="0" g="0" b="0"/>
-        </a:fillRef>
-        <a:effectRef idx="0">
-          <a:scrgbClr r="0" g="0" b="0"/>
-        </a:effectRef>
-        <a:fontRef idx="minor"/>
-      </dsp:style>
-    </dsp:sp>
-    <dsp:sp modelId="{EB4D5CBC-5CFD-E64E-94DC-D7DD6C39BABC}">
-      <dsp:nvSpPr>
-        <dsp:cNvPr id="0" name=""/>
-        <dsp:cNvSpPr/>
-      </dsp:nvSpPr>
-      <dsp:spPr>
-        <a:xfrm>
-          <a:off x="2060860" y="1678857"/>
-          <a:ext cx="207852" cy="637414"/>
-        </a:xfrm>
-        <a:custGeom>
-          <a:avLst/>
-          <a:gdLst/>
-          <a:ahLst/>
-          <a:cxnLst/>
-          <a:rect l="0" t="0" r="0" b="0"/>
-          <a:pathLst>
-            <a:path>
-              <a:moveTo>
-                <a:pt x="0" y="0"/>
-              </a:moveTo>
-              <a:lnTo>
-                <a:pt x="0" y="637414"/>
-              </a:lnTo>
-              <a:lnTo>
-                <a:pt x="207852" y="637414"/>
-              </a:lnTo>
-            </a:path>
-          </a:pathLst>
-        </a:custGeom>
-        <a:noFill/>
-        <a:ln w="19050" cap="flat" cmpd="sng" algn="ctr">
-          <a:solidFill>
-            <a:schemeClr val="accent1">
-              <a:shade val="80000"/>
-              <a:hueOff val="0"/>
-              <a:satOff val="0"/>
-              <a:lumOff val="0"/>
-              <a:alphaOff val="0"/>
-            </a:schemeClr>
-          </a:solidFill>
-          <a:prstDash val="solid"/>
-          <a:miter lim="800000"/>
-        </a:ln>
-        <a:effectLst/>
-      </dsp:spPr>
-      <dsp:style>
-        <a:lnRef idx="2">
-          <a:scrgbClr r="0" g="0" b="0"/>
-        </a:lnRef>
-        <a:fillRef idx="0">
-          <a:scrgbClr r="0" g="0" b="0"/>
-        </a:fillRef>
-        <a:effectRef idx="0">
-          <a:scrgbClr r="0" g="0" b="0"/>
-        </a:effectRef>
-        <a:fontRef idx="minor"/>
-      </dsp:style>
-    </dsp:sp>
-    <dsp:sp modelId="{F777DFC4-7111-154F-B309-9519F20588E6}">
-      <dsp:nvSpPr>
-        <dsp:cNvPr id="0" name=""/>
-        <dsp:cNvSpPr/>
-      </dsp:nvSpPr>
-      <dsp:spPr>
-        <a:xfrm>
-          <a:off x="2615133" y="695022"/>
-          <a:ext cx="838338" cy="290993"/>
-        </a:xfrm>
-        <a:custGeom>
-          <a:avLst/>
-          <a:gdLst/>
-          <a:ahLst/>
-          <a:cxnLst/>
-          <a:rect l="0" t="0" r="0" b="0"/>
-          <a:pathLst>
-            <a:path>
-              <a:moveTo>
-                <a:pt x="838338" y="0"/>
-              </a:moveTo>
-              <a:lnTo>
-                <a:pt x="838338" y="145496"/>
-              </a:lnTo>
-              <a:lnTo>
-                <a:pt x="0" y="145496"/>
-              </a:lnTo>
-              <a:lnTo>
-                <a:pt x="0" y="290993"/>
-              </a:lnTo>
-            </a:path>
-          </a:pathLst>
-        </a:custGeom>
-        <a:noFill/>
-        <a:ln w="19050" cap="flat" cmpd="sng" algn="ctr">
-          <a:solidFill>
-            <a:schemeClr val="accent1">
-              <a:shade val="60000"/>
-              <a:hueOff val="0"/>
-              <a:satOff val="0"/>
-              <a:lumOff val="0"/>
-              <a:alphaOff val="0"/>
-            </a:schemeClr>
-          </a:solidFill>
-          <a:prstDash val="solid"/>
-          <a:miter lim="800000"/>
-        </a:ln>
-        <a:effectLst/>
-      </dsp:spPr>
-      <dsp:style>
-        <a:lnRef idx="2">
-          <a:scrgbClr r="0" g="0" b="0"/>
-        </a:lnRef>
-        <a:fillRef idx="0">
-          <a:scrgbClr r="0" g="0" b="0"/>
-        </a:fillRef>
-        <a:effectRef idx="0">
-          <a:scrgbClr r="0" g="0" b="0"/>
-        </a:effectRef>
-        <a:fontRef idx="minor"/>
-      </dsp:style>
-    </dsp:sp>
     <dsp:sp modelId="{1B4FA5AE-6D54-EC45-A6B8-44AAE9A6F5E5}">
       <dsp:nvSpPr>
         <dsp:cNvPr id="0" name=""/>
@@ -15000,8 +14851,8 @@
       </dsp:nvSpPr>
       <dsp:spPr>
         <a:xfrm>
-          <a:off x="2760630" y="2181"/>
-          <a:ext cx="1385682" cy="692841"/>
+          <a:off x="2526823" y="2170"/>
+          <a:ext cx="1759773" cy="879886"/>
         </a:xfrm>
         <a:prstGeom prst="rect">
           <a:avLst/>
@@ -15070,8 +14921,8 @@
         </a:p>
       </dsp:txBody>
       <dsp:txXfrm>
-        <a:off x="2760630" y="2181"/>
-        <a:ext cx="1385682" cy="692841"/>
+        <a:off x="2526823" y="2170"/>
+        <a:ext cx="1759773" cy="879886"/>
       </dsp:txXfrm>
     </dsp:sp>
     <dsp:sp modelId="{2886F659-6E89-BF4A-9E9B-09623E8A0CC6}">
@@ -15081,8 +14932,8 @@
       </dsp:nvSpPr>
       <dsp:spPr>
         <a:xfrm>
-          <a:off x="1922291" y="986016"/>
-          <a:ext cx="1385682" cy="692841"/>
+          <a:off x="1462161" y="1251609"/>
+          <a:ext cx="1759773" cy="879886"/>
         </a:xfrm>
         <a:prstGeom prst="rect">
           <a:avLst/>
@@ -15151,8 +15002,8 @@
         </a:p>
       </dsp:txBody>
       <dsp:txXfrm>
-        <a:off x="1922291" y="986016"/>
-        <a:ext cx="1385682" cy="692841"/>
+        <a:off x="1462161" y="1251609"/>
+        <a:ext cx="1759773" cy="879886"/>
       </dsp:txXfrm>
     </dsp:sp>
     <dsp:sp modelId="{B4FBC950-3436-5547-B874-96C0921DAD13}">
@@ -15162,8 +15013,8 @@
       </dsp:nvSpPr>
       <dsp:spPr>
         <a:xfrm>
-          <a:off x="2268712" y="1969851"/>
-          <a:ext cx="1385682" cy="692841"/>
+          <a:off x="1902104" y="2501048"/>
+          <a:ext cx="1759773" cy="879886"/>
         </a:xfrm>
         <a:prstGeom prst="rect">
           <a:avLst/>
@@ -15236,8 +15087,8 @@
         </a:p>
       </dsp:txBody>
       <dsp:txXfrm>
-        <a:off x="2268712" y="1969851"/>
-        <a:ext cx="1385682" cy="692841"/>
+        <a:off x="1902104" y="2501048"/>
+        <a:ext cx="1759773" cy="879886"/>
       </dsp:txXfrm>
     </dsp:sp>
     <dsp:sp modelId="{4A003CC7-CC23-8745-8939-193C1E158901}">
@@ -15247,8 +15098,8 @@
       </dsp:nvSpPr>
       <dsp:spPr>
         <a:xfrm>
-          <a:off x="2268712" y="2953686"/>
-          <a:ext cx="1385682" cy="692841"/>
+          <a:off x="1902104" y="3750487"/>
+          <a:ext cx="1759773" cy="879886"/>
         </a:xfrm>
         <a:prstGeom prst="rect">
           <a:avLst/>
@@ -15321,8 +15172,8 @@
         </a:p>
       </dsp:txBody>
       <dsp:txXfrm>
-        <a:off x="2268712" y="2953686"/>
-        <a:ext cx="1385682" cy="692841"/>
+        <a:off x="1902104" y="3750487"/>
+        <a:ext cx="1759773" cy="879886"/>
       </dsp:txXfrm>
     </dsp:sp>
     <dsp:sp modelId="{0BEB55F5-161A-D747-9B25-E36462DB434A}">
@@ -15332,8 +15183,8 @@
       </dsp:nvSpPr>
       <dsp:spPr>
         <a:xfrm>
-          <a:off x="3598968" y="986016"/>
-          <a:ext cx="1385682" cy="692841"/>
+          <a:off x="3591486" y="1251609"/>
+          <a:ext cx="1759773" cy="879886"/>
         </a:xfrm>
         <a:prstGeom prst="rect">
           <a:avLst/>
@@ -15406,8 +15257,8 @@
         </a:p>
       </dsp:txBody>
       <dsp:txXfrm>
-        <a:off x="3598968" y="986016"/>
-        <a:ext cx="1385682" cy="692841"/>
+        <a:off x="3591486" y="1251609"/>
+        <a:ext cx="1759773" cy="879886"/>
       </dsp:txXfrm>
     </dsp:sp>
     <dsp:sp modelId="{2A289A3D-8DE1-004D-9E92-FA08A37AE63D}">
@@ -15417,8 +15268,8 @@
       </dsp:nvSpPr>
       <dsp:spPr>
         <a:xfrm>
-          <a:off x="3945389" y="1969851"/>
-          <a:ext cx="1385682" cy="692841"/>
+          <a:off x="4031429" y="2501048"/>
+          <a:ext cx="1759773" cy="879886"/>
         </a:xfrm>
         <a:prstGeom prst="rect">
           <a:avLst/>
@@ -15491,8 +15342,8 @@
         </a:p>
       </dsp:txBody>
       <dsp:txXfrm>
-        <a:off x="3945389" y="1969851"/>
-        <a:ext cx="1385682" cy="692841"/>
+        <a:off x="4031429" y="2501048"/>
+        <a:ext cx="1759773" cy="879886"/>
       </dsp:txXfrm>
     </dsp:sp>
     <dsp:sp modelId="{9ABB7012-2C3A-1F45-A584-55AC9607BB7D}">
@@ -15502,8 +15353,8 @@
       </dsp:nvSpPr>
       <dsp:spPr>
         <a:xfrm>
-          <a:off x="3945389" y="2953686"/>
-          <a:ext cx="1385682" cy="692841"/>
+          <a:off x="4031429" y="3750487"/>
+          <a:ext cx="1759773" cy="879886"/>
         </a:xfrm>
         <a:prstGeom prst="rect">
           <a:avLst/>
@@ -15576,93 +15427,8 @@
         </a:p>
       </dsp:txBody>
       <dsp:txXfrm>
-        <a:off x="3945389" y="2953686"/>
-        <a:ext cx="1385682" cy="692841"/>
-      </dsp:txXfrm>
-    </dsp:sp>
-    <dsp:sp modelId="{B0E9F654-DD3E-0745-8C53-25DAB5196B19}">
-      <dsp:nvSpPr>
-        <dsp:cNvPr id="0" name=""/>
-        <dsp:cNvSpPr/>
-      </dsp:nvSpPr>
-      <dsp:spPr>
-        <a:xfrm>
-          <a:off x="3945389" y="3937521"/>
-          <a:ext cx="1385682" cy="692841"/>
-        </a:xfrm>
-        <a:prstGeom prst="rect">
-          <a:avLst/>
-        </a:prstGeom>
-        <a:solidFill>
-          <a:schemeClr val="accent1">
-            <a:hueOff val="0"/>
-            <a:satOff val="0"/>
-            <a:lumOff val="0"/>
-            <a:alphaOff val="0"/>
-          </a:schemeClr>
-        </a:solidFill>
-        <a:ln w="19050" cap="flat" cmpd="sng" algn="ctr">
-          <a:solidFill>
-            <a:schemeClr val="lt1">
-              <a:hueOff val="0"/>
-              <a:satOff val="0"/>
-              <a:lumOff val="0"/>
-              <a:alphaOff val="0"/>
-            </a:schemeClr>
-          </a:solidFill>
-          <a:prstDash val="solid"/>
-          <a:miter lim="800000"/>
-        </a:ln>
-        <a:effectLst/>
-      </dsp:spPr>
-      <dsp:style>
-        <a:lnRef idx="2">
-          <a:scrgbClr r="0" g="0" b="0"/>
-        </a:lnRef>
-        <a:fillRef idx="1">
-          <a:scrgbClr r="0" g="0" b="0"/>
-        </a:fillRef>
-        <a:effectRef idx="0">
-          <a:scrgbClr r="0" g="0" b="0"/>
-        </a:effectRef>
-        <a:fontRef idx="minor">
-          <a:schemeClr val="lt1"/>
-        </a:fontRef>
-      </dsp:style>
-      <dsp:txBody>
-        <a:bodyPr spcFirstLastPara="0" vert="horz" wrap="square" lIns="8890" tIns="8890" rIns="8890" bIns="8890" numCol="1" spcCol="1270" anchor="ctr" anchorCtr="0">
-          <a:noAutofit/>
-        </a:bodyPr>
-        <a:lstStyle/>
-        <a:p>
-          <a:pPr marL="0" lvl="0" indent="0" algn="ctr" defTabSz="622300">
-            <a:lnSpc>
-              <a:spcPct val="90000"/>
-            </a:lnSpc>
-            <a:spcBef>
-              <a:spcPct val="0"/>
-            </a:spcBef>
-            <a:spcAft>
-              <a:spcPct val="35000"/>
-            </a:spcAft>
-            <a:buNone/>
-          </a:pPr>
-          <a:r>
-            <a:rPr lang="en-US" altLang="en-US" sz="1400" kern="1200" dirty="0">
-              <a:latin typeface="Arial" panose="020B0604020202020204" pitchFamily="34" charset="0"/>
-              <a:cs typeface="Arial" panose="020B0604020202020204" pitchFamily="34" charset="0"/>
-            </a:rPr>
-            <a:t>Circular Linked List</a:t>
-          </a:r>
-          <a:endParaRPr lang="zh-TW" altLang="en-US" sz="1400" kern="1200" dirty="0">
-            <a:latin typeface="Arial" panose="020B0604020202020204" pitchFamily="34" charset="0"/>
-            <a:cs typeface="Arial" panose="020B0604020202020204" pitchFamily="34" charset="0"/>
-          </a:endParaRPr>
-        </a:p>
-      </dsp:txBody>
-      <dsp:txXfrm>
-        <a:off x="3945389" y="3937521"/>
-        <a:ext cx="1385682" cy="692841"/>
+        <a:off x="4031429" y="3750487"/>
+        <a:ext cx="1759773" cy="879886"/>
       </dsp:txXfrm>
     </dsp:sp>
   </dsp:spTree>
@@ -31946,7 +31712,7 @@
           <a:p>
             <a:fld id="{B8322ED2-AA20-DC4A-9CA1-814CBB0E7E0D}" type="datetimeFigureOut">
               <a:rPr kumimoji="1" lang="zh-TW" altLang="en-US" smtClean="0"/>
-              <a:t>2026/1/15</a:t>
+              <a:t>2026/1/17</a:t>
             </a:fld>
             <a:endParaRPr kumimoji="1" lang="zh-TW" altLang="en-US"/>
           </a:p>
@@ -32144,7 +31910,7 @@
           <a:p>
             <a:fld id="{B8322ED2-AA20-DC4A-9CA1-814CBB0E7E0D}" type="datetimeFigureOut">
               <a:rPr kumimoji="1" lang="zh-TW" altLang="en-US" smtClean="0"/>
-              <a:t>2026/1/15</a:t>
+              <a:t>2026/1/17</a:t>
             </a:fld>
             <a:endParaRPr kumimoji="1" lang="zh-TW" altLang="en-US"/>
           </a:p>
@@ -32352,7 +32118,7 @@
           <a:p>
             <a:fld id="{B8322ED2-AA20-DC4A-9CA1-814CBB0E7E0D}" type="datetimeFigureOut">
               <a:rPr kumimoji="1" lang="zh-TW" altLang="en-US" smtClean="0"/>
-              <a:t>2026/1/15</a:t>
+              <a:t>2026/1/17</a:t>
             </a:fld>
             <a:endParaRPr kumimoji="1" lang="zh-TW" altLang="en-US"/>
           </a:p>
@@ -32550,7 +32316,7 @@
           <a:p>
             <a:fld id="{B8322ED2-AA20-DC4A-9CA1-814CBB0E7E0D}" type="datetimeFigureOut">
               <a:rPr kumimoji="1" lang="zh-TW" altLang="en-US" smtClean="0"/>
-              <a:t>2026/1/15</a:t>
+              <a:t>2026/1/17</a:t>
             </a:fld>
             <a:endParaRPr kumimoji="1" lang="zh-TW" altLang="en-US"/>
           </a:p>
@@ -32825,7 +32591,7 @@
           <a:p>
             <a:fld id="{B8322ED2-AA20-DC4A-9CA1-814CBB0E7E0D}" type="datetimeFigureOut">
               <a:rPr kumimoji="1" lang="zh-TW" altLang="en-US" smtClean="0"/>
-              <a:t>2026/1/15</a:t>
+              <a:t>2026/1/17</a:t>
             </a:fld>
             <a:endParaRPr kumimoji="1" lang="zh-TW" altLang="en-US"/>
           </a:p>
@@ -33090,7 +32856,7 @@
           <a:p>
             <a:fld id="{B8322ED2-AA20-DC4A-9CA1-814CBB0E7E0D}" type="datetimeFigureOut">
               <a:rPr kumimoji="1" lang="zh-TW" altLang="en-US" smtClean="0"/>
-              <a:t>2026/1/15</a:t>
+              <a:t>2026/1/17</a:t>
             </a:fld>
             <a:endParaRPr kumimoji="1" lang="zh-TW" altLang="en-US"/>
           </a:p>
@@ -33502,7 +33268,7 @@
           <a:p>
             <a:fld id="{B8322ED2-AA20-DC4A-9CA1-814CBB0E7E0D}" type="datetimeFigureOut">
               <a:rPr kumimoji="1" lang="zh-TW" altLang="en-US" smtClean="0"/>
-              <a:t>2026/1/15</a:t>
+              <a:t>2026/1/17</a:t>
             </a:fld>
             <a:endParaRPr kumimoji="1" lang="zh-TW" altLang="en-US"/>
           </a:p>
@@ -33643,7 +33409,7 @@
           <a:p>
             <a:fld id="{B8322ED2-AA20-DC4A-9CA1-814CBB0E7E0D}" type="datetimeFigureOut">
               <a:rPr kumimoji="1" lang="zh-TW" altLang="en-US" smtClean="0"/>
-              <a:t>2026/1/15</a:t>
+              <a:t>2026/1/17</a:t>
             </a:fld>
             <a:endParaRPr kumimoji="1" lang="zh-TW" altLang="en-US"/>
           </a:p>
@@ -33756,7 +33522,7 @@
           <a:p>
             <a:fld id="{B8322ED2-AA20-DC4A-9CA1-814CBB0E7E0D}" type="datetimeFigureOut">
               <a:rPr kumimoji="1" lang="zh-TW" altLang="en-US" smtClean="0"/>
-              <a:t>2026/1/15</a:t>
+              <a:t>2026/1/17</a:t>
             </a:fld>
             <a:endParaRPr kumimoji="1" lang="zh-TW" altLang="en-US"/>
           </a:p>
@@ -34067,7 +33833,7 @@
           <a:p>
             <a:fld id="{B8322ED2-AA20-DC4A-9CA1-814CBB0E7E0D}" type="datetimeFigureOut">
               <a:rPr kumimoji="1" lang="zh-TW" altLang="en-US" smtClean="0"/>
-              <a:t>2026/1/15</a:t>
+              <a:t>2026/1/17</a:t>
             </a:fld>
             <a:endParaRPr kumimoji="1" lang="zh-TW" altLang="en-US"/>
           </a:p>
@@ -34355,7 +34121,7 @@
           <a:p>
             <a:fld id="{B8322ED2-AA20-DC4A-9CA1-814CBB0E7E0D}" type="datetimeFigureOut">
               <a:rPr kumimoji="1" lang="zh-TW" altLang="en-US" smtClean="0"/>
-              <a:t>2026/1/15</a:t>
+              <a:t>2026/1/17</a:t>
             </a:fld>
             <a:endParaRPr kumimoji="1" lang="zh-TW" altLang="en-US"/>
           </a:p>
@@ -34596,7 +34362,7 @@
           <a:p>
             <a:fld id="{B8322ED2-AA20-DC4A-9CA1-814CBB0E7E0D}" type="datetimeFigureOut">
               <a:rPr kumimoji="1" lang="zh-TW" altLang="en-US" smtClean="0"/>
-              <a:t>2026/1/15</a:t>
+              <a:t>2026/1/17</a:t>
             </a:fld>
             <a:endParaRPr kumimoji="1" lang="zh-TW" altLang="en-US"/>
           </a:p>
@@ -35214,7 +34980,7 @@
           <p:nvPr>
             <p:extLst>
               <p:ext uri="{D42A27DB-BD31-4B8C-83A1-F6EECF244321}">
-                <p14:modId xmlns:p14="http://schemas.microsoft.com/office/powerpoint/2010/main" val="2131519661"/>
+                <p14:modId xmlns:p14="http://schemas.microsoft.com/office/powerpoint/2010/main" val="969973810"/>
               </p:ext>
             </p:extLst>
           </p:nvPr>
